--- a/Happy People Presentation.pptx
+++ b/Happy People Presentation.pptx
@@ -2,18 +2,38 @@
 <file path=ppt/presentation.xml><?xml version="1.0" encoding="utf-8"?>
 <p:presentation xmlns:a="http://schemas.openxmlformats.org/drawingml/2006/main" xmlns:r="http://schemas.openxmlformats.org/officeDocument/2006/relationships" xmlns:p="http://schemas.openxmlformats.org/presentationml/2006/main" saveSubsetFonts="1">
   <p:sldMasterIdLst>
-    <p:sldMasterId id="2147483684" r:id="rId1"/>
+    <p:sldMasterId id="2147483732" r:id="rId1"/>
   </p:sldMasterIdLst>
   <p:notesMasterIdLst>
-    <p:notesMasterId r:id="rId8"/>
+    <p:notesMasterId r:id="rId28"/>
   </p:notesMasterIdLst>
   <p:sldIdLst>
     <p:sldId id="256" r:id="rId2"/>
     <p:sldId id="257" r:id="rId3"/>
-    <p:sldId id="258" r:id="rId4"/>
-    <p:sldId id="259" r:id="rId5"/>
-    <p:sldId id="260" r:id="rId6"/>
-    <p:sldId id="261" r:id="rId7"/>
+    <p:sldId id="263" r:id="rId4"/>
+    <p:sldId id="273" r:id="rId5"/>
+    <p:sldId id="274" r:id="rId6"/>
+    <p:sldId id="275" r:id="rId7"/>
+    <p:sldId id="276" r:id="rId8"/>
+    <p:sldId id="264" r:id="rId9"/>
+    <p:sldId id="266" r:id="rId10"/>
+    <p:sldId id="267" r:id="rId11"/>
+    <p:sldId id="268" r:id="rId12"/>
+    <p:sldId id="269" r:id="rId13"/>
+    <p:sldId id="270" r:id="rId14"/>
+    <p:sldId id="271" r:id="rId15"/>
+    <p:sldId id="272" r:id="rId16"/>
+    <p:sldId id="262" r:id="rId17"/>
+    <p:sldId id="258" r:id="rId18"/>
+    <p:sldId id="259" r:id="rId19"/>
+    <p:sldId id="260" r:id="rId20"/>
+    <p:sldId id="261" r:id="rId21"/>
+    <p:sldId id="265" r:id="rId22"/>
+    <p:sldId id="277" r:id="rId23"/>
+    <p:sldId id="278" r:id="rId24"/>
+    <p:sldId id="279" r:id="rId25"/>
+    <p:sldId id="280" r:id="rId26"/>
+    <p:sldId id="281" r:id="rId27"/>
   </p:sldIdLst>
   <p:sldSz cx="12192000" cy="6858000"/>
   <p:notesSz cx="6858000" cy="9144000"/>
@@ -21,7 +41,7 @@
     <a:defPPr>
       <a:defRPr lang="en-US"/>
     </a:defPPr>
-    <a:lvl1pPr marL="0" algn="l" defTabSz="914400" rtl="0" eaLnBrk="1" latinLnBrk="0" hangingPunct="1">
+    <a:lvl1pPr marL="0" algn="l" defTabSz="457200" rtl="0" eaLnBrk="1" latinLnBrk="0" hangingPunct="1">
       <a:defRPr sz="1800" kern="1200">
         <a:solidFill>
           <a:schemeClr val="tx1"/>
@@ -31,7 +51,7 @@
         <a:cs typeface="+mn-cs"/>
       </a:defRPr>
     </a:lvl1pPr>
-    <a:lvl2pPr marL="457200" algn="l" defTabSz="914400" rtl="0" eaLnBrk="1" latinLnBrk="0" hangingPunct="1">
+    <a:lvl2pPr marL="457200" algn="l" defTabSz="457200" rtl="0" eaLnBrk="1" latinLnBrk="0" hangingPunct="1">
       <a:defRPr sz="1800" kern="1200">
         <a:solidFill>
           <a:schemeClr val="tx1"/>
@@ -41,7 +61,7 @@
         <a:cs typeface="+mn-cs"/>
       </a:defRPr>
     </a:lvl2pPr>
-    <a:lvl3pPr marL="914400" algn="l" defTabSz="914400" rtl="0" eaLnBrk="1" latinLnBrk="0" hangingPunct="1">
+    <a:lvl3pPr marL="914400" algn="l" defTabSz="457200" rtl="0" eaLnBrk="1" latinLnBrk="0" hangingPunct="1">
       <a:defRPr sz="1800" kern="1200">
         <a:solidFill>
           <a:schemeClr val="tx1"/>
@@ -51,7 +71,7 @@
         <a:cs typeface="+mn-cs"/>
       </a:defRPr>
     </a:lvl3pPr>
-    <a:lvl4pPr marL="1371600" algn="l" defTabSz="914400" rtl="0" eaLnBrk="1" latinLnBrk="0" hangingPunct="1">
+    <a:lvl4pPr marL="1371600" algn="l" defTabSz="457200" rtl="0" eaLnBrk="1" latinLnBrk="0" hangingPunct="1">
       <a:defRPr sz="1800" kern="1200">
         <a:solidFill>
           <a:schemeClr val="tx1"/>
@@ -61,7 +81,7 @@
         <a:cs typeface="+mn-cs"/>
       </a:defRPr>
     </a:lvl4pPr>
-    <a:lvl5pPr marL="1828800" algn="l" defTabSz="914400" rtl="0" eaLnBrk="1" latinLnBrk="0" hangingPunct="1">
+    <a:lvl5pPr marL="1828800" algn="l" defTabSz="457200" rtl="0" eaLnBrk="1" latinLnBrk="0" hangingPunct="1">
       <a:defRPr sz="1800" kern="1200">
         <a:solidFill>
           <a:schemeClr val="tx1"/>
@@ -71,7 +91,7 @@
         <a:cs typeface="+mn-cs"/>
       </a:defRPr>
     </a:lvl5pPr>
-    <a:lvl6pPr marL="2286000" algn="l" defTabSz="914400" rtl="0" eaLnBrk="1" latinLnBrk="0" hangingPunct="1">
+    <a:lvl6pPr marL="2286000" algn="l" defTabSz="457200" rtl="0" eaLnBrk="1" latinLnBrk="0" hangingPunct="1">
       <a:defRPr sz="1800" kern="1200">
         <a:solidFill>
           <a:schemeClr val="tx1"/>
@@ -81,7 +101,7 @@
         <a:cs typeface="+mn-cs"/>
       </a:defRPr>
     </a:lvl6pPr>
-    <a:lvl7pPr marL="2743200" algn="l" defTabSz="914400" rtl="0" eaLnBrk="1" latinLnBrk="0" hangingPunct="1">
+    <a:lvl7pPr marL="2743200" algn="l" defTabSz="457200" rtl="0" eaLnBrk="1" latinLnBrk="0" hangingPunct="1">
       <a:defRPr sz="1800" kern="1200">
         <a:solidFill>
           <a:schemeClr val="tx1"/>
@@ -91,7 +111,7 @@
         <a:cs typeface="+mn-cs"/>
       </a:defRPr>
     </a:lvl7pPr>
-    <a:lvl8pPr marL="3200400" algn="l" defTabSz="914400" rtl="0" eaLnBrk="1" latinLnBrk="0" hangingPunct="1">
+    <a:lvl8pPr marL="3200400" algn="l" defTabSz="457200" rtl="0" eaLnBrk="1" latinLnBrk="0" hangingPunct="1">
       <a:defRPr sz="1800" kern="1200">
         <a:solidFill>
           <a:schemeClr val="tx1"/>
@@ -101,7 +121,7 @@
         <a:cs typeface="+mn-cs"/>
       </a:defRPr>
     </a:lvl8pPr>
-    <a:lvl9pPr marL="3657600" algn="l" defTabSz="914400" rtl="0" eaLnBrk="1" latinLnBrk="0" hangingPunct="1">
+    <a:lvl9pPr marL="3657600" algn="l" defTabSz="457200" rtl="0" eaLnBrk="1" latinLnBrk="0" hangingPunct="1">
       <a:defRPr sz="1800" kern="1200">
         <a:solidFill>
           <a:schemeClr val="tx1"/>
@@ -131,6 +151,675 @@
 </p:presentation>
 </file>
 
+<file path=ppt/revisionInfo.xml><?xml version="1.0" encoding="utf-8"?>
+<p1510:revInfo xmlns:a="http://schemas.openxmlformats.org/drawingml/2006/main" xmlns:r="http://schemas.openxmlformats.org/officeDocument/2006/relationships" xmlns:p1510="http://schemas.microsoft.com/office/powerpoint/2015/10/main">
+  <p1510:revLst>
+    <p1510:client id="{F33A8FCD-F499-4DDA-980A-9C19D727769A}" v="40" dt="2019-03-23T02:09:35.176"/>
+  </p1510:revLst>
+</p1510:revInfo>
+</file>
+
+<file path=ppt/changesInfos/changesInfo1.xml><?xml version="1.0" encoding="utf-8"?>
+<pc:chgInfo xmlns:a="http://schemas.openxmlformats.org/drawingml/2006/main" xmlns:r="http://schemas.openxmlformats.org/officeDocument/2006/relationships" xmlns:ac="http://schemas.microsoft.com/office/drawing/2013/main/command" xmlns:pc="http://schemas.microsoft.com/office/powerpoint/2013/main/command">
+  <pc:docChgLst>
+    <pc:chgData name="Brown, Anna Lynn" userId="3e881428-c25a-4d2a-8575-06f92e22e60b" providerId="ADAL" clId="{F33A8FCD-F499-4DDA-980A-9C19D727769A}"/>
+    <pc:docChg chg="undo custSel mod addSld delSld modSld sldOrd">
+      <pc:chgData name="Brown, Anna Lynn" userId="3e881428-c25a-4d2a-8575-06f92e22e60b" providerId="ADAL" clId="{F33A8FCD-F499-4DDA-980A-9C19D727769A}" dt="2019-03-23T02:09:41.630" v="312" actId="20577"/>
+      <pc:docMkLst>
+        <pc:docMk/>
+      </pc:docMkLst>
+      <pc:sldChg chg="addSp delSp modSp mod setBg delDesignElem">
+        <pc:chgData name="Brown, Anna Lynn" userId="3e881428-c25a-4d2a-8575-06f92e22e60b" providerId="ADAL" clId="{F33A8FCD-F499-4DDA-980A-9C19D727769A}" dt="2019-03-23T02:09:41.630" v="312" actId="20577"/>
+        <pc:sldMkLst>
+          <pc:docMk/>
+          <pc:sldMk cId="4038136207" sldId="256"/>
+        </pc:sldMkLst>
+        <pc:spChg chg="mod">
+          <ac:chgData name="Brown, Anna Lynn" userId="3e881428-c25a-4d2a-8575-06f92e22e60b" providerId="ADAL" clId="{F33A8FCD-F499-4DDA-980A-9C19D727769A}" dt="2019-03-23T02:01:43.826" v="304" actId="26606"/>
+          <ac:spMkLst>
+            <pc:docMk/>
+            <pc:sldMk cId="4038136207" sldId="256"/>
+            <ac:spMk id="2" creationId="{C10C1198-B5EA-4925-9CCE-AB6861FA94A7}"/>
+          </ac:spMkLst>
+        </pc:spChg>
+        <pc:spChg chg="mod">
+          <ac:chgData name="Brown, Anna Lynn" userId="3e881428-c25a-4d2a-8575-06f92e22e60b" providerId="ADAL" clId="{F33A8FCD-F499-4DDA-980A-9C19D727769A}" dt="2019-03-23T02:09:41.630" v="312" actId="20577"/>
+          <ac:spMkLst>
+            <pc:docMk/>
+            <pc:sldMk cId="4038136207" sldId="256"/>
+            <ac:spMk id="3" creationId="{A3F3298F-8D28-4E20-8948-16009BA1DDB1}"/>
+          </ac:spMkLst>
+        </pc:spChg>
+        <pc:spChg chg="add">
+          <ac:chgData name="Brown, Anna Lynn" userId="3e881428-c25a-4d2a-8575-06f92e22e60b" providerId="ADAL" clId="{F33A8FCD-F499-4DDA-980A-9C19D727769A}" dt="2019-03-23T02:01:43.826" v="304" actId="26606"/>
+          <ac:spMkLst>
+            <pc:docMk/>
+            <pc:sldMk cId="4038136207" sldId="256"/>
+            <ac:spMk id="9" creationId="{CA01913F-3FBD-4B62-92CF-D2B8A674152E}"/>
+          </ac:spMkLst>
+        </pc:spChg>
+        <pc:spChg chg="add del">
+          <ac:chgData name="Brown, Anna Lynn" userId="3e881428-c25a-4d2a-8575-06f92e22e60b" providerId="ADAL" clId="{F33A8FCD-F499-4DDA-980A-9C19D727769A}" dt="2019-03-23T02:01:39.789" v="303"/>
+          <ac:spMkLst>
+            <pc:docMk/>
+            <pc:sldMk cId="4038136207" sldId="256"/>
+            <ac:spMk id="10" creationId="{A5CD60A1-DAA6-48E8-A6A4-9F04D0ABE0E8}"/>
+          </ac:spMkLst>
+        </pc:spChg>
+        <pc:picChg chg="add mod">
+          <ac:chgData name="Brown, Anna Lynn" userId="3e881428-c25a-4d2a-8575-06f92e22e60b" providerId="ADAL" clId="{F33A8FCD-F499-4DDA-980A-9C19D727769A}" dt="2019-03-23T02:01:43.826" v="304" actId="26606"/>
+          <ac:picMkLst>
+            <pc:docMk/>
+            <pc:sldMk cId="4038136207" sldId="256"/>
+            <ac:picMk id="7" creationId="{61A8C789-933B-4DCF-A724-E4C459432F94}"/>
+          </ac:picMkLst>
+        </pc:picChg>
+        <pc:cxnChg chg="add del">
+          <ac:chgData name="Brown, Anna Lynn" userId="3e881428-c25a-4d2a-8575-06f92e22e60b" providerId="ADAL" clId="{F33A8FCD-F499-4DDA-980A-9C19D727769A}" dt="2019-03-23T02:01:39.789" v="303"/>
+          <ac:cxnSpMkLst>
+            <pc:docMk/>
+            <pc:sldMk cId="4038136207" sldId="256"/>
+            <ac:cxnSpMk id="12" creationId="{A78BD527-2AAA-4E23-8975-5B200393A125}"/>
+          </ac:cxnSpMkLst>
+        </pc:cxnChg>
+        <pc:cxnChg chg="add">
+          <ac:chgData name="Brown, Anna Lynn" userId="3e881428-c25a-4d2a-8575-06f92e22e60b" providerId="ADAL" clId="{F33A8FCD-F499-4DDA-980A-9C19D727769A}" dt="2019-03-23T02:01:43.826" v="304" actId="26606"/>
+          <ac:cxnSpMkLst>
+            <pc:docMk/>
+            <pc:sldMk cId="4038136207" sldId="256"/>
+            <ac:cxnSpMk id="14" creationId="{FBB0A898-5387-4E99-A785-462A85DC0170}"/>
+          </ac:cxnSpMkLst>
+        </pc:cxnChg>
+      </pc:sldChg>
+      <pc:sldChg chg="modSp">
+        <pc:chgData name="Brown, Anna Lynn" userId="3e881428-c25a-4d2a-8575-06f92e22e60b" providerId="ADAL" clId="{F33A8FCD-F499-4DDA-980A-9C19D727769A}" dt="2019-03-23T02:01:24.399" v="300"/>
+        <pc:sldMkLst>
+          <pc:docMk/>
+          <pc:sldMk cId="411473334" sldId="257"/>
+        </pc:sldMkLst>
+        <pc:spChg chg="mod">
+          <ac:chgData name="Brown, Anna Lynn" userId="3e881428-c25a-4d2a-8575-06f92e22e60b" providerId="ADAL" clId="{F33A8FCD-F499-4DDA-980A-9C19D727769A}" dt="2019-03-23T02:01:24.399" v="300"/>
+          <ac:spMkLst>
+            <pc:docMk/>
+            <pc:sldMk cId="411473334" sldId="257"/>
+            <ac:spMk id="3" creationId="{F8C807DA-84D6-4C16-A4C7-4CBE5A913765}"/>
+          </ac:spMkLst>
+        </pc:spChg>
+      </pc:sldChg>
+      <pc:sldChg chg="modSp">
+        <pc:chgData name="Brown, Anna Lynn" userId="3e881428-c25a-4d2a-8575-06f92e22e60b" providerId="ADAL" clId="{F33A8FCD-F499-4DDA-980A-9C19D727769A}" dt="2019-03-23T02:08:18.822" v="307" actId="1076"/>
+        <pc:sldMkLst>
+          <pc:docMk/>
+          <pc:sldMk cId="1261347458" sldId="259"/>
+        </pc:sldMkLst>
+        <pc:spChg chg="mod">
+          <ac:chgData name="Brown, Anna Lynn" userId="3e881428-c25a-4d2a-8575-06f92e22e60b" providerId="ADAL" clId="{F33A8FCD-F499-4DDA-980A-9C19D727769A}" dt="2019-03-23T01:47:45.804" v="7" actId="20577"/>
+          <ac:spMkLst>
+            <pc:docMk/>
+            <pc:sldMk cId="1261347458" sldId="259"/>
+            <ac:spMk id="2" creationId="{15562402-F2C7-4F86-9634-F0ECAC002041}"/>
+          </ac:spMkLst>
+        </pc:spChg>
+        <pc:picChg chg="mod">
+          <ac:chgData name="Brown, Anna Lynn" userId="3e881428-c25a-4d2a-8575-06f92e22e60b" providerId="ADAL" clId="{F33A8FCD-F499-4DDA-980A-9C19D727769A}" dt="2019-03-23T02:08:18.822" v="307" actId="1076"/>
+          <ac:picMkLst>
+            <pc:docMk/>
+            <pc:sldMk cId="1261347458" sldId="259"/>
+            <ac:picMk id="5" creationId="{B90E0FBE-60B0-449A-90C2-55D87C654B1A}"/>
+          </ac:picMkLst>
+        </pc:picChg>
+      </pc:sldChg>
+      <pc:sldChg chg="modSp">
+        <pc:chgData name="Brown, Anna Lynn" userId="3e881428-c25a-4d2a-8575-06f92e22e60b" providerId="ADAL" clId="{F33A8FCD-F499-4DDA-980A-9C19D727769A}" dt="2019-03-23T02:01:24.399" v="300"/>
+        <pc:sldMkLst>
+          <pc:docMk/>
+          <pc:sldMk cId="1316053762" sldId="260"/>
+        </pc:sldMkLst>
+        <pc:spChg chg="mod">
+          <ac:chgData name="Brown, Anna Lynn" userId="3e881428-c25a-4d2a-8575-06f92e22e60b" providerId="ADAL" clId="{F33A8FCD-F499-4DDA-980A-9C19D727769A}" dt="2019-03-23T01:58:30.119" v="259" actId="1076"/>
+          <ac:spMkLst>
+            <pc:docMk/>
+            <pc:sldMk cId="1316053762" sldId="260"/>
+            <ac:spMk id="2" creationId="{CD2069F8-40E0-428F-B7E5-9A5F76F44475}"/>
+          </ac:spMkLst>
+        </pc:spChg>
+        <pc:spChg chg="mod">
+          <ac:chgData name="Brown, Anna Lynn" userId="3e881428-c25a-4d2a-8575-06f92e22e60b" providerId="ADAL" clId="{F33A8FCD-F499-4DDA-980A-9C19D727769A}" dt="2019-03-23T02:01:24.399" v="300"/>
+          <ac:spMkLst>
+            <pc:docMk/>
+            <pc:sldMk cId="1316053762" sldId="260"/>
+            <ac:spMk id="3" creationId="{2398E41B-41F2-4F04-8C12-E07C355D72D6}"/>
+          </ac:spMkLst>
+        </pc:spChg>
+        <pc:spChg chg="mod">
+          <ac:chgData name="Brown, Anna Lynn" userId="3e881428-c25a-4d2a-8575-06f92e22e60b" providerId="ADAL" clId="{F33A8FCD-F499-4DDA-980A-9C19D727769A}" dt="2019-03-23T02:01:24.399" v="300"/>
+          <ac:spMkLst>
+            <pc:docMk/>
+            <pc:sldMk cId="1316053762" sldId="260"/>
+            <ac:spMk id="4" creationId="{3B521AEB-FBDA-46E3-AF28-D96F4AC7016C}"/>
+          </ac:spMkLst>
+        </pc:spChg>
+      </pc:sldChg>
+      <pc:sldChg chg="modSp">
+        <pc:chgData name="Brown, Anna Lynn" userId="3e881428-c25a-4d2a-8575-06f92e22e60b" providerId="ADAL" clId="{F33A8FCD-F499-4DDA-980A-9C19D727769A}" dt="2019-03-23T01:47:56.734" v="11" actId="20577"/>
+        <pc:sldMkLst>
+          <pc:docMk/>
+          <pc:sldMk cId="2033785688" sldId="261"/>
+        </pc:sldMkLst>
+        <pc:spChg chg="mod">
+          <ac:chgData name="Brown, Anna Lynn" userId="3e881428-c25a-4d2a-8575-06f92e22e60b" providerId="ADAL" clId="{F33A8FCD-F499-4DDA-980A-9C19D727769A}" dt="2019-03-23T01:47:56.734" v="11" actId="20577"/>
+          <ac:spMkLst>
+            <pc:docMk/>
+            <pc:sldMk cId="2033785688" sldId="261"/>
+            <ac:spMk id="2" creationId="{CD1335AC-C5F9-426B-BCE7-0979CFE4D240}"/>
+          </ac:spMkLst>
+        </pc:spChg>
+      </pc:sldChg>
+      <pc:sldChg chg="addSp delSp modSp add ord">
+        <pc:chgData name="Brown, Anna Lynn" userId="3e881428-c25a-4d2a-8575-06f92e22e60b" providerId="ADAL" clId="{F33A8FCD-F499-4DDA-980A-9C19D727769A}" dt="2019-03-23T02:01:24.399" v="300"/>
+        <pc:sldMkLst>
+          <pc:docMk/>
+          <pc:sldMk cId="3112904923" sldId="262"/>
+        </pc:sldMkLst>
+        <pc:spChg chg="del">
+          <ac:chgData name="Brown, Anna Lynn" userId="3e881428-c25a-4d2a-8575-06f92e22e60b" providerId="ADAL" clId="{F33A8FCD-F499-4DDA-980A-9C19D727769A}" dt="2019-03-23T01:47:18.066" v="2"/>
+          <ac:spMkLst>
+            <pc:docMk/>
+            <pc:sldMk cId="3112904923" sldId="262"/>
+            <ac:spMk id="2" creationId="{5B24D3AA-F55C-4083-B207-2ADA62651710}"/>
+          </ac:spMkLst>
+        </pc:spChg>
+        <pc:spChg chg="del">
+          <ac:chgData name="Brown, Anna Lynn" userId="3e881428-c25a-4d2a-8575-06f92e22e60b" providerId="ADAL" clId="{F33A8FCD-F499-4DDA-980A-9C19D727769A}" dt="2019-03-23T01:47:18.066" v="2"/>
+          <ac:spMkLst>
+            <pc:docMk/>
+            <pc:sldMk cId="3112904923" sldId="262"/>
+            <ac:spMk id="3" creationId="{18C0AB96-2C3A-4EC0-8AB8-4B0CB79D9C64}"/>
+          </ac:spMkLst>
+        </pc:spChg>
+        <pc:spChg chg="del">
+          <ac:chgData name="Brown, Anna Lynn" userId="3e881428-c25a-4d2a-8575-06f92e22e60b" providerId="ADAL" clId="{F33A8FCD-F499-4DDA-980A-9C19D727769A}" dt="2019-03-23T01:47:18.066" v="2"/>
+          <ac:spMkLst>
+            <pc:docMk/>
+            <pc:sldMk cId="3112904923" sldId="262"/>
+            <ac:spMk id="4" creationId="{566C1B27-DBBE-4802-B2B9-C5122ACF1879}"/>
+          </ac:spMkLst>
+        </pc:spChg>
+        <pc:spChg chg="add mod">
+          <ac:chgData name="Brown, Anna Lynn" userId="3e881428-c25a-4d2a-8575-06f92e22e60b" providerId="ADAL" clId="{F33A8FCD-F499-4DDA-980A-9C19D727769A}" dt="2019-03-23T02:01:24.399" v="300"/>
+          <ac:spMkLst>
+            <pc:docMk/>
+            <pc:sldMk cId="3112904923" sldId="262"/>
+            <ac:spMk id="5" creationId="{FD5A48A2-0346-49B3-A07A-A351AB6661EF}"/>
+          </ac:spMkLst>
+        </pc:spChg>
+        <pc:spChg chg="add mod">
+          <ac:chgData name="Brown, Anna Lynn" userId="3e881428-c25a-4d2a-8575-06f92e22e60b" providerId="ADAL" clId="{F33A8FCD-F499-4DDA-980A-9C19D727769A}" dt="2019-03-23T01:47:18.066" v="2"/>
+          <ac:spMkLst>
+            <pc:docMk/>
+            <pc:sldMk cId="3112904923" sldId="262"/>
+            <ac:spMk id="6" creationId="{FAAF3AFA-2A40-4932-970D-2FFC2455D92F}"/>
+          </ac:spMkLst>
+        </pc:spChg>
+      </pc:sldChg>
+      <pc:sldChg chg="modSp add">
+        <pc:chgData name="Brown, Anna Lynn" userId="3e881428-c25a-4d2a-8575-06f92e22e60b" providerId="ADAL" clId="{F33A8FCD-F499-4DDA-980A-9C19D727769A}" dt="2019-03-23T01:56:03.817" v="228" actId="27636"/>
+        <pc:sldMkLst>
+          <pc:docMk/>
+          <pc:sldMk cId="1339526907" sldId="263"/>
+        </pc:sldMkLst>
+        <pc:spChg chg="mod">
+          <ac:chgData name="Brown, Anna Lynn" userId="3e881428-c25a-4d2a-8575-06f92e22e60b" providerId="ADAL" clId="{F33A8FCD-F499-4DDA-980A-9C19D727769A}" dt="2019-03-23T01:56:03.817" v="228" actId="27636"/>
+          <ac:spMkLst>
+            <pc:docMk/>
+            <pc:sldMk cId="1339526907" sldId="263"/>
+            <ac:spMk id="4" creationId="{C1A1F19A-4C50-49BB-925A-738C882B0999}"/>
+          </ac:spMkLst>
+        </pc:spChg>
+      </pc:sldChg>
+      <pc:sldChg chg="addSp delSp modSp add del">
+        <pc:chgData name="Brown, Anna Lynn" userId="3e881428-c25a-4d2a-8575-06f92e22e60b" providerId="ADAL" clId="{F33A8FCD-F499-4DDA-980A-9C19D727769A}" dt="2019-03-23T01:52:26.722" v="110" actId="2696"/>
+        <pc:sldMkLst>
+          <pc:docMk/>
+          <pc:sldMk cId="2706845307" sldId="263"/>
+        </pc:sldMkLst>
+        <pc:spChg chg="del">
+          <ac:chgData name="Brown, Anna Lynn" userId="3e881428-c25a-4d2a-8575-06f92e22e60b" providerId="ADAL" clId="{F33A8FCD-F499-4DDA-980A-9C19D727769A}" dt="2019-03-23T01:48:09.358" v="13"/>
+          <ac:spMkLst>
+            <pc:docMk/>
+            <pc:sldMk cId="2706845307" sldId="263"/>
+            <ac:spMk id="2" creationId="{41F3418F-C66B-49E2-9AE0-6DEA3FA52EE7}"/>
+          </ac:spMkLst>
+        </pc:spChg>
+        <pc:spChg chg="del">
+          <ac:chgData name="Brown, Anna Lynn" userId="3e881428-c25a-4d2a-8575-06f92e22e60b" providerId="ADAL" clId="{F33A8FCD-F499-4DDA-980A-9C19D727769A}" dt="2019-03-23T01:48:09.358" v="13"/>
+          <ac:spMkLst>
+            <pc:docMk/>
+            <pc:sldMk cId="2706845307" sldId="263"/>
+            <ac:spMk id="3" creationId="{1008A532-9704-4CF5-8F3A-D1241BBE83B4}"/>
+          </ac:spMkLst>
+        </pc:spChg>
+        <pc:spChg chg="add mod">
+          <ac:chgData name="Brown, Anna Lynn" userId="3e881428-c25a-4d2a-8575-06f92e22e60b" providerId="ADAL" clId="{F33A8FCD-F499-4DDA-980A-9C19D727769A}" dt="2019-03-23T01:48:20.730" v="17" actId="27636"/>
+          <ac:spMkLst>
+            <pc:docMk/>
+            <pc:sldMk cId="2706845307" sldId="263"/>
+            <ac:spMk id="4" creationId="{C1A1F19A-4C50-49BB-925A-738C882B0999}"/>
+          </ac:spMkLst>
+        </pc:spChg>
+        <pc:spChg chg="add mod">
+          <ac:chgData name="Brown, Anna Lynn" userId="3e881428-c25a-4d2a-8575-06f92e22e60b" providerId="ADAL" clId="{F33A8FCD-F499-4DDA-980A-9C19D727769A}" dt="2019-03-23T01:48:09.358" v="13"/>
+          <ac:spMkLst>
+            <pc:docMk/>
+            <pc:sldMk cId="2706845307" sldId="263"/>
+            <ac:spMk id="5" creationId="{76AF5962-ED7E-4F6B-B6A9-0C6E94F6373A}"/>
+          </ac:spMkLst>
+        </pc:spChg>
+      </pc:sldChg>
+      <pc:sldChg chg="modSp add ord">
+        <pc:chgData name="Brown, Anna Lynn" userId="3e881428-c25a-4d2a-8575-06f92e22e60b" providerId="ADAL" clId="{F33A8FCD-F499-4DDA-980A-9C19D727769A}" dt="2019-03-23T01:56:03.829" v="229" actId="27636"/>
+        <pc:sldMkLst>
+          <pc:docMk/>
+          <pc:sldMk cId="2387296304" sldId="264"/>
+        </pc:sldMkLst>
+        <pc:spChg chg="mod">
+          <ac:chgData name="Brown, Anna Lynn" userId="3e881428-c25a-4d2a-8575-06f92e22e60b" providerId="ADAL" clId="{F33A8FCD-F499-4DDA-980A-9C19D727769A}" dt="2019-03-23T01:56:03.829" v="229" actId="27636"/>
+          <ac:spMkLst>
+            <pc:docMk/>
+            <pc:sldMk cId="2387296304" sldId="264"/>
+            <ac:spMk id="2" creationId="{314DA4F1-0D43-4F1D-8CD0-DB11F5958E87}"/>
+          </ac:spMkLst>
+        </pc:spChg>
+      </pc:sldChg>
+      <pc:sldChg chg="modSp add">
+        <pc:chgData name="Brown, Anna Lynn" userId="3e881428-c25a-4d2a-8575-06f92e22e60b" providerId="ADAL" clId="{F33A8FCD-F499-4DDA-980A-9C19D727769A}" dt="2019-03-23T02:01:08.517" v="288"/>
+        <pc:sldMkLst>
+          <pc:docMk/>
+          <pc:sldMk cId="3183795979" sldId="265"/>
+        </pc:sldMkLst>
+        <pc:spChg chg="mod">
+          <ac:chgData name="Brown, Anna Lynn" userId="3e881428-c25a-4d2a-8575-06f92e22e60b" providerId="ADAL" clId="{F33A8FCD-F499-4DDA-980A-9C19D727769A}" dt="2019-03-23T02:01:08.517" v="288"/>
+          <ac:spMkLst>
+            <pc:docMk/>
+            <pc:sldMk cId="3183795979" sldId="265"/>
+            <ac:spMk id="2" creationId="{39274E52-490B-431C-80AF-2D025872803E}"/>
+          </ac:spMkLst>
+        </pc:spChg>
+      </pc:sldChg>
+      <pc:sldChg chg="addSp delSp modSp">
+        <pc:chgData name="Brown, Anna Lynn" userId="3e881428-c25a-4d2a-8575-06f92e22e60b" providerId="ADAL" clId="{F33A8FCD-F499-4DDA-980A-9C19D727769A}" dt="2019-03-23T01:58:11.260" v="258" actId="14100"/>
+        <pc:sldMkLst>
+          <pc:docMk/>
+          <pc:sldMk cId="0" sldId="266"/>
+        </pc:sldMkLst>
+        <pc:spChg chg="add del mod">
+          <ac:chgData name="Brown, Anna Lynn" userId="3e881428-c25a-4d2a-8575-06f92e22e60b" providerId="ADAL" clId="{F33A8FCD-F499-4DDA-980A-9C19D727769A}" dt="2019-03-23T01:58:01.561" v="256" actId="478"/>
+          <ac:spMkLst>
+            <pc:docMk/>
+            <pc:sldMk cId="0" sldId="266"/>
+            <ac:spMk id="2" creationId="{BAA5DDFB-FAAE-4762-AE0B-823BBD9C9E7F}"/>
+          </ac:spMkLst>
+        </pc:spChg>
+        <pc:spChg chg="add del mod">
+          <ac:chgData name="Brown, Anna Lynn" userId="3e881428-c25a-4d2a-8575-06f92e22e60b" providerId="ADAL" clId="{F33A8FCD-F499-4DDA-980A-9C19D727769A}" dt="2019-03-23T01:58:05.670" v="257" actId="478"/>
+          <ac:spMkLst>
+            <pc:docMk/>
+            <pc:sldMk cId="0" sldId="266"/>
+            <ac:spMk id="3" creationId="{FA146B00-1DE2-4396-A4D4-E890B24D7CD0}"/>
+          </ac:spMkLst>
+        </pc:spChg>
+        <pc:spChg chg="mod">
+          <ac:chgData name="Brown, Anna Lynn" userId="3e881428-c25a-4d2a-8575-06f92e22e60b" providerId="ADAL" clId="{F33A8FCD-F499-4DDA-980A-9C19D727769A}" dt="2019-03-23T01:58:11.260" v="258" actId="14100"/>
+          <ac:spMkLst>
+            <pc:docMk/>
+            <pc:sldMk cId="0" sldId="266"/>
+            <ac:spMk id="54" creationId="{00000000-0000-0000-0000-000000000000}"/>
+          </ac:spMkLst>
+        </pc:spChg>
+      </pc:sldChg>
+      <pc:sldChg chg="addSp delSp modSp">
+        <pc:chgData name="Brown, Anna Lynn" userId="3e881428-c25a-4d2a-8575-06f92e22e60b" providerId="ADAL" clId="{F33A8FCD-F499-4DDA-980A-9C19D727769A}" dt="2019-03-23T01:57:54.566" v="255" actId="478"/>
+        <pc:sldMkLst>
+          <pc:docMk/>
+          <pc:sldMk cId="0" sldId="267"/>
+        </pc:sldMkLst>
+        <pc:spChg chg="add del mod">
+          <ac:chgData name="Brown, Anna Lynn" userId="3e881428-c25a-4d2a-8575-06f92e22e60b" providerId="ADAL" clId="{F33A8FCD-F499-4DDA-980A-9C19D727769A}" dt="2019-03-23T01:57:50.360" v="254" actId="478"/>
+          <ac:spMkLst>
+            <pc:docMk/>
+            <pc:sldMk cId="0" sldId="267"/>
+            <ac:spMk id="2" creationId="{03E8A759-059D-4A8E-B391-E1DE3DF42FA4}"/>
+          </ac:spMkLst>
+        </pc:spChg>
+        <pc:spChg chg="add del mod">
+          <ac:chgData name="Brown, Anna Lynn" userId="3e881428-c25a-4d2a-8575-06f92e22e60b" providerId="ADAL" clId="{F33A8FCD-F499-4DDA-980A-9C19D727769A}" dt="2019-03-23T01:57:54.566" v="255" actId="478"/>
+          <ac:spMkLst>
+            <pc:docMk/>
+            <pc:sldMk cId="0" sldId="267"/>
+            <ac:spMk id="3" creationId="{AFB8512D-43B8-48A2-BE3B-DBF6C991D9A0}"/>
+          </ac:spMkLst>
+        </pc:spChg>
+      </pc:sldChg>
+      <pc:sldChg chg="addSp delSp modSp">
+        <pc:chgData name="Brown, Anna Lynn" userId="3e881428-c25a-4d2a-8575-06f92e22e60b" providerId="ADAL" clId="{F33A8FCD-F499-4DDA-980A-9C19D727769A}" dt="2019-03-23T01:57:46.918" v="253" actId="478"/>
+        <pc:sldMkLst>
+          <pc:docMk/>
+          <pc:sldMk cId="0" sldId="268"/>
+        </pc:sldMkLst>
+        <pc:spChg chg="add del mod">
+          <ac:chgData name="Brown, Anna Lynn" userId="3e881428-c25a-4d2a-8575-06f92e22e60b" providerId="ADAL" clId="{F33A8FCD-F499-4DDA-980A-9C19D727769A}" dt="2019-03-23T01:57:43.711" v="252" actId="478"/>
+          <ac:spMkLst>
+            <pc:docMk/>
+            <pc:sldMk cId="0" sldId="268"/>
+            <ac:spMk id="2" creationId="{EB099FAD-3D17-4FFE-BC34-08D5913CCD74}"/>
+          </ac:spMkLst>
+        </pc:spChg>
+        <pc:spChg chg="add del mod">
+          <ac:chgData name="Brown, Anna Lynn" userId="3e881428-c25a-4d2a-8575-06f92e22e60b" providerId="ADAL" clId="{F33A8FCD-F499-4DDA-980A-9C19D727769A}" dt="2019-03-23T01:57:46.918" v="253" actId="478"/>
+          <ac:spMkLst>
+            <pc:docMk/>
+            <pc:sldMk cId="0" sldId="268"/>
+            <ac:spMk id="3" creationId="{5205C169-A614-4362-AD74-A9F3FDADDBEC}"/>
+          </ac:spMkLst>
+        </pc:spChg>
+      </pc:sldChg>
+      <pc:sldChg chg="addSp delSp modSp">
+        <pc:chgData name="Brown, Anna Lynn" userId="3e881428-c25a-4d2a-8575-06f92e22e60b" providerId="ADAL" clId="{F33A8FCD-F499-4DDA-980A-9C19D727769A}" dt="2019-03-23T01:57:39.115" v="251" actId="478"/>
+        <pc:sldMkLst>
+          <pc:docMk/>
+          <pc:sldMk cId="0" sldId="269"/>
+        </pc:sldMkLst>
+        <pc:spChg chg="add del mod">
+          <ac:chgData name="Brown, Anna Lynn" userId="3e881428-c25a-4d2a-8575-06f92e22e60b" providerId="ADAL" clId="{F33A8FCD-F499-4DDA-980A-9C19D727769A}" dt="2019-03-23T01:57:35.949" v="250" actId="478"/>
+          <ac:spMkLst>
+            <pc:docMk/>
+            <pc:sldMk cId="0" sldId="269"/>
+            <ac:spMk id="2" creationId="{7F17E3B7-4A59-48F5-BEEA-0CFB5C3FEBC2}"/>
+          </ac:spMkLst>
+        </pc:spChg>
+        <pc:spChg chg="add del mod">
+          <ac:chgData name="Brown, Anna Lynn" userId="3e881428-c25a-4d2a-8575-06f92e22e60b" providerId="ADAL" clId="{F33A8FCD-F499-4DDA-980A-9C19D727769A}" dt="2019-03-23T01:57:39.115" v="251" actId="478"/>
+          <ac:spMkLst>
+            <pc:docMk/>
+            <pc:sldMk cId="0" sldId="269"/>
+            <ac:spMk id="3" creationId="{DE8FC857-327A-4906-ACAF-610F0C1DA4DA}"/>
+          </ac:spMkLst>
+        </pc:spChg>
+      </pc:sldChg>
+      <pc:sldChg chg="addSp delSp modSp">
+        <pc:chgData name="Brown, Anna Lynn" userId="3e881428-c25a-4d2a-8575-06f92e22e60b" providerId="ADAL" clId="{F33A8FCD-F499-4DDA-980A-9C19D727769A}" dt="2019-03-23T01:57:32.224" v="249" actId="478"/>
+        <pc:sldMkLst>
+          <pc:docMk/>
+          <pc:sldMk cId="0" sldId="270"/>
+        </pc:sldMkLst>
+        <pc:spChg chg="add del mod">
+          <ac:chgData name="Brown, Anna Lynn" userId="3e881428-c25a-4d2a-8575-06f92e22e60b" providerId="ADAL" clId="{F33A8FCD-F499-4DDA-980A-9C19D727769A}" dt="2019-03-23T01:57:29.951" v="248" actId="478"/>
+          <ac:spMkLst>
+            <pc:docMk/>
+            <pc:sldMk cId="0" sldId="270"/>
+            <ac:spMk id="2" creationId="{18E93279-AA43-49FD-9F89-D8A2E4834AAB}"/>
+          </ac:spMkLst>
+        </pc:spChg>
+        <pc:spChg chg="add del mod">
+          <ac:chgData name="Brown, Anna Lynn" userId="3e881428-c25a-4d2a-8575-06f92e22e60b" providerId="ADAL" clId="{F33A8FCD-F499-4DDA-980A-9C19D727769A}" dt="2019-03-23T01:57:32.224" v="249" actId="478"/>
+          <ac:spMkLst>
+            <pc:docMk/>
+            <pc:sldMk cId="0" sldId="270"/>
+            <ac:spMk id="3" creationId="{2A0FC92A-B71A-42C7-8CEB-34BDA7FFEB9B}"/>
+          </ac:spMkLst>
+        </pc:spChg>
+      </pc:sldChg>
+      <pc:sldChg chg="addSp delSp modSp">
+        <pc:chgData name="Brown, Anna Lynn" userId="3e881428-c25a-4d2a-8575-06f92e22e60b" providerId="ADAL" clId="{F33A8FCD-F499-4DDA-980A-9C19D727769A}" dt="2019-03-23T01:57:23.267" v="247" actId="478"/>
+        <pc:sldMkLst>
+          <pc:docMk/>
+          <pc:sldMk cId="0" sldId="271"/>
+        </pc:sldMkLst>
+        <pc:spChg chg="add del mod">
+          <ac:chgData name="Brown, Anna Lynn" userId="3e881428-c25a-4d2a-8575-06f92e22e60b" providerId="ADAL" clId="{F33A8FCD-F499-4DDA-980A-9C19D727769A}" dt="2019-03-23T01:57:20.608" v="246" actId="478"/>
+          <ac:spMkLst>
+            <pc:docMk/>
+            <pc:sldMk cId="0" sldId="271"/>
+            <ac:spMk id="2" creationId="{AC83B2F8-E23E-4768-9346-2361F0B33ECD}"/>
+          </ac:spMkLst>
+        </pc:spChg>
+        <pc:spChg chg="add del mod">
+          <ac:chgData name="Brown, Anna Lynn" userId="3e881428-c25a-4d2a-8575-06f92e22e60b" providerId="ADAL" clId="{F33A8FCD-F499-4DDA-980A-9C19D727769A}" dt="2019-03-23T01:57:23.267" v="247" actId="478"/>
+          <ac:spMkLst>
+            <pc:docMk/>
+            <pc:sldMk cId="0" sldId="271"/>
+            <ac:spMk id="3" creationId="{0F3B5AC0-95DB-44EC-8472-8334414C7EFA}"/>
+          </ac:spMkLst>
+        </pc:spChg>
+      </pc:sldChg>
+      <pc:sldChg chg="addSp delSp modSp">
+        <pc:chgData name="Brown, Anna Lynn" userId="3e881428-c25a-4d2a-8575-06f92e22e60b" providerId="ADAL" clId="{F33A8FCD-F499-4DDA-980A-9C19D727769A}" dt="2019-03-23T01:57:15.987" v="245" actId="1076"/>
+        <pc:sldMkLst>
+          <pc:docMk/>
+          <pc:sldMk cId="0" sldId="272"/>
+        </pc:sldMkLst>
+        <pc:spChg chg="add del mod">
+          <ac:chgData name="Brown, Anna Lynn" userId="3e881428-c25a-4d2a-8575-06f92e22e60b" providerId="ADAL" clId="{F33A8FCD-F499-4DDA-980A-9C19D727769A}" dt="2019-03-23T01:57:03.909" v="242" actId="478"/>
+          <ac:spMkLst>
+            <pc:docMk/>
+            <pc:sldMk cId="0" sldId="272"/>
+            <ac:spMk id="2" creationId="{F89F5CF9-1922-4159-9D40-B1905042F4FA}"/>
+          </ac:spMkLst>
+        </pc:spChg>
+        <pc:spChg chg="add del mod">
+          <ac:chgData name="Brown, Anna Lynn" userId="3e881428-c25a-4d2a-8575-06f92e22e60b" providerId="ADAL" clId="{F33A8FCD-F499-4DDA-980A-9C19D727769A}" dt="2019-03-23T01:57:10.255" v="243" actId="478"/>
+          <ac:spMkLst>
+            <pc:docMk/>
+            <pc:sldMk cId="0" sldId="272"/>
+            <ac:spMk id="3" creationId="{46DBB496-2EB7-41BE-8A4A-A411D9CC3395}"/>
+          </ac:spMkLst>
+        </pc:spChg>
+        <pc:spChg chg="mod">
+          <ac:chgData name="Brown, Anna Lynn" userId="3e881428-c25a-4d2a-8575-06f92e22e60b" providerId="ADAL" clId="{F33A8FCD-F499-4DDA-980A-9C19D727769A}" dt="2019-03-23T01:57:15.987" v="245" actId="1076"/>
+          <ac:spMkLst>
+            <pc:docMk/>
+            <pc:sldMk cId="0" sldId="272"/>
+            <ac:spMk id="99" creationId="{00000000-0000-0000-0000-000000000000}"/>
+          </ac:spMkLst>
+        </pc:spChg>
+      </pc:sldChg>
+      <pc:sldChg chg="modSp">
+        <pc:chgData name="Brown, Anna Lynn" userId="3e881428-c25a-4d2a-8575-06f92e22e60b" providerId="ADAL" clId="{F33A8FCD-F499-4DDA-980A-9C19D727769A}" dt="2019-03-23T02:01:24.399" v="300"/>
+        <pc:sldMkLst>
+          <pc:docMk/>
+          <pc:sldMk cId="3101357389" sldId="273"/>
+        </pc:sldMkLst>
+        <pc:spChg chg="mod">
+          <ac:chgData name="Brown, Anna Lynn" userId="3e881428-c25a-4d2a-8575-06f92e22e60b" providerId="ADAL" clId="{F33A8FCD-F499-4DDA-980A-9C19D727769A}" dt="2019-03-23T02:01:24.399" v="300"/>
+          <ac:spMkLst>
+            <pc:docMk/>
+            <pc:sldMk cId="3101357389" sldId="273"/>
+            <ac:spMk id="2" creationId="{FCE85C4E-4297-0644-94C0-84859933654E}"/>
+          </ac:spMkLst>
+        </pc:spChg>
+      </pc:sldChg>
+      <pc:sldChg chg="modSp">
+        <pc:chgData name="Brown, Anna Lynn" userId="3e881428-c25a-4d2a-8575-06f92e22e60b" providerId="ADAL" clId="{F33A8FCD-F499-4DDA-980A-9C19D727769A}" dt="2019-03-23T02:01:24.399" v="300"/>
+        <pc:sldMkLst>
+          <pc:docMk/>
+          <pc:sldMk cId="1848897524" sldId="275"/>
+        </pc:sldMkLst>
+        <pc:spChg chg="mod">
+          <ac:chgData name="Brown, Anna Lynn" userId="3e881428-c25a-4d2a-8575-06f92e22e60b" providerId="ADAL" clId="{F33A8FCD-F499-4DDA-980A-9C19D727769A}" dt="2019-03-23T02:01:24.399" v="300"/>
+          <ac:spMkLst>
+            <pc:docMk/>
+            <pc:sldMk cId="1848897524" sldId="275"/>
+            <ac:spMk id="2" creationId="{E557AB68-0818-044E-BF41-6FE72832E153}"/>
+          </ac:spMkLst>
+        </pc:spChg>
+      </pc:sldChg>
+      <pc:sldChg chg="modSp">
+        <pc:chgData name="Brown, Anna Lynn" userId="3e881428-c25a-4d2a-8575-06f92e22e60b" providerId="ADAL" clId="{F33A8FCD-F499-4DDA-980A-9C19D727769A}" dt="2019-03-23T02:01:24.399" v="300"/>
+        <pc:sldMkLst>
+          <pc:docMk/>
+          <pc:sldMk cId="765864823" sldId="276"/>
+        </pc:sldMkLst>
+        <pc:spChg chg="mod">
+          <ac:chgData name="Brown, Anna Lynn" userId="3e881428-c25a-4d2a-8575-06f92e22e60b" providerId="ADAL" clId="{F33A8FCD-F499-4DDA-980A-9C19D727769A}" dt="2019-03-23T02:01:24.399" v="300"/>
+          <ac:spMkLst>
+            <pc:docMk/>
+            <pc:sldMk cId="765864823" sldId="276"/>
+            <ac:spMk id="3" creationId="{AC684BED-7531-D840-B626-22F92FC49D6E}"/>
+          </ac:spMkLst>
+        </pc:spChg>
+      </pc:sldChg>
+      <pc:sldChg chg="modSp add del">
+        <pc:chgData name="Brown, Anna Lynn" userId="3e881428-c25a-4d2a-8575-06f92e22e60b" providerId="ADAL" clId="{F33A8FCD-F499-4DDA-980A-9C19D727769A}" dt="2019-03-23T02:01:53.984" v="305" actId="1076"/>
+        <pc:sldMkLst>
+          <pc:docMk/>
+          <pc:sldMk cId="2107990617" sldId="277"/>
+        </pc:sldMkLst>
+        <pc:spChg chg="mod">
+          <ac:chgData name="Brown, Anna Lynn" userId="3e881428-c25a-4d2a-8575-06f92e22e60b" providerId="ADAL" clId="{F33A8FCD-F499-4DDA-980A-9C19D727769A}" dt="2019-03-23T02:01:53.984" v="305" actId="1076"/>
+          <ac:spMkLst>
+            <pc:docMk/>
+            <pc:sldMk cId="2107990617" sldId="277"/>
+            <ac:spMk id="6" creationId="{963461F5-03F0-4747-87C6-77BC3783A438}"/>
+          </ac:spMkLst>
+        </pc:spChg>
+      </pc:sldChg>
+      <pc:sldChg chg="modSp add del">
+        <pc:chgData name="Brown, Anna Lynn" userId="3e881428-c25a-4d2a-8575-06f92e22e60b" providerId="ADAL" clId="{F33A8FCD-F499-4DDA-980A-9C19D727769A}" dt="2019-03-23T02:02:02.072" v="306" actId="122"/>
+        <pc:sldMkLst>
+          <pc:docMk/>
+          <pc:sldMk cId="674216954" sldId="278"/>
+        </pc:sldMkLst>
+        <pc:spChg chg="mod">
+          <ac:chgData name="Brown, Anna Lynn" userId="3e881428-c25a-4d2a-8575-06f92e22e60b" providerId="ADAL" clId="{F33A8FCD-F499-4DDA-980A-9C19D727769A}" dt="2019-03-23T02:02:02.072" v="306" actId="122"/>
+          <ac:spMkLst>
+            <pc:docMk/>
+            <pc:sldMk cId="674216954" sldId="278"/>
+            <ac:spMk id="3" creationId="{1F31E5E1-6BA5-4E40-9FE5-1BDD2770A630}"/>
+          </ac:spMkLst>
+        </pc:spChg>
+        <pc:spChg chg="mod">
+          <ac:chgData name="Brown, Anna Lynn" userId="3e881428-c25a-4d2a-8575-06f92e22e60b" providerId="ADAL" clId="{F33A8FCD-F499-4DDA-980A-9C19D727769A}" dt="2019-03-23T02:01:24.399" v="300"/>
+          <ac:spMkLst>
+            <pc:docMk/>
+            <pc:sldMk cId="674216954" sldId="278"/>
+            <ac:spMk id="4" creationId="{775A605E-E2B3-4282-854E-B803E29DAC18}"/>
+          </ac:spMkLst>
+        </pc:spChg>
+      </pc:sldChg>
+      <pc:sldChg chg="addSp delSp modSp add del delDesignElem">
+        <pc:chgData name="Brown, Anna Lynn" userId="3e881428-c25a-4d2a-8575-06f92e22e60b" providerId="ADAL" clId="{F33A8FCD-F499-4DDA-980A-9C19D727769A}" dt="2019-03-23T02:01:05.846" v="284" actId="1076"/>
+        <pc:sldMkLst>
+          <pc:docMk/>
+          <pc:sldMk cId="3666907007" sldId="279"/>
+        </pc:sldMkLst>
+        <pc:spChg chg="mod">
+          <ac:chgData name="Brown, Anna Lynn" userId="3e881428-c25a-4d2a-8575-06f92e22e60b" providerId="ADAL" clId="{F33A8FCD-F499-4DDA-980A-9C19D727769A}" dt="2019-03-23T02:01:05.846" v="284" actId="1076"/>
+          <ac:spMkLst>
+            <pc:docMk/>
+            <pc:sldMk cId="3666907007" sldId="279"/>
+            <ac:spMk id="2" creationId="{00329957-7D6E-4C56-B02D-9FB73A539443}"/>
+          </ac:spMkLst>
+        </pc:spChg>
+        <pc:spChg chg="mod">
+          <ac:chgData name="Brown, Anna Lynn" userId="3e881428-c25a-4d2a-8575-06f92e22e60b" providerId="ADAL" clId="{F33A8FCD-F499-4DDA-980A-9C19D727769A}" dt="2019-03-23T01:58:53.676" v="261" actId="207"/>
+          <ac:spMkLst>
+            <pc:docMk/>
+            <pc:sldMk cId="3666907007" sldId="279"/>
+            <ac:spMk id="59" creationId="{05502F07-5050-4A47-9A21-247B3A89E5EC}"/>
+          </ac:spMkLst>
+        </pc:spChg>
+        <pc:spChg chg="add del">
+          <ac:chgData name="Brown, Anna Lynn" userId="3e881428-c25a-4d2a-8575-06f92e22e60b" providerId="ADAL" clId="{F33A8FCD-F499-4DDA-980A-9C19D727769A}" dt="2019-03-23T01:56:03.677" v="227"/>
+          <ac:spMkLst>
+            <pc:docMk/>
+            <pc:sldMk cId="3666907007" sldId="279"/>
+            <ac:spMk id="62" creationId="{867D4867-5BA7-4462-B2F6-A23F4A622AA7}"/>
+          </ac:spMkLst>
+        </pc:spChg>
+      </pc:sldChg>
+      <pc:sldChg chg="addSp delSp modSp add del delDesignElem">
+        <pc:chgData name="Brown, Anna Lynn" userId="3e881428-c25a-4d2a-8575-06f92e22e60b" providerId="ADAL" clId="{F33A8FCD-F499-4DDA-980A-9C19D727769A}" dt="2019-03-23T02:01:24.399" v="300"/>
+        <pc:sldMkLst>
+          <pc:docMk/>
+          <pc:sldMk cId="415103827" sldId="280"/>
+        </pc:sldMkLst>
+        <pc:spChg chg="mod">
+          <ac:chgData name="Brown, Anna Lynn" userId="3e881428-c25a-4d2a-8575-06f92e22e60b" providerId="ADAL" clId="{F33A8FCD-F499-4DDA-980A-9C19D727769A}" dt="2019-03-23T02:01:24.399" v="300"/>
+          <ac:spMkLst>
+            <pc:docMk/>
+            <pc:sldMk cId="415103827" sldId="280"/>
+            <ac:spMk id="2" creationId="{6DA42376-480A-4AA9-875F-3C90721DE649}"/>
+          </ac:spMkLst>
+        </pc:spChg>
+        <pc:spChg chg="add del">
+          <ac:chgData name="Brown, Anna Lynn" userId="3e881428-c25a-4d2a-8575-06f92e22e60b" providerId="ADAL" clId="{F33A8FCD-F499-4DDA-980A-9C19D727769A}" dt="2019-03-23T01:56:03.677" v="227"/>
+          <ac:spMkLst>
+            <pc:docMk/>
+            <pc:sldMk cId="415103827" sldId="280"/>
+            <ac:spMk id="16" creationId="{247AB924-1B87-43FC-B7C7-B112D5C51A0E}"/>
+          </ac:spMkLst>
+        </pc:spChg>
+        <pc:cxnChg chg="add del">
+          <ac:chgData name="Brown, Anna Lynn" userId="3e881428-c25a-4d2a-8575-06f92e22e60b" providerId="ADAL" clId="{F33A8FCD-F499-4DDA-980A-9C19D727769A}" dt="2019-03-23T01:56:03.677" v="227"/>
+          <ac:cxnSpMkLst>
+            <pc:docMk/>
+            <pc:sldMk cId="415103827" sldId="280"/>
+            <ac:cxnSpMk id="14" creationId="{99AE2756-0FC4-4155-83E7-58AAAB63E757}"/>
+          </ac:cxnSpMkLst>
+        </pc:cxnChg>
+        <pc:cxnChg chg="add del">
+          <ac:chgData name="Brown, Anna Lynn" userId="3e881428-c25a-4d2a-8575-06f92e22e60b" providerId="ADAL" clId="{F33A8FCD-F499-4DDA-980A-9C19D727769A}" dt="2019-03-23T01:56:03.677" v="227"/>
+          <ac:cxnSpMkLst>
+            <pc:docMk/>
+            <pc:sldMk cId="415103827" sldId="280"/>
+            <ac:cxnSpMk id="18" creationId="{818DC98F-4057-4645-B948-F604F39A9CFE}"/>
+          </ac:cxnSpMkLst>
+        </pc:cxnChg>
+        <pc:cxnChg chg="add del">
+          <ac:chgData name="Brown, Anna Lynn" userId="3e881428-c25a-4d2a-8575-06f92e22e60b" providerId="ADAL" clId="{F33A8FCD-F499-4DDA-980A-9C19D727769A}" dt="2019-03-23T01:56:03.677" v="227"/>
+          <ac:cxnSpMkLst>
+            <pc:docMk/>
+            <pc:sldMk cId="415103827" sldId="280"/>
+            <ac:cxnSpMk id="20" creationId="{DAD2B705-4A9B-408D-AA80-4F41045E09DE}"/>
+          </ac:cxnSpMkLst>
+        </pc:cxnChg>
+      </pc:sldChg>
+      <pc:sldChg chg="addSp delSp modSp add del delDesignElem">
+        <pc:chgData name="Brown, Anna Lynn" userId="3e881428-c25a-4d2a-8575-06f92e22e60b" providerId="ADAL" clId="{F33A8FCD-F499-4DDA-980A-9C19D727769A}" dt="2019-03-23T02:01:24.399" v="300"/>
+        <pc:sldMkLst>
+          <pc:docMk/>
+          <pc:sldMk cId="3726786962" sldId="281"/>
+        </pc:sldMkLst>
+        <pc:spChg chg="mod">
+          <ac:chgData name="Brown, Anna Lynn" userId="3e881428-c25a-4d2a-8575-06f92e22e60b" providerId="ADAL" clId="{F33A8FCD-F499-4DDA-980A-9C19D727769A}" dt="2019-03-23T02:01:05.836" v="281" actId="1076"/>
+          <ac:spMkLst>
+            <pc:docMk/>
+            <pc:sldMk cId="3726786962" sldId="281"/>
+            <ac:spMk id="2" creationId="{BB9214FF-61B6-4200-843E-137AB3F01C24}"/>
+          </ac:spMkLst>
+        </pc:spChg>
+        <pc:spChg chg="mod">
+          <ac:chgData name="Brown, Anna Lynn" userId="3e881428-c25a-4d2a-8575-06f92e22e60b" providerId="ADAL" clId="{F33A8FCD-F499-4DDA-980A-9C19D727769A}" dt="2019-03-23T02:01:24.399" v="300"/>
+          <ac:spMkLst>
+            <pc:docMk/>
+            <pc:sldMk cId="3726786962" sldId="281"/>
+            <ac:spMk id="10" creationId="{634BB748-9C13-4D8B-BFCC-74E423898637}"/>
+          </ac:spMkLst>
+        </pc:spChg>
+        <pc:spChg chg="add del">
+          <ac:chgData name="Brown, Anna Lynn" userId="3e881428-c25a-4d2a-8575-06f92e22e60b" providerId="ADAL" clId="{F33A8FCD-F499-4DDA-980A-9C19D727769A}" dt="2019-03-23T01:56:03.677" v="227"/>
+          <ac:spMkLst>
+            <pc:docMk/>
+            <pc:sldMk cId="3726786962" sldId="281"/>
+            <ac:spMk id="13" creationId="{867D4867-5BA7-4462-B2F6-A23F4A622AA7}"/>
+          </ac:spMkLst>
+        </pc:spChg>
+      </pc:sldChg>
+    </pc:docChg>
+  </pc:docChgLst>
+</pc:chgInfo>
+</file>
+
 <file path=ppt/notesMasters/notesMaster1.xml><?xml version="1.0" encoding="utf-8"?>
 <p:notesMaster xmlns:a="http://schemas.openxmlformats.org/drawingml/2006/main" xmlns:r="http://schemas.openxmlformats.org/officeDocument/2006/relationships" xmlns:p="http://schemas.openxmlformats.org/presentationml/2006/main">
   <p:cSld>
@@ -213,7 +902,7 @@
           <a:p>
             <a:fld id="{9E34F533-301C-494F-B23C-2FB65B2131BF}" type="datetimeFigureOut">
               <a:rPr lang="en-US" smtClean="0"/>
-              <a:t>3/21/2019</a:t>
+              <a:t>3/22/2019</a:t>
             </a:fld>
             <a:endParaRPr lang="en-US"/>
           </a:p>
@@ -524,6 +1213,878 @@
           <a:bodyPr/>
           <a:lstStyle/>
           <a:p>
+            <a:endParaRPr lang="en-US" dirty="0"/>
+          </a:p>
+        </p:txBody>
+      </p:sp>
+      <p:sp>
+        <p:nvSpPr>
+          <p:cNvPr id="4" name="Slide Number Placeholder 3"/>
+          <p:cNvSpPr>
+            <a:spLocks noGrp="1"/>
+          </p:cNvSpPr>
+          <p:nvPr>
+            <p:ph type="sldNum" sz="quarter" idx="5"/>
+          </p:nvPr>
+        </p:nvSpPr>
+        <p:spPr/>
+        <p:txBody>
+          <a:bodyPr/>
+          <a:lstStyle/>
+          <a:p>
+            <a:pPr marL="0" marR="0" lvl="0" indent="0" algn="r" defTabSz="914400" rtl="0" eaLnBrk="1" fontAlgn="auto" latinLnBrk="0" hangingPunct="1">
+              <a:lnSpc>
+                <a:spcPct val="100000"/>
+              </a:lnSpc>
+              <a:spcBef>
+                <a:spcPts val="0"/>
+              </a:spcBef>
+              <a:spcAft>
+                <a:spcPts val="0"/>
+              </a:spcAft>
+              <a:buClrTx/>
+              <a:buSzTx/>
+              <a:buFontTx/>
+              <a:buNone/>
+              <a:tabLst/>
+              <a:defRPr/>
+            </a:pPr>
+            <a:fld id="{17A57327-CCA8-443B-8096-7B39C4D1B5E3}" type="slidenum">
+              <a:rPr kumimoji="0" lang="en-US" sz="1200" b="0" i="0" u="none" strike="noStrike" kern="1200" cap="none" spc="0" normalizeH="0" baseline="0" noProof="0" smtClean="0">
+                <a:ln>
+                  <a:noFill/>
+                </a:ln>
+                <a:solidFill>
+                  <a:prstClr val="black"/>
+                </a:solidFill>
+                <a:effectLst/>
+                <a:uLnTx/>
+                <a:uFillTx/>
+                <a:latin typeface="Calibri" panose="020F0502020204030204"/>
+                <a:ea typeface="+mn-ea"/>
+                <a:cs typeface="+mn-cs"/>
+              </a:rPr>
+              <a:pPr marL="0" marR="0" lvl="0" indent="0" algn="r" defTabSz="914400" rtl="0" eaLnBrk="1" fontAlgn="auto" latinLnBrk="0" hangingPunct="1">
+                <a:lnSpc>
+                  <a:spcPct val="100000"/>
+                </a:lnSpc>
+                <a:spcBef>
+                  <a:spcPts val="0"/>
+                </a:spcBef>
+                <a:spcAft>
+                  <a:spcPts val="0"/>
+                </a:spcAft>
+                <a:buClrTx/>
+                <a:buSzTx/>
+                <a:buFontTx/>
+                <a:buNone/>
+                <a:tabLst/>
+                <a:defRPr/>
+              </a:pPr>
+              <a:t>6</a:t>
+            </a:fld>
+            <a:endParaRPr kumimoji="0" lang="en-US" sz="1200" b="0" i="0" u="none" strike="noStrike" kern="1200" cap="none" spc="0" normalizeH="0" baseline="0" noProof="0">
+              <a:ln>
+                <a:noFill/>
+              </a:ln>
+              <a:solidFill>
+                <a:prstClr val="black"/>
+              </a:solidFill>
+              <a:effectLst/>
+              <a:uLnTx/>
+              <a:uFillTx/>
+              <a:latin typeface="Calibri" panose="020F0502020204030204"/>
+              <a:ea typeface="+mn-ea"/>
+              <a:cs typeface="+mn-cs"/>
+            </a:endParaRPr>
+          </a:p>
+        </p:txBody>
+      </p:sp>
+    </p:spTree>
+    <p:extLst>
+      <p:ext uri="{BB962C8B-B14F-4D97-AF65-F5344CB8AC3E}">
+        <p14:creationId xmlns:p14="http://schemas.microsoft.com/office/powerpoint/2010/main" val="2522143918"/>
+      </p:ext>
+    </p:extLst>
+  </p:cSld>
+  <p:clrMapOvr>
+    <a:masterClrMapping/>
+  </p:clrMapOvr>
+</p:notes>
+</file>
+
+<file path=ppt/notesSlides/notesSlide2.xml><?xml version="1.0" encoding="utf-8"?>
+<p:notes xmlns:a="http://schemas.openxmlformats.org/drawingml/2006/main" xmlns:r="http://schemas.openxmlformats.org/officeDocument/2006/relationships" xmlns:p="http://schemas.openxmlformats.org/presentationml/2006/main" showMasterSp="0" showMasterPhAnim="0">
+  <p:cSld>
+    <p:spTree>
+      <p:nvGrpSpPr>
+        <p:cNvPr id="1" name="Shape 50"/>
+        <p:cNvGrpSpPr/>
+        <p:nvPr/>
+      </p:nvGrpSpPr>
+      <p:grpSpPr>
+        <a:xfrm>
+          <a:off x="0" y="0"/>
+          <a:ext cx="0" cy="0"/>
+          <a:chOff x="0" y="0"/>
+          <a:chExt cx="0" cy="0"/>
+        </a:xfrm>
+      </p:grpSpPr>
+      <p:sp>
+        <p:nvSpPr>
+          <p:cNvPr id="51" name="Google Shape;51;p:notes"/>
+          <p:cNvSpPr>
+            <a:spLocks noGrp="1" noRot="1" noChangeAspect="1"/>
+          </p:cNvSpPr>
+          <p:nvPr>
+            <p:ph type="sldImg" idx="2"/>
+          </p:nvPr>
+        </p:nvSpPr>
+        <p:spPr>
+          <a:xfrm>
+            <a:off x="381000" y="685800"/>
+            <a:ext cx="6096000" cy="3429000"/>
+          </a:xfrm>
+          <a:custGeom>
+            <a:avLst/>
+            <a:gdLst/>
+            <a:ahLst/>
+            <a:cxnLst/>
+            <a:rect l="l" t="t" r="r" b="b"/>
+            <a:pathLst>
+              <a:path w="120000" h="120000" extrusionOk="0">
+                <a:moveTo>
+                  <a:pt x="0" y="0"/>
+                </a:moveTo>
+                <a:lnTo>
+                  <a:pt x="120000" y="0"/>
+                </a:lnTo>
+                <a:lnTo>
+                  <a:pt x="120000" y="120000"/>
+                </a:lnTo>
+                <a:lnTo>
+                  <a:pt x="0" y="120000"/>
+                </a:lnTo>
+                <a:close/>
+              </a:path>
+            </a:pathLst>
+          </a:custGeom>
+        </p:spPr>
+      </p:sp>
+      <p:sp>
+        <p:nvSpPr>
+          <p:cNvPr id="52" name="Google Shape;52;p:notes"/>
+          <p:cNvSpPr txBox="1">
+            <a:spLocks noGrp="1"/>
+          </p:cNvSpPr>
+          <p:nvPr>
+            <p:ph type="body" idx="1"/>
+          </p:nvPr>
+        </p:nvSpPr>
+        <p:spPr>
+          <a:xfrm>
+            <a:off x="685800" y="4343400"/>
+            <a:ext cx="5486400" cy="4114800"/>
+          </a:xfrm>
+          <a:prstGeom prst="rect">
+            <a:avLst/>
+          </a:prstGeom>
+        </p:spPr>
+        <p:txBody>
+          <a:bodyPr spcFirstLastPara="1" wrap="square" lIns="91425" tIns="91425" rIns="91425" bIns="91425" anchor="t" anchorCtr="0">
+            <a:noAutofit/>
+          </a:bodyPr>
+          <a:lstStyle/>
+          <a:p>
+            <a:pPr marL="0" lvl="0" indent="0" algn="l" rtl="0">
+              <a:spcBef>
+                <a:spcPts val="0"/>
+              </a:spcBef>
+              <a:spcAft>
+                <a:spcPts val="0"/>
+              </a:spcAft>
+              <a:buNone/>
+            </a:pPr>
+            <a:endParaRPr/>
+          </a:p>
+        </p:txBody>
+      </p:sp>
+    </p:spTree>
+  </p:cSld>
+  <p:clrMapOvr>
+    <a:masterClrMapping/>
+  </p:clrMapOvr>
+</p:notes>
+</file>
+
+<file path=ppt/notesSlides/notesSlide3.xml><?xml version="1.0" encoding="utf-8"?>
+<p:notes xmlns:a="http://schemas.openxmlformats.org/drawingml/2006/main" xmlns:r="http://schemas.openxmlformats.org/officeDocument/2006/relationships" xmlns:p="http://schemas.openxmlformats.org/presentationml/2006/main" showMasterSp="0" showMasterPhAnim="0">
+  <p:cSld>
+    <p:spTree>
+      <p:nvGrpSpPr>
+        <p:cNvPr id="1" name="Shape 55"/>
+        <p:cNvGrpSpPr/>
+        <p:nvPr/>
+      </p:nvGrpSpPr>
+      <p:grpSpPr>
+        <a:xfrm>
+          <a:off x="0" y="0"/>
+          <a:ext cx="0" cy="0"/>
+          <a:chOff x="0" y="0"/>
+          <a:chExt cx="0" cy="0"/>
+        </a:xfrm>
+      </p:grpSpPr>
+      <p:sp>
+        <p:nvSpPr>
+          <p:cNvPr id="56" name="Google Shape;56;g546f5a552f_0_132:notes"/>
+          <p:cNvSpPr>
+            <a:spLocks noGrp="1" noRot="1" noChangeAspect="1"/>
+          </p:cNvSpPr>
+          <p:nvPr>
+            <p:ph type="sldImg" idx="2"/>
+          </p:nvPr>
+        </p:nvSpPr>
+        <p:spPr>
+          <a:xfrm>
+            <a:off x="381000" y="685800"/>
+            <a:ext cx="6096000" cy="3429000"/>
+          </a:xfrm>
+          <a:custGeom>
+            <a:avLst/>
+            <a:gdLst/>
+            <a:ahLst/>
+            <a:cxnLst/>
+            <a:rect l="l" t="t" r="r" b="b"/>
+            <a:pathLst>
+              <a:path w="120000" h="120000" extrusionOk="0">
+                <a:moveTo>
+                  <a:pt x="0" y="0"/>
+                </a:moveTo>
+                <a:lnTo>
+                  <a:pt x="120000" y="0"/>
+                </a:lnTo>
+                <a:lnTo>
+                  <a:pt x="120000" y="120000"/>
+                </a:lnTo>
+                <a:lnTo>
+                  <a:pt x="0" y="120000"/>
+                </a:lnTo>
+                <a:close/>
+              </a:path>
+            </a:pathLst>
+          </a:custGeom>
+        </p:spPr>
+      </p:sp>
+      <p:sp>
+        <p:nvSpPr>
+          <p:cNvPr id="57" name="Google Shape;57;g546f5a552f_0_132:notes"/>
+          <p:cNvSpPr txBox="1">
+            <a:spLocks noGrp="1"/>
+          </p:cNvSpPr>
+          <p:nvPr>
+            <p:ph type="body" idx="1"/>
+          </p:nvPr>
+        </p:nvSpPr>
+        <p:spPr>
+          <a:xfrm>
+            <a:off x="685800" y="4343400"/>
+            <a:ext cx="5486400" cy="4114800"/>
+          </a:xfrm>
+          <a:prstGeom prst="rect">
+            <a:avLst/>
+          </a:prstGeom>
+        </p:spPr>
+        <p:txBody>
+          <a:bodyPr spcFirstLastPara="1" wrap="square" lIns="91425" tIns="91425" rIns="91425" bIns="91425" anchor="t" anchorCtr="0">
+            <a:noAutofit/>
+          </a:bodyPr>
+          <a:lstStyle/>
+          <a:p>
+            <a:pPr marL="0" lvl="0" indent="0" algn="l" rtl="0">
+              <a:spcBef>
+                <a:spcPts val="0"/>
+              </a:spcBef>
+              <a:spcAft>
+                <a:spcPts val="0"/>
+              </a:spcAft>
+              <a:buNone/>
+            </a:pPr>
+            <a:endParaRPr/>
+          </a:p>
+        </p:txBody>
+      </p:sp>
+    </p:spTree>
+  </p:cSld>
+  <p:clrMapOvr>
+    <a:masterClrMapping/>
+  </p:clrMapOvr>
+</p:notes>
+</file>
+
+<file path=ppt/notesSlides/notesSlide4.xml><?xml version="1.0" encoding="utf-8"?>
+<p:notes xmlns:a="http://schemas.openxmlformats.org/drawingml/2006/main" xmlns:r="http://schemas.openxmlformats.org/officeDocument/2006/relationships" xmlns:p="http://schemas.openxmlformats.org/presentationml/2006/main" showMasterSp="0" showMasterPhAnim="0">
+  <p:cSld>
+    <p:spTree>
+      <p:nvGrpSpPr>
+        <p:cNvPr id="1" name="Shape 63"/>
+        <p:cNvGrpSpPr/>
+        <p:nvPr/>
+      </p:nvGrpSpPr>
+      <p:grpSpPr>
+        <a:xfrm>
+          <a:off x="0" y="0"/>
+          <a:ext cx="0" cy="0"/>
+          <a:chOff x="0" y="0"/>
+          <a:chExt cx="0" cy="0"/>
+        </a:xfrm>
+      </p:grpSpPr>
+      <p:sp>
+        <p:nvSpPr>
+          <p:cNvPr id="64" name="Google Shape;64;g546f5a552f_0_141:notes"/>
+          <p:cNvSpPr>
+            <a:spLocks noGrp="1" noRot="1" noChangeAspect="1"/>
+          </p:cNvSpPr>
+          <p:nvPr>
+            <p:ph type="sldImg" idx="2"/>
+          </p:nvPr>
+        </p:nvSpPr>
+        <p:spPr>
+          <a:xfrm>
+            <a:off x="381000" y="685800"/>
+            <a:ext cx="6096000" cy="3429000"/>
+          </a:xfrm>
+          <a:custGeom>
+            <a:avLst/>
+            <a:gdLst/>
+            <a:ahLst/>
+            <a:cxnLst/>
+            <a:rect l="l" t="t" r="r" b="b"/>
+            <a:pathLst>
+              <a:path w="120000" h="120000" extrusionOk="0">
+                <a:moveTo>
+                  <a:pt x="0" y="0"/>
+                </a:moveTo>
+                <a:lnTo>
+                  <a:pt x="120000" y="0"/>
+                </a:lnTo>
+                <a:lnTo>
+                  <a:pt x="120000" y="120000"/>
+                </a:lnTo>
+                <a:lnTo>
+                  <a:pt x="0" y="120000"/>
+                </a:lnTo>
+                <a:close/>
+              </a:path>
+            </a:pathLst>
+          </a:custGeom>
+        </p:spPr>
+      </p:sp>
+      <p:sp>
+        <p:nvSpPr>
+          <p:cNvPr id="65" name="Google Shape;65;g546f5a552f_0_141:notes"/>
+          <p:cNvSpPr txBox="1">
+            <a:spLocks noGrp="1"/>
+          </p:cNvSpPr>
+          <p:nvPr>
+            <p:ph type="body" idx="1"/>
+          </p:nvPr>
+        </p:nvSpPr>
+        <p:spPr>
+          <a:xfrm>
+            <a:off x="685800" y="4343400"/>
+            <a:ext cx="5486400" cy="4114800"/>
+          </a:xfrm>
+          <a:prstGeom prst="rect">
+            <a:avLst/>
+          </a:prstGeom>
+        </p:spPr>
+        <p:txBody>
+          <a:bodyPr spcFirstLastPara="1" wrap="square" lIns="91425" tIns="91425" rIns="91425" bIns="91425" anchor="t" anchorCtr="0">
+            <a:noAutofit/>
+          </a:bodyPr>
+          <a:lstStyle/>
+          <a:p>
+            <a:pPr marL="0" lvl="0" indent="0" algn="l" rtl="0">
+              <a:spcBef>
+                <a:spcPts val="0"/>
+              </a:spcBef>
+              <a:spcAft>
+                <a:spcPts val="0"/>
+              </a:spcAft>
+              <a:buNone/>
+            </a:pPr>
+            <a:endParaRPr/>
+          </a:p>
+        </p:txBody>
+      </p:sp>
+    </p:spTree>
+  </p:cSld>
+  <p:clrMapOvr>
+    <a:masterClrMapping/>
+  </p:clrMapOvr>
+</p:notes>
+</file>
+
+<file path=ppt/notesSlides/notesSlide5.xml><?xml version="1.0" encoding="utf-8"?>
+<p:notes xmlns:a="http://schemas.openxmlformats.org/drawingml/2006/main" xmlns:r="http://schemas.openxmlformats.org/officeDocument/2006/relationships" xmlns:p="http://schemas.openxmlformats.org/presentationml/2006/main" showMasterSp="0" showMasterPhAnim="0">
+  <p:cSld>
+    <p:spTree>
+      <p:nvGrpSpPr>
+        <p:cNvPr id="1" name="Shape 71"/>
+        <p:cNvGrpSpPr/>
+        <p:nvPr/>
+      </p:nvGrpSpPr>
+      <p:grpSpPr>
+        <a:xfrm>
+          <a:off x="0" y="0"/>
+          <a:ext cx="0" cy="0"/>
+          <a:chOff x="0" y="0"/>
+          <a:chExt cx="0" cy="0"/>
+        </a:xfrm>
+      </p:grpSpPr>
+      <p:sp>
+        <p:nvSpPr>
+          <p:cNvPr id="72" name="Google Shape;72;g546f5a552f_0_148:notes"/>
+          <p:cNvSpPr>
+            <a:spLocks noGrp="1" noRot="1" noChangeAspect="1"/>
+          </p:cNvSpPr>
+          <p:nvPr>
+            <p:ph type="sldImg" idx="2"/>
+          </p:nvPr>
+        </p:nvSpPr>
+        <p:spPr>
+          <a:xfrm>
+            <a:off x="381000" y="685800"/>
+            <a:ext cx="6096000" cy="3429000"/>
+          </a:xfrm>
+          <a:custGeom>
+            <a:avLst/>
+            <a:gdLst/>
+            <a:ahLst/>
+            <a:cxnLst/>
+            <a:rect l="l" t="t" r="r" b="b"/>
+            <a:pathLst>
+              <a:path w="120000" h="120000" extrusionOk="0">
+                <a:moveTo>
+                  <a:pt x="0" y="0"/>
+                </a:moveTo>
+                <a:lnTo>
+                  <a:pt x="120000" y="0"/>
+                </a:lnTo>
+                <a:lnTo>
+                  <a:pt x="120000" y="120000"/>
+                </a:lnTo>
+                <a:lnTo>
+                  <a:pt x="0" y="120000"/>
+                </a:lnTo>
+                <a:close/>
+              </a:path>
+            </a:pathLst>
+          </a:custGeom>
+        </p:spPr>
+      </p:sp>
+      <p:sp>
+        <p:nvSpPr>
+          <p:cNvPr id="73" name="Google Shape;73;g546f5a552f_0_148:notes"/>
+          <p:cNvSpPr txBox="1">
+            <a:spLocks noGrp="1"/>
+          </p:cNvSpPr>
+          <p:nvPr>
+            <p:ph type="body" idx="1"/>
+          </p:nvPr>
+        </p:nvSpPr>
+        <p:spPr>
+          <a:xfrm>
+            <a:off x="685800" y="4343400"/>
+            <a:ext cx="5486400" cy="4114800"/>
+          </a:xfrm>
+          <a:prstGeom prst="rect">
+            <a:avLst/>
+          </a:prstGeom>
+        </p:spPr>
+        <p:txBody>
+          <a:bodyPr spcFirstLastPara="1" wrap="square" lIns="91425" tIns="91425" rIns="91425" bIns="91425" anchor="t" anchorCtr="0">
+            <a:noAutofit/>
+          </a:bodyPr>
+          <a:lstStyle/>
+          <a:p>
+            <a:pPr marL="0" lvl="0" indent="0" algn="l" rtl="0">
+              <a:spcBef>
+                <a:spcPts val="0"/>
+              </a:spcBef>
+              <a:spcAft>
+                <a:spcPts val="0"/>
+              </a:spcAft>
+              <a:buNone/>
+            </a:pPr>
+            <a:endParaRPr/>
+          </a:p>
+        </p:txBody>
+      </p:sp>
+    </p:spTree>
+  </p:cSld>
+  <p:clrMapOvr>
+    <a:masterClrMapping/>
+  </p:clrMapOvr>
+</p:notes>
+</file>
+
+<file path=ppt/notesSlides/notesSlide6.xml><?xml version="1.0" encoding="utf-8"?>
+<p:notes xmlns:a="http://schemas.openxmlformats.org/drawingml/2006/main" xmlns:r="http://schemas.openxmlformats.org/officeDocument/2006/relationships" xmlns:p="http://schemas.openxmlformats.org/presentationml/2006/main" showMasterSp="0" showMasterPhAnim="0">
+  <p:cSld>
+    <p:spTree>
+      <p:nvGrpSpPr>
+        <p:cNvPr id="1" name="Shape 79"/>
+        <p:cNvGrpSpPr/>
+        <p:nvPr/>
+      </p:nvGrpSpPr>
+      <p:grpSpPr>
+        <a:xfrm>
+          <a:off x="0" y="0"/>
+          <a:ext cx="0" cy="0"/>
+          <a:chOff x="0" y="0"/>
+          <a:chExt cx="0" cy="0"/>
+        </a:xfrm>
+      </p:grpSpPr>
+      <p:sp>
+        <p:nvSpPr>
+          <p:cNvPr id="80" name="Google Shape;80;g546f5a552f_0_155:notes"/>
+          <p:cNvSpPr>
+            <a:spLocks noGrp="1" noRot="1" noChangeAspect="1"/>
+          </p:cNvSpPr>
+          <p:nvPr>
+            <p:ph type="sldImg" idx="2"/>
+          </p:nvPr>
+        </p:nvSpPr>
+        <p:spPr>
+          <a:xfrm>
+            <a:off x="381000" y="685800"/>
+            <a:ext cx="6096000" cy="3429000"/>
+          </a:xfrm>
+          <a:custGeom>
+            <a:avLst/>
+            <a:gdLst/>
+            <a:ahLst/>
+            <a:cxnLst/>
+            <a:rect l="l" t="t" r="r" b="b"/>
+            <a:pathLst>
+              <a:path w="120000" h="120000" extrusionOk="0">
+                <a:moveTo>
+                  <a:pt x="0" y="0"/>
+                </a:moveTo>
+                <a:lnTo>
+                  <a:pt x="120000" y="0"/>
+                </a:lnTo>
+                <a:lnTo>
+                  <a:pt x="120000" y="120000"/>
+                </a:lnTo>
+                <a:lnTo>
+                  <a:pt x="0" y="120000"/>
+                </a:lnTo>
+                <a:close/>
+              </a:path>
+            </a:pathLst>
+          </a:custGeom>
+        </p:spPr>
+      </p:sp>
+      <p:sp>
+        <p:nvSpPr>
+          <p:cNvPr id="81" name="Google Shape;81;g546f5a552f_0_155:notes"/>
+          <p:cNvSpPr txBox="1">
+            <a:spLocks noGrp="1"/>
+          </p:cNvSpPr>
+          <p:nvPr>
+            <p:ph type="body" idx="1"/>
+          </p:nvPr>
+        </p:nvSpPr>
+        <p:spPr>
+          <a:xfrm>
+            <a:off x="685800" y="4343400"/>
+            <a:ext cx="5486400" cy="4114800"/>
+          </a:xfrm>
+          <a:prstGeom prst="rect">
+            <a:avLst/>
+          </a:prstGeom>
+        </p:spPr>
+        <p:txBody>
+          <a:bodyPr spcFirstLastPara="1" wrap="square" lIns="91425" tIns="91425" rIns="91425" bIns="91425" anchor="t" anchorCtr="0">
+            <a:noAutofit/>
+          </a:bodyPr>
+          <a:lstStyle/>
+          <a:p>
+            <a:pPr marL="0" lvl="0" indent="0" algn="l" rtl="0">
+              <a:spcBef>
+                <a:spcPts val="0"/>
+              </a:spcBef>
+              <a:spcAft>
+                <a:spcPts val="0"/>
+              </a:spcAft>
+              <a:buNone/>
+            </a:pPr>
+            <a:endParaRPr/>
+          </a:p>
+        </p:txBody>
+      </p:sp>
+    </p:spTree>
+  </p:cSld>
+  <p:clrMapOvr>
+    <a:masterClrMapping/>
+  </p:clrMapOvr>
+</p:notes>
+</file>
+
+<file path=ppt/notesSlides/notesSlide7.xml><?xml version="1.0" encoding="utf-8"?>
+<p:notes xmlns:a="http://schemas.openxmlformats.org/drawingml/2006/main" xmlns:r="http://schemas.openxmlformats.org/officeDocument/2006/relationships" xmlns:p="http://schemas.openxmlformats.org/presentationml/2006/main" showMasterSp="0" showMasterPhAnim="0">
+  <p:cSld>
+    <p:spTree>
+      <p:nvGrpSpPr>
+        <p:cNvPr id="1" name="Shape 87"/>
+        <p:cNvGrpSpPr/>
+        <p:nvPr/>
+      </p:nvGrpSpPr>
+      <p:grpSpPr>
+        <a:xfrm>
+          <a:off x="0" y="0"/>
+          <a:ext cx="0" cy="0"/>
+          <a:chOff x="0" y="0"/>
+          <a:chExt cx="0" cy="0"/>
+        </a:xfrm>
+      </p:grpSpPr>
+      <p:sp>
+        <p:nvSpPr>
+          <p:cNvPr id="88" name="Google Shape;88;g546f5a552f_0_162:notes"/>
+          <p:cNvSpPr>
+            <a:spLocks noGrp="1" noRot="1" noChangeAspect="1"/>
+          </p:cNvSpPr>
+          <p:nvPr>
+            <p:ph type="sldImg" idx="2"/>
+          </p:nvPr>
+        </p:nvSpPr>
+        <p:spPr>
+          <a:xfrm>
+            <a:off x="381000" y="685800"/>
+            <a:ext cx="6096000" cy="3429000"/>
+          </a:xfrm>
+          <a:custGeom>
+            <a:avLst/>
+            <a:gdLst/>
+            <a:ahLst/>
+            <a:cxnLst/>
+            <a:rect l="l" t="t" r="r" b="b"/>
+            <a:pathLst>
+              <a:path w="120000" h="120000" extrusionOk="0">
+                <a:moveTo>
+                  <a:pt x="0" y="0"/>
+                </a:moveTo>
+                <a:lnTo>
+                  <a:pt x="120000" y="0"/>
+                </a:lnTo>
+                <a:lnTo>
+                  <a:pt x="120000" y="120000"/>
+                </a:lnTo>
+                <a:lnTo>
+                  <a:pt x="0" y="120000"/>
+                </a:lnTo>
+                <a:close/>
+              </a:path>
+            </a:pathLst>
+          </a:custGeom>
+        </p:spPr>
+      </p:sp>
+      <p:sp>
+        <p:nvSpPr>
+          <p:cNvPr id="89" name="Google Shape;89;g546f5a552f_0_162:notes"/>
+          <p:cNvSpPr txBox="1">
+            <a:spLocks noGrp="1"/>
+          </p:cNvSpPr>
+          <p:nvPr>
+            <p:ph type="body" idx="1"/>
+          </p:nvPr>
+        </p:nvSpPr>
+        <p:spPr>
+          <a:xfrm>
+            <a:off x="685800" y="4343400"/>
+            <a:ext cx="5486400" cy="4114800"/>
+          </a:xfrm>
+          <a:prstGeom prst="rect">
+            <a:avLst/>
+          </a:prstGeom>
+        </p:spPr>
+        <p:txBody>
+          <a:bodyPr spcFirstLastPara="1" wrap="square" lIns="91425" tIns="91425" rIns="91425" bIns="91425" anchor="t" anchorCtr="0">
+            <a:noAutofit/>
+          </a:bodyPr>
+          <a:lstStyle/>
+          <a:p>
+            <a:pPr marL="0" lvl="0" indent="0" algn="l" rtl="0">
+              <a:spcBef>
+                <a:spcPts val="0"/>
+              </a:spcBef>
+              <a:spcAft>
+                <a:spcPts val="0"/>
+              </a:spcAft>
+              <a:buNone/>
+            </a:pPr>
+            <a:endParaRPr/>
+          </a:p>
+        </p:txBody>
+      </p:sp>
+    </p:spTree>
+  </p:cSld>
+  <p:clrMapOvr>
+    <a:masterClrMapping/>
+  </p:clrMapOvr>
+</p:notes>
+</file>
+
+<file path=ppt/notesSlides/notesSlide8.xml><?xml version="1.0" encoding="utf-8"?>
+<p:notes xmlns:a="http://schemas.openxmlformats.org/drawingml/2006/main" xmlns:r="http://schemas.openxmlformats.org/officeDocument/2006/relationships" xmlns:p="http://schemas.openxmlformats.org/presentationml/2006/main" showMasterSp="0" showMasterPhAnim="0">
+  <p:cSld>
+    <p:spTree>
+      <p:nvGrpSpPr>
+        <p:cNvPr id="1" name="Shape 95"/>
+        <p:cNvGrpSpPr/>
+        <p:nvPr/>
+      </p:nvGrpSpPr>
+      <p:grpSpPr>
+        <a:xfrm>
+          <a:off x="0" y="0"/>
+          <a:ext cx="0" cy="0"/>
+          <a:chOff x="0" y="0"/>
+          <a:chExt cx="0" cy="0"/>
+        </a:xfrm>
+      </p:grpSpPr>
+      <p:sp>
+        <p:nvSpPr>
+          <p:cNvPr id="96" name="Google Shape;96;g546f5a552f_0_169:notes"/>
+          <p:cNvSpPr>
+            <a:spLocks noGrp="1" noRot="1" noChangeAspect="1"/>
+          </p:cNvSpPr>
+          <p:nvPr>
+            <p:ph type="sldImg" idx="2"/>
+          </p:nvPr>
+        </p:nvSpPr>
+        <p:spPr>
+          <a:xfrm>
+            <a:off x="381000" y="685800"/>
+            <a:ext cx="6096000" cy="3429000"/>
+          </a:xfrm>
+          <a:custGeom>
+            <a:avLst/>
+            <a:gdLst/>
+            <a:ahLst/>
+            <a:cxnLst/>
+            <a:rect l="l" t="t" r="r" b="b"/>
+            <a:pathLst>
+              <a:path w="120000" h="120000" extrusionOk="0">
+                <a:moveTo>
+                  <a:pt x="0" y="0"/>
+                </a:moveTo>
+                <a:lnTo>
+                  <a:pt x="120000" y="0"/>
+                </a:lnTo>
+                <a:lnTo>
+                  <a:pt x="120000" y="120000"/>
+                </a:lnTo>
+                <a:lnTo>
+                  <a:pt x="0" y="120000"/>
+                </a:lnTo>
+                <a:close/>
+              </a:path>
+            </a:pathLst>
+          </a:custGeom>
+        </p:spPr>
+      </p:sp>
+      <p:sp>
+        <p:nvSpPr>
+          <p:cNvPr id="97" name="Google Shape;97;g546f5a552f_0_169:notes"/>
+          <p:cNvSpPr txBox="1">
+            <a:spLocks noGrp="1"/>
+          </p:cNvSpPr>
+          <p:nvPr>
+            <p:ph type="body" idx="1"/>
+          </p:nvPr>
+        </p:nvSpPr>
+        <p:spPr>
+          <a:xfrm>
+            <a:off x="685800" y="4343400"/>
+            <a:ext cx="5486400" cy="4114800"/>
+          </a:xfrm>
+          <a:prstGeom prst="rect">
+            <a:avLst/>
+          </a:prstGeom>
+        </p:spPr>
+        <p:txBody>
+          <a:bodyPr spcFirstLastPara="1" wrap="square" lIns="91425" tIns="91425" rIns="91425" bIns="91425" anchor="t" anchorCtr="0">
+            <a:noAutofit/>
+          </a:bodyPr>
+          <a:lstStyle/>
+          <a:p>
+            <a:pPr marL="0" lvl="0" indent="0" algn="l" rtl="0">
+              <a:spcBef>
+                <a:spcPts val="0"/>
+              </a:spcBef>
+              <a:spcAft>
+                <a:spcPts val="0"/>
+              </a:spcAft>
+              <a:buNone/>
+            </a:pPr>
+            <a:endParaRPr/>
+          </a:p>
+        </p:txBody>
+      </p:sp>
+    </p:spTree>
+  </p:cSld>
+  <p:clrMapOvr>
+    <a:masterClrMapping/>
+  </p:clrMapOvr>
+</p:notes>
+</file>
+
+<file path=ppt/notesSlides/notesSlide9.xml><?xml version="1.0" encoding="utf-8"?>
+<p:notes xmlns:a="http://schemas.openxmlformats.org/drawingml/2006/main" xmlns:r="http://schemas.openxmlformats.org/officeDocument/2006/relationships" xmlns:p="http://schemas.openxmlformats.org/presentationml/2006/main">
+  <p:cSld>
+    <p:spTree>
+      <p:nvGrpSpPr>
+        <p:cNvPr id="1" name=""/>
+        <p:cNvGrpSpPr/>
+        <p:nvPr/>
+      </p:nvGrpSpPr>
+      <p:grpSpPr>
+        <a:xfrm>
+          <a:off x="0" y="0"/>
+          <a:ext cx="0" cy="0"/>
+          <a:chOff x="0" y="0"/>
+          <a:chExt cx="0" cy="0"/>
+        </a:xfrm>
+      </p:grpSpPr>
+      <p:sp>
+        <p:nvSpPr>
+          <p:cNvPr id="2" name="Slide Image Placeholder 1"/>
+          <p:cNvSpPr>
+            <a:spLocks noGrp="1" noRot="1" noChangeAspect="1"/>
+          </p:cNvSpPr>
+          <p:nvPr>
+            <p:ph type="sldImg"/>
+          </p:nvPr>
+        </p:nvSpPr>
+        <p:spPr/>
+      </p:sp>
+      <p:sp>
+        <p:nvSpPr>
+          <p:cNvPr id="3" name="Notes Placeholder 2"/>
+          <p:cNvSpPr>
+            <a:spLocks noGrp="1"/>
+          </p:cNvSpPr>
+          <p:nvPr>
+            <p:ph type="body" idx="1"/>
+          </p:nvPr>
+        </p:nvSpPr>
+        <p:spPr/>
+        <p:txBody>
+          <a:bodyPr/>
+          <a:lstStyle/>
+          <a:p>
             <a:r>
               <a:rPr lang="en-US" dirty="0"/>
               <a:t>Numbers=</a:t>
@@ -556,7 +2117,7 @@
           <a:p>
             <a:fld id="{17A57327-CCA8-443B-8096-7B39C4D1B5E3}" type="slidenum">
               <a:rPr lang="en-US" smtClean="0"/>
-              <a:t>4</a:t>
+              <a:t>18</a:t>
             </a:fld>
             <a:endParaRPr lang="en-US"/>
           </a:p>
@@ -576,7 +2137,7 @@
 </file>
 
 <file path=ppt/slideLayouts/slideLayout1.xml><?xml version="1.0" encoding="utf-8"?>
-<p:sldLayout xmlns:a="http://schemas.openxmlformats.org/drawingml/2006/main" xmlns:r="http://schemas.openxmlformats.org/officeDocument/2006/relationships" xmlns:p="http://schemas.openxmlformats.org/presentationml/2006/main" type="title" preserve="1">
+<p:sldLayout xmlns:a="http://schemas.openxmlformats.org/drawingml/2006/main" xmlns:r="http://schemas.openxmlformats.org/officeDocument/2006/relationships" xmlns:p="http://schemas.openxmlformats.org/presentationml/2006/main" showMasterSp="0" type="title" preserve="1">
   <p:cSld name="Title Slide">
     <p:spTree>
       <p:nvGrpSpPr>
@@ -594,13 +2155,45 @@
       </p:grpSpPr>
       <p:sp>
         <p:nvSpPr>
-          <p:cNvPr id="2" name="Title 1">
-            <a:extLst>
-              <a:ext uri="{FF2B5EF4-FFF2-40B4-BE49-F238E27FC236}">
-                <a16:creationId xmlns:a16="http://schemas.microsoft.com/office/drawing/2014/main" id="{7EF90D3A-AAA3-4A1E-A8CF-9100A5E9514C}"/>
-              </a:ext>
-            </a:extLst>
-          </p:cNvPr>
+          <p:cNvPr id="7" name="Rectangle 6"/>
+          <p:cNvSpPr/>
+          <p:nvPr/>
+        </p:nvSpPr>
+        <p:spPr>
+          <a:xfrm>
+            <a:off x="0" y="-1"/>
+            <a:ext cx="12192000" cy="4572001"/>
+          </a:xfrm>
+          <a:prstGeom prst="rect">
+            <a:avLst/>
+          </a:prstGeom>
+          <a:solidFill>
+            <a:schemeClr val="accent2"/>
+          </a:solidFill>
+          <a:ln>
+            <a:noFill/>
+          </a:ln>
+        </p:spPr>
+        <p:style>
+          <a:lnRef idx="2">
+            <a:schemeClr val="accent1">
+              <a:shade val="50000"/>
+            </a:schemeClr>
+          </a:lnRef>
+          <a:fillRef idx="1">
+            <a:schemeClr val="accent1"/>
+          </a:fillRef>
+          <a:effectRef idx="0">
+            <a:schemeClr val="accent1"/>
+          </a:effectRef>
+          <a:fontRef idx="minor">
+            <a:schemeClr val="lt1"/>
+          </a:fontRef>
+        </p:style>
+      </p:sp>
+      <p:sp>
+        <p:nvSpPr>
+          <p:cNvPr id="2" name="Title 1"/>
           <p:cNvSpPr>
             <a:spLocks noGrp="1"/>
           </p:cNvSpPr>
@@ -610,15 +2203,17 @@
         </p:nvSpPr>
         <p:spPr>
           <a:xfrm>
-            <a:off x="1524000" y="1122363"/>
-            <a:ext cx="9144000" cy="2387600"/>
-          </a:xfrm>
-        </p:spPr>
-        <p:txBody>
-          <a:bodyPr anchor="b"/>
+            <a:off x="457200" y="4960137"/>
+            <a:ext cx="7772400" cy="1463040"/>
+          </a:xfrm>
+        </p:spPr>
+        <p:txBody>
+          <a:bodyPr anchor="ctr">
+            <a:normAutofit/>
+          </a:bodyPr>
           <a:lstStyle>
-            <a:lvl1pPr algn="ctr">
-              <a:defRPr sz="6000"/>
+            <a:lvl1pPr algn="r">
+              <a:defRPr sz="5000" spc="200" baseline="0"/>
             </a:lvl1pPr>
           </a:lstStyle>
           <a:p>
@@ -626,18 +2221,13 @@
               <a:rPr lang="en-US"/>
               <a:t>Click to edit Master title style</a:t>
             </a:r>
-          </a:p>
-        </p:txBody>
-      </p:sp>
-      <p:sp>
-        <p:nvSpPr>
-          <p:cNvPr id="3" name="Subtitle 2">
-            <a:extLst>
-              <a:ext uri="{FF2B5EF4-FFF2-40B4-BE49-F238E27FC236}">
-                <a16:creationId xmlns:a16="http://schemas.microsoft.com/office/drawing/2014/main" id="{226C705B-C43E-405C-8E95-CB541BB10B3A}"/>
-              </a:ext>
-            </a:extLst>
-          </p:cNvPr>
+            <a:endParaRPr lang="en-US" dirty="0"/>
+          </a:p>
+        </p:txBody>
+      </p:sp>
+      <p:sp>
+        <p:nvSpPr>
+          <p:cNvPr id="3" name="Subtitle 2"/>
           <p:cNvSpPr>
             <a:spLocks noGrp="1"/>
           </p:cNvSpPr>
@@ -647,20 +2237,35 @@
         </p:nvSpPr>
         <p:spPr>
           <a:xfrm>
-            <a:off x="1524000" y="3602038"/>
-            <a:ext cx="9144000" cy="1655762"/>
-          </a:xfrm>
-        </p:spPr>
-        <p:txBody>
-          <a:bodyPr/>
+            <a:off x="8610600" y="4960137"/>
+            <a:ext cx="3200400" cy="1463040"/>
+          </a:xfrm>
+        </p:spPr>
+        <p:txBody>
+          <a:bodyPr lIns="91440" rIns="91440" anchor="ctr">
+            <a:normAutofit/>
+          </a:bodyPr>
           <a:lstStyle>
-            <a:lvl1pPr marL="0" indent="0" algn="ctr">
+            <a:lvl1pPr marL="0" indent="0" algn="l">
+              <a:lnSpc>
+                <a:spcPct val="100000"/>
+              </a:lnSpc>
+              <a:spcBef>
+                <a:spcPts val="0"/>
+              </a:spcBef>
               <a:buNone/>
-              <a:defRPr sz="2400"/>
+              <a:defRPr sz="1800">
+                <a:solidFill>
+                  <a:schemeClr val="tx1">
+                    <a:lumMod val="90000"/>
+                    <a:lumOff val="10000"/>
+                  </a:schemeClr>
+                </a:solidFill>
+              </a:defRPr>
             </a:lvl1pPr>
             <a:lvl2pPr marL="457200" indent="0" algn="ctr">
               <a:buNone/>
-              <a:defRPr sz="2000"/>
+              <a:defRPr sz="1800"/>
             </a:lvl2pPr>
             <a:lvl3pPr marL="914400" indent="0" algn="ctr">
               <a:buNone/>
@@ -668,27 +2273,27 @@
             </a:lvl3pPr>
             <a:lvl4pPr marL="1371600" indent="0" algn="ctr">
               <a:buNone/>
-              <a:defRPr sz="1600"/>
+              <a:defRPr sz="1800"/>
             </a:lvl4pPr>
             <a:lvl5pPr marL="1828800" indent="0" algn="ctr">
               <a:buNone/>
-              <a:defRPr sz="1600"/>
+              <a:defRPr sz="1800"/>
             </a:lvl5pPr>
             <a:lvl6pPr marL="2286000" indent="0" algn="ctr">
               <a:buNone/>
-              <a:defRPr sz="1600"/>
+              <a:defRPr sz="1800"/>
             </a:lvl6pPr>
             <a:lvl7pPr marL="2743200" indent="0" algn="ctr">
               <a:buNone/>
-              <a:defRPr sz="1600"/>
+              <a:defRPr sz="1800"/>
             </a:lvl7pPr>
             <a:lvl8pPr marL="3200400" indent="0" algn="ctr">
               <a:buNone/>
-              <a:defRPr sz="1600"/>
+              <a:defRPr sz="1800"/>
             </a:lvl8pPr>
             <a:lvl9pPr marL="3657600" indent="0" algn="ctr">
               <a:buNone/>
-              <a:defRPr sz="1600"/>
+              <a:defRPr sz="1800"/>
             </a:lvl9pPr>
           </a:lstStyle>
           <a:p>
@@ -696,18 +2301,13 @@
               <a:rPr lang="en-US"/>
               <a:t>Click to edit Master subtitle style</a:t>
             </a:r>
-          </a:p>
-        </p:txBody>
-      </p:sp>
-      <p:sp>
-        <p:nvSpPr>
-          <p:cNvPr id="4" name="Date Placeholder 3">
-            <a:extLst>
-              <a:ext uri="{FF2B5EF4-FFF2-40B4-BE49-F238E27FC236}">
-                <a16:creationId xmlns:a16="http://schemas.microsoft.com/office/drawing/2014/main" id="{6FAC6DCB-5B18-45C4-A783-9F14C87E803D}"/>
-              </a:ext>
-            </a:extLst>
-          </p:cNvPr>
+            <a:endParaRPr lang="en-US" dirty="0"/>
+          </a:p>
+        </p:txBody>
+      </p:sp>
+      <p:sp>
+        <p:nvSpPr>
+          <p:cNvPr id="4" name="Date Placeholder 3"/>
           <p:cNvSpPr>
             <a:spLocks noGrp="1"/>
           </p:cNvSpPr>
@@ -718,11 +2318,15 @@
         <p:spPr/>
         <p:txBody>
           <a:bodyPr/>
-          <a:lstStyle/>
+          <a:lstStyle>
+            <a:lvl1pPr algn="l">
+              <a:defRPr/>
+            </a:lvl1pPr>
+          </a:lstStyle>
           <a:p>
             <a:fld id="{2C7459A1-C2E2-47FD-8159-1F8F61AB9301}" type="datetimeFigureOut">
               <a:rPr lang="en-US" smtClean="0"/>
-              <a:t>3/21/2019</a:t>
+              <a:t>3/22/2019</a:t>
             </a:fld>
             <a:endParaRPr lang="en-US"/>
           </a:p>
@@ -730,13 +2334,7 @@
       </p:sp>
       <p:sp>
         <p:nvSpPr>
-          <p:cNvPr id="5" name="Footer Placeholder 4">
-            <a:extLst>
-              <a:ext uri="{FF2B5EF4-FFF2-40B4-BE49-F238E27FC236}">
-                <a16:creationId xmlns:a16="http://schemas.microsoft.com/office/drawing/2014/main" id="{97164A52-E73B-4260-A90B-F88536F44CEB}"/>
-              </a:ext>
-            </a:extLst>
-          </p:cNvPr>
+          <p:cNvPr id="5" name="Footer Placeholder 4"/>
           <p:cNvSpPr>
             <a:spLocks noGrp="1"/>
           </p:cNvSpPr>
@@ -755,13 +2353,7 @@
       </p:sp>
       <p:sp>
         <p:nvSpPr>
-          <p:cNvPr id="6" name="Slide Number Placeholder 5">
-            <a:extLst>
-              <a:ext uri="{FF2B5EF4-FFF2-40B4-BE49-F238E27FC236}">
-                <a16:creationId xmlns:a16="http://schemas.microsoft.com/office/drawing/2014/main" id="{77562B28-F34A-418C-81A0-4189600FD9B4}"/>
-              </a:ext>
-            </a:extLst>
-          </p:cNvPr>
+          <p:cNvPr id="6" name="Slide Number Placeholder 5"/>
           <p:cNvSpPr>
             <a:spLocks noGrp="1"/>
           </p:cNvSpPr>
@@ -782,10 +2374,45 @@
           </a:p>
         </p:txBody>
       </p:sp>
+      <p:cxnSp>
+        <p:nvCxnSpPr>
+          <p:cNvPr id="8" name="Straight Connector 7"/>
+          <p:cNvCxnSpPr/>
+          <p:nvPr/>
+        </p:nvCxnSpPr>
+        <p:spPr>
+          <a:xfrm flipV="1">
+            <a:off x="8386842" y="5264106"/>
+            <a:ext cx="0" cy="914400"/>
+          </a:xfrm>
+          <a:prstGeom prst="line">
+            <a:avLst/>
+          </a:prstGeom>
+          <a:ln w="19050">
+            <a:solidFill>
+              <a:schemeClr val="accent2"/>
+            </a:solidFill>
+          </a:ln>
+        </p:spPr>
+        <p:style>
+          <a:lnRef idx="1">
+            <a:schemeClr val="accent1"/>
+          </a:lnRef>
+          <a:fillRef idx="0">
+            <a:schemeClr val="accent1"/>
+          </a:fillRef>
+          <a:effectRef idx="0">
+            <a:schemeClr val="accent1"/>
+          </a:effectRef>
+          <a:fontRef idx="minor">
+            <a:schemeClr val="tx1"/>
+          </a:fontRef>
+        </p:style>
+      </p:cxnSp>
     </p:spTree>
     <p:extLst>
       <p:ext uri="{BB962C8B-B14F-4D97-AF65-F5344CB8AC3E}">
-        <p14:creationId xmlns:p14="http://schemas.microsoft.com/office/powerpoint/2010/main" val="1809172986"/>
+        <p14:creationId xmlns:p14="http://schemas.microsoft.com/office/powerpoint/2010/main" val="953104144"/>
       </p:ext>
     </p:extLst>
   </p:cSld>
@@ -814,13 +2441,7 @@
       </p:grpSpPr>
       <p:sp>
         <p:nvSpPr>
-          <p:cNvPr id="2" name="Title 1">
-            <a:extLst>
-              <a:ext uri="{FF2B5EF4-FFF2-40B4-BE49-F238E27FC236}">
-                <a16:creationId xmlns:a16="http://schemas.microsoft.com/office/drawing/2014/main" id="{7D5B1389-0F01-43D7-A24A-F21881C978A7}"/>
-              </a:ext>
-            </a:extLst>
-          </p:cNvPr>
+          <p:cNvPr id="2" name="Title 1"/>
           <p:cNvSpPr>
             <a:spLocks noGrp="1"/>
           </p:cNvSpPr>
@@ -837,18 +2458,13 @@
               <a:rPr lang="en-US"/>
               <a:t>Click to edit Master title style</a:t>
             </a:r>
-          </a:p>
-        </p:txBody>
-      </p:sp>
-      <p:sp>
-        <p:nvSpPr>
-          <p:cNvPr id="3" name="Vertical Text Placeholder 2">
-            <a:extLst>
-              <a:ext uri="{FF2B5EF4-FFF2-40B4-BE49-F238E27FC236}">
-                <a16:creationId xmlns:a16="http://schemas.microsoft.com/office/drawing/2014/main" id="{4BCC320E-7B73-4623-9924-B3AC567F5715}"/>
-              </a:ext>
-            </a:extLst>
-          </p:cNvPr>
+            <a:endParaRPr lang="en-US" dirty="0"/>
+          </a:p>
+        </p:txBody>
+      </p:sp>
+      <p:sp>
+        <p:nvSpPr>
+          <p:cNvPr id="3" name="Vertical Text Placeholder 2"/>
           <p:cNvSpPr>
             <a:spLocks noGrp="1"/>
           </p:cNvSpPr>
@@ -894,18 +2510,13 @@
               <a:rPr lang="en-US"/>
               <a:t>Fifth level</a:t>
             </a:r>
-          </a:p>
-        </p:txBody>
-      </p:sp>
-      <p:sp>
-        <p:nvSpPr>
-          <p:cNvPr id="4" name="Date Placeholder 3">
-            <a:extLst>
-              <a:ext uri="{FF2B5EF4-FFF2-40B4-BE49-F238E27FC236}">
-                <a16:creationId xmlns:a16="http://schemas.microsoft.com/office/drawing/2014/main" id="{F944069E-0C2E-4B8F-859B-F06BC9EA58A5}"/>
-              </a:ext>
-            </a:extLst>
-          </p:cNvPr>
+            <a:endParaRPr lang="en-US" dirty="0"/>
+          </a:p>
+        </p:txBody>
+      </p:sp>
+      <p:sp>
+        <p:nvSpPr>
+          <p:cNvPr id="4" name="Date Placeholder 3"/>
           <p:cNvSpPr>
             <a:spLocks noGrp="1"/>
           </p:cNvSpPr>
@@ -920,7 +2531,7 @@
           <a:p>
             <a:fld id="{2C7459A1-C2E2-47FD-8159-1F8F61AB9301}" type="datetimeFigureOut">
               <a:rPr lang="en-US" smtClean="0"/>
-              <a:t>3/21/2019</a:t>
+              <a:t>3/22/2019</a:t>
             </a:fld>
             <a:endParaRPr lang="en-US"/>
           </a:p>
@@ -928,13 +2539,7 @@
       </p:sp>
       <p:sp>
         <p:nvSpPr>
-          <p:cNvPr id="5" name="Footer Placeholder 4">
-            <a:extLst>
-              <a:ext uri="{FF2B5EF4-FFF2-40B4-BE49-F238E27FC236}">
-                <a16:creationId xmlns:a16="http://schemas.microsoft.com/office/drawing/2014/main" id="{620B039E-5B6E-4E41-B523-153E4E176DE7}"/>
-              </a:ext>
-            </a:extLst>
-          </p:cNvPr>
+          <p:cNvPr id="5" name="Footer Placeholder 4"/>
           <p:cNvSpPr>
             <a:spLocks noGrp="1"/>
           </p:cNvSpPr>
@@ -953,13 +2558,7 @@
       </p:sp>
       <p:sp>
         <p:nvSpPr>
-          <p:cNvPr id="6" name="Slide Number Placeholder 5">
-            <a:extLst>
-              <a:ext uri="{FF2B5EF4-FFF2-40B4-BE49-F238E27FC236}">
-                <a16:creationId xmlns:a16="http://schemas.microsoft.com/office/drawing/2014/main" id="{5C52D98D-395D-4CEE-B008-35D0085A0234}"/>
-              </a:ext>
-            </a:extLst>
-          </p:cNvPr>
+          <p:cNvPr id="6" name="Slide Number Placeholder 5"/>
           <p:cNvSpPr>
             <a:spLocks noGrp="1"/>
           </p:cNvSpPr>
@@ -983,7 +2582,7 @@
     </p:spTree>
     <p:extLst>
       <p:ext uri="{BB962C8B-B14F-4D97-AF65-F5344CB8AC3E}">
-        <p14:creationId xmlns:p14="http://schemas.microsoft.com/office/powerpoint/2010/main" val="2380023415"/>
+        <p14:creationId xmlns:p14="http://schemas.microsoft.com/office/powerpoint/2010/main" val="3010339616"/>
       </p:ext>
     </p:extLst>
   </p:cSld>
@@ -994,7 +2593,7 @@
 </file>
 
 <file path=ppt/slideLayouts/slideLayout11.xml><?xml version="1.0" encoding="utf-8"?>
-<p:sldLayout xmlns:a="http://schemas.openxmlformats.org/drawingml/2006/main" xmlns:r="http://schemas.openxmlformats.org/officeDocument/2006/relationships" xmlns:p="http://schemas.openxmlformats.org/presentationml/2006/main" type="vertTitleAndTx" preserve="1">
+<p:sldLayout xmlns:a="http://schemas.openxmlformats.org/drawingml/2006/main" xmlns:r="http://schemas.openxmlformats.org/officeDocument/2006/relationships" xmlns:p="http://schemas.openxmlformats.org/presentationml/2006/main" showMasterSp="0" type="vertTitleAndTx" preserve="1">
   <p:cSld name="Vertical Title and Text">
     <p:spTree>
       <p:nvGrpSpPr>
@@ -1012,13 +2611,7 @@
       </p:grpSpPr>
       <p:sp>
         <p:nvSpPr>
-          <p:cNvPr id="2" name="Vertical Title 1">
-            <a:extLst>
-              <a:ext uri="{FF2B5EF4-FFF2-40B4-BE49-F238E27FC236}">
-                <a16:creationId xmlns:a16="http://schemas.microsoft.com/office/drawing/2014/main" id="{084DD63C-3DD1-43B7-9260-3948AD792E06}"/>
-              </a:ext>
-            </a:extLst>
-          </p:cNvPr>
+          <p:cNvPr id="2" name="Vertical Title 1"/>
           <p:cNvSpPr>
             <a:spLocks noGrp="1"/>
           </p:cNvSpPr>
@@ -1028,30 +2621,25 @@
         </p:nvSpPr>
         <p:spPr>
           <a:xfrm>
-            <a:off x="8724900" y="365125"/>
-            <a:ext cx="2628900" cy="5811838"/>
-          </a:xfrm>
-        </p:spPr>
-        <p:txBody>
-          <a:bodyPr vert="eaVert"/>
+            <a:off x="8724900" y="762000"/>
+            <a:ext cx="2628900" cy="5410200"/>
+          </a:xfrm>
+        </p:spPr>
+        <p:txBody>
+          <a:bodyPr vert="eaVert" lIns="45720" tIns="91440" rIns="45720" bIns="91440"/>
           <a:lstStyle/>
           <a:p>
             <a:r>
               <a:rPr lang="en-US"/>
               <a:t>Click to edit Master title style</a:t>
             </a:r>
-          </a:p>
-        </p:txBody>
-      </p:sp>
-      <p:sp>
-        <p:nvSpPr>
-          <p:cNvPr id="3" name="Vertical Text Placeholder 2">
-            <a:extLst>
-              <a:ext uri="{FF2B5EF4-FFF2-40B4-BE49-F238E27FC236}">
-                <a16:creationId xmlns:a16="http://schemas.microsoft.com/office/drawing/2014/main" id="{8704BD93-D579-418F-8B55-2FFB62D2ADFD}"/>
-              </a:ext>
-            </a:extLst>
-          </p:cNvPr>
+            <a:endParaRPr lang="en-US" dirty="0"/>
+          </a:p>
+        </p:txBody>
+      </p:sp>
+      <p:sp>
+        <p:nvSpPr>
+          <p:cNvPr id="3" name="Vertical Text Placeholder 2"/>
           <p:cNvSpPr>
             <a:spLocks noGrp="1"/>
           </p:cNvSpPr>
@@ -1061,8 +2649,8 @@
         </p:nvSpPr>
         <p:spPr>
           <a:xfrm>
-            <a:off x="838200" y="365125"/>
-            <a:ext cx="7734300" cy="5811838"/>
+            <a:off x="990600" y="762000"/>
+            <a:ext cx="7581900" cy="5410200"/>
           </a:xfrm>
         </p:spPr>
         <p:txBody>
@@ -1102,18 +2690,13 @@
               <a:rPr lang="en-US"/>
               <a:t>Fifth level</a:t>
             </a:r>
-          </a:p>
-        </p:txBody>
-      </p:sp>
-      <p:sp>
-        <p:nvSpPr>
-          <p:cNvPr id="4" name="Date Placeholder 3">
-            <a:extLst>
-              <a:ext uri="{FF2B5EF4-FFF2-40B4-BE49-F238E27FC236}">
-                <a16:creationId xmlns:a16="http://schemas.microsoft.com/office/drawing/2014/main" id="{4282F56D-2CD8-4BA8-8A49-4D95EFF67EAF}"/>
-              </a:ext>
-            </a:extLst>
-          </p:cNvPr>
+            <a:endParaRPr lang="en-US" dirty="0"/>
+          </a:p>
+        </p:txBody>
+      </p:sp>
+      <p:sp>
+        <p:nvSpPr>
+          <p:cNvPr id="4" name="Date Placeholder 3"/>
           <p:cNvSpPr>
             <a:spLocks noGrp="1"/>
           </p:cNvSpPr>
@@ -1128,7 +2711,7 @@
           <a:p>
             <a:fld id="{2C7459A1-C2E2-47FD-8159-1F8F61AB9301}" type="datetimeFigureOut">
               <a:rPr lang="en-US" smtClean="0"/>
-              <a:t>3/21/2019</a:t>
+              <a:t>3/22/2019</a:t>
             </a:fld>
             <a:endParaRPr lang="en-US"/>
           </a:p>
@@ -1136,13 +2719,7 @@
       </p:sp>
       <p:sp>
         <p:nvSpPr>
-          <p:cNvPr id="5" name="Footer Placeholder 4">
-            <a:extLst>
-              <a:ext uri="{FF2B5EF4-FFF2-40B4-BE49-F238E27FC236}">
-                <a16:creationId xmlns:a16="http://schemas.microsoft.com/office/drawing/2014/main" id="{62073E97-6F1C-44F6-8A26-68597D8C25C2}"/>
-              </a:ext>
-            </a:extLst>
-          </p:cNvPr>
+          <p:cNvPr id="5" name="Footer Placeholder 4"/>
           <p:cNvSpPr>
             <a:spLocks noGrp="1"/>
           </p:cNvSpPr>
@@ -1161,13 +2738,7 @@
       </p:sp>
       <p:sp>
         <p:nvSpPr>
-          <p:cNvPr id="6" name="Slide Number Placeholder 5">
-            <a:extLst>
-              <a:ext uri="{FF2B5EF4-FFF2-40B4-BE49-F238E27FC236}">
-                <a16:creationId xmlns:a16="http://schemas.microsoft.com/office/drawing/2014/main" id="{DEA72511-83E5-4200-9CC2-4889E94B04F8}"/>
-              </a:ext>
-            </a:extLst>
-          </p:cNvPr>
+          <p:cNvPr id="6" name="Slide Number Placeholder 5"/>
           <p:cNvSpPr>
             <a:spLocks noGrp="1"/>
           </p:cNvSpPr>
@@ -1188,10 +2759,45 @@
           </a:p>
         </p:txBody>
       </p:sp>
+      <p:cxnSp>
+        <p:nvCxnSpPr>
+          <p:cNvPr id="7" name="Straight Connector 6"/>
+          <p:cNvCxnSpPr/>
+          <p:nvPr/>
+        </p:nvCxnSpPr>
+        <p:spPr>
+          <a:xfrm rot="5400000" flipV="1">
+            <a:off x="10058400" y="59263"/>
+            <a:ext cx="0" cy="914400"/>
+          </a:xfrm>
+          <a:prstGeom prst="line">
+            <a:avLst/>
+          </a:prstGeom>
+          <a:ln w="19050">
+            <a:solidFill>
+              <a:schemeClr val="accent2"/>
+            </a:solidFill>
+          </a:ln>
+        </p:spPr>
+        <p:style>
+          <a:lnRef idx="1">
+            <a:schemeClr val="accent1"/>
+          </a:lnRef>
+          <a:fillRef idx="0">
+            <a:schemeClr val="accent1"/>
+          </a:fillRef>
+          <a:effectRef idx="0">
+            <a:schemeClr val="accent1"/>
+          </a:effectRef>
+          <a:fontRef idx="minor">
+            <a:schemeClr val="tx1"/>
+          </a:fontRef>
+        </p:style>
+      </p:cxnSp>
     </p:spTree>
     <p:extLst>
       <p:ext uri="{BB962C8B-B14F-4D97-AF65-F5344CB8AC3E}">
-        <p14:creationId xmlns:p14="http://schemas.microsoft.com/office/powerpoint/2010/main" val="464798777"/>
+        <p14:creationId xmlns:p14="http://schemas.microsoft.com/office/powerpoint/2010/main" val="2872737798"/>
       </p:ext>
     </p:extLst>
   </p:cSld>
@@ -1220,13 +2826,7 @@
       </p:grpSpPr>
       <p:sp>
         <p:nvSpPr>
-          <p:cNvPr id="2" name="Title 1">
-            <a:extLst>
-              <a:ext uri="{FF2B5EF4-FFF2-40B4-BE49-F238E27FC236}">
-                <a16:creationId xmlns:a16="http://schemas.microsoft.com/office/drawing/2014/main" id="{73AC5C2F-D183-4C78-B36C-78235F6F27F2}"/>
-              </a:ext>
-            </a:extLst>
-          </p:cNvPr>
+          <p:cNvPr id="2" name="Title 1"/>
           <p:cNvSpPr>
             <a:spLocks noGrp="1"/>
           </p:cNvSpPr>
@@ -1243,18 +2843,13 @@
               <a:rPr lang="en-US"/>
               <a:t>Click to edit Master title style</a:t>
             </a:r>
-          </a:p>
-        </p:txBody>
-      </p:sp>
-      <p:sp>
-        <p:nvSpPr>
-          <p:cNvPr id="3" name="Content Placeholder 2">
-            <a:extLst>
-              <a:ext uri="{FF2B5EF4-FFF2-40B4-BE49-F238E27FC236}">
-                <a16:creationId xmlns:a16="http://schemas.microsoft.com/office/drawing/2014/main" id="{B6556F3A-C622-4134-A3C2-A4AA1F882D26}"/>
-              </a:ext>
-            </a:extLst>
-          </p:cNvPr>
+            <a:endParaRPr lang="en-US" dirty="0"/>
+          </a:p>
+        </p:txBody>
+      </p:sp>
+      <p:sp>
+        <p:nvSpPr>
+          <p:cNvPr id="3" name="Content Placeholder 2"/>
           <p:cNvSpPr>
             <a:spLocks noGrp="1"/>
           </p:cNvSpPr>
@@ -1300,18 +2895,13 @@
               <a:rPr lang="en-US"/>
               <a:t>Fifth level</a:t>
             </a:r>
-          </a:p>
-        </p:txBody>
-      </p:sp>
-      <p:sp>
-        <p:nvSpPr>
-          <p:cNvPr id="4" name="Date Placeholder 3">
-            <a:extLst>
-              <a:ext uri="{FF2B5EF4-FFF2-40B4-BE49-F238E27FC236}">
-                <a16:creationId xmlns:a16="http://schemas.microsoft.com/office/drawing/2014/main" id="{274C8ACB-9DB9-4937-A0B4-4E17B6A794BD}"/>
-              </a:ext>
-            </a:extLst>
-          </p:cNvPr>
+            <a:endParaRPr lang="en-US" dirty="0"/>
+          </a:p>
+        </p:txBody>
+      </p:sp>
+      <p:sp>
+        <p:nvSpPr>
+          <p:cNvPr id="4" name="Date Placeholder 3"/>
           <p:cNvSpPr>
             <a:spLocks noGrp="1"/>
           </p:cNvSpPr>
@@ -1326,7 +2916,7 @@
           <a:p>
             <a:fld id="{2C7459A1-C2E2-47FD-8159-1F8F61AB9301}" type="datetimeFigureOut">
               <a:rPr lang="en-US" smtClean="0"/>
-              <a:t>3/21/2019</a:t>
+              <a:t>3/22/2019</a:t>
             </a:fld>
             <a:endParaRPr lang="en-US"/>
           </a:p>
@@ -1334,13 +2924,7 @@
       </p:sp>
       <p:sp>
         <p:nvSpPr>
-          <p:cNvPr id="5" name="Footer Placeholder 4">
-            <a:extLst>
-              <a:ext uri="{FF2B5EF4-FFF2-40B4-BE49-F238E27FC236}">
-                <a16:creationId xmlns:a16="http://schemas.microsoft.com/office/drawing/2014/main" id="{C73BD612-FF05-4B48-952C-CCFF6DBFEE70}"/>
-              </a:ext>
-            </a:extLst>
-          </p:cNvPr>
+          <p:cNvPr id="5" name="Footer Placeholder 4"/>
           <p:cNvSpPr>
             <a:spLocks noGrp="1"/>
           </p:cNvSpPr>
@@ -1359,13 +2943,7 @@
       </p:sp>
       <p:sp>
         <p:nvSpPr>
-          <p:cNvPr id="6" name="Slide Number Placeholder 5">
-            <a:extLst>
-              <a:ext uri="{FF2B5EF4-FFF2-40B4-BE49-F238E27FC236}">
-                <a16:creationId xmlns:a16="http://schemas.microsoft.com/office/drawing/2014/main" id="{FCEAD8F2-071C-4491-95F1-2F4966D679B8}"/>
-              </a:ext>
-            </a:extLst>
-          </p:cNvPr>
+          <p:cNvPr id="6" name="Slide Number Placeholder 5"/>
           <p:cNvSpPr>
             <a:spLocks noGrp="1"/>
           </p:cNvSpPr>
@@ -1389,7 +2967,7 @@
     </p:spTree>
     <p:extLst>
       <p:ext uri="{BB962C8B-B14F-4D97-AF65-F5344CB8AC3E}">
-        <p14:creationId xmlns:p14="http://schemas.microsoft.com/office/powerpoint/2010/main" val="1709529014"/>
+        <p14:creationId xmlns:p14="http://schemas.microsoft.com/office/powerpoint/2010/main" val="3884915921"/>
       </p:ext>
     </p:extLst>
   </p:cSld>
@@ -1400,7 +2978,7 @@
 </file>
 
 <file path=ppt/slideLayouts/slideLayout3.xml><?xml version="1.0" encoding="utf-8"?>
-<p:sldLayout xmlns:a="http://schemas.openxmlformats.org/drawingml/2006/main" xmlns:r="http://schemas.openxmlformats.org/officeDocument/2006/relationships" xmlns:p="http://schemas.openxmlformats.org/presentationml/2006/main" type="secHead" preserve="1">
+<p:sldLayout xmlns:a="http://schemas.openxmlformats.org/drawingml/2006/main" xmlns:r="http://schemas.openxmlformats.org/officeDocument/2006/relationships" xmlns:p="http://schemas.openxmlformats.org/presentationml/2006/main" showMasterSp="0" type="secHead" preserve="1">
   <p:cSld name="Section Header">
     <p:spTree>
       <p:nvGrpSpPr>
@@ -1418,13 +2996,45 @@
       </p:grpSpPr>
       <p:sp>
         <p:nvSpPr>
-          <p:cNvPr id="2" name="Title 1">
-            <a:extLst>
-              <a:ext uri="{FF2B5EF4-FFF2-40B4-BE49-F238E27FC236}">
-                <a16:creationId xmlns:a16="http://schemas.microsoft.com/office/drawing/2014/main" id="{79C8E1D4-FFDA-43A5-996A-4E811B3DE3AB}"/>
-              </a:ext>
-            </a:extLst>
-          </p:cNvPr>
+          <p:cNvPr id="7" name="Rectangle 6"/>
+          <p:cNvSpPr/>
+          <p:nvPr/>
+        </p:nvSpPr>
+        <p:spPr>
+          <a:xfrm>
+            <a:off x="0" y="-1"/>
+            <a:ext cx="12192000" cy="4572000"/>
+          </a:xfrm>
+          <a:prstGeom prst="rect">
+            <a:avLst/>
+          </a:prstGeom>
+          <a:solidFill>
+            <a:schemeClr val="accent3"/>
+          </a:solidFill>
+          <a:ln>
+            <a:noFill/>
+          </a:ln>
+        </p:spPr>
+        <p:style>
+          <a:lnRef idx="2">
+            <a:schemeClr val="accent1">
+              <a:shade val="50000"/>
+            </a:schemeClr>
+          </a:lnRef>
+          <a:fillRef idx="1">
+            <a:schemeClr val="accent1"/>
+          </a:fillRef>
+          <a:effectRef idx="0">
+            <a:schemeClr val="accent1"/>
+          </a:effectRef>
+          <a:fontRef idx="minor">
+            <a:schemeClr val="lt1"/>
+          </a:fontRef>
+        </p:style>
+      </p:sp>
+      <p:sp>
+        <p:nvSpPr>
+          <p:cNvPr id="2" name="Title 1"/>
           <p:cNvSpPr>
             <a:spLocks noGrp="1"/>
           </p:cNvSpPr>
@@ -1434,15 +3044,17 @@
         </p:nvSpPr>
         <p:spPr>
           <a:xfrm>
-            <a:off x="831850" y="1709738"/>
-            <a:ext cx="10515600" cy="2852737"/>
-          </a:xfrm>
-        </p:spPr>
-        <p:txBody>
-          <a:bodyPr anchor="b"/>
+            <a:off x="457200" y="4960137"/>
+            <a:ext cx="7772400" cy="1463040"/>
+          </a:xfrm>
+        </p:spPr>
+        <p:txBody>
+          <a:bodyPr anchor="ctr">
+            <a:normAutofit/>
+          </a:bodyPr>
           <a:lstStyle>
-            <a:lvl1pPr>
-              <a:defRPr sz="6000"/>
+            <a:lvl1pPr algn="r">
+              <a:defRPr sz="5000" b="0" spc="200" baseline="0"/>
             </a:lvl1pPr>
           </a:lstStyle>
           <a:p>
@@ -1450,18 +3062,13 @@
               <a:rPr lang="en-US"/>
               <a:t>Click to edit Master title style</a:t>
             </a:r>
-          </a:p>
-        </p:txBody>
-      </p:sp>
-      <p:sp>
-        <p:nvSpPr>
-          <p:cNvPr id="3" name="Text Placeholder 2">
-            <a:extLst>
-              <a:ext uri="{FF2B5EF4-FFF2-40B4-BE49-F238E27FC236}">
-                <a16:creationId xmlns:a16="http://schemas.microsoft.com/office/drawing/2014/main" id="{9C8C8CA0-D74D-48A8-8177-F5F5E5D55296}"/>
-              </a:ext>
-            </a:extLst>
-          </p:cNvPr>
+            <a:endParaRPr lang="en-US" dirty="0"/>
+          </a:p>
+        </p:txBody>
+      </p:sp>
+      <p:sp>
+        <p:nvSpPr>
+          <p:cNvPr id="3" name="Text Placeholder 2"/>
           <p:cNvSpPr>
             <a:spLocks noGrp="1"/>
           </p:cNvSpPr>
@@ -1471,26 +3078,35 @@
         </p:nvSpPr>
         <p:spPr>
           <a:xfrm>
-            <a:off x="831850" y="4589463"/>
-            <a:ext cx="10515600" cy="1500187"/>
-          </a:xfrm>
-        </p:spPr>
-        <p:txBody>
-          <a:bodyPr/>
+            <a:off x="8610600" y="4960137"/>
+            <a:ext cx="3200400" cy="1463040"/>
+          </a:xfrm>
+        </p:spPr>
+        <p:txBody>
+          <a:bodyPr lIns="91440" rIns="91440" anchor="ctr">
+            <a:normAutofit/>
+          </a:bodyPr>
           <a:lstStyle>
             <a:lvl1pPr marL="0" indent="0">
+              <a:lnSpc>
+                <a:spcPct val="100000"/>
+              </a:lnSpc>
+              <a:spcBef>
+                <a:spcPts val="0"/>
+              </a:spcBef>
               <a:buNone/>
-              <a:defRPr sz="2400">
+              <a:defRPr sz="1800">
                 <a:solidFill>
                   <a:schemeClr val="tx1">
-                    <a:tint val="75000"/>
+                    <a:lumMod val="90000"/>
+                    <a:lumOff val="10000"/>
                   </a:schemeClr>
                 </a:solidFill>
               </a:defRPr>
             </a:lvl1pPr>
             <a:lvl2pPr marL="457200" indent="0">
               <a:buNone/>
-              <a:defRPr sz="2000">
+              <a:defRPr sz="1800">
                 <a:solidFill>
                   <a:schemeClr val="tx1">
                     <a:tint val="75000"/>
@@ -1500,7 +3116,7 @@
             </a:lvl2pPr>
             <a:lvl3pPr marL="914400" indent="0">
               <a:buNone/>
-              <a:defRPr sz="1800">
+              <a:defRPr sz="1600">
                 <a:solidFill>
                   <a:schemeClr val="tx1">
                     <a:tint val="75000"/>
@@ -1510,7 +3126,7 @@
             </a:lvl3pPr>
             <a:lvl4pPr marL="1371600" indent="0">
               <a:buNone/>
-              <a:defRPr sz="1600">
+              <a:defRPr sz="1400">
                 <a:solidFill>
                   <a:schemeClr val="tx1">
                     <a:tint val="75000"/>
@@ -1520,7 +3136,7 @@
             </a:lvl4pPr>
             <a:lvl5pPr marL="1828800" indent="0">
               <a:buNone/>
-              <a:defRPr sz="1600">
+              <a:defRPr sz="1400">
                 <a:solidFill>
                   <a:schemeClr val="tx1">
                     <a:tint val="75000"/>
@@ -1530,7 +3146,7 @@
             </a:lvl5pPr>
             <a:lvl6pPr marL="2286000" indent="0">
               <a:buNone/>
-              <a:defRPr sz="1600">
+              <a:defRPr sz="1400">
                 <a:solidFill>
                   <a:schemeClr val="tx1">
                     <a:tint val="75000"/>
@@ -1540,7 +3156,7 @@
             </a:lvl6pPr>
             <a:lvl7pPr marL="2743200" indent="0">
               <a:buNone/>
-              <a:defRPr sz="1600">
+              <a:defRPr sz="1400">
                 <a:solidFill>
                   <a:schemeClr val="tx1">
                     <a:tint val="75000"/>
@@ -1550,7 +3166,7 @@
             </a:lvl7pPr>
             <a:lvl8pPr marL="3200400" indent="0">
               <a:buNone/>
-              <a:defRPr sz="1600">
+              <a:defRPr sz="1400">
                 <a:solidFill>
                   <a:schemeClr val="tx1">
                     <a:tint val="75000"/>
@@ -1560,7 +3176,7 @@
             </a:lvl8pPr>
             <a:lvl9pPr marL="3657600" indent="0">
               <a:buNone/>
-              <a:defRPr sz="1600">
+              <a:defRPr sz="1400">
                 <a:solidFill>
                   <a:schemeClr val="tx1">
                     <a:tint val="75000"/>
@@ -1580,13 +3196,7 @@
       </p:sp>
       <p:sp>
         <p:nvSpPr>
-          <p:cNvPr id="4" name="Date Placeholder 3">
-            <a:extLst>
-              <a:ext uri="{FF2B5EF4-FFF2-40B4-BE49-F238E27FC236}">
-                <a16:creationId xmlns:a16="http://schemas.microsoft.com/office/drawing/2014/main" id="{3E0EF2E7-68ED-4019-9A8F-BFD9044564FB}"/>
-              </a:ext>
-            </a:extLst>
-          </p:cNvPr>
+          <p:cNvPr id="4" name="Date Placeholder 3"/>
           <p:cNvSpPr>
             <a:spLocks noGrp="1"/>
           </p:cNvSpPr>
@@ -1601,7 +3211,7 @@
           <a:p>
             <a:fld id="{2C7459A1-C2E2-47FD-8159-1F8F61AB9301}" type="datetimeFigureOut">
               <a:rPr lang="en-US" smtClean="0"/>
-              <a:t>3/21/2019</a:t>
+              <a:t>3/22/2019</a:t>
             </a:fld>
             <a:endParaRPr lang="en-US"/>
           </a:p>
@@ -1609,13 +3219,7 @@
       </p:sp>
       <p:sp>
         <p:nvSpPr>
-          <p:cNvPr id="5" name="Footer Placeholder 4">
-            <a:extLst>
-              <a:ext uri="{FF2B5EF4-FFF2-40B4-BE49-F238E27FC236}">
-                <a16:creationId xmlns:a16="http://schemas.microsoft.com/office/drawing/2014/main" id="{CEBB4759-6199-4246-9620-4BC62FE7D69E}"/>
-              </a:ext>
-            </a:extLst>
-          </p:cNvPr>
+          <p:cNvPr id="5" name="Footer Placeholder 4"/>
           <p:cNvSpPr>
             <a:spLocks noGrp="1"/>
           </p:cNvSpPr>
@@ -1634,13 +3238,7 @@
       </p:sp>
       <p:sp>
         <p:nvSpPr>
-          <p:cNvPr id="6" name="Slide Number Placeholder 5">
-            <a:extLst>
-              <a:ext uri="{FF2B5EF4-FFF2-40B4-BE49-F238E27FC236}">
-                <a16:creationId xmlns:a16="http://schemas.microsoft.com/office/drawing/2014/main" id="{F9295300-0212-4AD7-B3F3-DB1D5DE6A230}"/>
-              </a:ext>
-            </a:extLst>
-          </p:cNvPr>
+          <p:cNvPr id="6" name="Slide Number Placeholder 5"/>
           <p:cNvSpPr>
             <a:spLocks noGrp="1"/>
           </p:cNvSpPr>
@@ -1661,10 +3259,45 @@
           </a:p>
         </p:txBody>
       </p:sp>
+      <p:cxnSp>
+        <p:nvCxnSpPr>
+          <p:cNvPr id="8" name="Straight Connector 7"/>
+          <p:cNvCxnSpPr/>
+          <p:nvPr/>
+        </p:nvCxnSpPr>
+        <p:spPr>
+          <a:xfrm flipV="1">
+            <a:off x="8386842" y="5264106"/>
+            <a:ext cx="0" cy="914400"/>
+          </a:xfrm>
+          <a:prstGeom prst="line">
+            <a:avLst/>
+          </a:prstGeom>
+          <a:ln w="19050">
+            <a:solidFill>
+              <a:schemeClr val="accent3"/>
+            </a:solidFill>
+          </a:ln>
+        </p:spPr>
+        <p:style>
+          <a:lnRef idx="1">
+            <a:schemeClr val="accent1"/>
+          </a:lnRef>
+          <a:fillRef idx="0">
+            <a:schemeClr val="accent1"/>
+          </a:fillRef>
+          <a:effectRef idx="0">
+            <a:schemeClr val="accent1"/>
+          </a:effectRef>
+          <a:fontRef idx="minor">
+            <a:schemeClr val="tx1"/>
+          </a:fontRef>
+        </p:style>
+      </p:cxnSp>
     </p:spTree>
     <p:extLst>
       <p:ext uri="{BB962C8B-B14F-4D97-AF65-F5344CB8AC3E}">
-        <p14:creationId xmlns:p14="http://schemas.microsoft.com/office/powerpoint/2010/main" val="2677163583"/>
+        <p14:creationId xmlns:p14="http://schemas.microsoft.com/office/powerpoint/2010/main" val="3557257638"/>
       </p:ext>
     </p:extLst>
   </p:cSld>
@@ -1693,13 +3326,7 @@
       </p:grpSpPr>
       <p:sp>
         <p:nvSpPr>
-          <p:cNvPr id="2" name="Title 1">
-            <a:extLst>
-              <a:ext uri="{FF2B5EF4-FFF2-40B4-BE49-F238E27FC236}">
-                <a16:creationId xmlns:a16="http://schemas.microsoft.com/office/drawing/2014/main" id="{41DDF53C-87B5-442F-BBB6-9F7A5EE0AD71}"/>
-              </a:ext>
-            </a:extLst>
-          </p:cNvPr>
+          <p:cNvPr id="2" name="Title 1"/>
           <p:cNvSpPr>
             <a:spLocks noGrp="1"/>
           </p:cNvSpPr>
@@ -1707,7 +3334,12 @@
             <p:ph type="title"/>
           </p:nvPr>
         </p:nvSpPr>
-        <p:spPr/>
+        <p:spPr>
+          <a:xfrm>
+            <a:off x="1024128" y="585216"/>
+            <a:ext cx="9720072" cy="1499616"/>
+          </a:xfrm>
+        </p:spPr>
         <p:txBody>
           <a:bodyPr/>
           <a:lstStyle/>
@@ -1716,18 +3348,13 @@
               <a:rPr lang="en-US"/>
               <a:t>Click to edit Master title style</a:t>
             </a:r>
-          </a:p>
-        </p:txBody>
-      </p:sp>
-      <p:sp>
-        <p:nvSpPr>
-          <p:cNvPr id="3" name="Content Placeholder 2">
-            <a:extLst>
-              <a:ext uri="{FF2B5EF4-FFF2-40B4-BE49-F238E27FC236}">
-                <a16:creationId xmlns:a16="http://schemas.microsoft.com/office/drawing/2014/main" id="{9A615E72-A7C1-4C41-8114-807961DA6D85}"/>
-              </a:ext>
-            </a:extLst>
-          </p:cNvPr>
+            <a:endParaRPr lang="en-US" dirty="0"/>
+          </a:p>
+        </p:txBody>
+      </p:sp>
+      <p:sp>
+        <p:nvSpPr>
+          <p:cNvPr id="3" name="Content Placeholder 2"/>
           <p:cNvSpPr>
             <a:spLocks noGrp="1"/>
           </p:cNvSpPr>
@@ -1737,8 +3364,8 @@
         </p:nvSpPr>
         <p:spPr>
           <a:xfrm>
-            <a:off x="838200" y="1825625"/>
-            <a:ext cx="5181600" cy="4351338"/>
+            <a:off x="1024128" y="2286000"/>
+            <a:ext cx="4754880" cy="4023360"/>
           </a:xfrm>
         </p:spPr>
         <p:txBody>
@@ -1778,18 +3405,13 @@
               <a:rPr lang="en-US"/>
               <a:t>Fifth level</a:t>
             </a:r>
-          </a:p>
-        </p:txBody>
-      </p:sp>
-      <p:sp>
-        <p:nvSpPr>
-          <p:cNvPr id="4" name="Content Placeholder 3">
-            <a:extLst>
-              <a:ext uri="{FF2B5EF4-FFF2-40B4-BE49-F238E27FC236}">
-                <a16:creationId xmlns:a16="http://schemas.microsoft.com/office/drawing/2014/main" id="{E706F418-55F5-4142-9B23-EF0E3150D26B}"/>
-              </a:ext>
-            </a:extLst>
-          </p:cNvPr>
+            <a:endParaRPr lang="en-US" dirty="0"/>
+          </a:p>
+        </p:txBody>
+      </p:sp>
+      <p:sp>
+        <p:nvSpPr>
+          <p:cNvPr id="4" name="Content Placeholder 3"/>
           <p:cNvSpPr>
             <a:spLocks noGrp="1"/>
           </p:cNvSpPr>
@@ -1799,8 +3421,8 @@
         </p:nvSpPr>
         <p:spPr>
           <a:xfrm>
-            <a:off x="6172200" y="1825625"/>
-            <a:ext cx="5181600" cy="4351338"/>
+            <a:off x="5989320" y="2286000"/>
+            <a:ext cx="4754880" cy="4023360"/>
           </a:xfrm>
         </p:spPr>
         <p:txBody>
@@ -1840,18 +3462,13 @@
               <a:rPr lang="en-US"/>
               <a:t>Fifth level</a:t>
             </a:r>
-          </a:p>
-        </p:txBody>
-      </p:sp>
-      <p:sp>
-        <p:nvSpPr>
-          <p:cNvPr id="5" name="Date Placeholder 4">
-            <a:extLst>
-              <a:ext uri="{FF2B5EF4-FFF2-40B4-BE49-F238E27FC236}">
-                <a16:creationId xmlns:a16="http://schemas.microsoft.com/office/drawing/2014/main" id="{70ED6B26-9B19-4CD0-AD14-6A7D3B963EC1}"/>
-              </a:ext>
-            </a:extLst>
-          </p:cNvPr>
+            <a:endParaRPr lang="en-US" dirty="0"/>
+          </a:p>
+        </p:txBody>
+      </p:sp>
+      <p:sp>
+        <p:nvSpPr>
+          <p:cNvPr id="5" name="Date Placeholder 4"/>
           <p:cNvSpPr>
             <a:spLocks noGrp="1"/>
           </p:cNvSpPr>
@@ -1866,7 +3483,7 @@
           <a:p>
             <a:fld id="{2C7459A1-C2E2-47FD-8159-1F8F61AB9301}" type="datetimeFigureOut">
               <a:rPr lang="en-US" smtClean="0"/>
-              <a:t>3/21/2019</a:t>
+              <a:t>3/22/2019</a:t>
             </a:fld>
             <a:endParaRPr lang="en-US"/>
           </a:p>
@@ -1874,13 +3491,7 @@
       </p:sp>
       <p:sp>
         <p:nvSpPr>
-          <p:cNvPr id="6" name="Footer Placeholder 5">
-            <a:extLst>
-              <a:ext uri="{FF2B5EF4-FFF2-40B4-BE49-F238E27FC236}">
-                <a16:creationId xmlns:a16="http://schemas.microsoft.com/office/drawing/2014/main" id="{A82E6B2D-EEC9-4686-B285-CC9ECE32AF0B}"/>
-              </a:ext>
-            </a:extLst>
-          </p:cNvPr>
+          <p:cNvPr id="6" name="Footer Placeholder 5"/>
           <p:cNvSpPr>
             <a:spLocks noGrp="1"/>
           </p:cNvSpPr>
@@ -1899,13 +3510,7 @@
       </p:sp>
       <p:sp>
         <p:nvSpPr>
-          <p:cNvPr id="7" name="Slide Number Placeholder 6">
-            <a:extLst>
-              <a:ext uri="{FF2B5EF4-FFF2-40B4-BE49-F238E27FC236}">
-                <a16:creationId xmlns:a16="http://schemas.microsoft.com/office/drawing/2014/main" id="{2BBA0331-BA67-4678-8B3E-4A90A908501B}"/>
-              </a:ext>
-            </a:extLst>
-          </p:cNvPr>
+          <p:cNvPr id="7" name="Slide Number Placeholder 6"/>
           <p:cNvSpPr>
             <a:spLocks noGrp="1"/>
           </p:cNvSpPr>
@@ -1929,7 +3534,7 @@
     </p:spTree>
     <p:extLst>
       <p:ext uri="{BB962C8B-B14F-4D97-AF65-F5344CB8AC3E}">
-        <p14:creationId xmlns:p14="http://schemas.microsoft.com/office/powerpoint/2010/main" val="67848111"/>
+        <p14:creationId xmlns:p14="http://schemas.microsoft.com/office/powerpoint/2010/main" val="948713347"/>
       </p:ext>
     </p:extLst>
   </p:cSld>
@@ -1958,13 +3563,7 @@
       </p:grpSpPr>
       <p:sp>
         <p:nvSpPr>
-          <p:cNvPr id="2" name="Title 1">
-            <a:extLst>
-              <a:ext uri="{FF2B5EF4-FFF2-40B4-BE49-F238E27FC236}">
-                <a16:creationId xmlns:a16="http://schemas.microsoft.com/office/drawing/2014/main" id="{2D4341DF-5F40-4C52-A881-EC5A463C3749}"/>
-              </a:ext>
-            </a:extLst>
-          </p:cNvPr>
+          <p:cNvPr id="10" name="Title 9"/>
           <p:cNvSpPr>
             <a:spLocks noGrp="1"/>
           </p:cNvSpPr>
@@ -1974,8 +3573,8 @@
         </p:nvSpPr>
         <p:spPr>
           <a:xfrm>
-            <a:off x="839788" y="365125"/>
-            <a:ext cx="10515600" cy="1325563"/>
+            <a:off x="1024128" y="585216"/>
+            <a:ext cx="9720072" cy="1499616"/>
           </a:xfrm>
         </p:spPr>
         <p:txBody>
@@ -1986,18 +3585,13 @@
               <a:rPr lang="en-US"/>
               <a:t>Click to edit Master title style</a:t>
             </a:r>
-          </a:p>
-        </p:txBody>
-      </p:sp>
-      <p:sp>
-        <p:nvSpPr>
-          <p:cNvPr id="3" name="Text Placeholder 2">
-            <a:extLst>
-              <a:ext uri="{FF2B5EF4-FFF2-40B4-BE49-F238E27FC236}">
-                <a16:creationId xmlns:a16="http://schemas.microsoft.com/office/drawing/2014/main" id="{E71C486B-FBFA-420E-B44D-54E71B821234}"/>
-              </a:ext>
-            </a:extLst>
-          </p:cNvPr>
+            <a:endParaRPr lang="en-US" dirty="0"/>
+          </a:p>
+        </p:txBody>
+      </p:sp>
+      <p:sp>
+        <p:nvSpPr>
+          <p:cNvPr id="3" name="Text Placeholder 2"/>
           <p:cNvSpPr>
             <a:spLocks noGrp="1"/>
           </p:cNvSpPr>
@@ -2007,16 +3601,31 @@
         </p:nvSpPr>
         <p:spPr>
           <a:xfrm>
-            <a:off x="839788" y="1681163"/>
-            <a:ext cx="5157787" cy="823912"/>
-          </a:xfrm>
-        </p:spPr>
-        <p:txBody>
-          <a:bodyPr anchor="b"/>
+            <a:off x="1024128" y="2179636"/>
+            <a:ext cx="4754880" cy="822960"/>
+          </a:xfrm>
+        </p:spPr>
+        <p:txBody>
+          <a:bodyPr lIns="137160" rIns="137160" anchor="ctr">
+            <a:normAutofit/>
+          </a:bodyPr>
           <a:lstStyle>
             <a:lvl1pPr marL="0" indent="0">
+              <a:spcBef>
+                <a:spcPts val="0"/>
+              </a:spcBef>
+              <a:spcAft>
+                <a:spcPts val="0"/>
+              </a:spcAft>
               <a:buNone/>
-              <a:defRPr sz="2400" b="1"/>
+              <a:defRPr sz="2300" b="0" cap="none" baseline="0">
+                <a:solidFill>
+                  <a:schemeClr val="accent2">
+                    <a:lumMod val="75000"/>
+                  </a:schemeClr>
+                </a:solidFill>
+                <a:latin typeface="+mn-lt"/>
+              </a:defRPr>
             </a:lvl1pPr>
             <a:lvl2pPr marL="457200" indent="0">
               <a:buNone/>
@@ -2062,13 +3671,7 @@
       </p:sp>
       <p:sp>
         <p:nvSpPr>
-          <p:cNvPr id="4" name="Content Placeholder 3">
-            <a:extLst>
-              <a:ext uri="{FF2B5EF4-FFF2-40B4-BE49-F238E27FC236}">
-                <a16:creationId xmlns:a16="http://schemas.microsoft.com/office/drawing/2014/main" id="{F9C708C8-662E-4728-9A01-8C645F3699E8}"/>
-              </a:ext>
-            </a:extLst>
-          </p:cNvPr>
+          <p:cNvPr id="4" name="Content Placeholder 3"/>
           <p:cNvSpPr>
             <a:spLocks noGrp="1"/>
           </p:cNvSpPr>
@@ -2078,12 +3681,12 @@
         </p:nvSpPr>
         <p:spPr>
           <a:xfrm>
-            <a:off x="839788" y="2505075"/>
-            <a:ext cx="5157787" cy="3684588"/>
-          </a:xfrm>
-        </p:spPr>
-        <p:txBody>
-          <a:bodyPr/>
+            <a:off x="1024128" y="2967788"/>
+            <a:ext cx="4754880" cy="3341572"/>
+          </a:xfrm>
+        </p:spPr>
+        <p:txBody>
+          <a:bodyPr lIns="45720" rIns="45720"/>
           <a:lstStyle/>
           <a:p>
             <a:pPr lvl="0"/>
@@ -2119,18 +3722,13 @@
               <a:rPr lang="en-US"/>
               <a:t>Fifth level</a:t>
             </a:r>
-          </a:p>
-        </p:txBody>
-      </p:sp>
-      <p:sp>
-        <p:nvSpPr>
-          <p:cNvPr id="5" name="Text Placeholder 4">
-            <a:extLst>
-              <a:ext uri="{FF2B5EF4-FFF2-40B4-BE49-F238E27FC236}">
-                <a16:creationId xmlns:a16="http://schemas.microsoft.com/office/drawing/2014/main" id="{D4A32119-7E3D-4BCB-A587-AB4D95249729}"/>
-              </a:ext>
-            </a:extLst>
-          </p:cNvPr>
+            <a:endParaRPr lang="en-US" dirty="0"/>
+          </a:p>
+        </p:txBody>
+      </p:sp>
+      <p:sp>
+        <p:nvSpPr>
+          <p:cNvPr id="5" name="Text Placeholder 4"/>
           <p:cNvSpPr>
             <a:spLocks noGrp="1"/>
           </p:cNvSpPr>
@@ -2140,16 +3738,33 @@
         </p:nvSpPr>
         <p:spPr>
           <a:xfrm>
-            <a:off x="6172200" y="1681163"/>
-            <a:ext cx="5183188" cy="823912"/>
-          </a:xfrm>
-        </p:spPr>
-        <p:txBody>
-          <a:bodyPr anchor="b"/>
+            <a:off x="5989320" y="2179636"/>
+            <a:ext cx="4754880" cy="822960"/>
+          </a:xfrm>
+        </p:spPr>
+        <p:txBody>
+          <a:bodyPr lIns="137160" rIns="137160" anchor="ctr">
+            <a:normAutofit/>
+          </a:bodyPr>
           <a:lstStyle>
             <a:lvl1pPr marL="0" indent="0">
+              <a:spcBef>
+                <a:spcPts val="0"/>
+              </a:spcBef>
+              <a:spcAft>
+                <a:spcPts val="0"/>
+              </a:spcAft>
               <a:buNone/>
-              <a:defRPr sz="2400" b="1"/>
+              <a:defRPr lang="en-US" sz="2300" b="0" kern="1200" cap="none" baseline="0" dirty="0">
+                <a:solidFill>
+                  <a:schemeClr val="accent2">
+                    <a:lumMod val="75000"/>
+                  </a:schemeClr>
+                </a:solidFill>
+                <a:latin typeface="+mn-lt"/>
+                <a:ea typeface="+mn-ea"/>
+                <a:cs typeface="+mn-cs"/>
+              </a:defRPr>
             </a:lvl1pPr>
             <a:lvl2pPr marL="457200" indent="0">
               <a:buNone/>
@@ -2185,7 +3800,15 @@
             </a:lvl9pPr>
           </a:lstStyle>
           <a:p>
-            <a:pPr lvl="0"/>
+            <a:pPr marL="0" lvl="0" indent="0" algn="l" defTabSz="914400" rtl="0" eaLnBrk="1" latinLnBrk="0" hangingPunct="1">
+              <a:lnSpc>
+                <a:spcPct val="90000"/>
+              </a:lnSpc>
+              <a:spcBef>
+                <a:spcPts val="1800"/>
+              </a:spcBef>
+              <a:buNone/>
+            </a:pPr>
             <a:r>
               <a:rPr lang="en-US"/>
               <a:t>Click to edit Master text styles</a:t>
@@ -2195,13 +3818,7 @@
       </p:sp>
       <p:sp>
         <p:nvSpPr>
-          <p:cNvPr id="6" name="Content Placeholder 5">
-            <a:extLst>
-              <a:ext uri="{FF2B5EF4-FFF2-40B4-BE49-F238E27FC236}">
-                <a16:creationId xmlns:a16="http://schemas.microsoft.com/office/drawing/2014/main" id="{A933DF88-580F-4996-A38F-730305240CFE}"/>
-              </a:ext>
-            </a:extLst>
-          </p:cNvPr>
+          <p:cNvPr id="6" name="Content Placeholder 5"/>
           <p:cNvSpPr>
             <a:spLocks noGrp="1"/>
           </p:cNvSpPr>
@@ -2211,12 +3828,12 @@
         </p:nvSpPr>
         <p:spPr>
           <a:xfrm>
-            <a:off x="6172200" y="2505075"/>
-            <a:ext cx="5183188" cy="3684588"/>
-          </a:xfrm>
-        </p:spPr>
-        <p:txBody>
-          <a:bodyPr/>
+            <a:off x="5989320" y="2967788"/>
+            <a:ext cx="4754880" cy="3341572"/>
+          </a:xfrm>
+        </p:spPr>
+        <p:txBody>
+          <a:bodyPr lIns="45720" rIns="45720"/>
           <a:lstStyle/>
           <a:p>
             <a:pPr lvl="0"/>
@@ -2252,18 +3869,13 @@
               <a:rPr lang="en-US"/>
               <a:t>Fifth level</a:t>
             </a:r>
-          </a:p>
-        </p:txBody>
-      </p:sp>
-      <p:sp>
-        <p:nvSpPr>
-          <p:cNvPr id="7" name="Date Placeholder 6">
-            <a:extLst>
-              <a:ext uri="{FF2B5EF4-FFF2-40B4-BE49-F238E27FC236}">
-                <a16:creationId xmlns:a16="http://schemas.microsoft.com/office/drawing/2014/main" id="{D5A81E5D-910F-4EB6-A028-25A655E59309}"/>
-              </a:ext>
-            </a:extLst>
-          </p:cNvPr>
+            <a:endParaRPr lang="en-US" dirty="0"/>
+          </a:p>
+        </p:txBody>
+      </p:sp>
+      <p:sp>
+        <p:nvSpPr>
+          <p:cNvPr id="7" name="Date Placeholder 6"/>
           <p:cNvSpPr>
             <a:spLocks noGrp="1"/>
           </p:cNvSpPr>
@@ -2278,7 +3890,7 @@
           <a:p>
             <a:fld id="{2C7459A1-C2E2-47FD-8159-1F8F61AB9301}" type="datetimeFigureOut">
               <a:rPr lang="en-US" smtClean="0"/>
-              <a:t>3/21/2019</a:t>
+              <a:t>3/22/2019</a:t>
             </a:fld>
             <a:endParaRPr lang="en-US"/>
           </a:p>
@@ -2286,13 +3898,7 @@
       </p:sp>
       <p:sp>
         <p:nvSpPr>
-          <p:cNvPr id="8" name="Footer Placeholder 7">
-            <a:extLst>
-              <a:ext uri="{FF2B5EF4-FFF2-40B4-BE49-F238E27FC236}">
-                <a16:creationId xmlns:a16="http://schemas.microsoft.com/office/drawing/2014/main" id="{ADE8621C-89E5-4613-B7BA-3764EC361F94}"/>
-              </a:ext>
-            </a:extLst>
-          </p:cNvPr>
+          <p:cNvPr id="8" name="Footer Placeholder 7"/>
           <p:cNvSpPr>
             <a:spLocks noGrp="1"/>
           </p:cNvSpPr>
@@ -2311,13 +3917,7 @@
       </p:sp>
       <p:sp>
         <p:nvSpPr>
-          <p:cNvPr id="9" name="Slide Number Placeholder 8">
-            <a:extLst>
-              <a:ext uri="{FF2B5EF4-FFF2-40B4-BE49-F238E27FC236}">
-                <a16:creationId xmlns:a16="http://schemas.microsoft.com/office/drawing/2014/main" id="{2E7714D3-0C98-482D-91EB-2D7895022837}"/>
-              </a:ext>
-            </a:extLst>
-          </p:cNvPr>
+          <p:cNvPr id="9" name="Slide Number Placeholder 8"/>
           <p:cNvSpPr>
             <a:spLocks noGrp="1"/>
           </p:cNvSpPr>
@@ -2341,7 +3941,7 @@
     </p:spTree>
     <p:extLst>
       <p:ext uri="{BB962C8B-B14F-4D97-AF65-F5344CB8AC3E}">
-        <p14:creationId xmlns:p14="http://schemas.microsoft.com/office/powerpoint/2010/main" val="2317680618"/>
+        <p14:creationId xmlns:p14="http://schemas.microsoft.com/office/powerpoint/2010/main" val="1803128041"/>
       </p:ext>
     </p:extLst>
   </p:cSld>
@@ -2370,13 +3970,7 @@
       </p:grpSpPr>
       <p:sp>
         <p:nvSpPr>
-          <p:cNvPr id="2" name="Title 1">
-            <a:extLst>
-              <a:ext uri="{FF2B5EF4-FFF2-40B4-BE49-F238E27FC236}">
-                <a16:creationId xmlns:a16="http://schemas.microsoft.com/office/drawing/2014/main" id="{8A3F18D9-C994-43AF-BBD1-EE1A8DDDA23C}"/>
-              </a:ext>
-            </a:extLst>
-          </p:cNvPr>
+          <p:cNvPr id="2" name="Title 1"/>
           <p:cNvSpPr>
             <a:spLocks noGrp="1"/>
           </p:cNvSpPr>
@@ -2393,18 +3987,13 @@
               <a:rPr lang="en-US"/>
               <a:t>Click to edit Master title style</a:t>
             </a:r>
-          </a:p>
-        </p:txBody>
-      </p:sp>
-      <p:sp>
-        <p:nvSpPr>
-          <p:cNvPr id="3" name="Date Placeholder 2">
-            <a:extLst>
-              <a:ext uri="{FF2B5EF4-FFF2-40B4-BE49-F238E27FC236}">
-                <a16:creationId xmlns:a16="http://schemas.microsoft.com/office/drawing/2014/main" id="{DFD81B3B-EE13-4345-8F8B-84AEAAB7F8E4}"/>
-              </a:ext>
-            </a:extLst>
-          </p:cNvPr>
+            <a:endParaRPr lang="en-US" dirty="0"/>
+          </a:p>
+        </p:txBody>
+      </p:sp>
+      <p:sp>
+        <p:nvSpPr>
+          <p:cNvPr id="3" name="Date Placeholder 2"/>
           <p:cNvSpPr>
             <a:spLocks noGrp="1"/>
           </p:cNvSpPr>
@@ -2419,7 +4008,7 @@
           <a:p>
             <a:fld id="{2C7459A1-C2E2-47FD-8159-1F8F61AB9301}" type="datetimeFigureOut">
               <a:rPr lang="en-US" smtClean="0"/>
-              <a:t>3/21/2019</a:t>
+              <a:t>3/22/2019</a:t>
             </a:fld>
             <a:endParaRPr lang="en-US"/>
           </a:p>
@@ -2427,13 +4016,7 @@
       </p:sp>
       <p:sp>
         <p:nvSpPr>
-          <p:cNvPr id="4" name="Footer Placeholder 3">
-            <a:extLst>
-              <a:ext uri="{FF2B5EF4-FFF2-40B4-BE49-F238E27FC236}">
-                <a16:creationId xmlns:a16="http://schemas.microsoft.com/office/drawing/2014/main" id="{AABAE014-F190-4045-80A9-FA958865D4F5}"/>
-              </a:ext>
-            </a:extLst>
-          </p:cNvPr>
+          <p:cNvPr id="4" name="Footer Placeholder 3"/>
           <p:cNvSpPr>
             <a:spLocks noGrp="1"/>
           </p:cNvSpPr>
@@ -2452,13 +4035,7 @@
       </p:sp>
       <p:sp>
         <p:nvSpPr>
-          <p:cNvPr id="5" name="Slide Number Placeholder 4">
-            <a:extLst>
-              <a:ext uri="{FF2B5EF4-FFF2-40B4-BE49-F238E27FC236}">
-                <a16:creationId xmlns:a16="http://schemas.microsoft.com/office/drawing/2014/main" id="{6CC7F7A3-D78E-40CA-AB7B-6F041398963D}"/>
-              </a:ext>
-            </a:extLst>
-          </p:cNvPr>
+          <p:cNvPr id="5" name="Slide Number Placeholder 4"/>
           <p:cNvSpPr>
             <a:spLocks noGrp="1"/>
           </p:cNvSpPr>
@@ -2482,7 +4059,7 @@
     </p:spTree>
     <p:extLst>
       <p:ext uri="{BB962C8B-B14F-4D97-AF65-F5344CB8AC3E}">
-        <p14:creationId xmlns:p14="http://schemas.microsoft.com/office/powerpoint/2010/main" val="2316484969"/>
+        <p14:creationId xmlns:p14="http://schemas.microsoft.com/office/powerpoint/2010/main" val="3497593661"/>
       </p:ext>
     </p:extLst>
   </p:cSld>
@@ -2493,7 +4070,7 @@
 </file>
 
 <file path=ppt/slideLayouts/slideLayout7.xml><?xml version="1.0" encoding="utf-8"?>
-<p:sldLayout xmlns:a="http://schemas.openxmlformats.org/drawingml/2006/main" xmlns:r="http://schemas.openxmlformats.org/officeDocument/2006/relationships" xmlns:p="http://schemas.openxmlformats.org/presentationml/2006/main" type="blank" preserve="1">
+<p:sldLayout xmlns:a="http://schemas.openxmlformats.org/drawingml/2006/main" xmlns:r="http://schemas.openxmlformats.org/officeDocument/2006/relationships" xmlns:p="http://schemas.openxmlformats.org/presentationml/2006/main" showMasterSp="0" type="blank" preserve="1">
   <p:cSld name="Blank">
     <p:spTree>
       <p:nvGrpSpPr>
@@ -2511,13 +4088,7 @@
       </p:grpSpPr>
       <p:sp>
         <p:nvSpPr>
-          <p:cNvPr id="2" name="Date Placeholder 1">
-            <a:extLst>
-              <a:ext uri="{FF2B5EF4-FFF2-40B4-BE49-F238E27FC236}">
-                <a16:creationId xmlns:a16="http://schemas.microsoft.com/office/drawing/2014/main" id="{B8492A9D-E969-4526-817C-8B78C03548BD}"/>
-              </a:ext>
-            </a:extLst>
-          </p:cNvPr>
+          <p:cNvPr id="2" name="Date Placeholder 1"/>
           <p:cNvSpPr>
             <a:spLocks noGrp="1"/>
           </p:cNvSpPr>
@@ -2532,7 +4103,7 @@
           <a:p>
             <a:fld id="{2C7459A1-C2E2-47FD-8159-1F8F61AB9301}" type="datetimeFigureOut">
               <a:rPr lang="en-US" smtClean="0"/>
-              <a:t>3/21/2019</a:t>
+              <a:t>3/22/2019</a:t>
             </a:fld>
             <a:endParaRPr lang="en-US"/>
           </a:p>
@@ -2540,13 +4111,7 @@
       </p:sp>
       <p:sp>
         <p:nvSpPr>
-          <p:cNvPr id="3" name="Footer Placeholder 2">
-            <a:extLst>
-              <a:ext uri="{FF2B5EF4-FFF2-40B4-BE49-F238E27FC236}">
-                <a16:creationId xmlns:a16="http://schemas.microsoft.com/office/drawing/2014/main" id="{EC1D14C1-F061-412C-BE0B-FAF51A9BD5B1}"/>
-              </a:ext>
-            </a:extLst>
-          </p:cNvPr>
+          <p:cNvPr id="3" name="Footer Placeholder 2"/>
           <p:cNvSpPr>
             <a:spLocks noGrp="1"/>
           </p:cNvSpPr>
@@ -2565,13 +4130,7 @@
       </p:sp>
       <p:sp>
         <p:nvSpPr>
-          <p:cNvPr id="4" name="Slide Number Placeholder 3">
-            <a:extLst>
-              <a:ext uri="{FF2B5EF4-FFF2-40B4-BE49-F238E27FC236}">
-                <a16:creationId xmlns:a16="http://schemas.microsoft.com/office/drawing/2014/main" id="{C46ECB80-4E7F-41D9-A78A-8259ACA94119}"/>
-              </a:ext>
-            </a:extLst>
-          </p:cNvPr>
+          <p:cNvPr id="4" name="Slide Number Placeholder 3"/>
           <p:cNvSpPr>
             <a:spLocks noGrp="1"/>
           </p:cNvSpPr>
@@ -2595,7 +4154,7 @@
     </p:spTree>
     <p:extLst>
       <p:ext uri="{BB962C8B-B14F-4D97-AF65-F5344CB8AC3E}">
-        <p14:creationId xmlns:p14="http://schemas.microsoft.com/office/powerpoint/2010/main" val="787308828"/>
+        <p14:creationId xmlns:p14="http://schemas.microsoft.com/office/powerpoint/2010/main" val="3107302426"/>
       </p:ext>
     </p:extLst>
   </p:cSld>
@@ -2624,13 +4183,7 @@
       </p:grpSpPr>
       <p:sp>
         <p:nvSpPr>
-          <p:cNvPr id="2" name="Title 1">
-            <a:extLst>
-              <a:ext uri="{FF2B5EF4-FFF2-40B4-BE49-F238E27FC236}">
-                <a16:creationId xmlns:a16="http://schemas.microsoft.com/office/drawing/2014/main" id="{F91FEF80-6B17-4D5C-B9BA-A16E1920AB24}"/>
-              </a:ext>
-            </a:extLst>
-          </p:cNvPr>
+          <p:cNvPr id="8" name="Title 7"/>
           <p:cNvSpPr>
             <a:spLocks noGrp="1"/>
           </p:cNvSpPr>
@@ -2640,15 +4193,20 @@
         </p:nvSpPr>
         <p:spPr>
           <a:xfrm>
-            <a:off x="839788" y="457200"/>
-            <a:ext cx="3932237" cy="1600200"/>
-          </a:xfrm>
-        </p:spPr>
-        <p:txBody>
-          <a:bodyPr anchor="b"/>
+            <a:off x="1024128" y="471509"/>
+            <a:ext cx="4389120" cy="1737360"/>
+          </a:xfrm>
+        </p:spPr>
+        <p:txBody>
+          <a:bodyPr>
+            <a:noAutofit/>
+          </a:bodyPr>
           <a:lstStyle>
             <a:lvl1pPr>
-              <a:defRPr sz="3200"/>
+              <a:lnSpc>
+                <a:spcPct val="80000"/>
+              </a:lnSpc>
+              <a:defRPr sz="4000"/>
             </a:lvl1pPr>
           </a:lstStyle>
           <a:p>
@@ -2656,18 +4214,13 @@
               <a:rPr lang="en-US"/>
               <a:t>Click to edit Master title style</a:t>
             </a:r>
-          </a:p>
-        </p:txBody>
-      </p:sp>
-      <p:sp>
-        <p:nvSpPr>
-          <p:cNvPr id="3" name="Content Placeholder 2">
-            <a:extLst>
-              <a:ext uri="{FF2B5EF4-FFF2-40B4-BE49-F238E27FC236}">
-                <a16:creationId xmlns:a16="http://schemas.microsoft.com/office/drawing/2014/main" id="{FB818764-FE7F-4CC8-B87F-FFF955AF3A39}"/>
-              </a:ext>
-            </a:extLst>
-          </p:cNvPr>
+            <a:endParaRPr lang="en-US" dirty="0"/>
+          </a:p>
+        </p:txBody>
+      </p:sp>
+      <p:sp>
+        <p:nvSpPr>
+          <p:cNvPr id="3" name="Content Placeholder 2"/>
           <p:cNvSpPr>
             <a:spLocks noGrp="1"/>
           </p:cNvSpPr>
@@ -2677,39 +4230,39 @@
         </p:nvSpPr>
         <p:spPr>
           <a:xfrm>
-            <a:off x="5183188" y="987425"/>
-            <a:ext cx="6172200" cy="4873625"/>
+            <a:off x="5715000" y="822960"/>
+            <a:ext cx="5678424" cy="5184648"/>
           </a:xfrm>
         </p:spPr>
         <p:txBody>
           <a:bodyPr/>
           <a:lstStyle>
             <a:lvl1pPr>
-              <a:defRPr sz="3200"/>
+              <a:defRPr sz="2400"/>
             </a:lvl1pPr>
             <a:lvl2pPr>
-              <a:defRPr sz="2800"/>
+              <a:defRPr sz="2000"/>
             </a:lvl2pPr>
             <a:lvl3pPr>
-              <a:defRPr sz="2400"/>
+              <a:defRPr sz="1600"/>
             </a:lvl3pPr>
             <a:lvl4pPr>
-              <a:defRPr sz="2000"/>
+              <a:defRPr sz="1600"/>
             </a:lvl4pPr>
             <a:lvl5pPr>
-              <a:defRPr sz="2000"/>
+              <a:defRPr sz="1600"/>
             </a:lvl5pPr>
             <a:lvl6pPr>
-              <a:defRPr sz="2000"/>
+              <a:defRPr sz="1600"/>
             </a:lvl6pPr>
             <a:lvl7pPr>
-              <a:defRPr sz="2000"/>
+              <a:defRPr sz="1600"/>
             </a:lvl7pPr>
             <a:lvl8pPr>
-              <a:defRPr sz="2000"/>
+              <a:defRPr sz="1600"/>
             </a:lvl8pPr>
             <a:lvl9pPr>
-              <a:defRPr sz="2000"/>
+              <a:defRPr sz="1600"/>
             </a:lvl9pPr>
           </a:lstStyle>
           <a:p>
@@ -2746,18 +4299,13 @@
               <a:rPr lang="en-US"/>
               <a:t>Fifth level</a:t>
             </a:r>
-          </a:p>
-        </p:txBody>
-      </p:sp>
-      <p:sp>
-        <p:nvSpPr>
-          <p:cNvPr id="4" name="Text Placeholder 3">
-            <a:extLst>
-              <a:ext uri="{FF2B5EF4-FFF2-40B4-BE49-F238E27FC236}">
-                <a16:creationId xmlns:a16="http://schemas.microsoft.com/office/drawing/2014/main" id="{BAB57E35-8CE3-4468-AF12-CCFBEAA93196}"/>
-              </a:ext>
-            </a:extLst>
-          </p:cNvPr>
+            <a:endParaRPr lang="en-US" dirty="0"/>
+          </a:p>
+        </p:txBody>
+      </p:sp>
+      <p:sp>
+        <p:nvSpPr>
+          <p:cNvPr id="4" name="Text Placeholder 3"/>
           <p:cNvSpPr>
             <a:spLocks noGrp="1"/>
           </p:cNvSpPr>
@@ -2767,48 +4315,56 @@
         </p:nvSpPr>
         <p:spPr>
           <a:xfrm>
-            <a:off x="839788" y="2057400"/>
-            <a:ext cx="3932237" cy="3811588"/>
-          </a:xfrm>
-        </p:spPr>
-        <p:txBody>
-          <a:bodyPr/>
+            <a:off x="1024128" y="2257506"/>
+            <a:ext cx="4389120" cy="3762294"/>
+          </a:xfrm>
+        </p:spPr>
+        <p:txBody>
+          <a:bodyPr lIns="91440" rIns="91440">
+            <a:normAutofit/>
+          </a:bodyPr>
           <a:lstStyle>
             <a:lvl1pPr marL="0" indent="0">
+              <a:lnSpc>
+                <a:spcPct val="108000"/>
+              </a:lnSpc>
+              <a:spcBef>
+                <a:spcPts val="600"/>
+              </a:spcBef>
               <a:buNone/>
               <a:defRPr sz="1600"/>
             </a:lvl1pPr>
             <a:lvl2pPr marL="457200" indent="0">
               <a:buNone/>
-              <a:defRPr sz="1400"/>
+              <a:defRPr sz="1200"/>
             </a:lvl2pPr>
             <a:lvl3pPr marL="914400" indent="0">
               <a:buNone/>
-              <a:defRPr sz="1200"/>
+              <a:defRPr sz="1000"/>
             </a:lvl3pPr>
             <a:lvl4pPr marL="1371600" indent="0">
               <a:buNone/>
-              <a:defRPr sz="1000"/>
+              <a:defRPr sz="900"/>
             </a:lvl4pPr>
             <a:lvl5pPr marL="1828800" indent="0">
               <a:buNone/>
-              <a:defRPr sz="1000"/>
+              <a:defRPr sz="900"/>
             </a:lvl5pPr>
             <a:lvl6pPr marL="2286000" indent="0">
               <a:buNone/>
-              <a:defRPr sz="1000"/>
+              <a:defRPr sz="900"/>
             </a:lvl6pPr>
             <a:lvl7pPr marL="2743200" indent="0">
               <a:buNone/>
-              <a:defRPr sz="1000"/>
+              <a:defRPr sz="900"/>
             </a:lvl7pPr>
             <a:lvl8pPr marL="3200400" indent="0">
               <a:buNone/>
-              <a:defRPr sz="1000"/>
+              <a:defRPr sz="900"/>
             </a:lvl8pPr>
             <a:lvl9pPr marL="3657600" indent="0">
               <a:buNone/>
-              <a:defRPr sz="1000"/>
+              <a:defRPr sz="900"/>
             </a:lvl9pPr>
           </a:lstStyle>
           <a:p>
@@ -2822,13 +4378,7 @@
       </p:sp>
       <p:sp>
         <p:nvSpPr>
-          <p:cNvPr id="5" name="Date Placeholder 4">
-            <a:extLst>
-              <a:ext uri="{FF2B5EF4-FFF2-40B4-BE49-F238E27FC236}">
-                <a16:creationId xmlns:a16="http://schemas.microsoft.com/office/drawing/2014/main" id="{DA3CA99F-B3B7-41BC-8F75-F809967BE99B}"/>
-              </a:ext>
-            </a:extLst>
-          </p:cNvPr>
+          <p:cNvPr id="5" name="Date Placeholder 4"/>
           <p:cNvSpPr>
             <a:spLocks noGrp="1"/>
           </p:cNvSpPr>
@@ -2843,7 +4393,7 @@
           <a:p>
             <a:fld id="{2C7459A1-C2E2-47FD-8159-1F8F61AB9301}" type="datetimeFigureOut">
               <a:rPr lang="en-US" smtClean="0"/>
-              <a:t>3/21/2019</a:t>
+              <a:t>3/22/2019</a:t>
             </a:fld>
             <a:endParaRPr lang="en-US"/>
           </a:p>
@@ -2851,13 +4401,7 @@
       </p:sp>
       <p:sp>
         <p:nvSpPr>
-          <p:cNvPr id="6" name="Footer Placeholder 5">
-            <a:extLst>
-              <a:ext uri="{FF2B5EF4-FFF2-40B4-BE49-F238E27FC236}">
-                <a16:creationId xmlns:a16="http://schemas.microsoft.com/office/drawing/2014/main" id="{8DD42801-0721-40AB-A51D-7A03E07AF242}"/>
-              </a:ext>
-            </a:extLst>
-          </p:cNvPr>
+          <p:cNvPr id="6" name="Footer Placeholder 5"/>
           <p:cNvSpPr>
             <a:spLocks noGrp="1"/>
           </p:cNvSpPr>
@@ -2876,13 +4420,7 @@
       </p:sp>
       <p:sp>
         <p:nvSpPr>
-          <p:cNvPr id="7" name="Slide Number Placeholder 6">
-            <a:extLst>
-              <a:ext uri="{FF2B5EF4-FFF2-40B4-BE49-F238E27FC236}">
-                <a16:creationId xmlns:a16="http://schemas.microsoft.com/office/drawing/2014/main" id="{5F6469AF-0059-4389-BC0B-D459F76C1FDC}"/>
-              </a:ext>
-            </a:extLst>
-          </p:cNvPr>
+          <p:cNvPr id="7" name="Slide Number Placeholder 6"/>
           <p:cNvSpPr>
             <a:spLocks noGrp="1"/>
           </p:cNvSpPr>
@@ -2906,7 +4444,7 @@
     </p:spTree>
     <p:extLst>
       <p:ext uri="{BB962C8B-B14F-4D97-AF65-F5344CB8AC3E}">
-        <p14:creationId xmlns:p14="http://schemas.microsoft.com/office/powerpoint/2010/main" val="2913905581"/>
+        <p14:creationId xmlns:p14="http://schemas.microsoft.com/office/powerpoint/2010/main" val="953148392"/>
       </p:ext>
     </p:extLst>
   </p:cSld>
@@ -2917,7 +4455,7 @@
 </file>
 
 <file path=ppt/slideLayouts/slideLayout9.xml><?xml version="1.0" encoding="utf-8"?>
-<p:sldLayout xmlns:a="http://schemas.openxmlformats.org/drawingml/2006/main" xmlns:r="http://schemas.openxmlformats.org/officeDocument/2006/relationships" xmlns:p="http://schemas.openxmlformats.org/presentationml/2006/main" type="picTx" preserve="1">
+<p:sldLayout xmlns:a="http://schemas.openxmlformats.org/drawingml/2006/main" xmlns:r="http://schemas.openxmlformats.org/officeDocument/2006/relationships" xmlns:p="http://schemas.openxmlformats.org/presentationml/2006/main" showMasterSp="0" type="picTx" preserve="1">
   <p:cSld name="Picture with Caption">
     <p:spTree>
       <p:nvGrpSpPr>
@@ -2935,13 +4473,7 @@
       </p:grpSpPr>
       <p:sp>
         <p:nvSpPr>
-          <p:cNvPr id="2" name="Title 1">
-            <a:extLst>
-              <a:ext uri="{FF2B5EF4-FFF2-40B4-BE49-F238E27FC236}">
-                <a16:creationId xmlns:a16="http://schemas.microsoft.com/office/drawing/2014/main" id="{28CA0AF3-1020-45F2-A017-384F87E45D0B}"/>
-              </a:ext>
-            </a:extLst>
-          </p:cNvPr>
+          <p:cNvPr id="2" name="Title 1"/>
           <p:cNvSpPr>
             <a:spLocks noGrp="1"/>
           </p:cNvSpPr>
@@ -2951,15 +4483,17 @@
         </p:nvSpPr>
         <p:spPr>
           <a:xfrm>
-            <a:off x="839788" y="457200"/>
-            <a:ext cx="3932237" cy="1600200"/>
-          </a:xfrm>
-        </p:spPr>
-        <p:txBody>
-          <a:bodyPr anchor="b"/>
+            <a:off x="457200" y="4960138"/>
+            <a:ext cx="7772400" cy="1463040"/>
+          </a:xfrm>
+        </p:spPr>
+        <p:txBody>
+          <a:bodyPr anchor="ctr">
+            <a:normAutofit/>
+          </a:bodyPr>
           <a:lstStyle>
-            <a:lvl1pPr>
-              <a:defRPr sz="3200"/>
+            <a:lvl1pPr algn="r">
+              <a:defRPr sz="5000" spc="200" baseline="0"/>
             </a:lvl1pPr>
           </a:lstStyle>
           <a:p>
@@ -2967,20 +4501,15 @@
               <a:rPr lang="en-US"/>
               <a:t>Click to edit Master title style</a:t>
             </a:r>
-          </a:p>
-        </p:txBody>
-      </p:sp>
-      <p:sp>
-        <p:nvSpPr>
-          <p:cNvPr id="3" name="Picture Placeholder 2">
-            <a:extLst>
-              <a:ext uri="{FF2B5EF4-FFF2-40B4-BE49-F238E27FC236}">
-                <a16:creationId xmlns:a16="http://schemas.microsoft.com/office/drawing/2014/main" id="{B4D1A881-1631-4CED-A57F-AC1A3438EC10}"/>
-              </a:ext>
-            </a:extLst>
-          </p:cNvPr>
-          <p:cNvSpPr>
-            <a:spLocks noGrp="1"/>
+            <a:endParaRPr lang="en-US" dirty="0"/>
+          </a:p>
+        </p:txBody>
+      </p:sp>
+      <p:sp>
+        <p:nvSpPr>
+          <p:cNvPr id="3" name="Picture Placeholder 2"/>
+          <p:cNvSpPr>
+            <a:spLocks noGrp="1" noChangeAspect="1"/>
           </p:cNvSpPr>
           <p:nvPr>
             <p:ph type="pic" idx="1"/>
@@ -2988,12 +4517,18 @@
         </p:nvSpPr>
         <p:spPr>
           <a:xfrm>
-            <a:off x="5183188" y="987425"/>
-            <a:ext cx="6172200" cy="4873625"/>
-          </a:xfrm>
-        </p:spPr>
-        <p:txBody>
-          <a:bodyPr/>
+            <a:off x="0" y="-1"/>
+            <a:ext cx="12188952" cy="4572000"/>
+          </a:xfrm>
+          <a:solidFill>
+            <a:schemeClr val="accent2">
+              <a:lumMod val="60000"/>
+              <a:lumOff val="40000"/>
+            </a:schemeClr>
+          </a:solidFill>
+        </p:spPr>
+        <p:txBody>
+          <a:bodyPr lIns="457200" tIns="365760" rIns="45720" bIns="45720" anchor="t"/>
           <a:lstStyle>
             <a:lvl1pPr marL="0" indent="0">
               <a:buNone/>
@@ -3033,19 +4568,17 @@
             </a:lvl9pPr>
           </a:lstStyle>
           <a:p>
-            <a:endParaRPr lang="en-US"/>
-          </a:p>
-        </p:txBody>
-      </p:sp>
-      <p:sp>
-        <p:nvSpPr>
-          <p:cNvPr id="4" name="Text Placeholder 3">
-            <a:extLst>
-              <a:ext uri="{FF2B5EF4-FFF2-40B4-BE49-F238E27FC236}">
-                <a16:creationId xmlns:a16="http://schemas.microsoft.com/office/drawing/2014/main" id="{DEBE86DF-8958-4103-AAD5-7685E86D9F67}"/>
-              </a:ext>
-            </a:extLst>
-          </p:cNvPr>
+            <a:r>
+              <a:rPr lang="en-US"/>
+              <a:t>Click icon to add picture</a:t>
+            </a:r>
+            <a:endParaRPr lang="en-US" dirty="0"/>
+          </a:p>
+        </p:txBody>
+      </p:sp>
+      <p:sp>
+        <p:nvSpPr>
+          <p:cNvPr id="4" name="Text Placeholder 3"/>
           <p:cNvSpPr>
             <a:spLocks noGrp="1"/>
           </p:cNvSpPr>
@@ -3055,16 +4588,31 @@
         </p:nvSpPr>
         <p:spPr>
           <a:xfrm>
-            <a:off x="839788" y="2057400"/>
-            <a:ext cx="3932237" cy="3811588"/>
-          </a:xfrm>
-        </p:spPr>
-        <p:txBody>
-          <a:bodyPr/>
+            <a:off x="8610600" y="4960138"/>
+            <a:ext cx="3200400" cy="1463040"/>
+          </a:xfrm>
+        </p:spPr>
+        <p:txBody>
+          <a:bodyPr lIns="91440" rIns="91440" anchor="ctr">
+            <a:normAutofit/>
+          </a:bodyPr>
           <a:lstStyle>
             <a:lvl1pPr marL="0" indent="0">
+              <a:lnSpc>
+                <a:spcPct val="100000"/>
+              </a:lnSpc>
+              <a:spcBef>
+                <a:spcPts val="0"/>
+              </a:spcBef>
               <a:buNone/>
-              <a:defRPr sz="1600"/>
+              <a:defRPr sz="1800">
+                <a:solidFill>
+                  <a:schemeClr val="tx1">
+                    <a:lumMod val="90000"/>
+                    <a:lumOff val="10000"/>
+                  </a:schemeClr>
+                </a:solidFill>
+              </a:defRPr>
             </a:lvl1pPr>
             <a:lvl2pPr marL="457200" indent="0">
               <a:buNone/>
@@ -3110,13 +4658,7 @@
       </p:sp>
       <p:sp>
         <p:nvSpPr>
-          <p:cNvPr id="5" name="Date Placeholder 4">
-            <a:extLst>
-              <a:ext uri="{FF2B5EF4-FFF2-40B4-BE49-F238E27FC236}">
-                <a16:creationId xmlns:a16="http://schemas.microsoft.com/office/drawing/2014/main" id="{2F189DEF-279A-4088-8967-CCAD7675BC38}"/>
-              </a:ext>
-            </a:extLst>
-          </p:cNvPr>
+          <p:cNvPr id="5" name="Date Placeholder 4"/>
           <p:cNvSpPr>
             <a:spLocks noGrp="1"/>
           </p:cNvSpPr>
@@ -3131,7 +4673,7 @@
           <a:p>
             <a:fld id="{2C7459A1-C2E2-47FD-8159-1F8F61AB9301}" type="datetimeFigureOut">
               <a:rPr lang="en-US" smtClean="0"/>
-              <a:t>3/21/2019</a:t>
+              <a:t>3/22/2019</a:t>
             </a:fld>
             <a:endParaRPr lang="en-US"/>
           </a:p>
@@ -3139,13 +4681,7 @@
       </p:sp>
       <p:sp>
         <p:nvSpPr>
-          <p:cNvPr id="6" name="Footer Placeholder 5">
-            <a:extLst>
-              <a:ext uri="{FF2B5EF4-FFF2-40B4-BE49-F238E27FC236}">
-                <a16:creationId xmlns:a16="http://schemas.microsoft.com/office/drawing/2014/main" id="{151DBAEE-3D1A-4DAC-99F2-985F58BAA9D7}"/>
-              </a:ext>
-            </a:extLst>
-          </p:cNvPr>
+          <p:cNvPr id="6" name="Footer Placeholder 5"/>
           <p:cNvSpPr>
             <a:spLocks noGrp="1"/>
           </p:cNvSpPr>
@@ -3164,13 +4700,7 @@
       </p:sp>
       <p:sp>
         <p:nvSpPr>
-          <p:cNvPr id="7" name="Slide Number Placeholder 6">
-            <a:extLst>
-              <a:ext uri="{FF2B5EF4-FFF2-40B4-BE49-F238E27FC236}">
-                <a16:creationId xmlns:a16="http://schemas.microsoft.com/office/drawing/2014/main" id="{E6EF127F-6C56-441C-BC0D-58CDA7FDC0BB}"/>
-              </a:ext>
-            </a:extLst>
-          </p:cNvPr>
+          <p:cNvPr id="7" name="Slide Number Placeholder 6"/>
           <p:cNvSpPr>
             <a:spLocks noGrp="1"/>
           </p:cNvSpPr>
@@ -3191,10 +4721,45 @@
           </a:p>
         </p:txBody>
       </p:sp>
+      <p:cxnSp>
+        <p:nvCxnSpPr>
+          <p:cNvPr id="9" name="Straight Connector 8"/>
+          <p:cNvCxnSpPr/>
+          <p:nvPr/>
+        </p:nvCxnSpPr>
+        <p:spPr>
+          <a:xfrm flipV="1">
+            <a:off x="8386842" y="5264106"/>
+            <a:ext cx="0" cy="914400"/>
+          </a:xfrm>
+          <a:prstGeom prst="line">
+            <a:avLst/>
+          </a:prstGeom>
+          <a:ln w="19050">
+            <a:solidFill>
+              <a:schemeClr val="accent2"/>
+            </a:solidFill>
+          </a:ln>
+        </p:spPr>
+        <p:style>
+          <a:lnRef idx="1">
+            <a:schemeClr val="accent1"/>
+          </a:lnRef>
+          <a:fillRef idx="0">
+            <a:schemeClr val="accent1"/>
+          </a:fillRef>
+          <a:effectRef idx="0">
+            <a:schemeClr val="accent1"/>
+          </a:effectRef>
+          <a:fontRef idx="minor">
+            <a:schemeClr val="tx1"/>
+          </a:fontRef>
+        </p:style>
+      </p:cxnSp>
     </p:spTree>
     <p:extLst>
       <p:ext uri="{BB962C8B-B14F-4D97-AF65-F5344CB8AC3E}">
-        <p14:creationId xmlns:p14="http://schemas.microsoft.com/office/powerpoint/2010/main" val="2259391619"/>
+        <p14:creationId xmlns:p14="http://schemas.microsoft.com/office/powerpoint/2010/main" val="3474560061"/>
       </p:ext>
     </p:extLst>
   </p:cSld>
@@ -3228,13 +4793,7 @@
       </p:grpSpPr>
       <p:sp>
         <p:nvSpPr>
-          <p:cNvPr id="2" name="Title Placeholder 1">
-            <a:extLst>
-              <a:ext uri="{FF2B5EF4-FFF2-40B4-BE49-F238E27FC236}">
-                <a16:creationId xmlns:a16="http://schemas.microsoft.com/office/drawing/2014/main" id="{E16811E8-05EA-4A51-9123-FEBB240F6635}"/>
-              </a:ext>
-            </a:extLst>
-          </p:cNvPr>
+          <p:cNvPr id="2" name="Title Placeholder 1"/>
           <p:cNvSpPr>
             <a:spLocks noGrp="1"/>
           </p:cNvSpPr>
@@ -3244,8 +4803,8 @@
         </p:nvSpPr>
         <p:spPr>
           <a:xfrm>
-            <a:off x="838200" y="365125"/>
-            <a:ext cx="10515600" cy="1325563"/>
+            <a:off x="1024128" y="585216"/>
+            <a:ext cx="9720072" cy="1499616"/>
           </a:xfrm>
           <a:prstGeom prst="rect">
             <a:avLst/>
@@ -3261,18 +4820,13 @@
               <a:rPr lang="en-US"/>
               <a:t>Click to edit Master title style</a:t>
             </a:r>
-          </a:p>
-        </p:txBody>
-      </p:sp>
-      <p:sp>
-        <p:nvSpPr>
-          <p:cNvPr id="3" name="Text Placeholder 2">
-            <a:extLst>
-              <a:ext uri="{FF2B5EF4-FFF2-40B4-BE49-F238E27FC236}">
-                <a16:creationId xmlns:a16="http://schemas.microsoft.com/office/drawing/2014/main" id="{E262B21C-77A4-4975-9F72-4F104A9CB138}"/>
-              </a:ext>
-            </a:extLst>
-          </p:cNvPr>
+            <a:endParaRPr lang="en-US" dirty="0"/>
+          </a:p>
+        </p:txBody>
+      </p:sp>
+      <p:sp>
+        <p:nvSpPr>
+          <p:cNvPr id="3" name="Text Placeholder 2"/>
           <p:cNvSpPr>
             <a:spLocks noGrp="1"/>
           </p:cNvSpPr>
@@ -3282,15 +4836,15 @@
         </p:nvSpPr>
         <p:spPr>
           <a:xfrm>
-            <a:off x="838200" y="1825625"/>
-            <a:ext cx="10515600" cy="4351338"/>
+            <a:off x="1024128" y="2286000"/>
+            <a:ext cx="9720071" cy="4023360"/>
           </a:xfrm>
           <a:prstGeom prst="rect">
             <a:avLst/>
           </a:prstGeom>
         </p:spPr>
         <p:txBody>
-          <a:bodyPr vert="horz" lIns="91440" tIns="45720" rIns="91440" bIns="45720" rtlCol="0">
+          <a:bodyPr vert="horz" lIns="45720" tIns="45720" rIns="45720" bIns="45720" rtlCol="0">
             <a:normAutofit/>
           </a:bodyPr>
           <a:lstStyle/>
@@ -3328,18 +4882,13 @@
               <a:rPr lang="en-US"/>
               <a:t>Fifth level</a:t>
             </a:r>
-          </a:p>
-        </p:txBody>
-      </p:sp>
-      <p:sp>
-        <p:nvSpPr>
-          <p:cNvPr id="4" name="Date Placeholder 3">
-            <a:extLst>
-              <a:ext uri="{FF2B5EF4-FFF2-40B4-BE49-F238E27FC236}">
-                <a16:creationId xmlns:a16="http://schemas.microsoft.com/office/drawing/2014/main" id="{4B4F44D7-F992-493B-92FE-AD38EF2A6765}"/>
-              </a:ext>
-            </a:extLst>
-          </p:cNvPr>
+            <a:endParaRPr lang="en-US" dirty="0"/>
+          </a:p>
+        </p:txBody>
+      </p:sp>
+      <p:sp>
+        <p:nvSpPr>
+          <p:cNvPr id="4" name="Date Placeholder 3"/>
           <p:cNvSpPr>
             <a:spLocks noGrp="1"/>
           </p:cNvSpPr>
@@ -3349,8 +4898,8 @@
         </p:nvSpPr>
         <p:spPr>
           <a:xfrm>
-            <a:off x="838200" y="6356350"/>
-            <a:ext cx="2743200" cy="365125"/>
+            <a:off x="1024128" y="6470704"/>
+            <a:ext cx="2154142" cy="274320"/>
           </a:xfrm>
           <a:prstGeom prst="rect">
             <a:avLst/>
@@ -3360,19 +4909,21 @@
           <a:bodyPr vert="horz" lIns="91440" tIns="45720" rIns="91440" bIns="45720" rtlCol="0" anchor="ctr"/>
           <a:lstStyle>
             <a:lvl1pPr algn="l">
-              <a:defRPr sz="1200">
+              <a:defRPr sz="1000">
                 <a:solidFill>
                   <a:schemeClr val="tx1">
-                    <a:tint val="75000"/>
+                    <a:lumMod val="90000"/>
+                    <a:lumOff val="10000"/>
                   </a:schemeClr>
                 </a:solidFill>
+                <a:latin typeface="+mj-lt"/>
               </a:defRPr>
             </a:lvl1pPr>
           </a:lstStyle>
           <a:p>
             <a:fld id="{2C7459A1-C2E2-47FD-8159-1F8F61AB9301}" type="datetimeFigureOut">
               <a:rPr lang="en-US" smtClean="0"/>
-              <a:t>3/21/2019</a:t>
+              <a:t>3/22/2019</a:t>
             </a:fld>
             <a:endParaRPr lang="en-US"/>
           </a:p>
@@ -3380,13 +4931,7 @@
       </p:sp>
       <p:sp>
         <p:nvSpPr>
-          <p:cNvPr id="5" name="Footer Placeholder 4">
-            <a:extLst>
-              <a:ext uri="{FF2B5EF4-FFF2-40B4-BE49-F238E27FC236}">
-                <a16:creationId xmlns:a16="http://schemas.microsoft.com/office/drawing/2014/main" id="{5F96E922-412D-4D89-BC25-56F913F72512}"/>
-              </a:ext>
-            </a:extLst>
-          </p:cNvPr>
+          <p:cNvPr id="5" name="Footer Placeholder 4"/>
           <p:cNvSpPr>
             <a:spLocks noGrp="1"/>
           </p:cNvSpPr>
@@ -3396,8 +4941,8 @@
         </p:nvSpPr>
         <p:spPr>
           <a:xfrm>
-            <a:off x="4038600" y="6356350"/>
-            <a:ext cx="4114800" cy="365125"/>
+            <a:off x="4842932" y="6470704"/>
+            <a:ext cx="5901458" cy="274320"/>
           </a:xfrm>
           <a:prstGeom prst="rect">
             <a:avLst/>
@@ -3406,13 +4951,15 @@
         <p:txBody>
           <a:bodyPr vert="horz" lIns="91440" tIns="45720" rIns="91440" bIns="45720" rtlCol="0" anchor="ctr"/>
           <a:lstStyle>
-            <a:lvl1pPr algn="ctr">
-              <a:defRPr sz="1200">
+            <a:lvl1pPr algn="r">
+              <a:defRPr sz="1000" cap="all" baseline="0">
                 <a:solidFill>
                   <a:schemeClr val="tx1">
-                    <a:tint val="75000"/>
+                    <a:lumMod val="90000"/>
+                    <a:lumOff val="10000"/>
                   </a:schemeClr>
                 </a:solidFill>
+                <a:latin typeface="+mj-lt"/>
               </a:defRPr>
             </a:lvl1pPr>
           </a:lstStyle>
@@ -3423,13 +4970,7 @@
       </p:sp>
       <p:sp>
         <p:nvSpPr>
-          <p:cNvPr id="6" name="Slide Number Placeholder 5">
-            <a:extLst>
-              <a:ext uri="{FF2B5EF4-FFF2-40B4-BE49-F238E27FC236}">
-                <a16:creationId xmlns:a16="http://schemas.microsoft.com/office/drawing/2014/main" id="{9540DA2E-5910-415D-9E79-20D64A20B142}"/>
-              </a:ext>
-            </a:extLst>
-          </p:cNvPr>
+          <p:cNvPr id="6" name="Slide Number Placeholder 5"/>
           <p:cNvSpPr>
             <a:spLocks noGrp="1"/>
           </p:cNvSpPr>
@@ -3439,8 +4980,8 @@
         </p:nvSpPr>
         <p:spPr>
           <a:xfrm>
-            <a:off x="8610600" y="6356350"/>
-            <a:ext cx="2743200" cy="365125"/>
+            <a:off x="10837334" y="6470704"/>
+            <a:ext cx="973666" cy="274320"/>
           </a:xfrm>
           <a:prstGeom prst="rect">
             <a:avLst/>
@@ -3449,13 +4990,15 @@
         <p:txBody>
           <a:bodyPr vert="horz" lIns="91440" tIns="45720" rIns="91440" bIns="45720" rtlCol="0" anchor="ctr"/>
           <a:lstStyle>
-            <a:lvl1pPr algn="r">
-              <a:defRPr sz="1200">
+            <a:lvl1pPr algn="l">
+              <a:defRPr sz="1000">
                 <a:solidFill>
                   <a:schemeClr val="tx1">
-                    <a:tint val="75000"/>
+                    <a:lumMod val="90000"/>
+                    <a:lumOff val="10000"/>
                   </a:schemeClr>
                 </a:solidFill>
+                <a:latin typeface="+mj-lt"/>
               </a:defRPr>
             </a:lvl1pPr>
           </a:lstStyle>
@@ -3468,40 +5011,78 @@
           </a:p>
         </p:txBody>
       </p:sp>
+      <p:cxnSp>
+        <p:nvCxnSpPr>
+          <p:cNvPr id="7" name="Straight Connector 6"/>
+          <p:cNvCxnSpPr/>
+          <p:nvPr/>
+        </p:nvCxnSpPr>
+        <p:spPr>
+          <a:xfrm flipV="1">
+            <a:off x="762000" y="826324"/>
+            <a:ext cx="0" cy="914400"/>
+          </a:xfrm>
+          <a:prstGeom prst="line">
+            <a:avLst/>
+          </a:prstGeom>
+          <a:ln w="19050">
+            <a:solidFill>
+              <a:schemeClr val="accent2"/>
+            </a:solidFill>
+          </a:ln>
+        </p:spPr>
+        <p:style>
+          <a:lnRef idx="1">
+            <a:schemeClr val="accent1"/>
+          </a:lnRef>
+          <a:fillRef idx="0">
+            <a:schemeClr val="accent1"/>
+          </a:fillRef>
+          <a:effectRef idx="0">
+            <a:schemeClr val="accent1"/>
+          </a:effectRef>
+          <a:fontRef idx="minor">
+            <a:schemeClr val="tx1"/>
+          </a:fontRef>
+        </p:style>
+      </p:cxnSp>
     </p:spTree>
     <p:extLst>
       <p:ext uri="{BB962C8B-B14F-4D97-AF65-F5344CB8AC3E}">
-        <p14:creationId xmlns:p14="http://schemas.microsoft.com/office/powerpoint/2010/main" val="3591333348"/>
+        <p14:creationId xmlns:p14="http://schemas.microsoft.com/office/powerpoint/2010/main" val="4155160556"/>
       </p:ext>
     </p:extLst>
   </p:cSld>
   <p:clrMap bg1="lt1" tx1="dk1" bg2="lt2" tx2="dk2" accent1="accent1" accent2="accent2" accent3="accent3" accent4="accent4" accent5="accent5" accent6="accent6" hlink="hlink" folHlink="folHlink"/>
   <p:sldLayoutIdLst>
-    <p:sldLayoutId id="2147483685" r:id="rId1"/>
-    <p:sldLayoutId id="2147483686" r:id="rId2"/>
-    <p:sldLayoutId id="2147483687" r:id="rId3"/>
-    <p:sldLayoutId id="2147483688" r:id="rId4"/>
-    <p:sldLayoutId id="2147483689" r:id="rId5"/>
-    <p:sldLayoutId id="2147483690" r:id="rId6"/>
-    <p:sldLayoutId id="2147483691" r:id="rId7"/>
-    <p:sldLayoutId id="2147483692" r:id="rId8"/>
-    <p:sldLayoutId id="2147483693" r:id="rId9"/>
-    <p:sldLayoutId id="2147483694" r:id="rId10"/>
-    <p:sldLayoutId id="2147483695" r:id="rId11"/>
+    <p:sldLayoutId id="2147483733" r:id="rId1"/>
+    <p:sldLayoutId id="2147483734" r:id="rId2"/>
+    <p:sldLayoutId id="2147483735" r:id="rId3"/>
+    <p:sldLayoutId id="2147483736" r:id="rId4"/>
+    <p:sldLayoutId id="2147483737" r:id="rId5"/>
+    <p:sldLayoutId id="2147483738" r:id="rId6"/>
+    <p:sldLayoutId id="2147483739" r:id="rId7"/>
+    <p:sldLayoutId id="2147483740" r:id="rId8"/>
+    <p:sldLayoutId id="2147483741" r:id="rId9"/>
+    <p:sldLayoutId id="2147483742" r:id="rId10"/>
+    <p:sldLayoutId id="2147483743" r:id="rId11"/>
   </p:sldLayoutIdLst>
   <p:txStyles>
     <p:titleStyle>
       <a:lvl1pPr algn="l" defTabSz="914400" rtl="0" eaLnBrk="1" latinLnBrk="0" hangingPunct="1">
         <a:lnSpc>
-          <a:spcPct val="90000"/>
+          <a:spcPct val="80000"/>
         </a:lnSpc>
         <a:spcBef>
           <a:spcPct val="0"/>
         </a:spcBef>
         <a:buNone/>
-        <a:defRPr sz="4400" kern="1200">
+        <a:defRPr sz="5000" kern="1200" cap="all" spc="100" baseline="0">
           <a:solidFill>
-            <a:schemeClr val="tx1"/>
+            <a:schemeClr val="tx1">
+              <a:lumMod val="90000"/>
+              <a:lumOff val="10000"/>
+            </a:schemeClr>
           </a:solidFill>
           <a:latin typeface="+mj-lt"/>
           <a:ea typeface="+mj-ea"/>
@@ -3510,16 +5091,23 @@
       </a:lvl1pPr>
     </p:titleStyle>
     <p:bodyStyle>
-      <a:lvl1pPr marL="228600" indent="-228600" algn="l" defTabSz="914400" rtl="0" eaLnBrk="1" latinLnBrk="0" hangingPunct="1">
+      <a:lvl1pPr marL="91440" indent="-91440" algn="l" defTabSz="914400" rtl="0" eaLnBrk="1" latinLnBrk="0" hangingPunct="1">
         <a:lnSpc>
           <a:spcPct val="90000"/>
         </a:lnSpc>
         <a:spcBef>
-          <a:spcPts val="1000"/>
+          <a:spcPts val="1200"/>
         </a:spcBef>
-        <a:buFont typeface="Arial" panose="020B0604020202020204" pitchFamily="34" charset="0"/>
-        <a:buChar char="•"/>
-        <a:defRPr sz="2800" kern="1200">
+        <a:spcAft>
+          <a:spcPts val="200"/>
+        </a:spcAft>
+        <a:buClr>
+          <a:schemeClr val="accent2"/>
+        </a:buClr>
+        <a:buSzPct val="100000"/>
+        <a:buFont typeface="Tw Cen MT" panose="020B0602020104020603" pitchFamily="34" charset="0"/>
+        <a:buChar char=" "/>
+        <a:defRPr sz="2200" kern="1200">
           <a:solidFill>
             <a:schemeClr val="tx1"/>
           </a:solidFill>
@@ -3528,16 +5116,22 @@
           <a:cs typeface="+mn-cs"/>
         </a:defRPr>
       </a:lvl1pPr>
-      <a:lvl2pPr marL="685800" indent="-228600" algn="l" defTabSz="914400" rtl="0" eaLnBrk="1" latinLnBrk="0" hangingPunct="1">
+      <a:lvl2pPr marL="265176" indent="-137160" algn="l" defTabSz="914400" rtl="0" eaLnBrk="1" latinLnBrk="0" hangingPunct="1">
         <a:lnSpc>
           <a:spcPct val="90000"/>
         </a:lnSpc>
         <a:spcBef>
-          <a:spcPts val="500"/>
+          <a:spcPts val="200"/>
         </a:spcBef>
-        <a:buFont typeface="Arial" panose="020B0604020202020204" pitchFamily="34" charset="0"/>
-        <a:buChar char="•"/>
-        <a:defRPr sz="2400" kern="1200">
+        <a:spcAft>
+          <a:spcPts val="400"/>
+        </a:spcAft>
+        <a:buClr>
+          <a:schemeClr val="accent2"/>
+        </a:buClr>
+        <a:buFont typeface="Wingdings 3" pitchFamily="18" charset="2"/>
+        <a:buChar char=""/>
+        <a:defRPr sz="1800" kern="1200">
           <a:solidFill>
             <a:schemeClr val="tx1"/>
           </a:solidFill>
@@ -3546,16 +5140,22 @@
           <a:cs typeface="+mn-cs"/>
         </a:defRPr>
       </a:lvl2pPr>
-      <a:lvl3pPr marL="1143000" indent="-228600" algn="l" defTabSz="914400" rtl="0" eaLnBrk="1" latinLnBrk="0" hangingPunct="1">
+      <a:lvl3pPr marL="448056" indent="-137160" algn="l" defTabSz="914400" rtl="0" eaLnBrk="1" latinLnBrk="0" hangingPunct="1">
         <a:lnSpc>
           <a:spcPct val="90000"/>
         </a:lnSpc>
         <a:spcBef>
-          <a:spcPts val="500"/>
+          <a:spcPts val="200"/>
         </a:spcBef>
-        <a:buFont typeface="Arial" panose="020B0604020202020204" pitchFamily="34" charset="0"/>
-        <a:buChar char="•"/>
-        <a:defRPr sz="2000" kern="1200">
+        <a:spcAft>
+          <a:spcPts val="400"/>
+        </a:spcAft>
+        <a:buClr>
+          <a:schemeClr val="accent2"/>
+        </a:buClr>
+        <a:buFont typeface="Wingdings 3" pitchFamily="18" charset="2"/>
+        <a:buChar char=""/>
+        <a:defRPr sz="1400" kern="1200">
           <a:solidFill>
             <a:schemeClr val="tx1"/>
           </a:solidFill>
@@ -3564,16 +5164,22 @@
           <a:cs typeface="+mn-cs"/>
         </a:defRPr>
       </a:lvl3pPr>
-      <a:lvl4pPr marL="1600200" indent="-228600" algn="l" defTabSz="914400" rtl="0" eaLnBrk="1" latinLnBrk="0" hangingPunct="1">
+      <a:lvl4pPr marL="594360" indent="-137160" algn="l" defTabSz="914400" rtl="0" eaLnBrk="1" latinLnBrk="0" hangingPunct="1">
         <a:lnSpc>
           <a:spcPct val="90000"/>
         </a:lnSpc>
         <a:spcBef>
-          <a:spcPts val="500"/>
+          <a:spcPts val="200"/>
         </a:spcBef>
-        <a:buFont typeface="Arial" panose="020B0604020202020204" pitchFamily="34" charset="0"/>
-        <a:buChar char="•"/>
-        <a:defRPr sz="1800" kern="1200">
+        <a:spcAft>
+          <a:spcPts val="400"/>
+        </a:spcAft>
+        <a:buClr>
+          <a:schemeClr val="accent2"/>
+        </a:buClr>
+        <a:buFont typeface="Wingdings 3" pitchFamily="18" charset="2"/>
+        <a:buChar char=""/>
+        <a:defRPr sz="1400" kern="1200">
           <a:solidFill>
             <a:schemeClr val="tx1"/>
           </a:solidFill>
@@ -3582,16 +5188,22 @@
           <a:cs typeface="+mn-cs"/>
         </a:defRPr>
       </a:lvl4pPr>
-      <a:lvl5pPr marL="2057400" indent="-228600" algn="l" defTabSz="914400" rtl="0" eaLnBrk="1" latinLnBrk="0" hangingPunct="1">
+      <a:lvl5pPr marL="777240" indent="-137160" algn="l" defTabSz="914400" rtl="0" eaLnBrk="1" latinLnBrk="0" hangingPunct="1">
         <a:lnSpc>
           <a:spcPct val="90000"/>
         </a:lnSpc>
         <a:spcBef>
-          <a:spcPts val="500"/>
+          <a:spcPts val="200"/>
         </a:spcBef>
-        <a:buFont typeface="Arial" panose="020B0604020202020204" pitchFamily="34" charset="0"/>
-        <a:buChar char="•"/>
-        <a:defRPr sz="1800" kern="1200">
+        <a:spcAft>
+          <a:spcPts val="400"/>
+        </a:spcAft>
+        <a:buClr>
+          <a:schemeClr val="accent2"/>
+        </a:buClr>
+        <a:buFont typeface="Wingdings 3" pitchFamily="18" charset="2"/>
+        <a:buChar char=""/>
+        <a:defRPr sz="1400" kern="1200">
           <a:solidFill>
             <a:schemeClr val="tx1"/>
           </a:solidFill>
@@ -3600,16 +5212,22 @@
           <a:cs typeface="+mn-cs"/>
         </a:defRPr>
       </a:lvl5pPr>
-      <a:lvl6pPr marL="2514600" indent="-228600" algn="l" defTabSz="914400" rtl="0" eaLnBrk="1" latinLnBrk="0" hangingPunct="1">
+      <a:lvl6pPr marL="914400" indent="-137160" algn="l" defTabSz="914400" rtl="0" eaLnBrk="1" latinLnBrk="0" hangingPunct="1">
         <a:lnSpc>
           <a:spcPct val="90000"/>
         </a:lnSpc>
         <a:spcBef>
-          <a:spcPts val="500"/>
+          <a:spcPts val="200"/>
         </a:spcBef>
-        <a:buFont typeface="Arial" panose="020B0604020202020204" pitchFamily="34" charset="0"/>
-        <a:buChar char="•"/>
-        <a:defRPr sz="1800" kern="1200">
+        <a:spcAft>
+          <a:spcPts val="400"/>
+        </a:spcAft>
+        <a:buClr>
+          <a:schemeClr val="accent2"/>
+        </a:buClr>
+        <a:buFont typeface="Wingdings 3" pitchFamily="18" charset="2"/>
+        <a:buChar char=""/>
+        <a:defRPr sz="1400" kern="1200">
           <a:solidFill>
             <a:schemeClr val="tx1"/>
           </a:solidFill>
@@ -3618,16 +5236,22 @@
           <a:cs typeface="+mn-cs"/>
         </a:defRPr>
       </a:lvl6pPr>
-      <a:lvl7pPr marL="2971800" indent="-228600" algn="l" defTabSz="914400" rtl="0" eaLnBrk="1" latinLnBrk="0" hangingPunct="1">
+      <a:lvl7pPr marL="1060704" indent="-137160" algn="l" defTabSz="914400" rtl="0" eaLnBrk="1" latinLnBrk="0" hangingPunct="1">
         <a:lnSpc>
           <a:spcPct val="90000"/>
         </a:lnSpc>
         <a:spcBef>
-          <a:spcPts val="500"/>
+          <a:spcPts val="200"/>
         </a:spcBef>
-        <a:buFont typeface="Arial" panose="020B0604020202020204" pitchFamily="34" charset="0"/>
-        <a:buChar char="•"/>
-        <a:defRPr sz="1800" kern="1200">
+        <a:spcAft>
+          <a:spcPts val="400"/>
+        </a:spcAft>
+        <a:buClr>
+          <a:schemeClr val="accent2"/>
+        </a:buClr>
+        <a:buFont typeface="Wingdings 3" pitchFamily="18" charset="2"/>
+        <a:buChar char=""/>
+        <a:defRPr sz="1400" kern="1200">
           <a:solidFill>
             <a:schemeClr val="tx1"/>
           </a:solidFill>
@@ -3636,16 +5260,22 @@
           <a:cs typeface="+mn-cs"/>
         </a:defRPr>
       </a:lvl7pPr>
-      <a:lvl8pPr marL="3429000" indent="-228600" algn="l" defTabSz="914400" rtl="0" eaLnBrk="1" latinLnBrk="0" hangingPunct="1">
+      <a:lvl8pPr marL="1216152" indent="-137160" algn="l" defTabSz="914400" rtl="0" eaLnBrk="1" latinLnBrk="0" hangingPunct="1">
         <a:lnSpc>
           <a:spcPct val="90000"/>
         </a:lnSpc>
         <a:spcBef>
-          <a:spcPts val="500"/>
+          <a:spcPts val="200"/>
         </a:spcBef>
-        <a:buFont typeface="Arial" panose="020B0604020202020204" pitchFamily="34" charset="0"/>
-        <a:buChar char="•"/>
-        <a:defRPr sz="1800" kern="1200">
+        <a:spcAft>
+          <a:spcPts val="400"/>
+        </a:spcAft>
+        <a:buClr>
+          <a:schemeClr val="accent2"/>
+        </a:buClr>
+        <a:buFont typeface="Wingdings 3" pitchFamily="18" charset="2"/>
+        <a:buChar char=""/>
+        <a:defRPr sz="1400" kern="1200">
           <a:solidFill>
             <a:schemeClr val="tx1"/>
           </a:solidFill>
@@ -3654,16 +5284,22 @@
           <a:cs typeface="+mn-cs"/>
         </a:defRPr>
       </a:lvl8pPr>
-      <a:lvl9pPr marL="3886200" indent="-228600" algn="l" defTabSz="914400" rtl="0" eaLnBrk="1" latinLnBrk="0" hangingPunct="1">
+      <a:lvl9pPr marL="1362456" indent="-137160" algn="l" defTabSz="914400" rtl="0" eaLnBrk="1" latinLnBrk="0" hangingPunct="1">
         <a:lnSpc>
           <a:spcPct val="90000"/>
         </a:lnSpc>
         <a:spcBef>
-          <a:spcPts val="500"/>
+          <a:spcPts val="200"/>
         </a:spcBef>
-        <a:buFont typeface="Arial" panose="020B0604020202020204" pitchFamily="34" charset="0"/>
-        <a:buChar char="•"/>
-        <a:defRPr sz="1800" kern="1200">
+        <a:spcAft>
+          <a:spcPts val="400"/>
+        </a:spcAft>
+        <a:buClr>
+          <a:schemeClr val="accent2"/>
+        </a:buClr>
+        <a:buFont typeface="Wingdings 3" pitchFamily="18" charset="2"/>
+        <a:buChar char=""/>
+        <a:defRPr sz="1400" kern="1200">
           <a:solidFill>
             <a:schemeClr val="tx1"/>
           </a:solidFill>
@@ -3780,6 +5416,14 @@
 <file path=ppt/slides/slide1.xml><?xml version="1.0" encoding="utf-8"?>
 <p:sld xmlns:a="http://schemas.openxmlformats.org/drawingml/2006/main" xmlns:r="http://schemas.openxmlformats.org/officeDocument/2006/relationships" xmlns:p="http://schemas.openxmlformats.org/presentationml/2006/main">
   <p:cSld>
+    <p:bg>
+      <p:bgPr>
+        <a:solidFill>
+          <a:schemeClr val="bg1"/>
+        </a:solidFill>
+        <a:effectLst/>
+      </p:bgPr>
+    </p:bg>
     <p:spTree>
       <p:nvGrpSpPr>
         <p:cNvPr id="1" name=""/>
@@ -3796,6 +5440,69 @@
       </p:grpSpPr>
       <p:sp>
         <p:nvSpPr>
+          <p:cNvPr id="9" name="Rectangle 11">
+            <a:extLst>
+              <a:ext uri="{FF2B5EF4-FFF2-40B4-BE49-F238E27FC236}">
+                <a16:creationId xmlns:a16="http://schemas.microsoft.com/office/drawing/2014/main" id="{CA01913F-3FBD-4B62-92CF-D2B8A674152E}"/>
+              </a:ext>
+              <a:ext uri="{C183D7F6-B498-43B3-948B-1728B52AA6E4}">
+                <adec:decorative xmlns:adec="http://schemas.microsoft.com/office/drawing/2017/decorative" val="1"/>
+              </a:ext>
+            </a:extLst>
+          </p:cNvPr>
+          <p:cNvSpPr>
+            <a:spLocks noGrp="1" noRot="1" noChangeAspect="1" noMove="1" noResize="1" noEditPoints="1" noAdjustHandles="1" noChangeArrowheads="1" noChangeShapeType="1" noTextEdit="1"/>
+          </p:cNvSpPr>
+          <p:nvPr>
+            <p:extLst>
+              <p:ext uri="{386F3935-93C4-4BCD-93E2-E3B085C9AB24}">
+                <p16:designElem xmlns:p16="http://schemas.microsoft.com/office/powerpoint/2015/main" val="1"/>
+              </p:ext>
+            </p:extLst>
+          </p:nvPr>
+        </p:nvSpPr>
+        <p:spPr>
+          <a:xfrm>
+            <a:off x="0" y="0"/>
+            <a:ext cx="12188726" cy="6858975"/>
+          </a:xfrm>
+          <a:prstGeom prst="rect">
+            <a:avLst/>
+          </a:prstGeom>
+          <a:solidFill>
+            <a:schemeClr val="bg1"/>
+          </a:solidFill>
+          <a:ln>
+            <a:noFill/>
+          </a:ln>
+        </p:spPr>
+        <p:style>
+          <a:lnRef idx="2">
+            <a:schemeClr val="accent1">
+              <a:shade val="50000"/>
+            </a:schemeClr>
+          </a:lnRef>
+          <a:fillRef idx="1">
+            <a:schemeClr val="accent1"/>
+          </a:fillRef>
+          <a:effectRef idx="0">
+            <a:schemeClr val="accent1"/>
+          </a:effectRef>
+          <a:fontRef idx="minor">
+            <a:schemeClr val="lt1"/>
+          </a:fontRef>
+        </p:style>
+        <p:txBody>
+          <a:bodyPr rtlCol="0" anchor="ctr"/>
+          <a:lstStyle/>
+          <a:p>
+            <a:pPr algn="ctr"/>
+            <a:endParaRPr lang="en-US"/>
+          </a:p>
+        </p:txBody>
+      </p:sp>
+      <p:sp>
+        <p:nvSpPr>
           <p:cNvPr id="2" name="Title 1">
             <a:extLst>
               <a:ext uri="{FF2B5EF4-FFF2-40B4-BE49-F238E27FC236}">
@@ -3810,13 +5517,20 @@
             <p:ph type="ctrTitle"/>
           </p:nvPr>
         </p:nvSpPr>
-        <p:spPr/>
-        <p:txBody>
-          <a:bodyPr/>
-          <a:lstStyle/>
-          <a:p>
-            <a:r>
-              <a:rPr lang="en-US" dirty="0"/>
+        <p:spPr>
+          <a:xfrm>
+            <a:off x="636805" y="640080"/>
+            <a:ext cx="3378099" cy="3034857"/>
+          </a:xfrm>
+        </p:spPr>
+        <p:txBody>
+          <a:bodyPr anchor="b">
+            <a:normAutofit/>
+          </a:bodyPr>
+          <a:lstStyle/>
+          <a:p>
+            <a:r>
+              <a:rPr lang="en-US" sz="4400"/>
               <a:t>Happy People </a:t>
             </a:r>
           </a:p>
@@ -3838,18 +5552,117 @@
             <p:ph type="subTitle" idx="1"/>
           </p:nvPr>
         </p:nvSpPr>
-        <p:spPr/>
-        <p:txBody>
-          <a:bodyPr/>
-          <a:lstStyle/>
-          <a:p>
-            <a:r>
-              <a:rPr lang="en-US" dirty="0"/>
-              <a:t>Anna Brown, Josh Chung, Alex Snyder, Kim McKeever</a:t>
-            </a:r>
-          </a:p>
-        </p:txBody>
-      </p:sp>
+        <p:spPr>
+          <a:xfrm>
+            <a:off x="636806" y="3849539"/>
+            <a:ext cx="3378098" cy="2367405"/>
+          </a:xfrm>
+        </p:spPr>
+        <p:txBody>
+          <a:bodyPr anchor="t">
+            <a:normAutofit/>
+          </a:bodyPr>
+          <a:lstStyle/>
+          <a:p>
+            <a:pPr algn="r"/>
+            <a:r>
+              <a:rPr lang="en-US" sz="1600" dirty="0"/>
+              <a:t>Anna Brown, Josh Chung, Kim McKeever, Alex Snyder </a:t>
+            </a:r>
+          </a:p>
+        </p:txBody>
+      </p:sp>
+      <p:cxnSp>
+        <p:nvCxnSpPr>
+          <p:cNvPr id="14" name="Straight Connector 13">
+            <a:extLst>
+              <a:ext uri="{FF2B5EF4-FFF2-40B4-BE49-F238E27FC236}">
+                <a16:creationId xmlns:a16="http://schemas.microsoft.com/office/drawing/2014/main" id="{FBB0A898-5387-4E99-A785-462A85DC0170}"/>
+              </a:ext>
+              <a:ext uri="{C183D7F6-B498-43B3-948B-1728B52AA6E4}">
+                <adec:decorative xmlns:adec="http://schemas.microsoft.com/office/drawing/2017/decorative" val="1"/>
+              </a:ext>
+            </a:extLst>
+          </p:cNvPr>
+          <p:cNvCxnSpPr>
+            <a:cxnSpLocks noGrp="1" noRot="1" noChangeAspect="1" noMove="1" noResize="1" noEditPoints="1" noAdjustHandles="1" noChangeArrowheads="1" noChangeShapeType="1"/>
+          </p:cNvCxnSpPr>
+          <p:nvPr>
+            <p:extLst>
+              <p:ext uri="{386F3935-93C4-4BCD-93E2-E3B085C9AB24}">
+                <p16:designElem xmlns:p16="http://schemas.microsoft.com/office/powerpoint/2015/main" val="1"/>
+              </p:ext>
+            </p:extLst>
+          </p:nvPr>
+        </p:nvCxnSpPr>
+        <p:spPr>
+          <a:xfrm>
+            <a:off x="700698" y="3765314"/>
+            <a:ext cx="3200400" cy="0"/>
+          </a:xfrm>
+          <a:prstGeom prst="line">
+            <a:avLst/>
+          </a:prstGeom>
+          <a:ln w="19050">
+            <a:solidFill>
+              <a:schemeClr val="accent2"/>
+            </a:solidFill>
+          </a:ln>
+        </p:spPr>
+        <p:style>
+          <a:lnRef idx="1">
+            <a:schemeClr val="accent1"/>
+          </a:lnRef>
+          <a:fillRef idx="0">
+            <a:schemeClr val="accent1"/>
+          </a:fillRef>
+          <a:effectRef idx="0">
+            <a:schemeClr val="accent1"/>
+          </a:effectRef>
+          <a:fontRef idx="minor">
+            <a:schemeClr val="tx1"/>
+          </a:fontRef>
+        </p:style>
+      </p:cxnSp>
+      <p:pic>
+        <p:nvPicPr>
+          <p:cNvPr id="7" name="Graphic 6" descr="Group">
+            <a:extLst>
+              <a:ext uri="{FF2B5EF4-FFF2-40B4-BE49-F238E27FC236}">
+                <a16:creationId xmlns:a16="http://schemas.microsoft.com/office/drawing/2014/main" id="{61A8C789-933B-4DCF-A724-E4C459432F94}"/>
+              </a:ext>
+            </a:extLst>
+          </p:cNvPr>
+          <p:cNvPicPr>
+            <a:picLocks noChangeAspect="1"/>
+          </p:cNvPicPr>
+          <p:nvPr/>
+        </p:nvPicPr>
+        <p:blipFill>
+          <a:blip r:embed="rId2">
+            <a:extLst>
+              <a:ext uri="{28A0092B-C50C-407E-A947-70E740481C1C}">
+                <a14:useLocalDpi xmlns:a14="http://schemas.microsoft.com/office/drawing/2010/main" val="0"/>
+              </a:ext>
+              <a:ext uri="{96DAC541-7B7A-43D3-8B79-37D633B846F1}">
+                <asvg:svgBlip xmlns:asvg="http://schemas.microsoft.com/office/drawing/2016/SVG/main" r:embed="rId3"/>
+              </a:ext>
+            </a:extLst>
+          </a:blip>
+          <a:stretch>
+            <a:fillRect/>
+          </a:stretch>
+        </p:blipFill>
+        <p:spPr>
+          <a:xfrm>
+            <a:off x="5314044" y="640080"/>
+            <a:ext cx="5578816" cy="5578816"/>
+          </a:xfrm>
+          <a:prstGeom prst="rect">
+            <a:avLst/>
+          </a:prstGeom>
+        </p:spPr>
+      </p:pic>
     </p:spTree>
     <p:extLst>
       <p:ext uri="{BB962C8B-B14F-4D97-AF65-F5344CB8AC3E}">
@@ -3863,7 +5676,887 @@
 </p:sld>
 </file>
 
-<file path=ppt/slides/slide2.xml><?xml version="1.0" encoding="utf-8"?>
+<file path=ppt/slides/slide10.xml><?xml version="1.0" encoding="utf-8"?>
+<p:sld xmlns:a="http://schemas.openxmlformats.org/drawingml/2006/main" xmlns:r="http://schemas.openxmlformats.org/officeDocument/2006/relationships" xmlns:p="http://schemas.openxmlformats.org/presentationml/2006/main">
+  <p:cSld>
+    <p:spTree>
+      <p:nvGrpSpPr>
+        <p:cNvPr id="1" name="Shape 58"/>
+        <p:cNvGrpSpPr/>
+        <p:nvPr/>
+      </p:nvGrpSpPr>
+      <p:grpSpPr>
+        <a:xfrm>
+          <a:off x="0" y="0"/>
+          <a:ext cx="0" cy="0"/>
+          <a:chOff x="0" y="0"/>
+          <a:chExt cx="0" cy="0"/>
+        </a:xfrm>
+      </p:grpSpPr>
+      <p:pic>
+        <p:nvPicPr>
+          <p:cNvPr id="59" name="Google Shape;59;p14"/>
+          <p:cNvPicPr preferRelativeResize="0"/>
+          <p:nvPr/>
+        </p:nvPicPr>
+        <p:blipFill>
+          <a:blip r:embed="rId3">
+            <a:alphaModFix/>
+          </a:blip>
+          <a:stretch>
+            <a:fillRect/>
+          </a:stretch>
+        </p:blipFill>
+        <p:spPr>
+          <a:xfrm>
+            <a:off x="1386051" y="3632400"/>
+            <a:ext cx="3473467" cy="2924587"/>
+          </a:xfrm>
+          <a:prstGeom prst="rect">
+            <a:avLst/>
+          </a:prstGeom>
+          <a:noFill/>
+          <a:ln>
+            <a:noFill/>
+          </a:ln>
+        </p:spPr>
+      </p:pic>
+      <p:pic>
+        <p:nvPicPr>
+          <p:cNvPr id="60" name="Google Shape;60;p14"/>
+          <p:cNvPicPr preferRelativeResize="0"/>
+          <p:nvPr/>
+        </p:nvPicPr>
+        <p:blipFill rotWithShape="1">
+          <a:blip r:embed="rId4">
+            <a:alphaModFix/>
+          </a:blip>
+          <a:srcRect l="12184" t="29973" r="9562" b="30188"/>
+          <a:stretch/>
+        </p:blipFill>
+        <p:spPr>
+          <a:xfrm>
+            <a:off x="5176628" y="3697425"/>
+            <a:ext cx="5595641" cy="2848665"/>
+          </a:xfrm>
+          <a:prstGeom prst="rect">
+            <a:avLst/>
+          </a:prstGeom>
+          <a:noFill/>
+          <a:ln>
+            <a:noFill/>
+          </a:ln>
+        </p:spPr>
+      </p:pic>
+      <p:pic>
+        <p:nvPicPr>
+          <p:cNvPr id="61" name="Google Shape;61;p14"/>
+          <p:cNvPicPr preferRelativeResize="0"/>
+          <p:nvPr/>
+        </p:nvPicPr>
+        <p:blipFill>
+          <a:blip r:embed="rId5">
+            <a:alphaModFix/>
+          </a:blip>
+          <a:stretch>
+            <a:fillRect/>
+          </a:stretch>
+        </p:blipFill>
+        <p:spPr>
+          <a:xfrm>
+            <a:off x="1348332" y="301034"/>
+            <a:ext cx="3548897" cy="3049433"/>
+          </a:xfrm>
+          <a:prstGeom prst="rect">
+            <a:avLst/>
+          </a:prstGeom>
+          <a:noFill/>
+          <a:ln>
+            <a:noFill/>
+          </a:ln>
+        </p:spPr>
+      </p:pic>
+      <p:pic>
+        <p:nvPicPr>
+          <p:cNvPr id="62" name="Google Shape;62;p14"/>
+          <p:cNvPicPr preferRelativeResize="0"/>
+          <p:nvPr/>
+        </p:nvPicPr>
+        <p:blipFill rotWithShape="1">
+          <a:blip r:embed="rId6">
+            <a:alphaModFix/>
+          </a:blip>
+          <a:srcRect l="11451" t="29770" r="8580" b="30536"/>
+          <a:stretch/>
+        </p:blipFill>
+        <p:spPr>
+          <a:xfrm>
+            <a:off x="5105250" y="400217"/>
+            <a:ext cx="5738423" cy="2848665"/>
+          </a:xfrm>
+          <a:prstGeom prst="rect">
+            <a:avLst/>
+          </a:prstGeom>
+          <a:noFill/>
+          <a:ln>
+            <a:noFill/>
+          </a:ln>
+        </p:spPr>
+      </p:pic>
+    </p:spTree>
+  </p:cSld>
+  <p:clrMapOvr>
+    <a:masterClrMapping/>
+  </p:clrMapOvr>
+</p:sld>
+</file>
+
+<file path=ppt/slides/slide11.xml><?xml version="1.0" encoding="utf-8"?>
+<p:sld xmlns:a="http://schemas.openxmlformats.org/drawingml/2006/main" xmlns:r="http://schemas.openxmlformats.org/officeDocument/2006/relationships" xmlns:p="http://schemas.openxmlformats.org/presentationml/2006/main">
+  <p:cSld>
+    <p:spTree>
+      <p:nvGrpSpPr>
+        <p:cNvPr id="1" name="Shape 66"/>
+        <p:cNvGrpSpPr/>
+        <p:nvPr/>
+      </p:nvGrpSpPr>
+      <p:grpSpPr>
+        <a:xfrm>
+          <a:off x="0" y="0"/>
+          <a:ext cx="0" cy="0"/>
+          <a:chOff x="0" y="0"/>
+          <a:chExt cx="0" cy="0"/>
+        </a:xfrm>
+      </p:grpSpPr>
+      <p:pic>
+        <p:nvPicPr>
+          <p:cNvPr id="67" name="Google Shape;67;p15"/>
+          <p:cNvPicPr preferRelativeResize="0"/>
+          <p:nvPr/>
+        </p:nvPicPr>
+        <p:blipFill rotWithShape="1">
+          <a:blip r:embed="rId3">
+            <a:alphaModFix/>
+          </a:blip>
+          <a:srcRect t="864" b="864"/>
+          <a:stretch/>
+        </p:blipFill>
+        <p:spPr>
+          <a:xfrm>
+            <a:off x="1384351" y="3750149"/>
+            <a:ext cx="3473467" cy="2924587"/>
+          </a:xfrm>
+          <a:prstGeom prst="rect">
+            <a:avLst/>
+          </a:prstGeom>
+          <a:noFill/>
+          <a:ln>
+            <a:noFill/>
+          </a:ln>
+        </p:spPr>
+      </p:pic>
+      <p:pic>
+        <p:nvPicPr>
+          <p:cNvPr id="68" name="Google Shape;68;p15"/>
+          <p:cNvPicPr preferRelativeResize="0"/>
+          <p:nvPr/>
+        </p:nvPicPr>
+        <p:blipFill rotWithShape="1">
+          <a:blip r:embed="rId4">
+            <a:alphaModFix/>
+          </a:blip>
+          <a:srcRect l="12091" t="29568" r="9495" b="30769"/>
+          <a:stretch/>
+        </p:blipFill>
+        <p:spPr>
+          <a:xfrm>
+            <a:off x="5103534" y="3760279"/>
+            <a:ext cx="5741868" cy="2904304"/>
+          </a:xfrm>
+          <a:prstGeom prst="rect">
+            <a:avLst/>
+          </a:prstGeom>
+          <a:noFill/>
+          <a:ln>
+            <a:noFill/>
+          </a:ln>
+        </p:spPr>
+      </p:pic>
+      <p:pic>
+        <p:nvPicPr>
+          <p:cNvPr id="69" name="Google Shape;69;p15"/>
+          <p:cNvPicPr preferRelativeResize="0"/>
+          <p:nvPr/>
+        </p:nvPicPr>
+        <p:blipFill rotWithShape="1">
+          <a:blip r:embed="rId5">
+            <a:alphaModFix/>
+          </a:blip>
+          <a:srcRect/>
+          <a:stretch/>
+        </p:blipFill>
+        <p:spPr>
+          <a:xfrm>
+            <a:off x="1346632" y="301017"/>
+            <a:ext cx="3548897" cy="3049433"/>
+          </a:xfrm>
+          <a:prstGeom prst="rect">
+            <a:avLst/>
+          </a:prstGeom>
+          <a:noFill/>
+          <a:ln>
+            <a:noFill/>
+          </a:ln>
+        </p:spPr>
+      </p:pic>
+      <p:pic>
+        <p:nvPicPr>
+          <p:cNvPr id="70" name="Google Shape;70;p15"/>
+          <p:cNvPicPr preferRelativeResize="0"/>
+          <p:nvPr/>
+        </p:nvPicPr>
+        <p:blipFill rotWithShape="1">
+          <a:blip r:embed="rId6">
+            <a:alphaModFix/>
+          </a:blip>
+          <a:srcRect l="11723" t="30220" r="10169" b="30789"/>
+          <a:stretch/>
+        </p:blipFill>
+        <p:spPr>
+          <a:xfrm>
+            <a:off x="5103518" y="484234"/>
+            <a:ext cx="5741881" cy="2866233"/>
+          </a:xfrm>
+          <a:prstGeom prst="rect">
+            <a:avLst/>
+          </a:prstGeom>
+          <a:noFill/>
+          <a:ln>
+            <a:noFill/>
+          </a:ln>
+        </p:spPr>
+      </p:pic>
+    </p:spTree>
+  </p:cSld>
+  <p:clrMapOvr>
+    <a:masterClrMapping/>
+  </p:clrMapOvr>
+</p:sld>
+</file>
+
+<file path=ppt/slides/slide12.xml><?xml version="1.0" encoding="utf-8"?>
+<p:sld xmlns:a="http://schemas.openxmlformats.org/drawingml/2006/main" xmlns:r="http://schemas.openxmlformats.org/officeDocument/2006/relationships" xmlns:p="http://schemas.openxmlformats.org/presentationml/2006/main">
+  <p:cSld>
+    <p:spTree>
+      <p:nvGrpSpPr>
+        <p:cNvPr id="1" name="Shape 74"/>
+        <p:cNvGrpSpPr/>
+        <p:nvPr/>
+      </p:nvGrpSpPr>
+      <p:grpSpPr>
+        <a:xfrm>
+          <a:off x="0" y="0"/>
+          <a:ext cx="0" cy="0"/>
+          <a:chOff x="0" y="0"/>
+          <a:chExt cx="0" cy="0"/>
+        </a:xfrm>
+      </p:grpSpPr>
+      <p:pic>
+        <p:nvPicPr>
+          <p:cNvPr id="75" name="Google Shape;75;p16"/>
+          <p:cNvPicPr preferRelativeResize="0"/>
+          <p:nvPr/>
+        </p:nvPicPr>
+        <p:blipFill rotWithShape="1">
+          <a:blip r:embed="rId3">
+            <a:alphaModFix/>
+          </a:blip>
+          <a:srcRect t="1606" b="1606"/>
+          <a:stretch/>
+        </p:blipFill>
+        <p:spPr>
+          <a:xfrm>
+            <a:off x="1384351" y="3750149"/>
+            <a:ext cx="3473467" cy="2924587"/>
+          </a:xfrm>
+          <a:prstGeom prst="rect">
+            <a:avLst/>
+          </a:prstGeom>
+          <a:noFill/>
+          <a:ln>
+            <a:noFill/>
+          </a:ln>
+        </p:spPr>
+      </p:pic>
+      <p:pic>
+        <p:nvPicPr>
+          <p:cNvPr id="76" name="Google Shape;76;p16"/>
+          <p:cNvPicPr preferRelativeResize="0"/>
+          <p:nvPr/>
+        </p:nvPicPr>
+        <p:blipFill rotWithShape="1">
+          <a:blip r:embed="rId4">
+            <a:alphaModFix/>
+          </a:blip>
+          <a:srcRect l="12091" t="29796" r="9495" b="30770"/>
+          <a:stretch/>
+        </p:blipFill>
+        <p:spPr>
+          <a:xfrm>
+            <a:off x="5103533" y="3854485"/>
+            <a:ext cx="5607867" cy="2820248"/>
+          </a:xfrm>
+          <a:prstGeom prst="rect">
+            <a:avLst/>
+          </a:prstGeom>
+          <a:noFill/>
+          <a:ln>
+            <a:noFill/>
+          </a:ln>
+        </p:spPr>
+      </p:pic>
+      <p:pic>
+        <p:nvPicPr>
+          <p:cNvPr id="77" name="Google Shape;77;p16"/>
+          <p:cNvPicPr preferRelativeResize="0"/>
+          <p:nvPr/>
+        </p:nvPicPr>
+        <p:blipFill rotWithShape="1">
+          <a:blip r:embed="rId5">
+            <a:alphaModFix/>
+          </a:blip>
+          <a:srcRect/>
+          <a:stretch/>
+        </p:blipFill>
+        <p:spPr>
+          <a:xfrm>
+            <a:off x="1346632" y="301017"/>
+            <a:ext cx="3548897" cy="3049433"/>
+          </a:xfrm>
+          <a:prstGeom prst="rect">
+            <a:avLst/>
+          </a:prstGeom>
+          <a:noFill/>
+          <a:ln>
+            <a:noFill/>
+          </a:ln>
+        </p:spPr>
+      </p:pic>
+      <p:pic>
+        <p:nvPicPr>
+          <p:cNvPr id="78" name="Google Shape;78;p16"/>
+          <p:cNvPicPr preferRelativeResize="0"/>
+          <p:nvPr/>
+        </p:nvPicPr>
+        <p:blipFill rotWithShape="1">
+          <a:blip r:embed="rId6">
+            <a:alphaModFix/>
+          </a:blip>
+          <a:srcRect l="12090" t="29828" r="9954" b="30510"/>
+          <a:stretch/>
+        </p:blipFill>
+        <p:spPr>
+          <a:xfrm>
+            <a:off x="5103534" y="497334"/>
+            <a:ext cx="5607876" cy="2853132"/>
+          </a:xfrm>
+          <a:prstGeom prst="rect">
+            <a:avLst/>
+          </a:prstGeom>
+          <a:noFill/>
+          <a:ln>
+            <a:noFill/>
+          </a:ln>
+        </p:spPr>
+      </p:pic>
+    </p:spTree>
+  </p:cSld>
+  <p:clrMapOvr>
+    <a:masterClrMapping/>
+  </p:clrMapOvr>
+</p:sld>
+</file>
+
+<file path=ppt/slides/slide13.xml><?xml version="1.0" encoding="utf-8"?>
+<p:sld xmlns:a="http://schemas.openxmlformats.org/drawingml/2006/main" xmlns:r="http://schemas.openxmlformats.org/officeDocument/2006/relationships" xmlns:p="http://schemas.openxmlformats.org/presentationml/2006/main">
+  <p:cSld>
+    <p:spTree>
+      <p:nvGrpSpPr>
+        <p:cNvPr id="1" name="Shape 82"/>
+        <p:cNvGrpSpPr/>
+        <p:nvPr/>
+      </p:nvGrpSpPr>
+      <p:grpSpPr>
+        <a:xfrm>
+          <a:off x="0" y="0"/>
+          <a:ext cx="0" cy="0"/>
+          <a:chOff x="0" y="0"/>
+          <a:chExt cx="0" cy="0"/>
+        </a:xfrm>
+      </p:grpSpPr>
+      <p:pic>
+        <p:nvPicPr>
+          <p:cNvPr id="83" name="Google Shape;83;p17"/>
+          <p:cNvPicPr preferRelativeResize="0"/>
+          <p:nvPr/>
+        </p:nvPicPr>
+        <p:blipFill rotWithShape="1">
+          <a:blip r:embed="rId3">
+            <a:alphaModFix/>
+          </a:blip>
+          <a:srcRect t="738" b="738"/>
+          <a:stretch/>
+        </p:blipFill>
+        <p:spPr>
+          <a:xfrm>
+            <a:off x="1384351" y="3750149"/>
+            <a:ext cx="3473467" cy="2924587"/>
+          </a:xfrm>
+          <a:prstGeom prst="rect">
+            <a:avLst/>
+          </a:prstGeom>
+          <a:noFill/>
+          <a:ln>
+            <a:noFill/>
+          </a:ln>
+        </p:spPr>
+      </p:pic>
+      <p:pic>
+        <p:nvPicPr>
+          <p:cNvPr id="84" name="Google Shape;84;p17"/>
+          <p:cNvPicPr preferRelativeResize="0"/>
+          <p:nvPr/>
+        </p:nvPicPr>
+        <p:blipFill rotWithShape="1">
+          <a:blip r:embed="rId4">
+            <a:alphaModFix/>
+          </a:blip>
+          <a:srcRect l="11915" t="29867" r="9898" b="30223"/>
+          <a:stretch/>
+        </p:blipFill>
+        <p:spPr>
+          <a:xfrm>
+            <a:off x="5107300" y="3750133"/>
+            <a:ext cx="5729469" cy="2924600"/>
+          </a:xfrm>
+          <a:prstGeom prst="rect">
+            <a:avLst/>
+          </a:prstGeom>
+          <a:noFill/>
+          <a:ln>
+            <a:noFill/>
+          </a:ln>
+        </p:spPr>
+      </p:pic>
+      <p:pic>
+        <p:nvPicPr>
+          <p:cNvPr id="85" name="Google Shape;85;p17"/>
+          <p:cNvPicPr preferRelativeResize="0"/>
+          <p:nvPr/>
+        </p:nvPicPr>
+        <p:blipFill rotWithShape="1">
+          <a:blip r:embed="rId5">
+            <a:alphaModFix/>
+          </a:blip>
+          <a:srcRect t="864" b="864"/>
+          <a:stretch/>
+        </p:blipFill>
+        <p:spPr>
+          <a:xfrm>
+            <a:off x="1346632" y="301017"/>
+            <a:ext cx="3548897" cy="3049433"/>
+          </a:xfrm>
+          <a:prstGeom prst="rect">
+            <a:avLst/>
+          </a:prstGeom>
+          <a:noFill/>
+          <a:ln>
+            <a:noFill/>
+          </a:ln>
+        </p:spPr>
+      </p:pic>
+      <p:pic>
+        <p:nvPicPr>
+          <p:cNvPr id="86" name="Google Shape;86;p17"/>
+          <p:cNvPicPr preferRelativeResize="0"/>
+          <p:nvPr/>
+        </p:nvPicPr>
+        <p:blipFill rotWithShape="1">
+          <a:blip r:embed="rId6">
+            <a:alphaModFix/>
+          </a:blip>
+          <a:srcRect l="12384" t="29933" r="9429" b="30623"/>
+          <a:stretch/>
+        </p:blipFill>
+        <p:spPr>
+          <a:xfrm>
+            <a:off x="5103534" y="382667"/>
+            <a:ext cx="5797279" cy="2924600"/>
+          </a:xfrm>
+          <a:prstGeom prst="rect">
+            <a:avLst/>
+          </a:prstGeom>
+          <a:noFill/>
+          <a:ln>
+            <a:noFill/>
+          </a:ln>
+        </p:spPr>
+      </p:pic>
+    </p:spTree>
+  </p:cSld>
+  <p:clrMapOvr>
+    <a:masterClrMapping/>
+  </p:clrMapOvr>
+</p:sld>
+</file>
+
+<file path=ppt/slides/slide14.xml><?xml version="1.0" encoding="utf-8"?>
+<p:sld xmlns:a="http://schemas.openxmlformats.org/drawingml/2006/main" xmlns:r="http://schemas.openxmlformats.org/officeDocument/2006/relationships" xmlns:p="http://schemas.openxmlformats.org/presentationml/2006/main">
+  <p:cSld>
+    <p:spTree>
+      <p:nvGrpSpPr>
+        <p:cNvPr id="1" name="Shape 90"/>
+        <p:cNvGrpSpPr/>
+        <p:nvPr/>
+      </p:nvGrpSpPr>
+      <p:grpSpPr>
+        <a:xfrm>
+          <a:off x="0" y="0"/>
+          <a:ext cx="0" cy="0"/>
+          <a:chOff x="0" y="0"/>
+          <a:chExt cx="0" cy="0"/>
+        </a:xfrm>
+      </p:grpSpPr>
+      <p:pic>
+        <p:nvPicPr>
+          <p:cNvPr id="91" name="Google Shape;91;p18"/>
+          <p:cNvPicPr preferRelativeResize="0"/>
+          <p:nvPr/>
+        </p:nvPicPr>
+        <p:blipFill rotWithShape="1">
+          <a:blip r:embed="rId3">
+            <a:alphaModFix/>
+          </a:blip>
+          <a:srcRect t="864" b="864"/>
+          <a:stretch/>
+        </p:blipFill>
+        <p:spPr>
+          <a:xfrm>
+            <a:off x="1384351" y="3750149"/>
+            <a:ext cx="3473467" cy="2924587"/>
+          </a:xfrm>
+          <a:prstGeom prst="rect">
+            <a:avLst/>
+          </a:prstGeom>
+          <a:noFill/>
+          <a:ln>
+            <a:noFill/>
+          </a:ln>
+        </p:spPr>
+      </p:pic>
+      <p:pic>
+        <p:nvPicPr>
+          <p:cNvPr id="92" name="Google Shape;92;p18"/>
+          <p:cNvPicPr preferRelativeResize="0"/>
+          <p:nvPr/>
+        </p:nvPicPr>
+        <p:blipFill rotWithShape="1">
+          <a:blip r:embed="rId4">
+            <a:alphaModFix/>
+          </a:blip>
+          <a:srcRect l="12050" t="29838" r="9598" b="30414"/>
+          <a:stretch/>
+        </p:blipFill>
+        <p:spPr>
+          <a:xfrm>
+            <a:off x="5169667" y="3818600"/>
+            <a:ext cx="5695776" cy="2889400"/>
+          </a:xfrm>
+          <a:prstGeom prst="rect">
+            <a:avLst/>
+          </a:prstGeom>
+          <a:noFill/>
+          <a:ln>
+            <a:noFill/>
+          </a:ln>
+        </p:spPr>
+      </p:pic>
+      <p:pic>
+        <p:nvPicPr>
+          <p:cNvPr id="93" name="Google Shape;93;p18"/>
+          <p:cNvPicPr preferRelativeResize="0"/>
+          <p:nvPr/>
+        </p:nvPicPr>
+        <p:blipFill rotWithShape="1">
+          <a:blip r:embed="rId5">
+            <a:alphaModFix/>
+          </a:blip>
+          <a:srcRect/>
+          <a:stretch/>
+        </p:blipFill>
+        <p:spPr>
+          <a:xfrm>
+            <a:off x="1346632" y="301017"/>
+            <a:ext cx="3548897" cy="3049433"/>
+          </a:xfrm>
+          <a:prstGeom prst="rect">
+            <a:avLst/>
+          </a:prstGeom>
+          <a:noFill/>
+          <a:ln>
+            <a:noFill/>
+          </a:ln>
+        </p:spPr>
+      </p:pic>
+      <p:pic>
+        <p:nvPicPr>
+          <p:cNvPr id="94" name="Google Shape;94;p18"/>
+          <p:cNvPicPr preferRelativeResize="0"/>
+          <p:nvPr/>
+        </p:nvPicPr>
+        <p:blipFill rotWithShape="1">
+          <a:blip r:embed="rId6">
+            <a:alphaModFix/>
+          </a:blip>
+          <a:srcRect l="12204" t="29685" r="9005" b="30579"/>
+          <a:stretch/>
+        </p:blipFill>
+        <p:spPr>
+          <a:xfrm>
+            <a:off x="5115433" y="334767"/>
+            <a:ext cx="5729467" cy="2889407"/>
+          </a:xfrm>
+          <a:prstGeom prst="rect">
+            <a:avLst/>
+          </a:prstGeom>
+          <a:noFill/>
+          <a:ln>
+            <a:noFill/>
+          </a:ln>
+        </p:spPr>
+      </p:pic>
+    </p:spTree>
+  </p:cSld>
+  <p:clrMapOvr>
+    <a:masterClrMapping/>
+  </p:clrMapOvr>
+</p:sld>
+</file>
+
+<file path=ppt/slides/slide15.xml><?xml version="1.0" encoding="utf-8"?>
+<p:sld xmlns:a="http://schemas.openxmlformats.org/drawingml/2006/main" xmlns:r="http://schemas.openxmlformats.org/officeDocument/2006/relationships" xmlns:p="http://schemas.openxmlformats.org/presentationml/2006/main">
+  <p:cSld>
+    <p:spTree>
+      <p:nvGrpSpPr>
+        <p:cNvPr id="1" name="Shape 98"/>
+        <p:cNvGrpSpPr/>
+        <p:nvPr/>
+      </p:nvGrpSpPr>
+      <p:grpSpPr>
+        <a:xfrm>
+          <a:off x="0" y="0"/>
+          <a:ext cx="0" cy="0"/>
+          <a:chOff x="0" y="0"/>
+          <a:chExt cx="0" cy="0"/>
+        </a:xfrm>
+      </p:grpSpPr>
+      <p:sp>
+        <p:nvSpPr>
+          <p:cNvPr id="99" name="Google Shape;99;p19"/>
+          <p:cNvSpPr txBox="1"/>
+          <p:nvPr/>
+        </p:nvSpPr>
+        <p:spPr>
+          <a:xfrm>
+            <a:off x="1475874" y="962000"/>
+            <a:ext cx="8245200" cy="4934000"/>
+          </a:xfrm>
+          <a:prstGeom prst="rect">
+            <a:avLst/>
+          </a:prstGeom>
+          <a:noFill/>
+          <a:ln>
+            <a:noFill/>
+          </a:ln>
+        </p:spPr>
+        <p:txBody>
+          <a:bodyPr spcFirstLastPara="1" wrap="square" lIns="121900" tIns="121900" rIns="121900" bIns="121900" anchor="t" anchorCtr="0">
+            <a:noAutofit/>
+          </a:bodyPr>
+          <a:lstStyle/>
+          <a:p>
+            <a:r>
+              <a:rPr lang="en" sz="2400" dirty="0">
+                <a:solidFill>
+                  <a:schemeClr val="dk1"/>
+                </a:solidFill>
+              </a:rPr>
+              <a:t>Post Mortem</a:t>
+            </a:r>
+            <a:endParaRPr sz="2400" dirty="0">
+              <a:solidFill>
+                <a:schemeClr val="dk1"/>
+              </a:solidFill>
+            </a:endParaRPr>
+          </a:p>
+          <a:p>
+            <a:r>
+              <a:rPr lang="en" sz="2400" dirty="0">
+                <a:solidFill>
+                  <a:schemeClr val="dk1"/>
+                </a:solidFill>
+              </a:rPr>
+              <a:t>Complications of language processing.</a:t>
+            </a:r>
+            <a:endParaRPr sz="2400" dirty="0">
+              <a:solidFill>
+                <a:schemeClr val="dk1"/>
+              </a:solidFill>
+            </a:endParaRPr>
+          </a:p>
+          <a:p>
+            <a:pPr marL="609585" indent="-423323">
+              <a:buClr>
+                <a:schemeClr val="dk1"/>
+              </a:buClr>
+              <a:buSzPts val="1400"/>
+              <a:buChar char="●"/>
+            </a:pPr>
+            <a:r>
+              <a:rPr lang="en" sz="2400" dirty="0">
+                <a:solidFill>
+                  <a:schemeClr val="dk1"/>
+                </a:solidFill>
+              </a:rPr>
+              <a:t>A lot of human language processing is implicit.</a:t>
+            </a:r>
+            <a:endParaRPr sz="2400" dirty="0">
+              <a:solidFill>
+                <a:schemeClr val="dk1"/>
+              </a:solidFill>
+            </a:endParaRPr>
+          </a:p>
+          <a:p>
+            <a:pPr marL="609585" indent="-423323">
+              <a:buClr>
+                <a:schemeClr val="dk1"/>
+              </a:buClr>
+              <a:buSzPts val="1400"/>
+              <a:buChar char="●"/>
+            </a:pPr>
+            <a:r>
+              <a:rPr lang="en" sz="2400" dirty="0">
+                <a:solidFill>
+                  <a:schemeClr val="dk1"/>
+                </a:solidFill>
+              </a:rPr>
+              <a:t>Computers and code are explicit to a fault. The language will be processed exactly as you spec the code.</a:t>
+            </a:r>
+            <a:endParaRPr sz="2400" dirty="0">
+              <a:solidFill>
+                <a:schemeClr val="dk1"/>
+              </a:solidFill>
+            </a:endParaRPr>
+          </a:p>
+          <a:p>
+            <a:endParaRPr sz="2400" dirty="0">
+              <a:solidFill>
+                <a:schemeClr val="dk1"/>
+              </a:solidFill>
+            </a:endParaRPr>
+          </a:p>
+          <a:p>
+            <a:r>
+              <a:rPr lang="en" sz="2400" dirty="0">
+                <a:solidFill>
+                  <a:schemeClr val="dk1"/>
+                </a:solidFill>
+              </a:rPr>
+              <a:t>I wish I had time for:</a:t>
+            </a:r>
+            <a:endParaRPr sz="2400" dirty="0">
+              <a:solidFill>
+                <a:schemeClr val="dk1"/>
+              </a:solidFill>
+            </a:endParaRPr>
+          </a:p>
+          <a:p>
+            <a:pPr marL="609585" indent="-423323">
+              <a:buClr>
+                <a:schemeClr val="dk1"/>
+              </a:buClr>
+              <a:buSzPts val="1400"/>
+              <a:buChar char="●"/>
+            </a:pPr>
+            <a:r>
+              <a:rPr lang="en" sz="2400" dirty="0">
+                <a:solidFill>
+                  <a:schemeClr val="dk1"/>
+                </a:solidFill>
+              </a:rPr>
+              <a:t>Language processing in context</a:t>
+            </a:r>
+            <a:endParaRPr sz="2400" dirty="0">
+              <a:solidFill>
+                <a:schemeClr val="dk1"/>
+              </a:solidFill>
+            </a:endParaRPr>
+          </a:p>
+          <a:p>
+            <a:pPr marL="609585" indent="-423323">
+              <a:buClr>
+                <a:schemeClr val="dk1"/>
+              </a:buClr>
+              <a:buSzPts val="1400"/>
+              <a:buChar char="●"/>
+            </a:pPr>
+            <a:r>
+              <a:rPr lang="en" sz="2400" dirty="0">
+                <a:solidFill>
+                  <a:schemeClr val="dk1"/>
+                </a:solidFill>
+              </a:rPr>
+              <a:t>Language processing of root words</a:t>
+            </a:r>
+            <a:endParaRPr sz="2400" dirty="0">
+              <a:solidFill>
+                <a:schemeClr val="dk1"/>
+              </a:solidFill>
+            </a:endParaRPr>
+          </a:p>
+          <a:p>
+            <a:pPr marL="609585" indent="-423323">
+              <a:buClr>
+                <a:schemeClr val="dk1"/>
+              </a:buClr>
+              <a:buSzPts val="1400"/>
+              <a:buChar char="●"/>
+            </a:pPr>
+            <a:r>
+              <a:rPr lang="en" sz="2400" dirty="0">
+                <a:solidFill>
+                  <a:schemeClr val="dk1"/>
+                </a:solidFill>
+              </a:rPr>
+              <a:t>Language processing of positive and negative affects</a:t>
+            </a:r>
+            <a:endParaRPr sz="2400" dirty="0">
+              <a:solidFill>
+                <a:schemeClr val="dk1"/>
+              </a:solidFill>
+            </a:endParaRPr>
+          </a:p>
+        </p:txBody>
+      </p:sp>
+    </p:spTree>
+  </p:cSld>
+  <p:clrMapOvr>
+    <a:masterClrMapping/>
+  </p:clrMapOvr>
+</p:sld>
+</file>
+
+<file path=ppt/slides/slide16.xml><?xml version="1.0" encoding="utf-8"?>
 <p:sld xmlns:a="http://schemas.openxmlformats.org/drawingml/2006/main" xmlns:r="http://schemas.openxmlformats.org/officeDocument/2006/relationships" xmlns:p="http://schemas.openxmlformats.org/presentationml/2006/main">
   <p:cSld>
     <p:spTree>
@@ -3882,10 +6575,10 @@
       </p:grpSpPr>
       <p:sp>
         <p:nvSpPr>
-          <p:cNvPr id="2" name="Title 1">
+          <p:cNvPr id="5" name="Title 4">
             <a:extLst>
               <a:ext uri="{FF2B5EF4-FFF2-40B4-BE49-F238E27FC236}">
-                <a16:creationId xmlns:a16="http://schemas.microsoft.com/office/drawing/2014/main" id="{1691866F-B27C-45D7-BE32-80B2E710B801}"/>
+                <a16:creationId xmlns:a16="http://schemas.microsoft.com/office/drawing/2014/main" id="{FD5A48A2-0346-49B3-A07A-A351AB6661EF}"/>
               </a:ext>
             </a:extLst>
           </p:cNvPr>
@@ -3903,17 +6596,17 @@
           <a:p>
             <a:r>
               <a:rPr lang="en-US" dirty="0"/>
-              <a:t>Core Idea: Analysis of employee reviews within the “Big 5”. </a:t>
-            </a:r>
-          </a:p>
-        </p:txBody>
-      </p:sp>
-      <p:sp>
-        <p:nvSpPr>
-          <p:cNvPr id="3" name="Content Placeholder 2">
+              <a:t>Do unemployment rates have an impact on overall job ratings? </a:t>
+            </a:r>
+          </a:p>
+        </p:txBody>
+      </p:sp>
+      <p:sp>
+        <p:nvSpPr>
+          <p:cNvPr id="6" name="Text Placeholder 5">
             <a:extLst>
               <a:ext uri="{FF2B5EF4-FFF2-40B4-BE49-F238E27FC236}">
-                <a16:creationId xmlns:a16="http://schemas.microsoft.com/office/drawing/2014/main" id="{F8C807DA-84D6-4C16-A4C7-4CBE5A913765}"/>
+                <a16:creationId xmlns:a16="http://schemas.microsoft.com/office/drawing/2014/main" id="{FAAF3AFA-2A40-4932-970D-2FFC2455D92F}"/>
               </a:ext>
             </a:extLst>
           </p:cNvPr>
@@ -3921,105 +6614,22 @@
             <a:spLocks noGrp="1"/>
           </p:cNvSpPr>
           <p:nvPr>
-            <p:ph idx="1"/>
+            <p:ph type="body" idx="1"/>
           </p:nvPr>
         </p:nvSpPr>
         <p:spPr/>
         <p:txBody>
-          <a:bodyPr>
-            <a:normAutofit/>
-          </a:bodyPr>
-          <a:lstStyle/>
-          <a:p>
-            <a:pPr lvl="1"/>
-            <a:r>
-              <a:rPr lang="en-US" dirty="0"/>
-              <a:t>Which of the subcategories impacted the overall rating the most? </a:t>
-            </a:r>
-          </a:p>
-          <a:p>
-            <a:pPr lvl="2"/>
-            <a:r>
-              <a:rPr lang="en-US" dirty="0"/>
-              <a:t>Reason: In order to find which factor effected the overall rating the most?</a:t>
-            </a:r>
-          </a:p>
-          <a:p>
-            <a:pPr lvl="2"/>
-            <a:r>
-              <a:rPr lang="en-US" dirty="0"/>
-              <a:t>Result: </a:t>
-            </a:r>
-          </a:p>
-          <a:p>
-            <a:pPr lvl="1"/>
-            <a:r>
-              <a:rPr lang="en-US" dirty="0"/>
-              <a:t>Are there were any common themes in what people like about their jobs? </a:t>
-            </a:r>
-          </a:p>
-          <a:p>
-            <a:pPr lvl="2"/>
-            <a:r>
-              <a:rPr lang="en-US" dirty="0"/>
-              <a:t>Reason: What do people like and dislike about their jobs based on written reviews? </a:t>
-            </a:r>
-          </a:p>
-          <a:p>
-            <a:pPr lvl="2"/>
-            <a:r>
-              <a:rPr lang="en-US" dirty="0"/>
-              <a:t>Result:</a:t>
-            </a:r>
-          </a:p>
-          <a:p>
-            <a:pPr lvl="1"/>
-            <a:r>
-              <a:rPr lang="en-US" dirty="0"/>
-              <a:t>Do unemployment rates have an impact on overall job ratings? </a:t>
-            </a:r>
-          </a:p>
-          <a:p>
-            <a:pPr lvl="2"/>
-            <a:r>
-              <a:rPr lang="en-US" dirty="0"/>
-              <a:t>Reason: Are people happier with their jobs when more people are unemployed?</a:t>
-            </a:r>
-          </a:p>
-          <a:p>
-            <a:pPr lvl="2"/>
-            <a:r>
-              <a:rPr lang="en-US" dirty="0"/>
-              <a:t>Result: Yes, people rate their jobs more poorly when unemployment rates are high.</a:t>
-            </a:r>
-          </a:p>
-          <a:p>
-            <a:pPr lvl="1"/>
-            <a:r>
-              <a:rPr lang="en-US" dirty="0"/>
-              <a:t>Does company success have an impact on employee satisfaction? </a:t>
-            </a:r>
-          </a:p>
-          <a:p>
-            <a:pPr lvl="2"/>
-            <a:r>
-              <a:rPr lang="en-US" dirty="0"/>
-              <a:t>Reason: do successful companies attract (or create) happier employees?</a:t>
-            </a:r>
-          </a:p>
-          <a:p>
-            <a:pPr lvl="2"/>
-            <a:r>
-              <a:rPr lang="en-US" dirty="0"/>
-              <a:t>Result:</a:t>
-            </a:r>
+          <a:bodyPr/>
+          <a:lstStyle/>
+          <a:p>
+            <a:endParaRPr lang="en-US"/>
           </a:p>
         </p:txBody>
       </p:sp>
     </p:spTree>
     <p:extLst>
       <p:ext uri="{BB962C8B-B14F-4D97-AF65-F5344CB8AC3E}">
-        <p14:creationId xmlns:p14="http://schemas.microsoft.com/office/powerpoint/2010/main" val="411473334"/>
+        <p14:creationId xmlns:p14="http://schemas.microsoft.com/office/powerpoint/2010/main" val="3112904923"/>
       </p:ext>
     </p:extLst>
   </p:cSld>
@@ -4029,7 +6639,7 @@
 </p:sld>
 </file>
 
-<file path=ppt/slides/slide3.xml><?xml version="1.0" encoding="utf-8"?>
+<file path=ppt/slides/slide17.xml><?xml version="1.0" encoding="utf-8"?>
 <p:sld xmlns:a="http://schemas.openxmlformats.org/drawingml/2006/main" xmlns:r="http://schemas.openxmlformats.org/officeDocument/2006/relationships" xmlns:p="http://schemas.openxmlformats.org/presentationml/2006/main">
   <p:cSld>
     <p:spTree>
@@ -4215,7 +6825,7 @@
 </p:sld>
 </file>
 
-<file path=ppt/slides/slide4.xml><?xml version="1.0" encoding="utf-8"?>
+<file path=ppt/slides/slide18.xml><?xml version="1.0" encoding="utf-8"?>
 <p:sld xmlns:a="http://schemas.openxmlformats.org/drawingml/2006/main" xmlns:r="http://schemas.openxmlformats.org/officeDocument/2006/relationships" xmlns:p="http://schemas.openxmlformats.org/presentationml/2006/main">
   <p:cSld>
     <p:spTree>
@@ -4255,7 +6865,7 @@
           <a:p>
             <a:r>
               <a:rPr lang="en-US" dirty="0"/>
-              <a:t>Unemployment Data Analysis</a:t>
+              <a:t>Data Analysis</a:t>
             </a:r>
           </a:p>
         </p:txBody>
@@ -4320,7 +6930,7 @@
         </p:blipFill>
         <p:spPr>
           <a:xfrm>
-            <a:off x="3352175" y="2545006"/>
+            <a:off x="3352175" y="3019568"/>
             <a:ext cx="5487650" cy="3658433"/>
           </a:xfrm>
           <a:prstGeom prst="rect">
@@ -4341,7 +6951,7 @@
 </p:sld>
 </file>
 
-<file path=ppt/slides/slide5.xml><?xml version="1.0" encoding="utf-8"?>
+<file path=ppt/slides/slide19.xml><?xml version="1.0" encoding="utf-8"?>
 <p:sld xmlns:a="http://schemas.openxmlformats.org/drawingml/2006/main" xmlns:r="http://schemas.openxmlformats.org/officeDocument/2006/relationships" xmlns:p="http://schemas.openxmlformats.org/presentationml/2006/main">
   <p:cSld>
     <p:spTree>
@@ -4376,7 +6986,7 @@
         </p:nvSpPr>
         <p:spPr>
           <a:xfrm>
-            <a:off x="273978" y="216083"/>
+            <a:off x="1005839" y="201021"/>
             <a:ext cx="10058400" cy="922467"/>
           </a:xfrm>
         </p:spPr>
@@ -4386,7 +6996,7 @@
           <a:p>
             <a:r>
               <a:rPr lang="en-US" dirty="0"/>
-              <a:t>Unemployment Discussion</a:t>
+              <a:t>Discussion</a:t>
             </a:r>
           </a:p>
         </p:txBody>
@@ -4415,7 +7025,7 @@
         </p:spPr>
         <p:txBody>
           <a:bodyPr>
-            <a:normAutofit fontScale="77500" lnSpcReduction="20000"/>
+            <a:normAutofit fontScale="92500" lnSpcReduction="10000"/>
           </a:bodyPr>
           <a:lstStyle/>
           <a:p>
@@ -4457,7 +7067,7 @@
         </p:spPr>
         <p:txBody>
           <a:bodyPr>
-            <a:normAutofit fontScale="77500" lnSpcReduction="20000"/>
+            <a:normAutofit fontScale="92500" lnSpcReduction="10000"/>
           </a:bodyPr>
           <a:lstStyle/>
           <a:p>
@@ -4586,6 +7196,2214 @@
 </p:sld>
 </file>
 
+<file path=ppt/slides/slide2.xml><?xml version="1.0" encoding="utf-8"?>
+<p:sld xmlns:a="http://schemas.openxmlformats.org/drawingml/2006/main" xmlns:r="http://schemas.openxmlformats.org/officeDocument/2006/relationships" xmlns:p="http://schemas.openxmlformats.org/presentationml/2006/main">
+  <p:cSld>
+    <p:spTree>
+      <p:nvGrpSpPr>
+        <p:cNvPr id="1" name=""/>
+        <p:cNvGrpSpPr/>
+        <p:nvPr/>
+      </p:nvGrpSpPr>
+      <p:grpSpPr>
+        <a:xfrm>
+          <a:off x="0" y="0"/>
+          <a:ext cx="0" cy="0"/>
+          <a:chOff x="0" y="0"/>
+          <a:chExt cx="0" cy="0"/>
+        </a:xfrm>
+      </p:grpSpPr>
+      <p:sp>
+        <p:nvSpPr>
+          <p:cNvPr id="2" name="Title 1">
+            <a:extLst>
+              <a:ext uri="{FF2B5EF4-FFF2-40B4-BE49-F238E27FC236}">
+                <a16:creationId xmlns:a16="http://schemas.microsoft.com/office/drawing/2014/main" id="{1691866F-B27C-45D7-BE32-80B2E710B801}"/>
+              </a:ext>
+            </a:extLst>
+          </p:cNvPr>
+          <p:cNvSpPr>
+            <a:spLocks noGrp="1"/>
+          </p:cNvSpPr>
+          <p:nvPr>
+            <p:ph type="title"/>
+          </p:nvPr>
+        </p:nvSpPr>
+        <p:spPr/>
+        <p:txBody>
+          <a:bodyPr/>
+          <a:lstStyle/>
+          <a:p>
+            <a:r>
+              <a:rPr lang="en-US" dirty="0"/>
+              <a:t>Core Idea: Analysis of employee reviews within the “Big 5”. </a:t>
+            </a:r>
+          </a:p>
+        </p:txBody>
+      </p:sp>
+      <p:sp>
+        <p:nvSpPr>
+          <p:cNvPr id="3" name="Content Placeholder 2">
+            <a:extLst>
+              <a:ext uri="{FF2B5EF4-FFF2-40B4-BE49-F238E27FC236}">
+                <a16:creationId xmlns:a16="http://schemas.microsoft.com/office/drawing/2014/main" id="{F8C807DA-84D6-4C16-A4C7-4CBE5A913765}"/>
+              </a:ext>
+            </a:extLst>
+          </p:cNvPr>
+          <p:cNvSpPr>
+            <a:spLocks noGrp="1"/>
+          </p:cNvSpPr>
+          <p:nvPr>
+            <p:ph idx="1"/>
+          </p:nvPr>
+        </p:nvSpPr>
+        <p:spPr/>
+        <p:txBody>
+          <a:bodyPr>
+            <a:normAutofit/>
+          </a:bodyPr>
+          <a:lstStyle/>
+          <a:p>
+            <a:pPr lvl="1"/>
+            <a:r>
+              <a:rPr lang="en-US" dirty="0"/>
+              <a:t>Which of the subcategories impacted the overall rating the most? </a:t>
+            </a:r>
+          </a:p>
+          <a:p>
+            <a:pPr lvl="2"/>
+            <a:r>
+              <a:rPr lang="en-US" dirty="0"/>
+              <a:t>Reason: In order to find which factor effected the overall rating the most?</a:t>
+            </a:r>
+          </a:p>
+          <a:p>
+            <a:pPr lvl="2"/>
+            <a:r>
+              <a:rPr lang="en-US" dirty="0"/>
+              <a:t>Result: Culture had the biggest impact.</a:t>
+            </a:r>
+          </a:p>
+          <a:p>
+            <a:pPr lvl="1"/>
+            <a:r>
+              <a:rPr lang="en-US" dirty="0"/>
+              <a:t>Are there were any common themes in what people like about their jobs? </a:t>
+            </a:r>
+          </a:p>
+          <a:p>
+            <a:pPr lvl="2"/>
+            <a:r>
+              <a:rPr lang="en-US" dirty="0"/>
+              <a:t>Reason: What do people like and dislike about their jobs based on written reviews? </a:t>
+            </a:r>
+          </a:p>
+          <a:p>
+            <a:pPr lvl="2"/>
+            <a:r>
+              <a:rPr lang="en-US" dirty="0"/>
+              <a:t>Result: Management, Work-Life Balance, and benefits are common themes.</a:t>
+            </a:r>
+          </a:p>
+          <a:p>
+            <a:pPr lvl="1"/>
+            <a:r>
+              <a:rPr lang="en-US" dirty="0"/>
+              <a:t>Do unemployment rates have an impact on overall job ratings? </a:t>
+            </a:r>
+          </a:p>
+          <a:p>
+            <a:pPr lvl="2"/>
+            <a:r>
+              <a:rPr lang="en-US" dirty="0"/>
+              <a:t>Reason: Are people happier with their jobs when more people are unemployed?</a:t>
+            </a:r>
+          </a:p>
+          <a:p>
+            <a:pPr lvl="2"/>
+            <a:r>
+              <a:rPr lang="en-US" dirty="0"/>
+              <a:t>Result: Yes, people rate their jobs more poorly when unemployment rates are high.</a:t>
+            </a:r>
+          </a:p>
+          <a:p>
+            <a:pPr lvl="1"/>
+            <a:r>
+              <a:rPr lang="en-US" dirty="0"/>
+              <a:t>Does company success have an impact on employee satisfaction? </a:t>
+            </a:r>
+          </a:p>
+          <a:p>
+            <a:pPr lvl="2"/>
+            <a:r>
+              <a:rPr lang="en-US" dirty="0"/>
+              <a:t>Reason: do successful companies attract (or create) happier employees?</a:t>
+            </a:r>
+          </a:p>
+          <a:p>
+            <a:pPr lvl="2"/>
+            <a:r>
+              <a:rPr lang="en-US" dirty="0"/>
+              <a:t>Result: There is no impact of company success on employee satisfaction.</a:t>
+            </a:r>
+          </a:p>
+        </p:txBody>
+      </p:sp>
+    </p:spTree>
+    <p:extLst>
+      <p:ext uri="{BB962C8B-B14F-4D97-AF65-F5344CB8AC3E}">
+        <p14:creationId xmlns:p14="http://schemas.microsoft.com/office/powerpoint/2010/main" val="411473334"/>
+      </p:ext>
+    </p:extLst>
+  </p:cSld>
+  <p:clrMapOvr>
+    <a:masterClrMapping/>
+  </p:clrMapOvr>
+</p:sld>
+</file>
+
+<file path=ppt/slides/slide20.xml><?xml version="1.0" encoding="utf-8"?>
+<p:sld xmlns:a="http://schemas.openxmlformats.org/drawingml/2006/main" xmlns:r="http://schemas.openxmlformats.org/officeDocument/2006/relationships" xmlns:p="http://schemas.openxmlformats.org/presentationml/2006/main">
+  <p:cSld>
+    <p:spTree>
+      <p:nvGrpSpPr>
+        <p:cNvPr id="1" name=""/>
+        <p:cNvGrpSpPr/>
+        <p:nvPr/>
+      </p:nvGrpSpPr>
+      <p:grpSpPr>
+        <a:xfrm>
+          <a:off x="0" y="0"/>
+          <a:ext cx="0" cy="0"/>
+          <a:chOff x="0" y="0"/>
+          <a:chExt cx="0" cy="0"/>
+        </a:xfrm>
+      </p:grpSpPr>
+      <p:sp>
+        <p:nvSpPr>
+          <p:cNvPr id="2" name="Title 1">
+            <a:extLst>
+              <a:ext uri="{FF2B5EF4-FFF2-40B4-BE49-F238E27FC236}">
+                <a16:creationId xmlns:a16="http://schemas.microsoft.com/office/drawing/2014/main" id="{CD1335AC-C5F9-426B-BCE7-0979CFE4D240}"/>
+              </a:ext>
+            </a:extLst>
+          </p:cNvPr>
+          <p:cNvSpPr>
+            <a:spLocks noGrp="1"/>
+          </p:cNvSpPr>
+          <p:nvPr>
+            <p:ph type="title"/>
+          </p:nvPr>
+        </p:nvSpPr>
+        <p:spPr/>
+        <p:txBody>
+          <a:bodyPr/>
+          <a:lstStyle/>
+          <a:p>
+            <a:r>
+              <a:rPr lang="en-US" dirty="0"/>
+              <a:t>Post Mortem</a:t>
+            </a:r>
+          </a:p>
+        </p:txBody>
+      </p:sp>
+      <p:sp>
+        <p:nvSpPr>
+          <p:cNvPr id="3" name="Content Placeholder 2">
+            <a:extLst>
+              <a:ext uri="{FF2B5EF4-FFF2-40B4-BE49-F238E27FC236}">
+                <a16:creationId xmlns:a16="http://schemas.microsoft.com/office/drawing/2014/main" id="{5C762817-E564-4865-A606-7EB0E6331E99}"/>
+              </a:ext>
+            </a:extLst>
+          </p:cNvPr>
+          <p:cNvSpPr>
+            <a:spLocks noGrp="1"/>
+          </p:cNvSpPr>
+          <p:nvPr>
+            <p:ph idx="1"/>
+          </p:nvPr>
+        </p:nvSpPr>
+        <p:spPr/>
+        <p:txBody>
+          <a:bodyPr>
+            <a:normAutofit/>
+          </a:bodyPr>
+          <a:lstStyle/>
+          <a:p>
+            <a:r>
+              <a:rPr lang="en-US" dirty="0"/>
+              <a:t>Difficulties:</a:t>
+            </a:r>
+          </a:p>
+          <a:p>
+            <a:pPr lvl="1"/>
+            <a:r>
+              <a:rPr lang="en-US" dirty="0"/>
+              <a:t>Unusual values in the dataset</a:t>
+            </a:r>
+          </a:p>
+          <a:p>
+            <a:pPr lvl="1"/>
+            <a:r>
+              <a:rPr lang="en-US" dirty="0"/>
+              <a:t>BLS API</a:t>
+            </a:r>
+          </a:p>
+          <a:p>
+            <a:r>
+              <a:rPr lang="en-US" dirty="0"/>
+              <a:t>Further Questions:</a:t>
+            </a:r>
+          </a:p>
+          <a:p>
+            <a:pPr lvl="1"/>
+            <a:r>
+              <a:rPr lang="en-US" dirty="0"/>
+              <a:t>Former vs. Current Employees (especially around times of high unemployment)</a:t>
+            </a:r>
+          </a:p>
+          <a:p>
+            <a:pPr lvl="1"/>
+            <a:r>
+              <a:rPr lang="en-US" dirty="0"/>
+              <a:t>More companies around 2009-2010</a:t>
+            </a:r>
+          </a:p>
+          <a:p>
+            <a:pPr lvl="1"/>
+            <a:r>
+              <a:rPr lang="en-US" dirty="0"/>
+              <a:t>Different review sites. </a:t>
+            </a:r>
+          </a:p>
+          <a:p>
+            <a:pPr lvl="1"/>
+            <a:endParaRPr lang="en-US" dirty="0"/>
+          </a:p>
+        </p:txBody>
+      </p:sp>
+    </p:spTree>
+    <p:extLst>
+      <p:ext uri="{BB962C8B-B14F-4D97-AF65-F5344CB8AC3E}">
+        <p14:creationId xmlns:p14="http://schemas.microsoft.com/office/powerpoint/2010/main" val="2033785688"/>
+      </p:ext>
+    </p:extLst>
+  </p:cSld>
+  <p:clrMapOvr>
+    <a:masterClrMapping/>
+  </p:clrMapOvr>
+</p:sld>
+</file>
+
+<file path=ppt/slides/slide21.xml><?xml version="1.0" encoding="utf-8"?>
+<p:sld xmlns:a="http://schemas.openxmlformats.org/drawingml/2006/main" xmlns:r="http://schemas.openxmlformats.org/officeDocument/2006/relationships" xmlns:p="http://schemas.openxmlformats.org/presentationml/2006/main">
+  <p:cSld>
+    <p:spTree>
+      <p:nvGrpSpPr>
+        <p:cNvPr id="1" name=""/>
+        <p:cNvGrpSpPr/>
+        <p:nvPr/>
+      </p:nvGrpSpPr>
+      <p:grpSpPr>
+        <a:xfrm>
+          <a:off x="0" y="0"/>
+          <a:ext cx="0" cy="0"/>
+          <a:chOff x="0" y="0"/>
+          <a:chExt cx="0" cy="0"/>
+        </a:xfrm>
+      </p:grpSpPr>
+      <p:sp>
+        <p:nvSpPr>
+          <p:cNvPr id="2" name="Title 1">
+            <a:extLst>
+              <a:ext uri="{FF2B5EF4-FFF2-40B4-BE49-F238E27FC236}">
+                <a16:creationId xmlns:a16="http://schemas.microsoft.com/office/drawing/2014/main" id="{39274E52-490B-431C-80AF-2D025872803E}"/>
+              </a:ext>
+            </a:extLst>
+          </p:cNvPr>
+          <p:cNvSpPr>
+            <a:spLocks noGrp="1"/>
+          </p:cNvSpPr>
+          <p:nvPr>
+            <p:ph type="title"/>
+          </p:nvPr>
+        </p:nvSpPr>
+        <p:spPr/>
+        <p:txBody>
+          <a:bodyPr>
+            <a:normAutofit fontScale="90000"/>
+          </a:bodyPr>
+          <a:lstStyle/>
+          <a:p>
+            <a:r>
+              <a:rPr lang="en-US" dirty="0"/>
+              <a:t>Does company success have an impact on employee satisfaction? </a:t>
+            </a:r>
+          </a:p>
+        </p:txBody>
+      </p:sp>
+      <p:sp>
+        <p:nvSpPr>
+          <p:cNvPr id="3" name="Text Placeholder 2">
+            <a:extLst>
+              <a:ext uri="{FF2B5EF4-FFF2-40B4-BE49-F238E27FC236}">
+                <a16:creationId xmlns:a16="http://schemas.microsoft.com/office/drawing/2014/main" id="{ADDE16B5-DD3A-4A9E-8895-8C648D57592D}"/>
+              </a:ext>
+            </a:extLst>
+          </p:cNvPr>
+          <p:cNvSpPr>
+            <a:spLocks noGrp="1"/>
+          </p:cNvSpPr>
+          <p:nvPr>
+            <p:ph type="body" idx="1"/>
+          </p:nvPr>
+        </p:nvSpPr>
+        <p:spPr/>
+        <p:txBody>
+          <a:bodyPr/>
+          <a:lstStyle/>
+          <a:p>
+            <a:endParaRPr lang="en-US"/>
+          </a:p>
+        </p:txBody>
+      </p:sp>
+    </p:spTree>
+    <p:extLst>
+      <p:ext uri="{BB962C8B-B14F-4D97-AF65-F5344CB8AC3E}">
+        <p14:creationId xmlns:p14="http://schemas.microsoft.com/office/powerpoint/2010/main" val="3183795979"/>
+      </p:ext>
+    </p:extLst>
+  </p:cSld>
+  <p:clrMapOvr>
+    <a:masterClrMapping/>
+  </p:clrMapOvr>
+</p:sld>
+</file>
+
+<file path=ppt/slides/slide22.xml><?xml version="1.0" encoding="utf-8"?>
+<p:sld xmlns:a="http://schemas.openxmlformats.org/drawingml/2006/main" xmlns:r="http://schemas.openxmlformats.org/officeDocument/2006/relationships" xmlns:p="http://schemas.openxmlformats.org/presentationml/2006/main">
+  <p:cSld>
+    <p:spTree>
+      <p:nvGrpSpPr>
+        <p:cNvPr id="1" name=""/>
+        <p:cNvGrpSpPr/>
+        <p:nvPr/>
+      </p:nvGrpSpPr>
+      <p:grpSpPr>
+        <a:xfrm>
+          <a:off x="0" y="0"/>
+          <a:ext cx="0" cy="0"/>
+          <a:chOff x="0" y="0"/>
+          <a:chExt cx="0" cy="0"/>
+        </a:xfrm>
+      </p:grpSpPr>
+      <p:sp>
+        <p:nvSpPr>
+          <p:cNvPr id="2" name="Title 1">
+            <a:extLst>
+              <a:ext uri="{FF2B5EF4-FFF2-40B4-BE49-F238E27FC236}">
+                <a16:creationId xmlns:a16="http://schemas.microsoft.com/office/drawing/2014/main" id="{7386BBBC-0A8C-4AEE-9C0E-9C6D43653C35}"/>
+              </a:ext>
+            </a:extLst>
+          </p:cNvPr>
+          <p:cNvSpPr>
+            <a:spLocks noGrp="1"/>
+          </p:cNvSpPr>
+          <p:nvPr>
+            <p:ph type="title"/>
+          </p:nvPr>
+        </p:nvSpPr>
+        <p:spPr/>
+        <p:txBody>
+          <a:bodyPr/>
+          <a:lstStyle/>
+          <a:p>
+            <a:r>
+              <a:rPr lang="en-US" dirty="0"/>
+              <a:t>Is company success an indicator of employee satisfaction?</a:t>
+            </a:r>
+          </a:p>
+        </p:txBody>
+      </p:sp>
+      <p:sp>
+        <p:nvSpPr>
+          <p:cNvPr id="4" name="Content Placeholder 3">
+            <a:extLst>
+              <a:ext uri="{FF2B5EF4-FFF2-40B4-BE49-F238E27FC236}">
+                <a16:creationId xmlns:a16="http://schemas.microsoft.com/office/drawing/2014/main" id="{6D1F7F76-F8FF-4E67-B1D4-BBCE6F788ADF}"/>
+              </a:ext>
+            </a:extLst>
+          </p:cNvPr>
+          <p:cNvSpPr>
+            <a:spLocks noGrp="1"/>
+          </p:cNvSpPr>
+          <p:nvPr>
+            <p:ph sz="half" idx="2"/>
+          </p:nvPr>
+        </p:nvSpPr>
+        <p:spPr/>
+        <p:txBody>
+          <a:bodyPr/>
+          <a:lstStyle/>
+          <a:p>
+            <a:r>
+              <a:rPr lang="en-US" dirty="0"/>
+              <a:t>Employee satisfaction was represented through the overall rating they gave the company when posting a review on Glassdoor.</a:t>
+            </a:r>
+          </a:p>
+        </p:txBody>
+      </p:sp>
+      <p:sp>
+        <p:nvSpPr>
+          <p:cNvPr id="6" name="Content Placeholder 5">
+            <a:extLst>
+              <a:ext uri="{FF2B5EF4-FFF2-40B4-BE49-F238E27FC236}">
+                <a16:creationId xmlns:a16="http://schemas.microsoft.com/office/drawing/2014/main" id="{963461F5-03F0-4747-87C6-77BC3783A438}"/>
+              </a:ext>
+            </a:extLst>
+          </p:cNvPr>
+          <p:cNvSpPr>
+            <a:spLocks noGrp="1"/>
+          </p:cNvSpPr>
+          <p:nvPr>
+            <p:ph sz="quarter" idx="4"/>
+          </p:nvPr>
+        </p:nvSpPr>
+        <p:spPr>
+          <a:xfrm>
+            <a:off x="6096000" y="2084832"/>
+            <a:ext cx="5183188" cy="4584599"/>
+          </a:xfrm>
+        </p:spPr>
+        <p:txBody>
+          <a:bodyPr/>
+          <a:lstStyle/>
+          <a:p>
+            <a:r>
+              <a:rPr lang="en-US" dirty="0"/>
+              <a:t>Stock values were used as an indicator of how well a company was preforming</a:t>
+            </a:r>
+          </a:p>
+          <a:p>
+            <a:r>
+              <a:rPr lang="en-US" dirty="0"/>
+              <a:t>Historical stock values were retrieved from </a:t>
+            </a:r>
+            <a:r>
+              <a:rPr lang="en-US" dirty="0">
+                <a:hlinkClick r:id="rId2"/>
+              </a:rPr>
+              <a:t>https://www.worldtradingdata.com/</a:t>
+            </a:r>
+            <a:endParaRPr lang="en-US" dirty="0"/>
+          </a:p>
+          <a:p>
+            <a:endParaRPr lang="en-US" dirty="0"/>
+          </a:p>
+        </p:txBody>
+      </p:sp>
+    </p:spTree>
+    <p:extLst>
+      <p:ext uri="{BB962C8B-B14F-4D97-AF65-F5344CB8AC3E}">
+        <p14:creationId xmlns:p14="http://schemas.microsoft.com/office/powerpoint/2010/main" val="2107990617"/>
+      </p:ext>
+    </p:extLst>
+  </p:cSld>
+  <p:clrMapOvr>
+    <a:masterClrMapping/>
+  </p:clrMapOvr>
+</p:sld>
+</file>
+
+<file path=ppt/slides/slide23.xml><?xml version="1.0" encoding="utf-8"?>
+<p:sld xmlns:a="http://schemas.openxmlformats.org/drawingml/2006/main" xmlns:r="http://schemas.openxmlformats.org/officeDocument/2006/relationships" xmlns:p="http://schemas.openxmlformats.org/presentationml/2006/main">
+  <p:cSld>
+    <p:spTree>
+      <p:nvGrpSpPr>
+        <p:cNvPr id="1" name=""/>
+        <p:cNvGrpSpPr/>
+        <p:nvPr/>
+      </p:nvGrpSpPr>
+      <p:grpSpPr>
+        <a:xfrm>
+          <a:off x="0" y="0"/>
+          <a:ext cx="0" cy="0"/>
+          <a:chOff x="0" y="0"/>
+          <a:chExt cx="0" cy="0"/>
+        </a:xfrm>
+      </p:grpSpPr>
+      <p:sp>
+        <p:nvSpPr>
+          <p:cNvPr id="9" name="Title 8">
+            <a:extLst>
+              <a:ext uri="{FF2B5EF4-FFF2-40B4-BE49-F238E27FC236}">
+                <a16:creationId xmlns:a16="http://schemas.microsoft.com/office/drawing/2014/main" id="{0AC729E9-FE6C-4CC9-9023-02DD73902008}"/>
+              </a:ext>
+            </a:extLst>
+          </p:cNvPr>
+          <p:cNvSpPr>
+            <a:spLocks noGrp="1"/>
+          </p:cNvSpPr>
+          <p:nvPr>
+            <p:ph type="title"/>
+          </p:nvPr>
+        </p:nvSpPr>
+        <p:spPr/>
+        <p:txBody>
+          <a:bodyPr/>
+          <a:lstStyle/>
+          <a:p>
+            <a:r>
+              <a:rPr lang="en-US" dirty="0"/>
+              <a:t>Data manipulation</a:t>
+            </a:r>
+          </a:p>
+        </p:txBody>
+      </p:sp>
+      <mc:AlternateContent xmlns:mc="http://schemas.openxmlformats.org/markup-compatibility/2006">
+        <mc:Choice xmlns:a14="http://schemas.microsoft.com/office/drawing/2010/main" Requires="a14">
+          <p:sp>
+            <p:nvSpPr>
+              <p:cNvPr id="3" name="Content Placeholder 2">
+                <a:extLst>
+                  <a:ext uri="{FF2B5EF4-FFF2-40B4-BE49-F238E27FC236}">
+                    <a16:creationId xmlns:a16="http://schemas.microsoft.com/office/drawing/2014/main" id="{1F31E5E1-6BA5-4E40-9FE5-1BDD2770A630}"/>
+                  </a:ext>
+                </a:extLst>
+              </p:cNvPr>
+              <p:cNvSpPr>
+                <a:spLocks noGrp="1"/>
+              </p:cNvSpPr>
+              <p:nvPr>
+                <p:ph idx="1"/>
+              </p:nvPr>
+            </p:nvSpPr>
+            <p:spPr>
+              <a:xfrm>
+                <a:off x="5183188" y="2208179"/>
+                <a:ext cx="6172200" cy="3652871"/>
+              </a:xfrm>
+            </p:spPr>
+            <p:txBody>
+              <a:bodyPr>
+                <a:normAutofit/>
+              </a:bodyPr>
+              <a:lstStyle/>
+              <a:p>
+                <a:pPr marL="0" indent="0">
+                  <a:buNone/>
+                </a:pPr>
+                <a14:m>
+                  <m:oMathPara xmlns:m="http://schemas.openxmlformats.org/officeDocument/2006/math">
+                    <m:oMathParaPr>
+                      <m:jc m:val="centerGroup"/>
+                    </m:oMathParaPr>
+                    <m:oMath xmlns:m="http://schemas.openxmlformats.org/officeDocument/2006/math">
+                      <m:r>
+                        <a:rPr lang="en-US" b="0" i="1" smtClean="0">
+                          <a:latin typeface="Cambria Math" panose="02040503050406030204" pitchFamily="18" charset="0"/>
+                        </a:rPr>
+                        <m:t>𝑑𝑓</m:t>
+                      </m:r>
+                      <m:sSup>
+                        <m:sSupPr>
+                          <m:ctrlPr>
+                            <a:rPr lang="en-US" b="0" i="1" smtClean="0">
+                              <a:latin typeface="Cambria Math" panose="02040503050406030204" pitchFamily="18" charset="0"/>
+                            </a:rPr>
+                          </m:ctrlPr>
+                        </m:sSupPr>
+                        <m:e>
+                          <m:r>
+                            <a:rPr lang="en-US" b="0" i="1" smtClean="0">
+                              <a:latin typeface="Cambria Math" panose="02040503050406030204" pitchFamily="18" charset="0"/>
+                            </a:rPr>
+                            <m:t>[</m:t>
+                          </m:r>
+                        </m:e>
+                        <m:sup>
+                          <m:r>
+                            <a:rPr lang="en-US" b="0" i="1" smtClean="0">
+                              <a:latin typeface="Cambria Math" panose="02040503050406030204" pitchFamily="18" charset="0"/>
+                            </a:rPr>
+                            <m:t>′</m:t>
+                          </m:r>
+                        </m:sup>
+                      </m:sSup>
+                      <m:r>
+                        <a:rPr lang="en-US" b="0" i="1" smtClean="0">
+                          <a:latin typeface="Cambria Math" panose="02040503050406030204" pitchFamily="18" charset="0"/>
+                        </a:rPr>
+                        <m:t>𝑛𝑜𝑟𝑚𝑎𝑙𝑖𝑧𝑒𝑑</m:t>
+                      </m:r>
+                      <m:r>
+                        <a:rPr lang="en-US" b="0" i="1" smtClean="0">
+                          <a:latin typeface="Cambria Math" panose="02040503050406030204" pitchFamily="18" charset="0"/>
+                        </a:rPr>
+                        <m:t>_</m:t>
+                      </m:r>
+                      <m:r>
+                        <a:rPr lang="en-US" b="0" i="1" smtClean="0">
+                          <a:latin typeface="Cambria Math" panose="02040503050406030204" pitchFamily="18" charset="0"/>
+                        </a:rPr>
+                        <m:t>𝑑𝑎𝑡𝑎</m:t>
+                      </m:r>
+                      <m:r>
+                        <a:rPr lang="en-US" b="0" i="1" smtClean="0">
+                          <a:latin typeface="Cambria Math" panose="02040503050406030204" pitchFamily="18" charset="0"/>
+                        </a:rPr>
+                        <m:t>′]=</m:t>
+                      </m:r>
+                    </m:oMath>
+                  </m:oMathPara>
+                </a14:m>
+                <a:endParaRPr lang="en-US" b="0" i="1" dirty="0">
+                  <a:latin typeface="Cambria Math" panose="02040503050406030204" pitchFamily="18" charset="0"/>
+                </a:endParaRPr>
+              </a:p>
+              <a:p>
+                <a:pPr marL="0" indent="0">
+                  <a:buNone/>
+                </a:pPr>
+                <a:endParaRPr lang="en-US" b="0" i="1" dirty="0">
+                  <a:latin typeface="Cambria Math" panose="02040503050406030204" pitchFamily="18" charset="0"/>
+                </a:endParaRPr>
+              </a:p>
+              <a:p>
+                <a:pPr marL="0" indent="0">
+                  <a:buNone/>
+                </a:pPr>
+                <a14:m>
+                  <m:oMathPara xmlns:m="http://schemas.openxmlformats.org/officeDocument/2006/math">
+                    <m:oMathParaPr>
+                      <m:jc m:val="centerGroup"/>
+                    </m:oMathParaPr>
+                    <m:oMath xmlns:m="http://schemas.openxmlformats.org/officeDocument/2006/math">
+                      <m:r>
+                        <a:rPr lang="en-US" i="1">
+                          <a:latin typeface="Cambria Math" panose="02040503050406030204" pitchFamily="18" charset="0"/>
+                        </a:rPr>
+                        <m:t>𝑑𝑓</m:t>
+                      </m:r>
+                      <m:sSup>
+                        <m:sSupPr>
+                          <m:ctrlPr>
+                            <a:rPr lang="en-US" i="1">
+                              <a:latin typeface="Cambria Math" panose="02040503050406030204" pitchFamily="18" charset="0"/>
+                            </a:rPr>
+                          </m:ctrlPr>
+                        </m:sSupPr>
+                        <m:e>
+                          <m:r>
+                            <a:rPr lang="en-US" i="1">
+                              <a:latin typeface="Cambria Math" panose="02040503050406030204" pitchFamily="18" charset="0"/>
+                            </a:rPr>
+                            <m:t>[</m:t>
+                          </m:r>
+                        </m:e>
+                        <m:sup>
+                          <m:r>
+                            <a:rPr lang="en-US" i="1">
+                              <a:latin typeface="Cambria Math" panose="02040503050406030204" pitchFamily="18" charset="0"/>
+                            </a:rPr>
+                            <m:t>′</m:t>
+                          </m:r>
+                        </m:sup>
+                      </m:sSup>
+                      <m:r>
+                        <a:rPr lang="en-US" i="1">
+                          <a:latin typeface="Cambria Math" panose="02040503050406030204" pitchFamily="18" charset="0"/>
+                        </a:rPr>
+                        <m:t>𝑑𝑎𝑡</m:t>
+                      </m:r>
+                      <m:sSup>
+                        <m:sSupPr>
+                          <m:ctrlPr>
+                            <a:rPr lang="en-US" i="1">
+                              <a:latin typeface="Cambria Math" panose="02040503050406030204" pitchFamily="18" charset="0"/>
+                            </a:rPr>
+                          </m:ctrlPr>
+                        </m:sSupPr>
+                        <m:e>
+                          <m:r>
+                            <a:rPr lang="en-US" i="1">
+                              <a:latin typeface="Cambria Math" panose="02040503050406030204" pitchFamily="18" charset="0"/>
+                            </a:rPr>
+                            <m:t>𝑎</m:t>
+                          </m:r>
+                        </m:e>
+                        <m:sup>
+                          <m:r>
+                            <a:rPr lang="en-US" i="1">
+                              <a:latin typeface="Cambria Math" panose="02040503050406030204" pitchFamily="18" charset="0"/>
+                            </a:rPr>
+                            <m:t>′</m:t>
+                          </m:r>
+                        </m:sup>
+                      </m:sSup>
+                      <m:r>
+                        <a:rPr lang="en-US" b="0" i="1" smtClean="0">
+                          <a:latin typeface="Cambria Math" panose="02040503050406030204" pitchFamily="18" charset="0"/>
+                        </a:rPr>
+                        <m:t>]−</m:t>
+                      </m:r>
+                      <m:r>
+                        <a:rPr lang="en-US" b="0" i="1" smtClean="0">
+                          <a:latin typeface="Cambria Math" panose="02040503050406030204" pitchFamily="18" charset="0"/>
+                        </a:rPr>
+                        <m:t>𝑑𝑓</m:t>
+                      </m:r>
+                      <m:sSup>
+                        <m:sSupPr>
+                          <m:ctrlPr>
+                            <a:rPr lang="en-US" b="0" i="1" smtClean="0">
+                              <a:latin typeface="Cambria Math" panose="02040503050406030204" pitchFamily="18" charset="0"/>
+                            </a:rPr>
+                          </m:ctrlPr>
+                        </m:sSupPr>
+                        <m:e>
+                          <m:r>
+                            <a:rPr lang="en-US" b="0" i="1" smtClean="0">
+                              <a:latin typeface="Cambria Math" panose="02040503050406030204" pitchFamily="18" charset="0"/>
+                            </a:rPr>
+                            <m:t>[</m:t>
+                          </m:r>
+                        </m:e>
+                        <m:sup>
+                          <m:r>
+                            <a:rPr lang="en-US" b="0" i="1" smtClean="0">
+                              <a:latin typeface="Cambria Math" panose="02040503050406030204" pitchFamily="18" charset="0"/>
+                            </a:rPr>
+                            <m:t>′</m:t>
+                          </m:r>
+                        </m:sup>
+                      </m:sSup>
+                      <m:r>
+                        <a:rPr lang="en-US" b="0" i="1" smtClean="0">
+                          <a:latin typeface="Cambria Math" panose="02040503050406030204" pitchFamily="18" charset="0"/>
+                        </a:rPr>
+                        <m:t>𝑑𝑎𝑡𝑎</m:t>
+                      </m:r>
+                      <m:r>
+                        <a:rPr lang="en-US" b="0" i="1" smtClean="0">
+                          <a:latin typeface="Cambria Math" panose="02040503050406030204" pitchFamily="18" charset="0"/>
+                        </a:rPr>
+                        <m:t>′].</m:t>
+                      </m:r>
+                      <m:r>
+                        <m:rPr>
+                          <m:sty m:val="p"/>
+                        </m:rPr>
+                        <a:rPr lang="en-US" b="0" i="0" smtClean="0">
+                          <a:latin typeface="Cambria Math" panose="02040503050406030204" pitchFamily="18" charset="0"/>
+                        </a:rPr>
+                        <m:t>min</m:t>
+                      </m:r>
+                      <m:r>
+                        <a:rPr lang="en-US" b="0" i="1" smtClean="0">
+                          <a:latin typeface="Cambria Math" panose="02040503050406030204" pitchFamily="18" charset="0"/>
+                        </a:rPr>
+                        <m:t>⁡()</m:t>
+                      </m:r>
+                    </m:oMath>
+                  </m:oMathPara>
+                </a14:m>
+                <a:endParaRPr lang="en-US" b="0" i="1" dirty="0">
+                  <a:latin typeface="Cambria Math" panose="02040503050406030204" pitchFamily="18" charset="0"/>
+                </a:endParaRPr>
+              </a:p>
+              <a:p>
+                <a:pPr marL="0" indent="0" algn="ctr">
+                  <a:buNone/>
+                </a:pPr>
+                <a:r>
+                  <a:rPr lang="en-US" b="0" i="1" dirty="0">
+                    <a:latin typeface="Cambria Math" panose="02040503050406030204" pitchFamily="18" charset="0"/>
+                  </a:rPr>
+                  <a:t>___________________________________</a:t>
+                </a:r>
+              </a:p>
+              <a:p>
+                <a:pPr marL="0" indent="0">
+                  <a:buNone/>
+                </a:pPr>
+                <a14:m>
+                  <m:oMathPara xmlns:m="http://schemas.openxmlformats.org/officeDocument/2006/math">
+                    <m:oMathParaPr>
+                      <m:jc m:val="centerGroup"/>
+                    </m:oMathParaPr>
+                    <m:oMath xmlns:m="http://schemas.openxmlformats.org/officeDocument/2006/math">
+                      <m:r>
+                        <a:rPr lang="en-US" b="0" i="1" smtClean="0">
+                          <a:latin typeface="Cambria Math" panose="02040503050406030204" pitchFamily="18" charset="0"/>
+                        </a:rPr>
+                        <m:t>𝑑𝑓</m:t>
+                      </m:r>
+                      <m:r>
+                        <a:rPr lang="en-US" b="0" i="1" smtClean="0">
+                          <a:latin typeface="Cambria Math" panose="02040503050406030204" pitchFamily="18" charset="0"/>
+                        </a:rPr>
+                        <m:t>[′</m:t>
+                      </m:r>
+                      <m:r>
+                        <a:rPr lang="en-US" b="0" i="1" smtClean="0">
+                          <a:latin typeface="Cambria Math" panose="02040503050406030204" pitchFamily="18" charset="0"/>
+                        </a:rPr>
+                        <m:t>𝑑𝑎𝑡𝑎</m:t>
+                      </m:r>
+                      <m:r>
+                        <a:rPr lang="en-US" b="0" i="1" smtClean="0">
+                          <a:latin typeface="Cambria Math" panose="02040503050406030204" pitchFamily="18" charset="0"/>
+                        </a:rPr>
+                        <m:t>′].</m:t>
+                      </m:r>
+                      <m:r>
+                        <m:rPr>
+                          <m:sty m:val="p"/>
+                        </m:rPr>
+                        <a:rPr lang="en-US" b="0" i="0" smtClean="0">
+                          <a:latin typeface="Cambria Math" panose="02040503050406030204" pitchFamily="18" charset="0"/>
+                        </a:rPr>
+                        <m:t>max</m:t>
+                      </m:r>
+                      <m:r>
+                        <a:rPr lang="en-US" b="0" i="1" smtClean="0">
+                          <a:latin typeface="Cambria Math" panose="02040503050406030204" pitchFamily="18" charset="0"/>
+                        </a:rPr>
+                        <m:t>⁡()</m:t>
+                      </m:r>
+                    </m:oMath>
+                  </m:oMathPara>
+                </a14:m>
+                <a:endParaRPr lang="en-US" dirty="0"/>
+              </a:p>
+              <a:p>
+                <a:endParaRPr lang="en-US" dirty="0"/>
+              </a:p>
+            </p:txBody>
+          </p:sp>
+        </mc:Choice>
+        <mc:Fallback>
+          <p:sp>
+            <p:nvSpPr>
+              <p:cNvPr id="3" name="Content Placeholder 2">
+                <a:extLst>
+                  <a:ext uri="{FF2B5EF4-FFF2-40B4-BE49-F238E27FC236}">
+                    <a16:creationId xmlns:a16="http://schemas.microsoft.com/office/drawing/2014/main" id="{1F31E5E1-6BA5-4E40-9FE5-1BDD2770A630}"/>
+                  </a:ext>
+                </a:extLst>
+              </p:cNvPr>
+              <p:cNvSpPr>
+                <a:spLocks noGrp="1" noRot="1" noChangeAspect="1" noMove="1" noResize="1" noEditPoints="1" noAdjustHandles="1" noChangeArrowheads="1" noChangeShapeType="1" noTextEdit="1"/>
+              </p:cNvSpPr>
+              <p:nvPr>
+                <p:ph idx="1"/>
+              </p:nvPr>
+            </p:nvSpPr>
+            <p:spPr>
+              <a:xfrm>
+                <a:off x="5183188" y="2208179"/>
+                <a:ext cx="6172200" cy="3652871"/>
+              </a:xfrm>
+              <a:blipFill>
+                <a:blip r:embed="rId2"/>
+                <a:stretch>
+                  <a:fillRect/>
+                </a:stretch>
+              </a:blipFill>
+            </p:spPr>
+            <p:txBody>
+              <a:bodyPr/>
+              <a:lstStyle/>
+              <a:p>
+                <a:r>
+                  <a:rPr lang="en-US">
+                    <a:noFill/>
+                  </a:rPr>
+                  <a:t> </a:t>
+                </a:r>
+              </a:p>
+            </p:txBody>
+          </p:sp>
+        </mc:Fallback>
+      </mc:AlternateContent>
+      <p:sp>
+        <p:nvSpPr>
+          <p:cNvPr id="4" name="Text Placeholder 3">
+            <a:extLst>
+              <a:ext uri="{FF2B5EF4-FFF2-40B4-BE49-F238E27FC236}">
+                <a16:creationId xmlns:a16="http://schemas.microsoft.com/office/drawing/2014/main" id="{775A605E-E2B3-4282-854E-B803E29DAC18}"/>
+              </a:ext>
+            </a:extLst>
+          </p:cNvPr>
+          <p:cNvSpPr>
+            <a:spLocks noGrp="1"/>
+          </p:cNvSpPr>
+          <p:nvPr>
+            <p:ph type="body" sz="half" idx="2"/>
+          </p:nvPr>
+        </p:nvSpPr>
+        <p:spPr/>
+        <p:txBody>
+          <a:bodyPr/>
+          <a:lstStyle/>
+          <a:p>
+            <a:r>
+              <a:rPr lang="en-US" dirty="0"/>
+              <a:t>The dates of reviews from Glassdoor were converted from strings to datetime objects</a:t>
+            </a:r>
+          </a:p>
+          <a:p>
+            <a:r>
+              <a:rPr lang="en-US" dirty="0"/>
+              <a:t>These dates that reviews were posted were then used to acquire the end of day value for a company’s stock </a:t>
+            </a:r>
+          </a:p>
+          <a:p>
+            <a:r>
+              <a:rPr lang="en-US" dirty="0"/>
+              <a:t>End of day values for a company’s stock was paired to the date that reviews were posted onto Glassdoor</a:t>
+            </a:r>
+          </a:p>
+          <a:p>
+            <a:endParaRPr lang="en-US" dirty="0"/>
+          </a:p>
+          <a:p>
+            <a:r>
+              <a:rPr lang="en-US" dirty="0"/>
+              <a:t>Allows the comparison of very different scales by putting them in the same range </a:t>
+            </a:r>
+          </a:p>
+          <a:p>
+            <a:endParaRPr lang="en-US" dirty="0"/>
+          </a:p>
+        </p:txBody>
+      </p:sp>
+    </p:spTree>
+    <p:extLst>
+      <p:ext uri="{BB962C8B-B14F-4D97-AF65-F5344CB8AC3E}">
+        <p14:creationId xmlns:p14="http://schemas.microsoft.com/office/powerpoint/2010/main" val="674216954"/>
+      </p:ext>
+    </p:extLst>
+  </p:cSld>
+  <p:clrMapOvr>
+    <a:masterClrMapping/>
+  </p:clrMapOvr>
+</p:sld>
+</file>
+
+<file path=ppt/slides/slide24.xml><?xml version="1.0" encoding="utf-8"?>
+<p:sld xmlns:a="http://schemas.openxmlformats.org/drawingml/2006/main" xmlns:r="http://schemas.openxmlformats.org/officeDocument/2006/relationships" xmlns:p="http://schemas.openxmlformats.org/presentationml/2006/main">
+  <p:cSld>
+    <p:bg>
+      <p:bgPr>
+        <a:solidFill>
+          <a:schemeClr val="bg1"/>
+        </a:solidFill>
+        <a:effectLst/>
+      </p:bgPr>
+    </p:bg>
+    <p:spTree>
+      <p:nvGrpSpPr>
+        <p:cNvPr id="1" name=""/>
+        <p:cNvGrpSpPr/>
+        <p:nvPr/>
+      </p:nvGrpSpPr>
+      <p:grpSpPr>
+        <a:xfrm>
+          <a:off x="0" y="0"/>
+          <a:ext cx="0" cy="0"/>
+          <a:chOff x="0" y="0"/>
+          <a:chExt cx="0" cy="0"/>
+        </a:xfrm>
+      </p:grpSpPr>
+      <p:sp>
+        <p:nvSpPr>
+          <p:cNvPr id="2" name="Title 1">
+            <a:extLst>
+              <a:ext uri="{FF2B5EF4-FFF2-40B4-BE49-F238E27FC236}">
+                <a16:creationId xmlns:a16="http://schemas.microsoft.com/office/drawing/2014/main" id="{00329957-7D6E-4C56-B02D-9FB73A539443}"/>
+              </a:ext>
+            </a:extLst>
+          </p:cNvPr>
+          <p:cNvSpPr>
+            <a:spLocks noGrp="1"/>
+          </p:cNvSpPr>
+          <p:nvPr>
+            <p:ph type="title"/>
+          </p:nvPr>
+        </p:nvSpPr>
+        <p:spPr>
+          <a:xfrm>
+            <a:off x="643467" y="643467"/>
+            <a:ext cx="3363974" cy="1597315"/>
+          </a:xfrm>
+          <a:noFill/>
+          <a:ln w="19050">
+            <a:solidFill>
+              <a:schemeClr val="bg1"/>
+            </a:solidFill>
+          </a:ln>
+        </p:spPr>
+        <p:txBody>
+          <a:bodyPr wrap="square">
+            <a:normAutofit/>
+          </a:bodyPr>
+          <a:lstStyle/>
+          <a:p>
+            <a:pPr algn="ctr"/>
+            <a:r>
+              <a:rPr lang="en-US" sz="2800" dirty="0">
+                <a:solidFill>
+                  <a:schemeClr val="tx1"/>
+                </a:solidFill>
+              </a:rPr>
+              <a:t>No correlation</a:t>
+            </a:r>
+          </a:p>
+        </p:txBody>
+      </p:sp>
+      <p:sp>
+        <p:nvSpPr>
+          <p:cNvPr id="59" name="Content Placeholder 58">
+            <a:extLst>
+              <a:ext uri="{FF2B5EF4-FFF2-40B4-BE49-F238E27FC236}">
+                <a16:creationId xmlns:a16="http://schemas.microsoft.com/office/drawing/2014/main" id="{05502F07-5050-4A47-9A21-247B3A89E5EC}"/>
+              </a:ext>
+            </a:extLst>
+          </p:cNvPr>
+          <p:cNvSpPr>
+            <a:spLocks noGrp="1"/>
+          </p:cNvSpPr>
+          <p:nvPr>
+            <p:ph idx="1"/>
+          </p:nvPr>
+        </p:nvSpPr>
+        <p:spPr>
+          <a:xfrm>
+            <a:off x="643468" y="2638044"/>
+            <a:ext cx="3363974" cy="3415622"/>
+          </a:xfrm>
+        </p:spPr>
+        <p:txBody>
+          <a:bodyPr>
+            <a:normAutofit/>
+          </a:bodyPr>
+          <a:lstStyle/>
+          <a:p>
+            <a:r>
+              <a:rPr lang="en-US" sz="2000" dirty="0"/>
+              <a:t>Most easily seen when looking at how the comparison of ratings and company success for Apple</a:t>
+            </a:r>
+          </a:p>
+          <a:p>
+            <a:r>
+              <a:rPr lang="en-US" sz="2000" dirty="0"/>
+              <a:t>Would expect employee ratings to mirror trends in stock if this could be used as an indicator</a:t>
+            </a:r>
+          </a:p>
+        </p:txBody>
+      </p:sp>
+      <p:pic>
+        <p:nvPicPr>
+          <p:cNvPr id="58" name="Picture 57" descr="A screenshot of a cell phone&#10;&#10;Description automatically generated">
+            <a:extLst>
+              <a:ext uri="{FF2B5EF4-FFF2-40B4-BE49-F238E27FC236}">
+                <a16:creationId xmlns:a16="http://schemas.microsoft.com/office/drawing/2014/main" id="{2A9324DD-153A-4B95-862A-CCF2E32E24CF}"/>
+              </a:ext>
+            </a:extLst>
+          </p:cNvPr>
+          <p:cNvPicPr>
+            <a:picLocks noChangeAspect="1"/>
+          </p:cNvPicPr>
+          <p:nvPr/>
+        </p:nvPicPr>
+        <p:blipFill>
+          <a:blip r:embed="rId2">
+            <a:extLst>
+              <a:ext uri="{28A0092B-C50C-407E-A947-70E740481C1C}">
+                <a14:useLocalDpi xmlns:a14="http://schemas.microsoft.com/office/drawing/2010/main" val="0"/>
+              </a:ext>
+            </a:extLst>
+          </a:blip>
+          <a:stretch>
+            <a:fillRect/>
+          </a:stretch>
+        </p:blipFill>
+        <p:spPr>
+          <a:xfrm>
+            <a:off x="4793881" y="687422"/>
+            <a:ext cx="7534072" cy="5022714"/>
+          </a:xfrm>
+          <a:prstGeom prst="rect">
+            <a:avLst/>
+          </a:prstGeom>
+        </p:spPr>
+      </p:pic>
+    </p:spTree>
+    <p:extLst>
+      <p:ext uri="{BB962C8B-B14F-4D97-AF65-F5344CB8AC3E}">
+        <p14:creationId xmlns:p14="http://schemas.microsoft.com/office/powerpoint/2010/main" val="3666907007"/>
+      </p:ext>
+    </p:extLst>
+  </p:cSld>
+  <p:clrMapOvr>
+    <a:masterClrMapping/>
+  </p:clrMapOvr>
+</p:sld>
+</file>
+
+<file path=ppt/slides/slide25.xml><?xml version="1.0" encoding="utf-8"?>
+<p:sld xmlns:a="http://schemas.openxmlformats.org/drawingml/2006/main" xmlns:r="http://schemas.openxmlformats.org/officeDocument/2006/relationships" xmlns:p="http://schemas.openxmlformats.org/presentationml/2006/main">
+  <p:cSld>
+    <p:bg>
+      <p:bgPr>
+        <a:solidFill>
+          <a:schemeClr val="bg1"/>
+        </a:solidFill>
+        <a:effectLst/>
+      </p:bgPr>
+    </p:bg>
+    <p:spTree>
+      <p:nvGrpSpPr>
+        <p:cNvPr id="1" name=""/>
+        <p:cNvGrpSpPr/>
+        <p:nvPr/>
+      </p:nvGrpSpPr>
+      <p:grpSpPr>
+        <a:xfrm>
+          <a:off x="0" y="0"/>
+          <a:ext cx="0" cy="0"/>
+          <a:chOff x="0" y="0"/>
+          <a:chExt cx="0" cy="0"/>
+        </a:xfrm>
+      </p:grpSpPr>
+      <p:sp>
+        <p:nvSpPr>
+          <p:cNvPr id="2" name="Title 1">
+            <a:extLst>
+              <a:ext uri="{FF2B5EF4-FFF2-40B4-BE49-F238E27FC236}">
+                <a16:creationId xmlns:a16="http://schemas.microsoft.com/office/drawing/2014/main" id="{6DA42376-480A-4AA9-875F-3C90721DE649}"/>
+              </a:ext>
+            </a:extLst>
+          </p:cNvPr>
+          <p:cNvSpPr>
+            <a:spLocks noGrp="1"/>
+          </p:cNvSpPr>
+          <p:nvPr>
+            <p:ph type="title"/>
+          </p:nvPr>
+        </p:nvSpPr>
+        <p:spPr>
+          <a:xfrm>
+            <a:off x="527538" y="4756638"/>
+            <a:ext cx="11139854" cy="930447"/>
+          </a:xfrm>
+        </p:spPr>
+        <p:txBody>
+          <a:bodyPr vert="horz" lIns="91440" tIns="45720" rIns="91440" bIns="45720" rtlCol="0" anchor="b">
+            <a:normAutofit/>
+          </a:bodyPr>
+          <a:lstStyle/>
+          <a:p>
+            <a:pPr algn="ctr"/>
+            <a:r>
+              <a:rPr lang="en-US" sz="5400" dirty="0">
+                <a:solidFill>
+                  <a:schemeClr val="tx1"/>
+                </a:solidFill>
+              </a:rPr>
+              <a:t>Trends for Amazon, Google, and Microsoft</a:t>
+            </a:r>
+          </a:p>
+        </p:txBody>
+      </p:sp>
+      <p:pic>
+        <p:nvPicPr>
+          <p:cNvPr id="5" name="Content Placeholder 4" descr="A screenshot of a cell phone&#10;&#10;Description automatically generated">
+            <a:extLst>
+              <a:ext uri="{FF2B5EF4-FFF2-40B4-BE49-F238E27FC236}">
+                <a16:creationId xmlns:a16="http://schemas.microsoft.com/office/drawing/2014/main" id="{EDAC0501-496D-47FB-AF8F-EDE0067FDB15}"/>
+              </a:ext>
+            </a:extLst>
+          </p:cNvPr>
+          <p:cNvPicPr>
+            <a:picLocks noGrp="1" noChangeAspect="1"/>
+          </p:cNvPicPr>
+          <p:nvPr>
+            <p:ph idx="1"/>
+          </p:nvPr>
+        </p:nvPicPr>
+        <p:blipFill>
+          <a:blip r:embed="rId2">
+            <a:extLst>
+              <a:ext uri="{28A0092B-C50C-407E-A947-70E740481C1C}">
+                <a14:useLocalDpi xmlns:a14="http://schemas.microsoft.com/office/drawing/2010/main" val="0"/>
+              </a:ext>
+            </a:extLst>
+          </a:blip>
+          <a:stretch>
+            <a:fillRect/>
+          </a:stretch>
+        </p:blipFill>
+        <p:spPr>
+          <a:xfrm>
+            <a:off x="413744" y="1174419"/>
+            <a:ext cx="3433324" cy="2288882"/>
+          </a:xfrm>
+          <a:prstGeom prst="rect">
+            <a:avLst/>
+          </a:prstGeom>
+        </p:spPr>
+      </p:pic>
+      <p:pic>
+        <p:nvPicPr>
+          <p:cNvPr id="7" name="Picture 6" descr="A screenshot of a cell phone&#10;&#10;Description automatically generated">
+            <a:extLst>
+              <a:ext uri="{FF2B5EF4-FFF2-40B4-BE49-F238E27FC236}">
+                <a16:creationId xmlns:a16="http://schemas.microsoft.com/office/drawing/2014/main" id="{2AEAB125-FF64-4932-80E8-B744680AEA93}"/>
+              </a:ext>
+            </a:extLst>
+          </p:cNvPr>
+          <p:cNvPicPr>
+            <a:picLocks noChangeAspect="1"/>
+          </p:cNvPicPr>
+          <p:nvPr/>
+        </p:nvPicPr>
+        <p:blipFill>
+          <a:blip r:embed="rId3">
+            <a:extLst>
+              <a:ext uri="{28A0092B-C50C-407E-A947-70E740481C1C}">
+                <a14:useLocalDpi xmlns:a14="http://schemas.microsoft.com/office/drawing/2010/main" val="0"/>
+              </a:ext>
+            </a:extLst>
+          </a:blip>
+          <a:stretch>
+            <a:fillRect/>
+          </a:stretch>
+        </p:blipFill>
+        <p:spPr>
+          <a:xfrm>
+            <a:off x="4502933" y="1176991"/>
+            <a:ext cx="3425609" cy="2283739"/>
+          </a:xfrm>
+          <a:prstGeom prst="rect">
+            <a:avLst/>
+          </a:prstGeom>
+        </p:spPr>
+      </p:pic>
+      <p:pic>
+        <p:nvPicPr>
+          <p:cNvPr id="9" name="Picture 8" descr="A screenshot of a cell phone&#10;&#10;Description automatically generated">
+            <a:extLst>
+              <a:ext uri="{FF2B5EF4-FFF2-40B4-BE49-F238E27FC236}">
+                <a16:creationId xmlns:a16="http://schemas.microsoft.com/office/drawing/2014/main" id="{CDD50A54-8C87-4567-9BBC-C251BDC7FCCA}"/>
+              </a:ext>
+            </a:extLst>
+          </p:cNvPr>
+          <p:cNvPicPr>
+            <a:picLocks noChangeAspect="1"/>
+          </p:cNvPicPr>
+          <p:nvPr/>
+        </p:nvPicPr>
+        <p:blipFill>
+          <a:blip r:embed="rId4">
+            <a:extLst>
+              <a:ext uri="{28A0092B-C50C-407E-A947-70E740481C1C}">
+                <a14:useLocalDpi xmlns:a14="http://schemas.microsoft.com/office/drawing/2010/main" val="0"/>
+              </a:ext>
+            </a:extLst>
+          </a:blip>
+          <a:stretch>
+            <a:fillRect/>
+          </a:stretch>
+        </p:blipFill>
+        <p:spPr>
+          <a:xfrm>
+            <a:off x="8449725" y="1187558"/>
+            <a:ext cx="3423916" cy="2282610"/>
+          </a:xfrm>
+          <a:prstGeom prst="rect">
+            <a:avLst/>
+          </a:prstGeom>
+        </p:spPr>
+      </p:pic>
+    </p:spTree>
+    <p:extLst>
+      <p:ext uri="{BB962C8B-B14F-4D97-AF65-F5344CB8AC3E}">
+        <p14:creationId xmlns:p14="http://schemas.microsoft.com/office/powerpoint/2010/main" val="415103827"/>
+      </p:ext>
+    </p:extLst>
+  </p:cSld>
+  <p:clrMapOvr>
+    <a:masterClrMapping/>
+  </p:clrMapOvr>
+</p:sld>
+</file>
+
+<file path=ppt/slides/slide26.xml><?xml version="1.0" encoding="utf-8"?>
+<p:sld xmlns:a="http://schemas.openxmlformats.org/drawingml/2006/main" xmlns:r="http://schemas.openxmlformats.org/officeDocument/2006/relationships" xmlns:p="http://schemas.openxmlformats.org/presentationml/2006/main">
+  <p:cSld>
+    <p:bg>
+      <p:bgPr>
+        <a:solidFill>
+          <a:schemeClr val="bg1"/>
+        </a:solidFill>
+        <a:effectLst/>
+      </p:bgPr>
+    </p:bg>
+    <p:spTree>
+      <p:nvGrpSpPr>
+        <p:cNvPr id="1" name=""/>
+        <p:cNvGrpSpPr/>
+        <p:nvPr/>
+      </p:nvGrpSpPr>
+      <p:grpSpPr>
+        <a:xfrm>
+          <a:off x="0" y="0"/>
+          <a:ext cx="0" cy="0"/>
+          <a:chOff x="0" y="0"/>
+          <a:chExt cx="0" cy="0"/>
+        </a:xfrm>
+      </p:grpSpPr>
+      <p:sp>
+        <p:nvSpPr>
+          <p:cNvPr id="2" name="Title 1">
+            <a:extLst>
+              <a:ext uri="{FF2B5EF4-FFF2-40B4-BE49-F238E27FC236}">
+                <a16:creationId xmlns:a16="http://schemas.microsoft.com/office/drawing/2014/main" id="{BB9214FF-61B6-4200-843E-137AB3F01C24}"/>
+              </a:ext>
+            </a:extLst>
+          </p:cNvPr>
+          <p:cNvSpPr>
+            <a:spLocks noGrp="1"/>
+          </p:cNvSpPr>
+          <p:nvPr>
+            <p:ph type="title"/>
+          </p:nvPr>
+        </p:nvSpPr>
+        <p:spPr>
+          <a:xfrm>
+            <a:off x="643467" y="643467"/>
+            <a:ext cx="3363974" cy="1597315"/>
+          </a:xfrm>
+          <a:noFill/>
+          <a:ln w="19050">
+            <a:solidFill>
+              <a:schemeClr val="bg1"/>
+            </a:solidFill>
+          </a:ln>
+        </p:spPr>
+        <p:txBody>
+          <a:bodyPr wrap="square">
+            <a:normAutofit/>
+          </a:bodyPr>
+          <a:lstStyle/>
+          <a:p>
+            <a:pPr algn="ctr"/>
+            <a:r>
+              <a:rPr lang="en-US" sz="2800" dirty="0">
+                <a:solidFill>
+                  <a:schemeClr val="tx1"/>
+                </a:solidFill>
+              </a:rPr>
+              <a:t>Indications for future studies</a:t>
+            </a:r>
+          </a:p>
+        </p:txBody>
+      </p:sp>
+      <p:sp>
+        <p:nvSpPr>
+          <p:cNvPr id="10" name="Content Placeholder 9">
+            <a:extLst>
+              <a:ext uri="{FF2B5EF4-FFF2-40B4-BE49-F238E27FC236}">
+                <a16:creationId xmlns:a16="http://schemas.microsoft.com/office/drawing/2014/main" id="{634BB748-9C13-4D8B-BFCC-74E423898637}"/>
+              </a:ext>
+            </a:extLst>
+          </p:cNvPr>
+          <p:cNvSpPr>
+            <a:spLocks noGrp="1"/>
+          </p:cNvSpPr>
+          <p:nvPr>
+            <p:ph idx="1"/>
+          </p:nvPr>
+        </p:nvSpPr>
+        <p:spPr>
+          <a:xfrm>
+            <a:off x="643468" y="2638044"/>
+            <a:ext cx="3363974" cy="3415622"/>
+          </a:xfrm>
+        </p:spPr>
+        <p:txBody>
+          <a:bodyPr>
+            <a:normAutofit fontScale="85000" lnSpcReduction="10000"/>
+          </a:bodyPr>
+          <a:lstStyle/>
+          <a:p>
+            <a:r>
+              <a:rPr lang="en-US" sz="2000" dirty="0"/>
+              <a:t>The graph for Facebook had indications of employee reviews being affected by the success of the company, marked by the downturn of both in 2018</a:t>
+            </a:r>
+          </a:p>
+          <a:p>
+            <a:r>
+              <a:rPr lang="en-US" sz="2000" dirty="0"/>
+              <a:t>This was around the time some of the big Facebook scandals started</a:t>
+            </a:r>
+          </a:p>
+          <a:p>
+            <a:r>
+              <a:rPr lang="en-US" sz="2000" dirty="0"/>
+              <a:t>Other ways of measuring company success?</a:t>
+            </a:r>
+          </a:p>
+          <a:p>
+            <a:pPr lvl="1"/>
+            <a:r>
+              <a:rPr lang="en-US" sz="1600" dirty="0"/>
+              <a:t>Customer satisfaction</a:t>
+            </a:r>
+          </a:p>
+          <a:p>
+            <a:pPr lvl="1"/>
+            <a:r>
+              <a:rPr lang="en-US" sz="1600" dirty="0"/>
+              <a:t>Attraction of new customers</a:t>
+            </a:r>
+          </a:p>
+          <a:p>
+            <a:pPr lvl="1"/>
+            <a:r>
+              <a:rPr lang="en-US" sz="1600" dirty="0"/>
+              <a:t>Independent analysis of earning reports instead of analysis using stock representation</a:t>
+            </a:r>
+          </a:p>
+        </p:txBody>
+      </p:sp>
+      <p:pic>
+        <p:nvPicPr>
+          <p:cNvPr id="8" name="Content Placeholder 4">
+            <a:extLst>
+              <a:ext uri="{FF2B5EF4-FFF2-40B4-BE49-F238E27FC236}">
+                <a16:creationId xmlns:a16="http://schemas.microsoft.com/office/drawing/2014/main" id="{3CA53288-DDDC-412A-8B4B-631011534183}"/>
+              </a:ext>
+            </a:extLst>
+          </p:cNvPr>
+          <p:cNvPicPr>
+            <a:picLocks noChangeAspect="1"/>
+          </p:cNvPicPr>
+          <p:nvPr/>
+        </p:nvPicPr>
+        <p:blipFill>
+          <a:blip r:embed="rId2">
+            <a:extLst>
+              <a:ext uri="{28A0092B-C50C-407E-A947-70E740481C1C}">
+                <a14:useLocalDpi xmlns:a14="http://schemas.microsoft.com/office/drawing/2010/main" val="0"/>
+              </a:ext>
+            </a:extLst>
+          </a:blip>
+          <a:stretch>
+            <a:fillRect/>
+          </a:stretch>
+        </p:blipFill>
+        <p:spPr>
+          <a:xfrm>
+            <a:off x="5297763" y="1264977"/>
+            <a:ext cx="6250769" cy="4167178"/>
+          </a:xfrm>
+          <a:prstGeom prst="rect">
+            <a:avLst/>
+          </a:prstGeom>
+        </p:spPr>
+      </p:pic>
+    </p:spTree>
+    <p:extLst>
+      <p:ext uri="{BB962C8B-B14F-4D97-AF65-F5344CB8AC3E}">
+        <p14:creationId xmlns:p14="http://schemas.microsoft.com/office/powerpoint/2010/main" val="3726786962"/>
+      </p:ext>
+    </p:extLst>
+  </p:cSld>
+  <p:clrMapOvr>
+    <a:masterClrMapping/>
+  </p:clrMapOvr>
+</p:sld>
+</file>
+
+<file path=ppt/slides/slide3.xml><?xml version="1.0" encoding="utf-8"?>
+<p:sld xmlns:a="http://schemas.openxmlformats.org/drawingml/2006/main" xmlns:r="http://schemas.openxmlformats.org/officeDocument/2006/relationships" xmlns:p="http://schemas.openxmlformats.org/presentationml/2006/main">
+  <p:cSld>
+    <p:spTree>
+      <p:nvGrpSpPr>
+        <p:cNvPr id="1" name=""/>
+        <p:cNvGrpSpPr/>
+        <p:nvPr/>
+      </p:nvGrpSpPr>
+      <p:grpSpPr>
+        <a:xfrm>
+          <a:off x="0" y="0"/>
+          <a:ext cx="0" cy="0"/>
+          <a:chOff x="0" y="0"/>
+          <a:chExt cx="0" cy="0"/>
+        </a:xfrm>
+      </p:grpSpPr>
+      <p:sp>
+        <p:nvSpPr>
+          <p:cNvPr id="4" name="Title 3">
+            <a:extLst>
+              <a:ext uri="{FF2B5EF4-FFF2-40B4-BE49-F238E27FC236}">
+                <a16:creationId xmlns:a16="http://schemas.microsoft.com/office/drawing/2014/main" id="{C1A1F19A-4C50-49BB-925A-738C882B0999}"/>
+              </a:ext>
+            </a:extLst>
+          </p:cNvPr>
+          <p:cNvSpPr>
+            <a:spLocks noGrp="1"/>
+          </p:cNvSpPr>
+          <p:nvPr>
+            <p:ph type="title"/>
+          </p:nvPr>
+        </p:nvSpPr>
+        <p:spPr/>
+        <p:txBody>
+          <a:bodyPr>
+            <a:normAutofit fontScale="90000"/>
+          </a:bodyPr>
+          <a:lstStyle/>
+          <a:p>
+            <a:r>
+              <a:rPr lang="en-US" dirty="0"/>
+              <a:t>Which of the subcategories impacted the overall rating the most? </a:t>
+            </a:r>
+          </a:p>
+        </p:txBody>
+      </p:sp>
+      <p:sp>
+        <p:nvSpPr>
+          <p:cNvPr id="5" name="Text Placeholder 4">
+            <a:extLst>
+              <a:ext uri="{FF2B5EF4-FFF2-40B4-BE49-F238E27FC236}">
+                <a16:creationId xmlns:a16="http://schemas.microsoft.com/office/drawing/2014/main" id="{76AF5962-ED7E-4F6B-B6A9-0C6E94F6373A}"/>
+              </a:ext>
+            </a:extLst>
+          </p:cNvPr>
+          <p:cNvSpPr>
+            <a:spLocks noGrp="1"/>
+          </p:cNvSpPr>
+          <p:nvPr>
+            <p:ph type="body" idx="1"/>
+          </p:nvPr>
+        </p:nvSpPr>
+        <p:spPr/>
+        <p:txBody>
+          <a:bodyPr/>
+          <a:lstStyle/>
+          <a:p>
+            <a:endParaRPr lang="en-US"/>
+          </a:p>
+        </p:txBody>
+      </p:sp>
+    </p:spTree>
+    <p:extLst>
+      <p:ext uri="{BB962C8B-B14F-4D97-AF65-F5344CB8AC3E}">
+        <p14:creationId xmlns:p14="http://schemas.microsoft.com/office/powerpoint/2010/main" val="1339526907"/>
+      </p:ext>
+    </p:extLst>
+  </p:cSld>
+  <p:clrMapOvr>
+    <a:masterClrMapping/>
+  </p:clrMapOvr>
+</p:sld>
+</file>
+
+<file path=ppt/slides/slide4.xml><?xml version="1.0" encoding="utf-8"?>
+<p:sld xmlns:a="http://schemas.openxmlformats.org/drawingml/2006/main" xmlns:r="http://schemas.openxmlformats.org/officeDocument/2006/relationships" xmlns:p="http://schemas.openxmlformats.org/presentationml/2006/main">
+  <p:cSld>
+    <p:spTree>
+      <p:nvGrpSpPr>
+        <p:cNvPr id="1" name=""/>
+        <p:cNvGrpSpPr/>
+        <p:nvPr/>
+      </p:nvGrpSpPr>
+      <p:grpSpPr>
+        <a:xfrm>
+          <a:off x="0" y="0"/>
+          <a:ext cx="0" cy="0"/>
+          <a:chOff x="0" y="0"/>
+          <a:chExt cx="0" cy="0"/>
+        </a:xfrm>
+      </p:grpSpPr>
+      <p:sp>
+        <p:nvSpPr>
+          <p:cNvPr id="2" name="Title 1">
+            <a:extLst>
+              <a:ext uri="{FF2B5EF4-FFF2-40B4-BE49-F238E27FC236}">
+                <a16:creationId xmlns:a16="http://schemas.microsoft.com/office/drawing/2014/main" id="{FCE85C4E-4297-0644-94C0-84859933654E}"/>
+              </a:ext>
+            </a:extLst>
+          </p:cNvPr>
+          <p:cNvSpPr>
+            <a:spLocks noGrp="1"/>
+          </p:cNvSpPr>
+          <p:nvPr>
+            <p:ph type="title"/>
+          </p:nvPr>
+        </p:nvSpPr>
+        <p:spPr/>
+        <p:txBody>
+          <a:bodyPr/>
+          <a:lstStyle/>
+          <a:p>
+            <a:r>
+              <a:rPr lang="en-US" i="1" dirty="0"/>
+              <a:t>To what extent do these factors impact an employee's overall opinion of a company?</a:t>
+            </a:r>
+          </a:p>
+        </p:txBody>
+      </p:sp>
+      <p:sp>
+        <p:nvSpPr>
+          <p:cNvPr id="3" name="Content Placeholder 2">
+            <a:extLst>
+              <a:ext uri="{FF2B5EF4-FFF2-40B4-BE49-F238E27FC236}">
+                <a16:creationId xmlns:a16="http://schemas.microsoft.com/office/drawing/2014/main" id="{6C1AFC6D-A9E1-2A4A-9590-370CDFED51F9}"/>
+              </a:ext>
+            </a:extLst>
+          </p:cNvPr>
+          <p:cNvSpPr>
+            <a:spLocks noGrp="1"/>
+          </p:cNvSpPr>
+          <p:nvPr>
+            <p:ph idx="1"/>
+          </p:nvPr>
+        </p:nvSpPr>
+        <p:spPr/>
+        <p:txBody>
+          <a:bodyPr/>
+          <a:lstStyle/>
+          <a:p>
+            <a:r>
+              <a:rPr lang="en-US" dirty="0"/>
+              <a:t>Opportunities, Work- Life Balance, Management, Culture </a:t>
+            </a:r>
+          </a:p>
+          <a:p>
+            <a:endParaRPr lang="en-US" dirty="0"/>
+          </a:p>
+          <a:p>
+            <a:r>
+              <a:rPr lang="en-US" dirty="0"/>
+              <a:t>Cleaning </a:t>
+            </a:r>
+          </a:p>
+          <a:p>
+            <a:pPr lvl="1"/>
+            <a:r>
+              <a:rPr lang="en-US" dirty="0"/>
+              <a:t>Data Frame </a:t>
+            </a:r>
+          </a:p>
+          <a:p>
+            <a:pPr lvl="1"/>
+            <a:r>
+              <a:rPr lang="en-US" dirty="0"/>
+              <a:t>Drop NA</a:t>
+            </a:r>
+          </a:p>
+          <a:p>
+            <a:pPr lvl="1"/>
+            <a:r>
+              <a:rPr lang="en-US" dirty="0"/>
+              <a:t>Convert to float</a:t>
+            </a:r>
+          </a:p>
+          <a:p>
+            <a:pPr marL="0" indent="0">
+              <a:buNone/>
+            </a:pPr>
+            <a:endParaRPr lang="en-US" dirty="0"/>
+          </a:p>
+          <a:p>
+            <a:r>
+              <a:rPr lang="en-US" dirty="0" err="1"/>
+              <a:t>scikit</a:t>
+            </a:r>
+            <a:r>
+              <a:rPr lang="en-US" dirty="0"/>
+              <a:t>-learn vs. SciPy</a:t>
+            </a:r>
+          </a:p>
+          <a:p>
+            <a:endParaRPr lang="en-US" dirty="0"/>
+          </a:p>
+        </p:txBody>
+      </p:sp>
+    </p:spTree>
+    <p:extLst>
+      <p:ext uri="{BB962C8B-B14F-4D97-AF65-F5344CB8AC3E}">
+        <p14:creationId xmlns:p14="http://schemas.microsoft.com/office/powerpoint/2010/main" val="3101357389"/>
+      </p:ext>
+    </p:extLst>
+  </p:cSld>
+  <p:clrMapOvr>
+    <a:masterClrMapping/>
+  </p:clrMapOvr>
+</p:sld>
+</file>
+
+<file path=ppt/slides/slide5.xml><?xml version="1.0" encoding="utf-8"?>
+<p:sld xmlns:a="http://schemas.openxmlformats.org/drawingml/2006/main" xmlns:r="http://schemas.openxmlformats.org/officeDocument/2006/relationships" xmlns:p="http://schemas.openxmlformats.org/presentationml/2006/main">
+  <p:cSld>
+    <p:spTree>
+      <p:nvGrpSpPr>
+        <p:cNvPr id="1" name=""/>
+        <p:cNvGrpSpPr/>
+        <p:nvPr/>
+      </p:nvGrpSpPr>
+      <p:grpSpPr>
+        <a:xfrm>
+          <a:off x="0" y="0"/>
+          <a:ext cx="0" cy="0"/>
+          <a:chOff x="0" y="0"/>
+          <a:chExt cx="0" cy="0"/>
+        </a:xfrm>
+      </p:grpSpPr>
+      <p:sp>
+        <p:nvSpPr>
+          <p:cNvPr id="2" name="Title 1">
+            <a:extLst>
+              <a:ext uri="{FF2B5EF4-FFF2-40B4-BE49-F238E27FC236}">
+                <a16:creationId xmlns:a16="http://schemas.microsoft.com/office/drawing/2014/main" id="{765FF2A6-3F84-0D45-9682-70E81462D041}"/>
+              </a:ext>
+            </a:extLst>
+          </p:cNvPr>
+          <p:cNvSpPr>
+            <a:spLocks noGrp="1"/>
+          </p:cNvSpPr>
+          <p:nvPr>
+            <p:ph type="title"/>
+          </p:nvPr>
+        </p:nvSpPr>
+        <p:spPr>
+          <a:xfrm>
+            <a:off x="838200" y="226594"/>
+            <a:ext cx="10515600" cy="865027"/>
+          </a:xfrm>
+        </p:spPr>
+        <p:txBody>
+          <a:bodyPr/>
+          <a:lstStyle/>
+          <a:p>
+            <a:pPr algn="ctr"/>
+            <a:r>
+              <a:rPr lang="en-US" dirty="0"/>
+              <a:t>Single Variable Linear Regression (Culture)</a:t>
+            </a:r>
+          </a:p>
+        </p:txBody>
+      </p:sp>
+      <p:pic>
+        <p:nvPicPr>
+          <p:cNvPr id="4" name="Picture 3">
+            <a:extLst>
+              <a:ext uri="{FF2B5EF4-FFF2-40B4-BE49-F238E27FC236}">
+                <a16:creationId xmlns:a16="http://schemas.microsoft.com/office/drawing/2014/main" id="{0A9B7738-14D7-2849-A7C9-0C1E1FEE7C8F}"/>
+              </a:ext>
+            </a:extLst>
+          </p:cNvPr>
+          <p:cNvPicPr>
+            <a:picLocks noChangeAspect="1"/>
+          </p:cNvPicPr>
+          <p:nvPr/>
+        </p:nvPicPr>
+        <p:blipFill>
+          <a:blip r:embed="rId2">
+            <a:extLst>
+              <a:ext uri="{28A0092B-C50C-407E-A947-70E740481C1C}">
+                <a14:useLocalDpi xmlns:a14="http://schemas.microsoft.com/office/drawing/2010/main" val="0"/>
+              </a:ext>
+            </a:extLst>
+          </a:blip>
+          <a:stretch>
+            <a:fillRect/>
+          </a:stretch>
+        </p:blipFill>
+        <p:spPr>
+          <a:xfrm>
+            <a:off x="1152351" y="1091621"/>
+            <a:ext cx="9887299" cy="5549453"/>
+          </a:xfrm>
+          <a:prstGeom prst="rect">
+            <a:avLst/>
+          </a:prstGeom>
+        </p:spPr>
+      </p:pic>
+      <p:sp>
+        <p:nvSpPr>
+          <p:cNvPr id="5" name="TextBox 4">
+            <a:extLst>
+              <a:ext uri="{FF2B5EF4-FFF2-40B4-BE49-F238E27FC236}">
+                <a16:creationId xmlns:a16="http://schemas.microsoft.com/office/drawing/2014/main" id="{A304A49A-1052-3645-A0C8-AF3BEFBA3958}"/>
+              </a:ext>
+            </a:extLst>
+          </p:cNvPr>
+          <p:cNvSpPr txBox="1"/>
+          <p:nvPr/>
+        </p:nvSpPr>
+        <p:spPr>
+          <a:xfrm>
+            <a:off x="1128726" y="4634048"/>
+            <a:ext cx="2764715" cy="554636"/>
+          </a:xfrm>
+          <a:prstGeom prst="rect">
+            <a:avLst/>
+          </a:prstGeom>
+          <a:solidFill>
+            <a:srgbClr val="FFFF00">
+              <a:alpha val="25000"/>
+            </a:srgbClr>
+          </a:solidFill>
+          <a:ln w="38100">
+            <a:solidFill>
+              <a:schemeClr val="accent1"/>
+            </a:solidFill>
+          </a:ln>
+        </p:spPr>
+        <p:txBody>
+          <a:bodyPr wrap="square" rtlCol="0">
+            <a:spAutoFit/>
+          </a:bodyPr>
+          <a:lstStyle/>
+          <a:p>
+            <a:pPr marL="0" marR="0" lvl="0" indent="0" algn="l" defTabSz="914400" rtl="0" eaLnBrk="1" fontAlgn="auto" latinLnBrk="0" hangingPunct="1">
+              <a:lnSpc>
+                <a:spcPct val="100000"/>
+              </a:lnSpc>
+              <a:spcBef>
+                <a:spcPts val="0"/>
+              </a:spcBef>
+              <a:spcAft>
+                <a:spcPts val="0"/>
+              </a:spcAft>
+              <a:buClrTx/>
+              <a:buSzTx/>
+              <a:buFontTx/>
+              <a:buNone/>
+              <a:tabLst/>
+              <a:defRPr/>
+            </a:pPr>
+            <a:endParaRPr kumimoji="0" lang="en-US" sz="1800" b="0" i="0" u="none" strike="noStrike" kern="1200" cap="none" spc="0" normalizeH="0" baseline="0" noProof="0" dirty="0">
+              <a:ln>
+                <a:noFill/>
+              </a:ln>
+              <a:solidFill>
+                <a:prstClr val="black"/>
+              </a:solidFill>
+              <a:effectLst/>
+              <a:uLnTx/>
+              <a:uFillTx/>
+              <a:latin typeface="Calibri" panose="020F0502020204030204"/>
+              <a:ea typeface="+mn-ea"/>
+              <a:cs typeface="+mn-cs"/>
+            </a:endParaRPr>
+          </a:p>
+        </p:txBody>
+      </p:sp>
+      <p:sp>
+        <p:nvSpPr>
+          <p:cNvPr id="6" name="TextBox 5">
+            <a:extLst>
+              <a:ext uri="{FF2B5EF4-FFF2-40B4-BE49-F238E27FC236}">
+                <a16:creationId xmlns:a16="http://schemas.microsoft.com/office/drawing/2014/main" id="{4E8A770B-50E4-A941-8A31-627CA1F70B8E}"/>
+              </a:ext>
+            </a:extLst>
+          </p:cNvPr>
+          <p:cNvSpPr txBox="1"/>
+          <p:nvPr/>
+        </p:nvSpPr>
+        <p:spPr>
+          <a:xfrm>
+            <a:off x="3268670" y="4137667"/>
+            <a:ext cx="624771" cy="313298"/>
+          </a:xfrm>
+          <a:prstGeom prst="rect">
+            <a:avLst/>
+          </a:prstGeom>
+          <a:solidFill>
+            <a:srgbClr val="FFFF00">
+              <a:alpha val="25000"/>
+            </a:srgbClr>
+          </a:solidFill>
+          <a:ln w="38100">
+            <a:solidFill>
+              <a:schemeClr val="accent1"/>
+            </a:solidFill>
+          </a:ln>
+        </p:spPr>
+        <p:txBody>
+          <a:bodyPr wrap="square" rtlCol="0">
+            <a:spAutoFit/>
+          </a:bodyPr>
+          <a:lstStyle/>
+          <a:p>
+            <a:pPr marL="0" marR="0" lvl="0" indent="0" algn="l" defTabSz="914400" rtl="0" eaLnBrk="1" fontAlgn="auto" latinLnBrk="0" hangingPunct="1">
+              <a:lnSpc>
+                <a:spcPct val="100000"/>
+              </a:lnSpc>
+              <a:spcBef>
+                <a:spcPts val="0"/>
+              </a:spcBef>
+              <a:spcAft>
+                <a:spcPts val="0"/>
+              </a:spcAft>
+              <a:buClrTx/>
+              <a:buSzTx/>
+              <a:buFontTx/>
+              <a:buNone/>
+              <a:tabLst/>
+              <a:defRPr/>
+            </a:pPr>
+            <a:endParaRPr kumimoji="0" lang="en-US" sz="1800" b="0" i="0" u="none" strike="noStrike" kern="1200" cap="none" spc="0" normalizeH="0" baseline="0" noProof="0" dirty="0">
+              <a:ln>
+                <a:noFill/>
+              </a:ln>
+              <a:solidFill>
+                <a:prstClr val="black"/>
+              </a:solidFill>
+              <a:effectLst/>
+              <a:uLnTx/>
+              <a:uFillTx/>
+              <a:latin typeface="Calibri" panose="020F0502020204030204"/>
+              <a:ea typeface="+mn-ea"/>
+              <a:cs typeface="+mn-cs"/>
+            </a:endParaRPr>
+          </a:p>
+        </p:txBody>
+      </p:sp>
+      <p:sp>
+        <p:nvSpPr>
+          <p:cNvPr id="7" name="TextBox 6">
+            <a:extLst>
+              <a:ext uri="{FF2B5EF4-FFF2-40B4-BE49-F238E27FC236}">
+                <a16:creationId xmlns:a16="http://schemas.microsoft.com/office/drawing/2014/main" id="{0DC771FC-476A-A845-91B4-0E4B2879A7D2}"/>
+              </a:ext>
+            </a:extLst>
+          </p:cNvPr>
+          <p:cNvSpPr txBox="1"/>
+          <p:nvPr/>
+        </p:nvSpPr>
+        <p:spPr>
+          <a:xfrm>
+            <a:off x="7281041" y="4630114"/>
+            <a:ext cx="783058" cy="583207"/>
+          </a:xfrm>
+          <a:prstGeom prst="rect">
+            <a:avLst/>
+          </a:prstGeom>
+          <a:solidFill>
+            <a:srgbClr val="92D050">
+              <a:alpha val="25000"/>
+            </a:srgbClr>
+          </a:solidFill>
+          <a:ln w="38100">
+            <a:solidFill>
+              <a:schemeClr val="accent1"/>
+            </a:solidFill>
+          </a:ln>
+        </p:spPr>
+        <p:txBody>
+          <a:bodyPr wrap="square" rtlCol="0">
+            <a:spAutoFit/>
+          </a:bodyPr>
+          <a:lstStyle/>
+          <a:p>
+            <a:pPr marL="0" marR="0" lvl="0" indent="0" algn="l" defTabSz="914400" rtl="0" eaLnBrk="1" fontAlgn="auto" latinLnBrk="0" hangingPunct="1">
+              <a:lnSpc>
+                <a:spcPct val="100000"/>
+              </a:lnSpc>
+              <a:spcBef>
+                <a:spcPts val="0"/>
+              </a:spcBef>
+              <a:spcAft>
+                <a:spcPts val="0"/>
+              </a:spcAft>
+              <a:buClrTx/>
+              <a:buSzTx/>
+              <a:buFontTx/>
+              <a:buNone/>
+              <a:tabLst/>
+              <a:defRPr/>
+            </a:pPr>
+            <a:endParaRPr kumimoji="0" lang="en-US" sz="1800" b="0" i="0" u="none" strike="noStrike" kern="1200" cap="none" spc="0" normalizeH="0" baseline="0" noProof="0" dirty="0">
+              <a:ln>
+                <a:noFill/>
+              </a:ln>
+              <a:solidFill>
+                <a:prstClr val="black"/>
+              </a:solidFill>
+              <a:effectLst/>
+              <a:uLnTx/>
+              <a:uFillTx/>
+              <a:latin typeface="Calibri" panose="020F0502020204030204"/>
+              <a:ea typeface="+mn-ea"/>
+              <a:cs typeface="+mn-cs"/>
+            </a:endParaRPr>
+          </a:p>
+        </p:txBody>
+      </p:sp>
+      <p:sp>
+        <p:nvSpPr>
+          <p:cNvPr id="8" name="TextBox 7">
+            <a:extLst>
+              <a:ext uri="{FF2B5EF4-FFF2-40B4-BE49-F238E27FC236}">
+                <a16:creationId xmlns:a16="http://schemas.microsoft.com/office/drawing/2014/main" id="{EC8EB7BD-967E-4543-9FEE-728E01ED2E40}"/>
+              </a:ext>
+            </a:extLst>
+          </p:cNvPr>
+          <p:cNvSpPr txBox="1"/>
+          <p:nvPr/>
+        </p:nvSpPr>
+        <p:spPr>
+          <a:xfrm>
+            <a:off x="7281041" y="4085430"/>
+            <a:ext cx="783058" cy="365535"/>
+          </a:xfrm>
+          <a:prstGeom prst="rect">
+            <a:avLst/>
+          </a:prstGeom>
+          <a:solidFill>
+            <a:srgbClr val="92D050">
+              <a:alpha val="25000"/>
+            </a:srgbClr>
+          </a:solidFill>
+          <a:ln w="38100">
+            <a:solidFill>
+              <a:schemeClr val="accent1"/>
+            </a:solidFill>
+          </a:ln>
+        </p:spPr>
+        <p:txBody>
+          <a:bodyPr wrap="square" rtlCol="0">
+            <a:spAutoFit/>
+          </a:bodyPr>
+          <a:lstStyle/>
+          <a:p>
+            <a:pPr marL="0" marR="0" lvl="0" indent="0" algn="l" defTabSz="914400" rtl="0" eaLnBrk="1" fontAlgn="auto" latinLnBrk="0" hangingPunct="1">
+              <a:lnSpc>
+                <a:spcPct val="100000"/>
+              </a:lnSpc>
+              <a:spcBef>
+                <a:spcPts val="0"/>
+              </a:spcBef>
+              <a:spcAft>
+                <a:spcPts val="0"/>
+              </a:spcAft>
+              <a:buClrTx/>
+              <a:buSzTx/>
+              <a:buFontTx/>
+              <a:buNone/>
+              <a:tabLst/>
+              <a:defRPr/>
+            </a:pPr>
+            <a:endParaRPr kumimoji="0" lang="en-US" sz="1800" b="0" i="0" u="none" strike="noStrike" kern="1200" cap="none" spc="0" normalizeH="0" baseline="0" noProof="0" dirty="0">
+              <a:ln>
+                <a:noFill/>
+              </a:ln>
+              <a:solidFill>
+                <a:prstClr val="black"/>
+              </a:solidFill>
+              <a:effectLst/>
+              <a:uLnTx/>
+              <a:uFillTx/>
+              <a:latin typeface="Calibri" panose="020F0502020204030204"/>
+              <a:ea typeface="+mn-ea"/>
+              <a:cs typeface="+mn-cs"/>
+            </a:endParaRPr>
+          </a:p>
+        </p:txBody>
+      </p:sp>
+      <p:sp>
+        <p:nvSpPr>
+          <p:cNvPr id="9" name="TextBox 8">
+            <a:extLst>
+              <a:ext uri="{FF2B5EF4-FFF2-40B4-BE49-F238E27FC236}">
+                <a16:creationId xmlns:a16="http://schemas.microsoft.com/office/drawing/2014/main" id="{7352F920-0140-F245-BCA0-67F961D8D4C6}"/>
+              </a:ext>
+            </a:extLst>
+          </p:cNvPr>
+          <p:cNvSpPr txBox="1"/>
+          <p:nvPr/>
+        </p:nvSpPr>
+        <p:spPr>
+          <a:xfrm>
+            <a:off x="6149009" y="1600965"/>
+            <a:ext cx="4890640" cy="264278"/>
+          </a:xfrm>
+          <a:prstGeom prst="rect">
+            <a:avLst/>
+          </a:prstGeom>
+          <a:solidFill>
+            <a:srgbClr val="FF0000">
+              <a:alpha val="10000"/>
+            </a:srgbClr>
+          </a:solidFill>
+          <a:ln w="38100">
+            <a:solidFill>
+              <a:schemeClr val="accent1"/>
+            </a:solidFill>
+          </a:ln>
+        </p:spPr>
+        <p:txBody>
+          <a:bodyPr wrap="square" rtlCol="0">
+            <a:spAutoFit/>
+          </a:bodyPr>
+          <a:lstStyle/>
+          <a:p>
+            <a:pPr marL="0" marR="0" lvl="0" indent="0" algn="l" defTabSz="914400" rtl="0" eaLnBrk="1" fontAlgn="auto" latinLnBrk="0" hangingPunct="1">
+              <a:lnSpc>
+                <a:spcPct val="100000"/>
+              </a:lnSpc>
+              <a:spcBef>
+                <a:spcPts val="0"/>
+              </a:spcBef>
+              <a:spcAft>
+                <a:spcPts val="0"/>
+              </a:spcAft>
+              <a:buClrTx/>
+              <a:buSzTx/>
+              <a:buFontTx/>
+              <a:buNone/>
+              <a:tabLst/>
+              <a:defRPr/>
+            </a:pPr>
+            <a:endParaRPr kumimoji="0" lang="en-US" sz="1800" b="0" i="0" u="none" strike="noStrike" kern="1200" cap="none" spc="0" normalizeH="0" baseline="0" noProof="0" dirty="0">
+              <a:ln>
+                <a:noFill/>
+              </a:ln>
+              <a:solidFill>
+                <a:prstClr val="black"/>
+              </a:solidFill>
+              <a:effectLst/>
+              <a:uLnTx/>
+              <a:uFillTx/>
+              <a:latin typeface="Calibri" panose="020F0502020204030204"/>
+              <a:ea typeface="+mn-ea"/>
+              <a:cs typeface="+mn-cs"/>
+            </a:endParaRPr>
+          </a:p>
+        </p:txBody>
+      </p:sp>
+    </p:spTree>
+    <p:extLst>
+      <p:ext uri="{BB962C8B-B14F-4D97-AF65-F5344CB8AC3E}">
+        <p14:creationId xmlns:p14="http://schemas.microsoft.com/office/powerpoint/2010/main" val="1159162973"/>
+      </p:ext>
+    </p:extLst>
+  </p:cSld>
+  <p:clrMapOvr>
+    <a:masterClrMapping/>
+  </p:clrMapOvr>
+</p:sld>
+</file>
+
 <file path=ppt/slides/slide6.xml><?xml version="1.0" encoding="utf-8"?>
 <p:sld xmlns:a="http://schemas.openxmlformats.org/drawingml/2006/main" xmlns:r="http://schemas.openxmlformats.org/officeDocument/2006/relationships" xmlns:p="http://schemas.openxmlformats.org/presentationml/2006/main">
   <p:cSld>
@@ -4608,7 +9426,7 @@
           <p:cNvPr id="2" name="Title 1">
             <a:extLst>
               <a:ext uri="{FF2B5EF4-FFF2-40B4-BE49-F238E27FC236}">
-                <a16:creationId xmlns:a16="http://schemas.microsoft.com/office/drawing/2014/main" id="{CD1335AC-C5F9-426B-BCE7-0979CFE4D240}"/>
+                <a16:creationId xmlns:a16="http://schemas.microsoft.com/office/drawing/2014/main" id="{E557AB68-0818-044E-BF41-6FE72832E153}"/>
               </a:ext>
             </a:extLst>
           </p:cNvPr>
@@ -4619,97 +9437,428 @@
             <p:ph type="title"/>
           </p:nvPr>
         </p:nvSpPr>
-        <p:spPr/>
-        <p:txBody>
-          <a:bodyPr/>
-          <a:lstStyle/>
-          <a:p>
-            <a:r>
+        <p:spPr>
+          <a:xfrm>
+            <a:off x="838200" y="0"/>
+            <a:ext cx="10515600" cy="1325563"/>
+          </a:xfrm>
+        </p:spPr>
+        <p:txBody>
+          <a:bodyPr>
+            <a:normAutofit/>
+          </a:bodyPr>
+          <a:lstStyle/>
+          <a:p>
+            <a:pPr algn="ctr"/>
+            <a:r>
+              <a:rPr lang="en-US" sz="3600" dirty="0"/>
+              <a:t>Multiple Variable Linear Regression</a:t>
+            </a:r>
+            <a:br>
               <a:rPr lang="en-US" dirty="0"/>
-              <a:t>Unemployment Post Mortem</a:t>
-            </a:r>
-          </a:p>
-        </p:txBody>
-      </p:sp>
-      <p:sp>
-        <p:nvSpPr>
-          <p:cNvPr id="3" name="Content Placeholder 2">
+            </a:br>
+            <a:r>
+              <a:rPr lang="en-US" sz="2400" dirty="0"/>
+              <a:t>(Culture, Work-Life Balance, Opportunities, Management, Benefits) </a:t>
+            </a:r>
+          </a:p>
+        </p:txBody>
+      </p:sp>
+      <p:pic>
+        <p:nvPicPr>
+          <p:cNvPr id="3" name="Content Placeholder 4">
             <a:extLst>
               <a:ext uri="{FF2B5EF4-FFF2-40B4-BE49-F238E27FC236}">
-                <a16:creationId xmlns:a16="http://schemas.microsoft.com/office/drawing/2014/main" id="{5C762817-E564-4865-A606-7EB0E6331E99}"/>
+                <a16:creationId xmlns:a16="http://schemas.microsoft.com/office/drawing/2014/main" id="{FE34BD93-BE74-5F42-92BE-862F5F157BC1}"/>
               </a:ext>
             </a:extLst>
           </p:cNvPr>
-          <p:cNvSpPr>
-            <a:spLocks noGrp="1"/>
-          </p:cNvSpPr>
-          <p:nvPr>
-            <p:ph idx="1"/>
-          </p:nvPr>
-        </p:nvSpPr>
-        <p:spPr/>
-        <p:txBody>
-          <a:bodyPr>
-            <a:normAutofit/>
+          <p:cNvPicPr>
+            <a:picLocks noChangeAspect="1"/>
+          </p:cNvPicPr>
+          <p:nvPr/>
+        </p:nvPicPr>
+        <p:blipFill>
+          <a:blip r:embed="rId3">
+            <a:extLst>
+              <a:ext uri="{28A0092B-C50C-407E-A947-70E740481C1C}">
+                <a14:useLocalDpi xmlns:a14="http://schemas.microsoft.com/office/drawing/2010/main" val="0"/>
+              </a:ext>
+            </a:extLst>
+          </a:blip>
+          <a:stretch>
+            <a:fillRect/>
+          </a:stretch>
+        </p:blipFill>
+        <p:spPr>
+          <a:xfrm>
+            <a:off x="1822704" y="1061691"/>
+            <a:ext cx="8849118" cy="5612576"/>
+          </a:xfrm>
+          <a:prstGeom prst="rect">
+            <a:avLst/>
+          </a:prstGeom>
+        </p:spPr>
+      </p:pic>
+      <p:sp>
+        <p:nvSpPr>
+          <p:cNvPr id="4" name="TextBox 3">
+            <a:extLst>
+              <a:ext uri="{FF2B5EF4-FFF2-40B4-BE49-F238E27FC236}">
+                <a16:creationId xmlns:a16="http://schemas.microsoft.com/office/drawing/2014/main" id="{CE7C0751-5437-5C46-B4C1-48C7266C1A9D}"/>
+              </a:ext>
+            </a:extLst>
+          </p:cNvPr>
+          <p:cNvSpPr txBox="1"/>
+          <p:nvPr/>
+        </p:nvSpPr>
+        <p:spPr>
+          <a:xfrm>
+            <a:off x="1787525" y="4102101"/>
+            <a:ext cx="2733675" cy="1303866"/>
+          </a:xfrm>
+          <a:prstGeom prst="rect">
+            <a:avLst/>
+          </a:prstGeom>
+          <a:solidFill>
+            <a:srgbClr val="FFFF00">
+              <a:alpha val="25000"/>
+            </a:srgbClr>
+          </a:solidFill>
+          <a:ln w="38100">
+            <a:solidFill>
+              <a:schemeClr val="accent1"/>
+            </a:solidFill>
+          </a:ln>
+        </p:spPr>
+        <p:txBody>
+          <a:bodyPr wrap="square" rtlCol="0">
+            <a:spAutoFit/>
           </a:bodyPr>
           <a:lstStyle/>
           <a:p>
-            <a:r>
-              <a:rPr lang="en-US" dirty="0"/>
-              <a:t>Difficulties:</a:t>
-            </a:r>
-          </a:p>
-          <a:p>
-            <a:pPr lvl="1"/>
-            <a:r>
-              <a:rPr lang="en-US" dirty="0"/>
-              <a:t>Unusual values in the dataset</a:t>
-            </a:r>
-          </a:p>
-          <a:p>
-            <a:pPr lvl="1"/>
-            <a:r>
-              <a:rPr lang="en-US" dirty="0"/>
-              <a:t>BLS API</a:t>
-            </a:r>
-          </a:p>
-          <a:p>
-            <a:r>
-              <a:rPr lang="en-US" dirty="0"/>
-              <a:t>Further Questions:</a:t>
-            </a:r>
-          </a:p>
-          <a:p>
-            <a:pPr lvl="1"/>
-            <a:r>
-              <a:rPr lang="en-US" dirty="0"/>
-              <a:t>Former vs. Current Employees (especially around times of high unemployment)</a:t>
-            </a:r>
-          </a:p>
-          <a:p>
-            <a:pPr lvl="1"/>
-            <a:r>
-              <a:rPr lang="en-US" dirty="0"/>
-              <a:t>More companies around 2009-2010</a:t>
-            </a:r>
-          </a:p>
-          <a:p>
-            <a:pPr lvl="1"/>
-            <a:r>
-              <a:rPr lang="en-US" dirty="0"/>
-              <a:t>Different review sites. </a:t>
-            </a:r>
-          </a:p>
-          <a:p>
-            <a:pPr lvl="1"/>
-            <a:endParaRPr lang="en-US" dirty="0"/>
+            <a:pPr marL="0" marR="0" lvl="0" indent="0" algn="l" defTabSz="914400" rtl="0" eaLnBrk="1" fontAlgn="auto" latinLnBrk="0" hangingPunct="1">
+              <a:lnSpc>
+                <a:spcPct val="100000"/>
+              </a:lnSpc>
+              <a:spcBef>
+                <a:spcPts val="0"/>
+              </a:spcBef>
+              <a:spcAft>
+                <a:spcPts val="0"/>
+              </a:spcAft>
+              <a:buClrTx/>
+              <a:buSzTx/>
+              <a:buFontTx/>
+              <a:buNone/>
+              <a:tabLst/>
+              <a:defRPr/>
+            </a:pPr>
+            <a:endParaRPr kumimoji="0" lang="en-US" sz="1800" b="0" i="0" u="none" strike="noStrike" kern="1200" cap="none" spc="0" normalizeH="0" baseline="0" noProof="0" dirty="0">
+              <a:ln>
+                <a:noFill/>
+              </a:ln>
+              <a:solidFill>
+                <a:prstClr val="black"/>
+              </a:solidFill>
+              <a:effectLst/>
+              <a:uLnTx/>
+              <a:uFillTx/>
+              <a:latin typeface="Calibri" panose="020F0502020204030204"/>
+              <a:ea typeface="+mn-ea"/>
+              <a:cs typeface="+mn-cs"/>
+            </a:endParaRPr>
+          </a:p>
+        </p:txBody>
+      </p:sp>
+      <p:sp>
+        <p:nvSpPr>
+          <p:cNvPr id="5" name="TextBox 4">
+            <a:extLst>
+              <a:ext uri="{FF2B5EF4-FFF2-40B4-BE49-F238E27FC236}">
+                <a16:creationId xmlns:a16="http://schemas.microsoft.com/office/drawing/2014/main" id="{DA2AB51D-3523-3F47-813E-4B439B3CE9BE}"/>
+              </a:ext>
+            </a:extLst>
+          </p:cNvPr>
+          <p:cNvSpPr txBox="1"/>
+          <p:nvPr/>
+        </p:nvSpPr>
+        <p:spPr>
+          <a:xfrm>
+            <a:off x="3975168" y="3669888"/>
+            <a:ext cx="546032" cy="232038"/>
+          </a:xfrm>
+          <a:prstGeom prst="rect">
+            <a:avLst/>
+          </a:prstGeom>
+          <a:solidFill>
+            <a:srgbClr val="FFFF00">
+              <a:alpha val="25000"/>
+            </a:srgbClr>
+          </a:solidFill>
+          <a:ln w="38100">
+            <a:solidFill>
+              <a:schemeClr val="accent1"/>
+            </a:solidFill>
+          </a:ln>
+        </p:spPr>
+        <p:txBody>
+          <a:bodyPr wrap="square" rtlCol="0">
+            <a:spAutoFit/>
+          </a:bodyPr>
+          <a:lstStyle/>
+          <a:p>
+            <a:pPr marL="0" marR="0" lvl="0" indent="0" algn="l" defTabSz="914400" rtl="0" eaLnBrk="1" fontAlgn="auto" latinLnBrk="0" hangingPunct="1">
+              <a:lnSpc>
+                <a:spcPct val="100000"/>
+              </a:lnSpc>
+              <a:spcBef>
+                <a:spcPts val="0"/>
+              </a:spcBef>
+              <a:spcAft>
+                <a:spcPts val="0"/>
+              </a:spcAft>
+              <a:buClrTx/>
+              <a:buSzTx/>
+              <a:buFontTx/>
+              <a:buNone/>
+              <a:tabLst/>
+              <a:defRPr/>
+            </a:pPr>
+            <a:endParaRPr kumimoji="0" lang="en-US" sz="1800" b="0" i="0" u="none" strike="noStrike" kern="1200" cap="none" spc="0" normalizeH="0" baseline="0" noProof="0" dirty="0">
+              <a:ln>
+                <a:noFill/>
+              </a:ln>
+              <a:solidFill>
+                <a:prstClr val="black"/>
+              </a:solidFill>
+              <a:effectLst/>
+              <a:uLnTx/>
+              <a:uFillTx/>
+              <a:latin typeface="Calibri" panose="020F0502020204030204"/>
+              <a:ea typeface="+mn-ea"/>
+              <a:cs typeface="+mn-cs"/>
+            </a:endParaRPr>
+          </a:p>
+        </p:txBody>
+      </p:sp>
+      <p:sp>
+        <p:nvSpPr>
+          <p:cNvPr id="6" name="TextBox 5">
+            <a:extLst>
+              <a:ext uri="{FF2B5EF4-FFF2-40B4-BE49-F238E27FC236}">
+                <a16:creationId xmlns:a16="http://schemas.microsoft.com/office/drawing/2014/main" id="{1A4BD12D-2C07-9745-8C03-2D0F2261CAC7}"/>
+              </a:ext>
+            </a:extLst>
+          </p:cNvPr>
+          <p:cNvSpPr txBox="1"/>
+          <p:nvPr/>
+        </p:nvSpPr>
+        <p:spPr>
+          <a:xfrm>
+            <a:off x="7444023" y="4102100"/>
+            <a:ext cx="612053" cy="1303865"/>
+          </a:xfrm>
+          <a:prstGeom prst="rect">
+            <a:avLst/>
+          </a:prstGeom>
+          <a:solidFill>
+            <a:srgbClr val="92D050">
+              <a:alpha val="30000"/>
+            </a:srgbClr>
+          </a:solidFill>
+          <a:ln w="38100">
+            <a:solidFill>
+              <a:schemeClr val="accent1"/>
+            </a:solidFill>
+          </a:ln>
+        </p:spPr>
+        <p:txBody>
+          <a:bodyPr wrap="square" rtlCol="0">
+            <a:spAutoFit/>
+          </a:bodyPr>
+          <a:lstStyle/>
+          <a:p>
+            <a:pPr marL="0" marR="0" lvl="0" indent="0" algn="l" defTabSz="914400" rtl="0" eaLnBrk="1" fontAlgn="auto" latinLnBrk="0" hangingPunct="1">
+              <a:lnSpc>
+                <a:spcPct val="100000"/>
+              </a:lnSpc>
+              <a:spcBef>
+                <a:spcPts val="0"/>
+              </a:spcBef>
+              <a:spcAft>
+                <a:spcPts val="0"/>
+              </a:spcAft>
+              <a:buClrTx/>
+              <a:buSzTx/>
+              <a:buFontTx/>
+              <a:buNone/>
+              <a:tabLst/>
+              <a:defRPr/>
+            </a:pPr>
+            <a:endParaRPr kumimoji="0" lang="en-US" sz="1800" b="0" i="0" u="none" strike="noStrike" kern="1200" cap="none" spc="0" normalizeH="0" baseline="0" noProof="0" dirty="0">
+              <a:ln>
+                <a:noFill/>
+              </a:ln>
+              <a:solidFill>
+                <a:prstClr val="black"/>
+              </a:solidFill>
+              <a:effectLst/>
+              <a:uLnTx/>
+              <a:uFillTx/>
+              <a:latin typeface="Calibri" panose="020F0502020204030204"/>
+              <a:ea typeface="+mn-ea"/>
+              <a:cs typeface="+mn-cs"/>
+            </a:endParaRPr>
+          </a:p>
+        </p:txBody>
+      </p:sp>
+      <p:sp>
+        <p:nvSpPr>
+          <p:cNvPr id="7" name="TextBox 6">
+            <a:extLst>
+              <a:ext uri="{FF2B5EF4-FFF2-40B4-BE49-F238E27FC236}">
+                <a16:creationId xmlns:a16="http://schemas.microsoft.com/office/drawing/2014/main" id="{282B57FE-1F55-0541-AB23-D987C8659586}"/>
+              </a:ext>
+            </a:extLst>
+          </p:cNvPr>
+          <p:cNvSpPr txBox="1"/>
+          <p:nvPr/>
+        </p:nvSpPr>
+        <p:spPr>
+          <a:xfrm>
+            <a:off x="6096000" y="1472069"/>
+            <a:ext cx="4273296" cy="232038"/>
+          </a:xfrm>
+          <a:prstGeom prst="rect">
+            <a:avLst/>
+          </a:prstGeom>
+          <a:solidFill>
+            <a:srgbClr val="FF0000">
+              <a:alpha val="10000"/>
+            </a:srgbClr>
+          </a:solidFill>
+          <a:ln w="38100">
+            <a:solidFill>
+              <a:schemeClr val="accent1"/>
+            </a:solidFill>
+          </a:ln>
+        </p:spPr>
+        <p:txBody>
+          <a:bodyPr wrap="square" rtlCol="0">
+            <a:spAutoFit/>
+          </a:bodyPr>
+          <a:lstStyle/>
+          <a:p>
+            <a:pPr marL="0" marR="0" lvl="0" indent="0" algn="l" defTabSz="914400" rtl="0" eaLnBrk="1" fontAlgn="auto" latinLnBrk="0" hangingPunct="1">
+              <a:lnSpc>
+                <a:spcPct val="100000"/>
+              </a:lnSpc>
+              <a:spcBef>
+                <a:spcPts val="0"/>
+              </a:spcBef>
+              <a:spcAft>
+                <a:spcPts val="0"/>
+              </a:spcAft>
+              <a:buClrTx/>
+              <a:buSzTx/>
+              <a:buFontTx/>
+              <a:buNone/>
+              <a:tabLst/>
+              <a:defRPr/>
+            </a:pPr>
+            <a:endParaRPr kumimoji="0" lang="en-US" sz="1800" b="0" i="0" u="none" strike="noStrike" kern="1200" cap="none" spc="0" normalizeH="0" baseline="0" noProof="0" dirty="0">
+              <a:ln>
+                <a:noFill/>
+              </a:ln>
+              <a:solidFill>
+                <a:prstClr val="black"/>
+              </a:solidFill>
+              <a:effectLst/>
+              <a:uLnTx/>
+              <a:uFillTx/>
+              <a:latin typeface="Calibri" panose="020F0502020204030204"/>
+              <a:ea typeface="+mn-ea"/>
+              <a:cs typeface="+mn-cs"/>
+            </a:endParaRPr>
+          </a:p>
+        </p:txBody>
+      </p:sp>
+      <p:sp>
+        <p:nvSpPr>
+          <p:cNvPr id="8" name="TextBox 7">
+            <a:extLst>
+              <a:ext uri="{FF2B5EF4-FFF2-40B4-BE49-F238E27FC236}">
+                <a16:creationId xmlns:a16="http://schemas.microsoft.com/office/drawing/2014/main" id="{8A864B2A-6254-474E-857B-07383EA4C9F1}"/>
+              </a:ext>
+            </a:extLst>
+          </p:cNvPr>
+          <p:cNvSpPr txBox="1"/>
+          <p:nvPr/>
+        </p:nvSpPr>
+        <p:spPr>
+          <a:xfrm>
+            <a:off x="7444022" y="3669888"/>
+            <a:ext cx="612054" cy="232038"/>
+          </a:xfrm>
+          <a:prstGeom prst="rect">
+            <a:avLst/>
+          </a:prstGeom>
+          <a:solidFill>
+            <a:srgbClr val="92D050">
+              <a:alpha val="30000"/>
+            </a:srgbClr>
+          </a:solidFill>
+          <a:ln w="38100">
+            <a:solidFill>
+              <a:schemeClr val="accent1"/>
+            </a:solidFill>
+          </a:ln>
+        </p:spPr>
+        <p:txBody>
+          <a:bodyPr wrap="square" rtlCol="0">
+            <a:spAutoFit/>
+          </a:bodyPr>
+          <a:lstStyle/>
+          <a:p>
+            <a:pPr marL="0" marR="0" lvl="0" indent="0" algn="l" defTabSz="914400" rtl="0" eaLnBrk="1" fontAlgn="auto" latinLnBrk="0" hangingPunct="1">
+              <a:lnSpc>
+                <a:spcPct val="100000"/>
+              </a:lnSpc>
+              <a:spcBef>
+                <a:spcPts val="0"/>
+              </a:spcBef>
+              <a:spcAft>
+                <a:spcPts val="0"/>
+              </a:spcAft>
+              <a:buClrTx/>
+              <a:buSzTx/>
+              <a:buFontTx/>
+              <a:buNone/>
+              <a:tabLst/>
+              <a:defRPr/>
+            </a:pPr>
+            <a:endParaRPr kumimoji="0" lang="en-US" sz="1800" b="0" i="0" u="none" strike="noStrike" kern="1200" cap="none" spc="0" normalizeH="0" baseline="0" noProof="0" dirty="0">
+              <a:ln>
+                <a:noFill/>
+              </a:ln>
+              <a:solidFill>
+                <a:prstClr val="black"/>
+              </a:solidFill>
+              <a:effectLst/>
+              <a:uLnTx/>
+              <a:uFillTx/>
+              <a:latin typeface="Calibri" panose="020F0502020204030204"/>
+              <a:ea typeface="+mn-ea"/>
+              <a:cs typeface="+mn-cs"/>
+            </a:endParaRPr>
           </a:p>
         </p:txBody>
       </p:sp>
     </p:spTree>
     <p:extLst>
       <p:ext uri="{BB962C8B-B14F-4D97-AF65-F5344CB8AC3E}">
-        <p14:creationId xmlns:p14="http://schemas.microsoft.com/office/powerpoint/2010/main" val="2033785688"/>
+        <p14:creationId xmlns:p14="http://schemas.microsoft.com/office/powerpoint/2010/main" val="1848897524"/>
       </p:ext>
     </p:extLst>
   </p:cSld>
@@ -4719,111 +9868,466 @@
 </p:sld>
 </file>
 
+<file path=ppt/slides/slide7.xml><?xml version="1.0" encoding="utf-8"?>
+<p:sld xmlns:a="http://schemas.openxmlformats.org/drawingml/2006/main" xmlns:r="http://schemas.openxmlformats.org/officeDocument/2006/relationships" xmlns:p="http://schemas.openxmlformats.org/presentationml/2006/main">
+  <p:cSld>
+    <p:spTree>
+      <p:nvGrpSpPr>
+        <p:cNvPr id="1" name=""/>
+        <p:cNvGrpSpPr/>
+        <p:nvPr/>
+      </p:nvGrpSpPr>
+      <p:grpSpPr>
+        <a:xfrm>
+          <a:off x="0" y="0"/>
+          <a:ext cx="0" cy="0"/>
+          <a:chOff x="0" y="0"/>
+          <a:chExt cx="0" cy="0"/>
+        </a:xfrm>
+      </p:grpSpPr>
+      <p:sp>
+        <p:nvSpPr>
+          <p:cNvPr id="2" name="Title 1">
+            <a:extLst>
+              <a:ext uri="{FF2B5EF4-FFF2-40B4-BE49-F238E27FC236}">
+                <a16:creationId xmlns:a16="http://schemas.microsoft.com/office/drawing/2014/main" id="{C7D6B7C7-0764-7247-98EF-9DEDE2E52336}"/>
+              </a:ext>
+            </a:extLst>
+          </p:cNvPr>
+          <p:cNvSpPr>
+            <a:spLocks noGrp="1"/>
+          </p:cNvSpPr>
+          <p:nvPr>
+            <p:ph type="title"/>
+          </p:nvPr>
+        </p:nvSpPr>
+        <p:spPr/>
+        <p:txBody>
+          <a:bodyPr/>
+          <a:lstStyle/>
+          <a:p>
+            <a:r>
+              <a:rPr lang="en-US" dirty="0"/>
+              <a:t>Other Considerations:</a:t>
+            </a:r>
+          </a:p>
+        </p:txBody>
+      </p:sp>
+      <p:sp>
+        <p:nvSpPr>
+          <p:cNvPr id="3" name="Content Placeholder 2">
+            <a:extLst>
+              <a:ext uri="{FF2B5EF4-FFF2-40B4-BE49-F238E27FC236}">
+                <a16:creationId xmlns:a16="http://schemas.microsoft.com/office/drawing/2014/main" id="{AC684BED-7531-D840-B626-22F92FC49D6E}"/>
+              </a:ext>
+            </a:extLst>
+          </p:cNvPr>
+          <p:cNvSpPr>
+            <a:spLocks noGrp="1"/>
+          </p:cNvSpPr>
+          <p:nvPr>
+            <p:ph idx="1"/>
+          </p:nvPr>
+        </p:nvSpPr>
+        <p:spPr/>
+        <p:txBody>
+          <a:bodyPr/>
+          <a:lstStyle/>
+          <a:p>
+            <a:r>
+              <a:rPr lang="en-US" dirty="0"/>
+              <a:t>Limitations:  </a:t>
+            </a:r>
+          </a:p>
+          <a:p>
+            <a:pPr lvl="1"/>
+            <a:r>
+              <a:rPr lang="en-US" dirty="0"/>
+              <a:t>Self selection  </a:t>
+            </a:r>
+          </a:p>
+          <a:p>
+            <a:pPr lvl="1"/>
+            <a:r>
+              <a:rPr lang="en-US" dirty="0"/>
+              <a:t>Ratings are subjective</a:t>
+            </a:r>
+          </a:p>
+          <a:p>
+            <a:pPr lvl="1"/>
+            <a:r>
+              <a:rPr lang="en-US" dirty="0"/>
+              <a:t>Other factors </a:t>
+            </a:r>
+          </a:p>
+          <a:p>
+            <a:pPr lvl="1"/>
+            <a:endParaRPr lang="en-US" dirty="0"/>
+          </a:p>
+          <a:p>
+            <a:r>
+              <a:rPr lang="en-US" dirty="0"/>
+              <a:t>Further Research:  </a:t>
+            </a:r>
+          </a:p>
+          <a:p>
+            <a:pPr lvl="1"/>
+            <a:r>
+              <a:rPr lang="en-US" dirty="0"/>
+              <a:t>Additional factors/ variables</a:t>
+            </a:r>
+          </a:p>
+          <a:p>
+            <a:pPr lvl="1"/>
+            <a:r>
+              <a:rPr lang="en-US" dirty="0"/>
+              <a:t>Random sample</a:t>
+            </a:r>
+          </a:p>
+          <a:p>
+            <a:pPr lvl="1"/>
+            <a:r>
+              <a:rPr lang="en-US" dirty="0"/>
+              <a:t>Group by company </a:t>
+            </a:r>
+          </a:p>
+          <a:p>
+            <a:pPr lvl="1"/>
+            <a:endParaRPr lang="en-US" dirty="0"/>
+          </a:p>
+          <a:p>
+            <a:pPr lvl="1"/>
+            <a:endParaRPr lang="en-US" dirty="0"/>
+          </a:p>
+          <a:p>
+            <a:endParaRPr lang="en-US" dirty="0"/>
+          </a:p>
+        </p:txBody>
+      </p:sp>
+    </p:spTree>
+    <p:extLst>
+      <p:ext uri="{BB962C8B-B14F-4D97-AF65-F5344CB8AC3E}">
+        <p14:creationId xmlns:p14="http://schemas.microsoft.com/office/powerpoint/2010/main" val="765864823"/>
+      </p:ext>
+    </p:extLst>
+  </p:cSld>
+  <p:clrMapOvr>
+    <a:masterClrMapping/>
+  </p:clrMapOvr>
+</p:sld>
+</file>
+
+<file path=ppt/slides/slide8.xml><?xml version="1.0" encoding="utf-8"?>
+<p:sld xmlns:a="http://schemas.openxmlformats.org/drawingml/2006/main" xmlns:r="http://schemas.openxmlformats.org/officeDocument/2006/relationships" xmlns:p="http://schemas.openxmlformats.org/presentationml/2006/main">
+  <p:cSld>
+    <p:spTree>
+      <p:nvGrpSpPr>
+        <p:cNvPr id="1" name=""/>
+        <p:cNvGrpSpPr/>
+        <p:nvPr/>
+      </p:nvGrpSpPr>
+      <p:grpSpPr>
+        <a:xfrm>
+          <a:off x="0" y="0"/>
+          <a:ext cx="0" cy="0"/>
+          <a:chOff x="0" y="0"/>
+          <a:chExt cx="0" cy="0"/>
+        </a:xfrm>
+      </p:grpSpPr>
+      <p:sp>
+        <p:nvSpPr>
+          <p:cNvPr id="2" name="Title 1">
+            <a:extLst>
+              <a:ext uri="{FF2B5EF4-FFF2-40B4-BE49-F238E27FC236}">
+                <a16:creationId xmlns:a16="http://schemas.microsoft.com/office/drawing/2014/main" id="{314DA4F1-0D43-4F1D-8CD0-DB11F5958E87}"/>
+              </a:ext>
+            </a:extLst>
+          </p:cNvPr>
+          <p:cNvSpPr>
+            <a:spLocks noGrp="1"/>
+          </p:cNvSpPr>
+          <p:nvPr>
+            <p:ph type="title"/>
+          </p:nvPr>
+        </p:nvSpPr>
+        <p:spPr/>
+        <p:txBody>
+          <a:bodyPr>
+            <a:normAutofit fontScale="90000"/>
+          </a:bodyPr>
+          <a:lstStyle/>
+          <a:p>
+            <a:r>
+              <a:rPr lang="en-US" dirty="0"/>
+              <a:t>Are there were any common themes in what people like about their jobs? </a:t>
+            </a:r>
+          </a:p>
+        </p:txBody>
+      </p:sp>
+      <p:sp>
+        <p:nvSpPr>
+          <p:cNvPr id="3" name="Text Placeholder 2">
+            <a:extLst>
+              <a:ext uri="{FF2B5EF4-FFF2-40B4-BE49-F238E27FC236}">
+                <a16:creationId xmlns:a16="http://schemas.microsoft.com/office/drawing/2014/main" id="{3B3898DA-1FF1-402C-9925-C62DF65A675D}"/>
+              </a:ext>
+            </a:extLst>
+          </p:cNvPr>
+          <p:cNvSpPr>
+            <a:spLocks noGrp="1"/>
+          </p:cNvSpPr>
+          <p:nvPr>
+            <p:ph type="body" idx="1"/>
+          </p:nvPr>
+        </p:nvSpPr>
+        <p:spPr/>
+        <p:txBody>
+          <a:bodyPr/>
+          <a:lstStyle/>
+          <a:p>
+            <a:endParaRPr lang="en-US"/>
+          </a:p>
+        </p:txBody>
+      </p:sp>
+    </p:spTree>
+    <p:extLst>
+      <p:ext uri="{BB962C8B-B14F-4D97-AF65-F5344CB8AC3E}">
+        <p14:creationId xmlns:p14="http://schemas.microsoft.com/office/powerpoint/2010/main" val="2387296304"/>
+      </p:ext>
+    </p:extLst>
+  </p:cSld>
+  <p:clrMapOvr>
+    <a:masterClrMapping/>
+  </p:clrMapOvr>
+</p:sld>
+</file>
+
+<file path=ppt/slides/slide9.xml><?xml version="1.0" encoding="utf-8"?>
+<p:sld xmlns:a="http://schemas.openxmlformats.org/drawingml/2006/main" xmlns:r="http://schemas.openxmlformats.org/officeDocument/2006/relationships" xmlns:p="http://schemas.openxmlformats.org/presentationml/2006/main">
+  <p:cSld>
+    <p:spTree>
+      <p:nvGrpSpPr>
+        <p:cNvPr id="1" name="Shape 53"/>
+        <p:cNvGrpSpPr/>
+        <p:nvPr/>
+      </p:nvGrpSpPr>
+      <p:grpSpPr>
+        <a:xfrm>
+          <a:off x="0" y="0"/>
+          <a:ext cx="0" cy="0"/>
+          <a:chOff x="0" y="0"/>
+          <a:chExt cx="0" cy="0"/>
+        </a:xfrm>
+      </p:grpSpPr>
+      <p:sp>
+        <p:nvSpPr>
+          <p:cNvPr id="54" name="Google Shape;54;p13"/>
+          <p:cNvSpPr txBox="1"/>
+          <p:nvPr/>
+        </p:nvSpPr>
+        <p:spPr>
+          <a:xfrm>
+            <a:off x="841248" y="547472"/>
+            <a:ext cx="10803658" cy="4934000"/>
+          </a:xfrm>
+          <a:prstGeom prst="rect">
+            <a:avLst/>
+          </a:prstGeom>
+          <a:noFill/>
+          <a:ln>
+            <a:noFill/>
+          </a:ln>
+        </p:spPr>
+        <p:txBody>
+          <a:bodyPr spcFirstLastPara="1" wrap="square" lIns="121900" tIns="121900" rIns="121900" bIns="121900" anchor="t" anchorCtr="0">
+            <a:noAutofit/>
+          </a:bodyPr>
+          <a:lstStyle/>
+          <a:p>
+            <a:r>
+              <a:rPr lang="en" sz="2400" dirty="0"/>
+              <a:t>Question: </a:t>
+            </a:r>
+            <a:endParaRPr sz="2400" dirty="0"/>
+          </a:p>
+          <a:p>
+            <a:r>
+              <a:rPr lang="en" sz="2400" dirty="0"/>
+              <a:t>What do people like about their jobs?</a:t>
+            </a:r>
+            <a:endParaRPr sz="2400" dirty="0"/>
+          </a:p>
+          <a:p>
+            <a:r>
+              <a:rPr lang="en" sz="2400" dirty="0"/>
+              <a:t>What do people dislike about their jobs?</a:t>
+            </a:r>
+            <a:endParaRPr sz="2400" dirty="0"/>
+          </a:p>
+          <a:p>
+            <a:endParaRPr sz="2400" dirty="0"/>
+          </a:p>
+          <a:p>
+            <a:r>
+              <a:rPr lang="en" sz="2400" dirty="0"/>
+              <a:t>Data Cleanup, Exploration, and Analysis</a:t>
+            </a:r>
+            <a:endParaRPr sz="2400" dirty="0"/>
+          </a:p>
+          <a:p>
+            <a:pPr marL="609585" indent="-423323">
+              <a:buSzPts val="1400"/>
+              <a:buChar char="●"/>
+            </a:pPr>
+            <a:r>
+              <a:rPr lang="en" sz="2400" dirty="0"/>
+              <a:t>Started by taking all data from the pros column, turning each entry into a tokenized list and used a counter object to count how many tokens were in each list. Added together counters. </a:t>
+            </a:r>
+            <a:endParaRPr sz="2400" dirty="0"/>
+          </a:p>
+          <a:p>
+            <a:pPr marL="1219170" lvl="1" indent="-423323">
+              <a:buSzPts val="1400"/>
+              <a:buChar char="○"/>
+            </a:pPr>
+            <a:r>
+              <a:rPr lang="en" sz="2400" dirty="0"/>
+              <a:t>Functional but VERY INEFFICIENT (10+ minutes).</a:t>
+            </a:r>
+            <a:endParaRPr sz="2400" dirty="0"/>
+          </a:p>
+          <a:p>
+            <a:pPr marL="609585" indent="-423323">
+              <a:buSzPts val="1400"/>
+              <a:buChar char="●"/>
+            </a:pPr>
+            <a:r>
+              <a:rPr lang="en" sz="2400" dirty="0"/>
+              <a:t>Took the data from each cell and placed it all into a text file.</a:t>
+            </a:r>
+            <a:endParaRPr sz="2400" dirty="0"/>
+          </a:p>
+          <a:p>
+            <a:pPr marL="609585" indent="-423323">
+              <a:buSzPts val="1400"/>
+              <a:buChar char="●"/>
+            </a:pPr>
+            <a:r>
+              <a:rPr lang="en" sz="2400" dirty="0"/>
+              <a:t>Used Natural Language Toolkit (NLTK) library to tokenize and count text file.</a:t>
+            </a:r>
+            <a:endParaRPr sz="2400" dirty="0"/>
+          </a:p>
+          <a:p>
+            <a:pPr marL="1219170" lvl="1" indent="-423323">
+              <a:buSzPts val="1400"/>
+              <a:buChar char="○"/>
+            </a:pPr>
+            <a:r>
+              <a:rPr lang="en" sz="2400" dirty="0"/>
+              <a:t>Much much faster (~10 sec)</a:t>
+            </a:r>
+            <a:endParaRPr sz="2400" dirty="0"/>
+          </a:p>
+          <a:p>
+            <a:pPr marL="609585" indent="-423323">
+              <a:buSzPts val="1400"/>
+              <a:buChar char="●"/>
+            </a:pPr>
+            <a:r>
+              <a:rPr lang="en" sz="2400" dirty="0"/>
+              <a:t>Used loc to separate by company and created individual text files for each company’s pros and cons.</a:t>
+            </a:r>
+            <a:endParaRPr sz="2400" dirty="0"/>
+          </a:p>
+          <a:p>
+            <a:pPr marL="609585" indent="-423323">
+              <a:buSzPts val="1400"/>
+              <a:buChar char="●"/>
+            </a:pPr>
+            <a:r>
+              <a:rPr lang="en" sz="2400" dirty="0"/>
+              <a:t>Separated and tokenized each text file.</a:t>
+            </a:r>
+            <a:endParaRPr sz="2400" dirty="0"/>
+          </a:p>
+          <a:p>
+            <a:endParaRPr sz="2400" dirty="0"/>
+          </a:p>
+          <a:p>
+            <a:endParaRPr sz="2400" dirty="0"/>
+          </a:p>
+          <a:p>
+            <a:endParaRPr sz="2400" dirty="0"/>
+          </a:p>
+          <a:p>
+            <a:endParaRPr sz="2400" dirty="0"/>
+          </a:p>
+        </p:txBody>
+      </p:sp>
+    </p:spTree>
+  </p:cSld>
+  <p:clrMapOvr>
+    <a:masterClrMapping/>
+  </p:clrMapOvr>
+</p:sld>
+</file>
+
 <file path=ppt/theme/theme1.xml><?xml version="1.0" encoding="utf-8"?>
-<a:theme xmlns:a="http://schemas.openxmlformats.org/drawingml/2006/main" name="Office Theme">
+<a:theme xmlns:a="http://schemas.openxmlformats.org/drawingml/2006/main" name="Integral">
   <a:themeElements>
-    <a:clrScheme name="Office">
+    <a:clrScheme name="Integral">
       <a:dk1>
-        <a:sysClr val="windowText" lastClr="000000"/>
+        <a:srgbClr val="2E2B21"/>
       </a:dk1>
       <a:lt1>
-        <a:sysClr val="window" lastClr="FFFFFF"/>
+        <a:srgbClr val="FFFFFF"/>
       </a:lt1>
       <a:dk2>
-        <a:srgbClr val="44546A"/>
+        <a:srgbClr val="605B4F"/>
       </a:dk2>
       <a:lt2>
-        <a:srgbClr val="E7E6E6"/>
+        <a:srgbClr val="D8D6BE"/>
       </a:lt2>
       <a:accent1>
-        <a:srgbClr val="4472C4"/>
+        <a:srgbClr val="A9A57C"/>
       </a:accent1>
       <a:accent2>
-        <a:srgbClr val="ED7D31"/>
+        <a:srgbClr val="9CBEBD"/>
       </a:accent2>
       <a:accent3>
-        <a:srgbClr val="A5A5A5"/>
+        <a:srgbClr val="D2CB6C"/>
       </a:accent3>
       <a:accent4>
-        <a:srgbClr val="FFC000"/>
+        <a:srgbClr val="95A39D"/>
       </a:accent4>
       <a:accent5>
-        <a:srgbClr val="5B9BD5"/>
+        <a:srgbClr val="C89F5D"/>
       </a:accent5>
       <a:accent6>
-        <a:srgbClr val="70AD47"/>
+        <a:srgbClr val="B1A089"/>
       </a:accent6>
       <a:hlink>
-        <a:srgbClr val="0563C1"/>
+        <a:srgbClr val="D25814"/>
       </a:hlink>
       <a:folHlink>
-        <a:srgbClr val="954F72"/>
+        <a:srgbClr val="849A0A"/>
       </a:folHlink>
     </a:clrScheme>
-    <a:fontScheme name="Office">
+    <a:fontScheme name="Integral">
       <a:majorFont>
-        <a:latin typeface="Calibri Light" panose="020F0302020204030204"/>
+        <a:latin typeface="Tw Cen MT Condensed" panose="020B0606020104020203"/>
         <a:ea typeface=""/>
         <a:cs typeface=""/>
-        <a:font script="Jpan" typeface="游ゴシック Light"/>
-        <a:font script="Hang" typeface="맑은 고딕"/>
-        <a:font script="Hans" typeface="等线 Light"/>
-        <a:font script="Hant" typeface="新細明體"/>
-        <a:font script="Arab" typeface="Times New Roman"/>
-        <a:font script="Hebr" typeface="Times New Roman"/>
-        <a:font script="Thai" typeface="Angsana New"/>
-        <a:font script="Ethi" typeface="Nyala"/>
-        <a:font script="Beng" typeface="Vrinda"/>
-        <a:font script="Gujr" typeface="Shruti"/>
-        <a:font script="Khmr" typeface="MoolBoran"/>
-        <a:font script="Knda" typeface="Tunga"/>
-        <a:font script="Guru" typeface="Raavi"/>
-        <a:font script="Cans" typeface="Euphemia"/>
-        <a:font script="Cher" typeface="Plantagenet Cherokee"/>
-        <a:font script="Yiii" typeface="Microsoft Yi Baiti"/>
-        <a:font script="Tibt" typeface="Microsoft Himalaya"/>
-        <a:font script="Thaa" typeface="MV Boli"/>
-        <a:font script="Deva" typeface="Mangal"/>
-        <a:font script="Telu" typeface="Gautami"/>
-        <a:font script="Taml" typeface="Latha"/>
-        <a:font script="Syrc" typeface="Estrangelo Edessa"/>
-        <a:font script="Orya" typeface="Kalinga"/>
-        <a:font script="Mlym" typeface="Kartika"/>
-        <a:font script="Laoo" typeface="DokChampa"/>
-        <a:font script="Sinh" typeface="Iskoola Pota"/>
-        <a:font script="Mong" typeface="Mongolian Baiti"/>
-        <a:font script="Viet" typeface="Times New Roman"/>
-        <a:font script="Uigh" typeface="Microsoft Uighur"/>
-        <a:font script="Geor" typeface="Sylfaen"/>
-        <a:font script="Armn" typeface="Arial"/>
-        <a:font script="Bugi" typeface="Leelawadee UI"/>
-        <a:font script="Bopo" typeface="Microsoft JhengHei"/>
-        <a:font script="Java" typeface="Javanese Text"/>
-        <a:font script="Lisu" typeface="Segoe UI"/>
-        <a:font script="Mymr" typeface="Myanmar Text"/>
-        <a:font script="Nkoo" typeface="Ebrima"/>
-        <a:font script="Olck" typeface="Nirmala UI"/>
-        <a:font script="Osma" typeface="Ebrima"/>
-        <a:font script="Phag" typeface="Phagspa"/>
-        <a:font script="Syrn" typeface="Estrangelo Edessa"/>
-        <a:font script="Syrj" typeface="Estrangelo Edessa"/>
-        <a:font script="Syre" typeface="Estrangelo Edessa"/>
-        <a:font script="Sora" typeface="Nirmala UI"/>
-        <a:font script="Tale" typeface="Microsoft Tai Le"/>
-        <a:font script="Talu" typeface="Microsoft New Tai Lue"/>
-        <a:font script="Tfng" typeface="Ebrima"/>
-      </a:majorFont>
-      <a:minorFont>
-        <a:latin typeface="Calibri" panose="020F0502020204030204"/>
-        <a:ea typeface=""/>
-        <a:cs typeface=""/>
-        <a:font script="Jpan" typeface="游ゴシック"/>
-        <a:font script="Hang" typeface="맑은 고딕"/>
-        <a:font script="Hans" typeface="等线"/>
-        <a:font script="Hant" typeface="新細明體"/>
+        <a:font script="Grek" typeface="Calibri"/>
+        <a:font script="Cyrl" typeface="Calibri"/>
+        <a:font script="Jpan" typeface="メイリオ"/>
+        <a:font script="Hang" typeface="HY얕은샘물M"/>
+        <a:font script="Hans" typeface="华文仿宋"/>
+        <a:font script="Hant" typeface="微軟正黑體"/>
         <a:font script="Arab" typeface="Arial"/>
-        <a:font script="Hebr" typeface="Arial"/>
-        <a:font script="Thai" typeface="Cordia New"/>
+        <a:font script="Hebr" typeface="Levenim MT"/>
+        <a:font script="Thai" typeface="FreesiaUPC"/>
         <a:font script="Ethi" typeface="Nyala"/>
         <a:font script="Beng" typeface="Vrinda"/>
         <a:font script="Gujr" typeface="Shruti"/>
@@ -4844,29 +10348,49 @@
         <a:font script="Laoo" typeface="DokChampa"/>
         <a:font script="Sinh" typeface="Iskoola Pota"/>
         <a:font script="Mong" typeface="Mongolian Baiti"/>
-        <a:font script="Viet" typeface="Arial"/>
+        <a:font script="Viet" typeface="Tahoma"/>
         <a:font script="Uigh" typeface="Microsoft Uighur"/>
         <a:font script="Geor" typeface="Sylfaen"/>
-        <a:font script="Armn" typeface="Arial"/>
-        <a:font script="Bugi" typeface="Leelawadee UI"/>
-        <a:font script="Bopo" typeface="Microsoft JhengHei"/>
-        <a:font script="Java" typeface="Javanese Text"/>
-        <a:font script="Lisu" typeface="Segoe UI"/>
-        <a:font script="Mymr" typeface="Myanmar Text"/>
-        <a:font script="Nkoo" typeface="Ebrima"/>
-        <a:font script="Olck" typeface="Nirmala UI"/>
-        <a:font script="Osma" typeface="Ebrima"/>
-        <a:font script="Phag" typeface="Phagspa"/>
-        <a:font script="Syrn" typeface="Estrangelo Edessa"/>
-        <a:font script="Syrj" typeface="Estrangelo Edessa"/>
-        <a:font script="Syre" typeface="Estrangelo Edessa"/>
-        <a:font script="Sora" typeface="Nirmala UI"/>
-        <a:font script="Tale" typeface="Microsoft Tai Le"/>
-        <a:font script="Talu" typeface="Microsoft New Tai Lue"/>
-        <a:font script="Tfng" typeface="Ebrima"/>
+      </a:majorFont>
+      <a:minorFont>
+        <a:latin typeface="Tw Cen MT" panose="020B0602020104020603"/>
+        <a:ea typeface=""/>
+        <a:cs typeface=""/>
+        <a:font script="Grek" typeface="Calibri"/>
+        <a:font script="Cyrl" typeface="Calibri"/>
+        <a:font script="Jpan" typeface="メイリオ"/>
+        <a:font script="Hang" typeface="HY얕은샘물M"/>
+        <a:font script="Hans" typeface="华文仿宋"/>
+        <a:font script="Hant" typeface="微軟正黑體"/>
+        <a:font script="Arab" typeface="Arial"/>
+        <a:font script="Hebr" typeface="Levenim MT"/>
+        <a:font script="Thai" typeface="FreesiaUPC"/>
+        <a:font script="Ethi" typeface="Nyala"/>
+        <a:font script="Beng" typeface="Vrinda"/>
+        <a:font script="Gujr" typeface="Shruti"/>
+        <a:font script="Khmr" typeface="DaunPenh"/>
+        <a:font script="Knda" typeface="Tunga"/>
+        <a:font script="Guru" typeface="Raavi"/>
+        <a:font script="Cans" typeface="Euphemia"/>
+        <a:font script="Cher" typeface="Plantagenet Cherokee"/>
+        <a:font script="Yiii" typeface="Microsoft Yi Baiti"/>
+        <a:font script="Tibt" typeface="Microsoft Himalaya"/>
+        <a:font script="Thaa" typeface="MV Boli"/>
+        <a:font script="Deva" typeface="Mangal"/>
+        <a:font script="Telu" typeface="Gautami"/>
+        <a:font script="Taml" typeface="Latha"/>
+        <a:font script="Syrc" typeface="Estrangelo Edessa"/>
+        <a:font script="Orya" typeface="Kalinga"/>
+        <a:font script="Mlym" typeface="Kartika"/>
+        <a:font script="Laoo" typeface="DokChampa"/>
+        <a:font script="Sinh" typeface="Iskoola Pota"/>
+        <a:font script="Mong" typeface="Mongolian Baiti"/>
+        <a:font script="Viet" typeface="Tahoma"/>
+        <a:font script="Uigh" typeface="Microsoft Uighur"/>
+        <a:font script="Geor" typeface="Sylfaen"/>
       </a:minorFont>
     </a:fontScheme>
-    <a:fmtScheme name="Office">
+    <a:fmtScheme name="Integral">
       <a:fillStyleLst>
         <a:solidFill>
           <a:schemeClr val="phClr"/>
@@ -4875,76 +10399,65 @@
           <a:gsLst>
             <a:gs pos="0">
               <a:schemeClr val="phClr">
-                <a:lumMod val="110000"/>
-                <a:satMod val="105000"/>
-                <a:tint val="67000"/>
-              </a:schemeClr>
-            </a:gs>
-            <a:gs pos="50000">
-              <a:schemeClr val="phClr">
-                <a:lumMod val="105000"/>
-                <a:satMod val="103000"/>
-                <a:tint val="73000"/>
+                <a:tint val="83000"/>
+                <a:satMod val="100000"/>
+                <a:lumMod val="100000"/>
               </a:schemeClr>
             </a:gs>
             <a:gs pos="100000">
               <a:schemeClr val="phClr">
-                <a:lumMod val="105000"/>
-                <a:satMod val="109000"/>
-                <a:tint val="81000"/>
+                <a:tint val="61000"/>
+                <a:satMod val="150000"/>
+                <a:lumMod val="100000"/>
               </a:schemeClr>
             </a:gs>
           </a:gsLst>
-          <a:lin ang="5400000" scaled="0"/>
+          <a:path path="circle">
+            <a:fillToRect l="100000" t="100000" r="100000" b="100000"/>
+          </a:path>
         </a:gradFill>
         <a:gradFill rotWithShape="1">
           <a:gsLst>
             <a:gs pos="0">
               <a:schemeClr val="phClr">
-                <a:satMod val="103000"/>
-                <a:lumMod val="102000"/>
-                <a:tint val="94000"/>
-              </a:schemeClr>
-            </a:gs>
-            <a:gs pos="50000">
-              <a:schemeClr val="phClr">
-                <a:satMod val="110000"/>
+                <a:tint val="100000"/>
+                <a:shade val="85000"/>
+                <a:satMod val="100000"/>
                 <a:lumMod val="100000"/>
-                <a:shade val="100000"/>
               </a:schemeClr>
             </a:gs>
             <a:gs pos="100000">
               <a:schemeClr val="phClr">
-                <a:lumMod val="99000"/>
-                <a:satMod val="120000"/>
-                <a:shade val="78000"/>
+                <a:tint val="90000"/>
+                <a:shade val="100000"/>
+                <a:satMod val="150000"/>
+                <a:lumMod val="100000"/>
               </a:schemeClr>
             </a:gs>
           </a:gsLst>
-          <a:lin ang="5400000" scaled="0"/>
+          <a:path path="circle">
+            <a:fillToRect l="100000" t="100000" r="100000" b="100000"/>
+          </a:path>
         </a:gradFill>
       </a:fillStyleLst>
       <a:lnStyleLst>
-        <a:ln w="6350" cap="flat" cmpd="sng" algn="ctr">
+        <a:ln w="9525" cap="flat" cmpd="sng" algn="ctr">
           <a:solidFill>
             <a:schemeClr val="phClr"/>
           </a:solidFill>
           <a:prstDash val="solid"/>
-          <a:miter lim="800000"/>
         </a:ln>
-        <a:ln w="12700" cap="flat" cmpd="sng" algn="ctr">
+        <a:ln w="15875" cap="flat" cmpd="sng" algn="ctr">
           <a:solidFill>
             <a:schemeClr val="phClr"/>
           </a:solidFill>
           <a:prstDash val="solid"/>
-          <a:miter lim="800000"/>
         </a:ln>
         <a:ln w="19050" cap="flat" cmpd="sng" algn="ctr">
           <a:solidFill>
             <a:schemeClr val="phClr"/>
           </a:solidFill>
           <a:prstDash val="solid"/>
-          <a:miter lim="800000"/>
         </a:ln>
       </a:lnStyleLst>
       <a:effectStyleLst>
@@ -4952,55 +10465,72 @@
           <a:effectLst/>
         </a:effectStyle>
         <a:effectStyle>
-          <a:effectLst/>
+          <a:effectLst>
+            <a:outerShdw blurRad="50800" dist="12700" dir="5400000" algn="ctr" rotWithShape="0">
+              <a:srgbClr val="000000">
+                <a:alpha val="50000"/>
+              </a:srgbClr>
+            </a:outerShdw>
+          </a:effectLst>
         </a:effectStyle>
         <a:effectStyle>
           <a:effectLst>
-            <a:outerShdw blurRad="57150" dist="19050" dir="5400000" algn="ctr" rotWithShape="0">
+            <a:outerShdw blurRad="76200" dist="25400" dir="5400000" algn="ctr" rotWithShape="0">
               <a:srgbClr val="000000">
-                <a:alpha val="63000"/>
+                <a:alpha val="60000"/>
               </a:srgbClr>
             </a:outerShdw>
           </a:effectLst>
+          <a:scene3d>
+            <a:camera prst="orthographicFront">
+              <a:rot lat="0" lon="0" rev="0"/>
+            </a:camera>
+            <a:lightRig rig="flat" dir="t">
+              <a:rot lat="0" lon="0" rev="3600000"/>
+            </a:lightRig>
+          </a:scene3d>
+          <a:sp3d contourW="12700" prstMaterial="flat">
+            <a:bevelT w="38100" h="44450" prst="angle"/>
+            <a:contourClr>
+              <a:schemeClr val="phClr">
+                <a:shade val="35000"/>
+                <a:satMod val="160000"/>
+              </a:schemeClr>
+            </a:contourClr>
+          </a:sp3d>
         </a:effectStyle>
       </a:effectStyleLst>
       <a:bgFillStyleLst>
         <a:solidFill>
           <a:schemeClr val="phClr"/>
         </a:solidFill>
-        <a:solidFill>
-          <a:schemeClr val="phClr">
-            <a:tint val="95000"/>
-            <a:satMod val="170000"/>
-          </a:schemeClr>
-        </a:solidFill>
-        <a:gradFill rotWithShape="1">
-          <a:gsLst>
-            <a:gs pos="0">
-              <a:schemeClr val="phClr">
-                <a:tint val="93000"/>
-                <a:satMod val="150000"/>
-                <a:shade val="98000"/>
-                <a:lumMod val="102000"/>
-              </a:schemeClr>
-            </a:gs>
-            <a:gs pos="50000">
+        <a:blipFill rotWithShape="1">
+          <a:blip xmlns:r="http://schemas.openxmlformats.org/officeDocument/2006/relationships" r:embed="rId1">
+            <a:duotone>
               <a:schemeClr val="phClr">
                 <a:tint val="98000"/>
-                <a:satMod val="130000"/>
-                <a:shade val="90000"/>
-                <a:lumMod val="103000"/>
               </a:schemeClr>
-            </a:gs>
-            <a:gs pos="100000">
               <a:schemeClr val="phClr">
-                <a:shade val="63000"/>
-                <a:satMod val="120000"/>
+                <a:shade val="89000"/>
+                <a:satMod val="145000"/>
               </a:schemeClr>
-            </a:gs>
-          </a:gsLst>
-          <a:lin ang="5400000" scaled="0"/>
-        </a:gradFill>
+            </a:duotone>
+          </a:blip>
+          <a:tile tx="0" ty="0" sx="32000" sy="32000" flip="none" algn="tl"/>
+        </a:blipFill>
+        <a:blipFill rotWithShape="1">
+          <a:blip xmlns:r="http://schemas.openxmlformats.org/officeDocument/2006/relationships" r:embed="rId2">
+            <a:duotone>
+              <a:schemeClr val="phClr">
+                <a:tint val="98000"/>
+              </a:schemeClr>
+              <a:schemeClr val="phClr">
+                <a:shade val="95000"/>
+              </a:schemeClr>
+            </a:duotone>
+          </a:blip>
+          <a:tile tx="0" ty="0" sx="32000" sy="32000" flip="none" algn="tl"/>
+        </a:blipFill>
       </a:bgFillStyleLst>
     </a:fmtScheme>
   </a:themeElements>
@@ -5008,7 +10538,7 @@
   <a:extraClrSchemeLst/>
   <a:extLst>
     <a:ext uri="{05A4C25C-085E-4340-85A3-A5531E510DB2}">
-      <thm15:themeFamily xmlns:thm15="http://schemas.microsoft.com/office/thememl/2012/main" name="Office Theme" id="{62F939B6-93AF-4DB8-9C6B-D6C7DFDC589F}" vid="{4A3C46E8-61CC-4603-A589-7422A47A8E4A}"/>
+      <thm15:themeFamily xmlns:thm15="http://schemas.microsoft.com/office/thememl/2012/main" name="Integral" id="{3577F8C9-A904-41D8-97D2-FD898F53F20E}" vid="{090DCB5F-146D-478A-852A-34B16FE9F3A8}"/>
     </a:ext>
   </a:extLst>
 </a:theme>
